--- a/Presentazione Elaborato Ricerca Operativa.pptx
+++ b/Presentazione Elaborato Ricerca Operativa.pptx
@@ -5,10 +5,10 @@
     <p:sldMasterId id="2147483648" r:id="rId1"/>
   </p:sldMasterIdLst>
   <p:notesMasterIdLst>
-    <p:notesMasterId r:id="rId8"/>
+    <p:notesMasterId r:id="rId28"/>
   </p:notesMasterIdLst>
   <p:handoutMasterIdLst>
-    <p:handoutMasterId r:id="rId9"/>
+    <p:handoutMasterId r:id="rId29"/>
   </p:handoutMasterIdLst>
   <p:sldIdLst>
     <p:sldId id="374" r:id="rId2"/>
@@ -17,6 +17,26 @@
     <p:sldId id="684" r:id="rId5"/>
     <p:sldId id="685" r:id="rId6"/>
     <p:sldId id="686" r:id="rId7"/>
+    <p:sldId id="687" r:id="rId8"/>
+    <p:sldId id="694" r:id="rId9"/>
+    <p:sldId id="697" r:id="rId10"/>
+    <p:sldId id="698" r:id="rId11"/>
+    <p:sldId id="699" r:id="rId12"/>
+    <p:sldId id="700" r:id="rId13"/>
+    <p:sldId id="701" r:id="rId14"/>
+    <p:sldId id="702" r:id="rId15"/>
+    <p:sldId id="688" r:id="rId16"/>
+    <p:sldId id="704" r:id="rId17"/>
+    <p:sldId id="705" r:id="rId18"/>
+    <p:sldId id="706" r:id="rId19"/>
+    <p:sldId id="707" r:id="rId20"/>
+    <p:sldId id="708" r:id="rId21"/>
+    <p:sldId id="689" r:id="rId22"/>
+    <p:sldId id="690" r:id="rId23"/>
+    <p:sldId id="691" r:id="rId24"/>
+    <p:sldId id="692" r:id="rId25"/>
+    <p:sldId id="693" r:id="rId26"/>
+    <p:sldId id="695" r:id="rId27"/>
   </p:sldIdLst>
   <p:sldSz cx="9144000" cy="6858000" type="screen4x3"/>
   <p:notesSz cx="6858000" cy="9658350"/>
@@ -2837,12 +2857,12 @@
           <a:graphicData uri="http://schemas.openxmlformats.org/presentationml/2006/ole">
             <mc:AlternateContent xmlns:mc="http://schemas.openxmlformats.org/markup-compatibility/2006">
               <mc:Choice xmlns:v="urn:schemas-microsoft-com:vml" Requires="v">
-                <p:oleObj name="Image" r:id="rId10" imgW="2144821" imgH="1268683" progId="Photoshop.Image.7">
+                <p:oleObj spid="_x0000_s1039" name="Image" r:id="rId11" imgW="2144821" imgH="1268683" progId="Photoshop.Image.7">
                   <p:embed/>
                 </p:oleObj>
               </mc:Choice>
               <mc:Fallback>
-                <p:oleObj name="Image" r:id="rId10" imgW="2144821" imgH="1268683" progId="Photoshop.Image.7">
+                <p:oleObj name="Image" r:id="rId11" imgW="2144821" imgH="1268683" progId="Photoshop.Image.7">
                   <p:embed/>
                   <p:pic>
                     <p:nvPicPr>
@@ -2853,7 +2873,7 @@
                       <p:nvPr/>
                     </p:nvPicPr>
                     <p:blipFill>
-                      <a:blip r:embed="rId11">
+                      <a:blip r:embed="rId12">
                         <a:extLst>
                           <a:ext uri="{28A0092B-C50C-407E-A947-70E740481C1C}">
                             <a14:useLocalDpi xmlns:a14="http://schemas.microsoft.com/office/drawing/2010/main" val="0"/>
@@ -3318,7 +3338,7 @@
         </a:buClr>
         <a:buFont typeface="Monotype Sorts" pitchFamily="2" charset="2"/>
         <a:buBlip>
-          <a:blip r:embed="rId12"/>
+          <a:blip r:embed="rId13"/>
         </a:buBlip>
         <a:defRPr b="1">
           <a:solidFill>
@@ -3345,7 +3365,7 @@
           <a:schemeClr val="tx1"/>
         </a:buClr>
         <a:buBlip>
-          <a:blip r:embed="rId12"/>
+          <a:blip r:embed="rId13"/>
         </a:buBlip>
         <a:defRPr sz="1400" b="1">
           <a:solidFill>
@@ -3370,7 +3390,7 @@
           <a:schemeClr val="tx1"/>
         </a:buClr>
         <a:buBlip>
-          <a:blip r:embed="rId12"/>
+          <a:blip r:embed="rId13"/>
         </a:buBlip>
         <a:defRPr b="1">
           <a:solidFill>
@@ -3396,7 +3416,7 @@
         </a:buClr>
         <a:buFont typeface="Monotype Sorts" pitchFamily="2" charset="2"/>
         <a:buBlip>
-          <a:blip r:embed="rId12"/>
+          <a:blip r:embed="rId13"/>
         </a:buBlip>
         <a:defRPr b="1">
           <a:solidFill>
@@ -3421,7 +3441,7 @@
           <a:schemeClr val="tx1"/>
         </a:buClr>
         <a:buBlip>
-          <a:blip r:embed="rId12"/>
+          <a:blip r:embed="rId13"/>
         </a:buBlip>
         <a:defRPr b="1">
           <a:solidFill>
@@ -3446,7 +3466,7 @@
           <a:schemeClr val="tx1"/>
         </a:buClr>
         <a:buBlip>
-          <a:blip r:embed="rId12"/>
+          <a:blip r:embed="rId13"/>
         </a:buBlip>
         <a:defRPr b="1">
           <a:solidFill>
@@ -3471,7 +3491,7 @@
           <a:schemeClr val="tx1"/>
         </a:buClr>
         <a:buBlip>
-          <a:blip r:embed="rId12"/>
+          <a:blip r:embed="rId13"/>
         </a:buBlip>
         <a:defRPr b="1">
           <a:solidFill>
@@ -3496,7 +3516,7 @@
           <a:schemeClr val="tx1"/>
         </a:buClr>
         <a:buBlip>
-          <a:blip r:embed="rId12"/>
+          <a:blip r:embed="rId13"/>
         </a:buBlip>
         <a:defRPr b="1">
           <a:solidFill>
@@ -3521,7 +3541,7 @@
           <a:schemeClr val="tx1"/>
         </a:buClr>
         <a:buBlip>
-          <a:blip r:embed="rId12"/>
+          <a:blip r:embed="rId13"/>
         </a:buBlip>
         <a:defRPr b="1">
           <a:solidFill>
@@ -4397,6 +4417,981 @@
 </p:sld>
 </file>
 
+<file path=ppt/slides/slide10.xml><?xml version="1.0" encoding="utf-8"?>
+<p:sld xmlns:a="http://schemas.openxmlformats.org/drawingml/2006/main" xmlns:r="http://schemas.openxmlformats.org/officeDocument/2006/relationships" xmlns:p="http://schemas.openxmlformats.org/presentationml/2006/main">
+  <p:cSld>
+    <p:spTree>
+      <p:nvGrpSpPr>
+        <p:cNvPr id="1" name=""/>
+        <p:cNvGrpSpPr/>
+        <p:nvPr/>
+      </p:nvGrpSpPr>
+      <p:grpSpPr>
+        <a:xfrm>
+          <a:off x="0" y="0"/>
+          <a:ext cx="0" cy="0"/>
+          <a:chOff x="0" y="0"/>
+          <a:chExt cx="0" cy="0"/>
+        </a:xfrm>
+      </p:grpSpPr>
+      <p:sp>
+        <p:nvSpPr>
+          <p:cNvPr id="2" name="Titolo 1">
+            <a:extLst>
+              <a:ext uri="{FF2B5EF4-FFF2-40B4-BE49-F238E27FC236}">
+                <a16:creationId xmlns:a16="http://schemas.microsoft.com/office/drawing/2014/main" id="{31A7ACCC-69D8-2843-8B70-F951BBBACCB0}"/>
+              </a:ext>
+            </a:extLst>
+          </p:cNvPr>
+          <p:cNvSpPr>
+            <a:spLocks noGrp="1"/>
+          </p:cNvSpPr>
+          <p:nvPr>
+            <p:ph type="title"/>
+          </p:nvPr>
+        </p:nvSpPr>
+        <p:spPr/>
+        <p:txBody>
+          <a:bodyPr/>
+          <a:lstStyle/>
+          <a:p>
+            <a:endParaRPr lang="it-IT"/>
+          </a:p>
+        </p:txBody>
+      </p:sp>
+      <p:pic>
+        <p:nvPicPr>
+          <p:cNvPr id="4" name="Segnaposto contenuto 3">
+            <a:extLst>
+              <a:ext uri="{FF2B5EF4-FFF2-40B4-BE49-F238E27FC236}">
+                <a16:creationId xmlns:a16="http://schemas.microsoft.com/office/drawing/2014/main" id="{53EA49A4-8CA6-A349-970F-E25EE6D8E3EA}"/>
+              </a:ext>
+            </a:extLst>
+          </p:cNvPr>
+          <p:cNvPicPr>
+            <a:picLocks noGrp="1" noChangeAspect="1"/>
+          </p:cNvPicPr>
+          <p:nvPr>
+            <p:ph idx="1"/>
+          </p:nvPr>
+        </p:nvPicPr>
+        <p:blipFill>
+          <a:blip r:embed="rId2"/>
+          <a:stretch>
+            <a:fillRect/>
+          </a:stretch>
+        </p:blipFill>
+        <p:spPr>
+          <a:xfrm>
+            <a:off x="2359998" y="2286000"/>
+            <a:ext cx="4424004" cy="4114800"/>
+          </a:xfrm>
+          <a:prstGeom prst="rect">
+            <a:avLst/>
+          </a:prstGeom>
+        </p:spPr>
+      </p:pic>
+    </p:spTree>
+    <p:extLst>
+      <p:ext uri="{BB962C8B-B14F-4D97-AF65-F5344CB8AC3E}">
+        <p14:creationId xmlns:p14="http://schemas.microsoft.com/office/powerpoint/2010/main" val="831943456"/>
+      </p:ext>
+    </p:extLst>
+  </p:cSld>
+  <p:clrMapOvr>
+    <a:masterClrMapping/>
+  </p:clrMapOvr>
+</p:sld>
+</file>
+
+<file path=ppt/slides/slide11.xml><?xml version="1.0" encoding="utf-8"?>
+<p:sld xmlns:a="http://schemas.openxmlformats.org/drawingml/2006/main" xmlns:r="http://schemas.openxmlformats.org/officeDocument/2006/relationships" xmlns:p="http://schemas.openxmlformats.org/presentationml/2006/main">
+  <p:cSld>
+    <p:spTree>
+      <p:nvGrpSpPr>
+        <p:cNvPr id="1" name=""/>
+        <p:cNvGrpSpPr/>
+        <p:nvPr/>
+      </p:nvGrpSpPr>
+      <p:grpSpPr>
+        <a:xfrm>
+          <a:off x="0" y="0"/>
+          <a:ext cx="0" cy="0"/>
+          <a:chOff x="0" y="0"/>
+          <a:chExt cx="0" cy="0"/>
+        </a:xfrm>
+      </p:grpSpPr>
+      <p:sp>
+        <p:nvSpPr>
+          <p:cNvPr id="2" name="Titolo 1">
+            <a:extLst>
+              <a:ext uri="{FF2B5EF4-FFF2-40B4-BE49-F238E27FC236}">
+                <a16:creationId xmlns:a16="http://schemas.microsoft.com/office/drawing/2014/main" id="{5B91AD3C-C67A-F640-B9AF-49B1E5FED962}"/>
+              </a:ext>
+            </a:extLst>
+          </p:cNvPr>
+          <p:cNvSpPr>
+            <a:spLocks noGrp="1"/>
+          </p:cNvSpPr>
+          <p:nvPr>
+            <p:ph type="title"/>
+          </p:nvPr>
+        </p:nvSpPr>
+        <p:spPr/>
+        <p:txBody>
+          <a:bodyPr/>
+          <a:lstStyle/>
+          <a:p>
+            <a:endParaRPr lang="it-IT"/>
+          </a:p>
+        </p:txBody>
+      </p:sp>
+      <p:pic>
+        <p:nvPicPr>
+          <p:cNvPr id="4" name="Segnaposto contenuto 3">
+            <a:extLst>
+              <a:ext uri="{FF2B5EF4-FFF2-40B4-BE49-F238E27FC236}">
+                <a16:creationId xmlns:a16="http://schemas.microsoft.com/office/drawing/2014/main" id="{B3D53D90-3BEF-584C-930B-30022C614663}"/>
+              </a:ext>
+            </a:extLst>
+          </p:cNvPr>
+          <p:cNvPicPr>
+            <a:picLocks noGrp="1" noChangeAspect="1"/>
+          </p:cNvPicPr>
+          <p:nvPr>
+            <p:ph idx="1"/>
+          </p:nvPr>
+        </p:nvPicPr>
+        <p:blipFill>
+          <a:blip r:embed="rId2"/>
+          <a:stretch>
+            <a:fillRect/>
+          </a:stretch>
+        </p:blipFill>
+        <p:spPr>
+          <a:xfrm>
+            <a:off x="2359998" y="2286000"/>
+            <a:ext cx="4424004" cy="4114800"/>
+          </a:xfrm>
+          <a:prstGeom prst="rect">
+            <a:avLst/>
+          </a:prstGeom>
+        </p:spPr>
+      </p:pic>
+    </p:spTree>
+    <p:extLst>
+      <p:ext uri="{BB962C8B-B14F-4D97-AF65-F5344CB8AC3E}">
+        <p14:creationId xmlns:p14="http://schemas.microsoft.com/office/powerpoint/2010/main" val="3162308186"/>
+      </p:ext>
+    </p:extLst>
+  </p:cSld>
+  <p:clrMapOvr>
+    <a:masterClrMapping/>
+  </p:clrMapOvr>
+</p:sld>
+</file>
+
+<file path=ppt/slides/slide12.xml><?xml version="1.0" encoding="utf-8"?>
+<p:sld xmlns:a="http://schemas.openxmlformats.org/drawingml/2006/main" xmlns:r="http://schemas.openxmlformats.org/officeDocument/2006/relationships" xmlns:p="http://schemas.openxmlformats.org/presentationml/2006/main">
+  <p:cSld>
+    <p:spTree>
+      <p:nvGrpSpPr>
+        <p:cNvPr id="1" name=""/>
+        <p:cNvGrpSpPr/>
+        <p:nvPr/>
+      </p:nvGrpSpPr>
+      <p:grpSpPr>
+        <a:xfrm>
+          <a:off x="0" y="0"/>
+          <a:ext cx="0" cy="0"/>
+          <a:chOff x="0" y="0"/>
+          <a:chExt cx="0" cy="0"/>
+        </a:xfrm>
+      </p:grpSpPr>
+      <p:sp>
+        <p:nvSpPr>
+          <p:cNvPr id="2" name="Titolo 1">
+            <a:extLst>
+              <a:ext uri="{FF2B5EF4-FFF2-40B4-BE49-F238E27FC236}">
+                <a16:creationId xmlns:a16="http://schemas.microsoft.com/office/drawing/2014/main" id="{D6EE5198-97EA-9949-81D8-2E324B65813A}"/>
+              </a:ext>
+            </a:extLst>
+          </p:cNvPr>
+          <p:cNvSpPr>
+            <a:spLocks noGrp="1"/>
+          </p:cNvSpPr>
+          <p:nvPr>
+            <p:ph type="title"/>
+          </p:nvPr>
+        </p:nvSpPr>
+        <p:spPr/>
+        <p:txBody>
+          <a:bodyPr/>
+          <a:lstStyle/>
+          <a:p>
+            <a:endParaRPr lang="it-IT"/>
+          </a:p>
+        </p:txBody>
+      </p:sp>
+      <p:pic>
+        <p:nvPicPr>
+          <p:cNvPr id="4" name="Segnaposto contenuto 3">
+            <a:extLst>
+              <a:ext uri="{FF2B5EF4-FFF2-40B4-BE49-F238E27FC236}">
+                <a16:creationId xmlns:a16="http://schemas.microsoft.com/office/drawing/2014/main" id="{DB9F3C1F-4CA8-3946-8194-118B14330178}"/>
+              </a:ext>
+            </a:extLst>
+          </p:cNvPr>
+          <p:cNvPicPr>
+            <a:picLocks noGrp="1" noChangeAspect="1"/>
+          </p:cNvPicPr>
+          <p:nvPr>
+            <p:ph idx="1"/>
+          </p:nvPr>
+        </p:nvPicPr>
+        <p:blipFill>
+          <a:blip r:embed="rId2"/>
+          <a:stretch>
+            <a:fillRect/>
+          </a:stretch>
+        </p:blipFill>
+        <p:spPr>
+          <a:xfrm>
+            <a:off x="2359998" y="2286000"/>
+            <a:ext cx="4424004" cy="4114800"/>
+          </a:xfrm>
+          <a:prstGeom prst="rect">
+            <a:avLst/>
+          </a:prstGeom>
+        </p:spPr>
+      </p:pic>
+    </p:spTree>
+    <p:extLst>
+      <p:ext uri="{BB962C8B-B14F-4D97-AF65-F5344CB8AC3E}">
+        <p14:creationId xmlns:p14="http://schemas.microsoft.com/office/powerpoint/2010/main" val="1925807012"/>
+      </p:ext>
+    </p:extLst>
+  </p:cSld>
+  <p:clrMapOvr>
+    <a:masterClrMapping/>
+  </p:clrMapOvr>
+</p:sld>
+</file>
+
+<file path=ppt/slides/slide13.xml><?xml version="1.0" encoding="utf-8"?>
+<p:sld xmlns:a="http://schemas.openxmlformats.org/drawingml/2006/main" xmlns:r="http://schemas.openxmlformats.org/officeDocument/2006/relationships" xmlns:p="http://schemas.openxmlformats.org/presentationml/2006/main">
+  <p:cSld>
+    <p:spTree>
+      <p:nvGrpSpPr>
+        <p:cNvPr id="1" name=""/>
+        <p:cNvGrpSpPr/>
+        <p:nvPr/>
+      </p:nvGrpSpPr>
+      <p:grpSpPr>
+        <a:xfrm>
+          <a:off x="0" y="0"/>
+          <a:ext cx="0" cy="0"/>
+          <a:chOff x="0" y="0"/>
+          <a:chExt cx="0" cy="0"/>
+        </a:xfrm>
+      </p:grpSpPr>
+      <p:sp>
+        <p:nvSpPr>
+          <p:cNvPr id="2" name="Titolo 1">
+            <a:extLst>
+              <a:ext uri="{FF2B5EF4-FFF2-40B4-BE49-F238E27FC236}">
+                <a16:creationId xmlns:a16="http://schemas.microsoft.com/office/drawing/2014/main" id="{9210265E-29BE-3845-8495-D8A62FA9260E}"/>
+              </a:ext>
+            </a:extLst>
+          </p:cNvPr>
+          <p:cNvSpPr>
+            <a:spLocks noGrp="1"/>
+          </p:cNvSpPr>
+          <p:nvPr>
+            <p:ph type="title"/>
+          </p:nvPr>
+        </p:nvSpPr>
+        <p:spPr/>
+        <p:txBody>
+          <a:bodyPr/>
+          <a:lstStyle/>
+          <a:p>
+            <a:endParaRPr lang="it-IT"/>
+          </a:p>
+        </p:txBody>
+      </p:sp>
+      <p:pic>
+        <p:nvPicPr>
+          <p:cNvPr id="4" name="Segnaposto contenuto 3">
+            <a:extLst>
+              <a:ext uri="{FF2B5EF4-FFF2-40B4-BE49-F238E27FC236}">
+                <a16:creationId xmlns:a16="http://schemas.microsoft.com/office/drawing/2014/main" id="{E594D455-430E-974F-9F73-E2B42E4ED360}"/>
+              </a:ext>
+            </a:extLst>
+          </p:cNvPr>
+          <p:cNvPicPr>
+            <a:picLocks noGrp="1" noChangeAspect="1"/>
+          </p:cNvPicPr>
+          <p:nvPr>
+            <p:ph idx="1"/>
+          </p:nvPr>
+        </p:nvPicPr>
+        <p:blipFill>
+          <a:blip r:embed="rId2"/>
+          <a:stretch>
+            <a:fillRect/>
+          </a:stretch>
+        </p:blipFill>
+        <p:spPr>
+          <a:xfrm>
+            <a:off x="2359998" y="2286000"/>
+            <a:ext cx="4424004" cy="4114800"/>
+          </a:xfrm>
+          <a:prstGeom prst="rect">
+            <a:avLst/>
+          </a:prstGeom>
+        </p:spPr>
+      </p:pic>
+    </p:spTree>
+    <p:extLst>
+      <p:ext uri="{BB962C8B-B14F-4D97-AF65-F5344CB8AC3E}">
+        <p14:creationId xmlns:p14="http://schemas.microsoft.com/office/powerpoint/2010/main" val="3637287287"/>
+      </p:ext>
+    </p:extLst>
+  </p:cSld>
+  <p:clrMapOvr>
+    <a:masterClrMapping/>
+  </p:clrMapOvr>
+</p:sld>
+</file>
+
+<file path=ppt/slides/slide14.xml><?xml version="1.0" encoding="utf-8"?>
+<p:sld xmlns:a="http://schemas.openxmlformats.org/drawingml/2006/main" xmlns:r="http://schemas.openxmlformats.org/officeDocument/2006/relationships" xmlns:p="http://schemas.openxmlformats.org/presentationml/2006/main">
+  <p:cSld>
+    <p:spTree>
+      <p:nvGrpSpPr>
+        <p:cNvPr id="1" name=""/>
+        <p:cNvGrpSpPr/>
+        <p:nvPr/>
+      </p:nvGrpSpPr>
+      <p:grpSpPr>
+        <a:xfrm>
+          <a:off x="0" y="0"/>
+          <a:ext cx="0" cy="0"/>
+          <a:chOff x="0" y="0"/>
+          <a:chExt cx="0" cy="0"/>
+        </a:xfrm>
+      </p:grpSpPr>
+      <p:sp>
+        <p:nvSpPr>
+          <p:cNvPr id="2" name="Titolo 1">
+            <a:extLst>
+              <a:ext uri="{FF2B5EF4-FFF2-40B4-BE49-F238E27FC236}">
+                <a16:creationId xmlns:a16="http://schemas.microsoft.com/office/drawing/2014/main" id="{0D0C3D2F-E4EC-774B-9206-D87609D7FF08}"/>
+              </a:ext>
+            </a:extLst>
+          </p:cNvPr>
+          <p:cNvSpPr>
+            <a:spLocks noGrp="1"/>
+          </p:cNvSpPr>
+          <p:nvPr>
+            <p:ph type="title"/>
+          </p:nvPr>
+        </p:nvSpPr>
+        <p:spPr/>
+        <p:txBody>
+          <a:bodyPr/>
+          <a:lstStyle/>
+          <a:p>
+            <a:endParaRPr lang="it-IT"/>
+          </a:p>
+        </p:txBody>
+      </p:sp>
+      <p:pic>
+        <p:nvPicPr>
+          <p:cNvPr id="4" name="Segnaposto contenuto 3">
+            <a:extLst>
+              <a:ext uri="{FF2B5EF4-FFF2-40B4-BE49-F238E27FC236}">
+                <a16:creationId xmlns:a16="http://schemas.microsoft.com/office/drawing/2014/main" id="{A0DA8E43-495C-9F42-BB38-453CC812242A}"/>
+              </a:ext>
+            </a:extLst>
+          </p:cNvPr>
+          <p:cNvPicPr>
+            <a:picLocks noGrp="1" noChangeAspect="1"/>
+          </p:cNvPicPr>
+          <p:nvPr>
+            <p:ph idx="1"/>
+          </p:nvPr>
+        </p:nvPicPr>
+        <p:blipFill>
+          <a:blip r:embed="rId2"/>
+          <a:stretch>
+            <a:fillRect/>
+          </a:stretch>
+        </p:blipFill>
+        <p:spPr>
+          <a:xfrm>
+            <a:off x="2359998" y="2286000"/>
+            <a:ext cx="4424004" cy="4114800"/>
+          </a:xfrm>
+          <a:prstGeom prst="rect">
+            <a:avLst/>
+          </a:prstGeom>
+        </p:spPr>
+      </p:pic>
+    </p:spTree>
+    <p:extLst>
+      <p:ext uri="{BB962C8B-B14F-4D97-AF65-F5344CB8AC3E}">
+        <p14:creationId xmlns:p14="http://schemas.microsoft.com/office/powerpoint/2010/main" val="3838491244"/>
+      </p:ext>
+    </p:extLst>
+  </p:cSld>
+  <p:clrMapOvr>
+    <a:masterClrMapping/>
+  </p:clrMapOvr>
+</p:sld>
+</file>
+
+<file path=ppt/slides/slide15.xml><?xml version="1.0" encoding="utf-8"?>
+<p:sld xmlns:a="http://schemas.openxmlformats.org/drawingml/2006/main" xmlns:r="http://schemas.openxmlformats.org/officeDocument/2006/relationships" xmlns:p="http://schemas.openxmlformats.org/presentationml/2006/main">
+  <p:cSld>
+    <p:spTree>
+      <p:nvGrpSpPr>
+        <p:cNvPr id="1" name=""/>
+        <p:cNvGrpSpPr/>
+        <p:nvPr/>
+      </p:nvGrpSpPr>
+      <p:grpSpPr>
+        <a:xfrm>
+          <a:off x="0" y="0"/>
+          <a:ext cx="0" cy="0"/>
+          <a:chOff x="0" y="0"/>
+          <a:chExt cx="0" cy="0"/>
+        </a:xfrm>
+      </p:grpSpPr>
+      <p:sp>
+        <p:nvSpPr>
+          <p:cNvPr id="2" name="Titolo 1">
+            <a:extLst>
+              <a:ext uri="{FF2B5EF4-FFF2-40B4-BE49-F238E27FC236}">
+                <a16:creationId xmlns:a16="http://schemas.microsoft.com/office/drawing/2014/main" id="{443851FB-D705-6647-A6EF-7C9B5CAF626A}"/>
+              </a:ext>
+            </a:extLst>
+          </p:cNvPr>
+          <p:cNvSpPr>
+            <a:spLocks noGrp="1"/>
+          </p:cNvSpPr>
+          <p:nvPr>
+            <p:ph type="title"/>
+          </p:nvPr>
+        </p:nvSpPr>
+        <p:spPr/>
+        <p:txBody>
+          <a:bodyPr/>
+          <a:lstStyle/>
+          <a:p>
+            <a:endParaRPr lang="it-IT"/>
+          </a:p>
+        </p:txBody>
+      </p:sp>
+      <p:pic>
+        <p:nvPicPr>
+          <p:cNvPr id="4" name="Segnaposto contenuto 3">
+            <a:extLst>
+              <a:ext uri="{FF2B5EF4-FFF2-40B4-BE49-F238E27FC236}">
+                <a16:creationId xmlns:a16="http://schemas.microsoft.com/office/drawing/2014/main" id="{1D93CACB-0976-A744-83FA-C1AE28E5BEB4}"/>
+              </a:ext>
+            </a:extLst>
+          </p:cNvPr>
+          <p:cNvPicPr>
+            <a:picLocks noGrp="1" noChangeAspect="1"/>
+          </p:cNvPicPr>
+          <p:nvPr>
+            <p:ph idx="1"/>
+          </p:nvPr>
+        </p:nvPicPr>
+        <p:blipFill>
+          <a:blip r:embed="rId2"/>
+          <a:stretch>
+            <a:fillRect/>
+          </a:stretch>
+        </p:blipFill>
+        <p:spPr>
+          <a:xfrm>
+            <a:off x="1064302" y="2286000"/>
+            <a:ext cx="7015396" cy="4114800"/>
+          </a:xfrm>
+          <a:prstGeom prst="rect">
+            <a:avLst/>
+          </a:prstGeom>
+        </p:spPr>
+      </p:pic>
+    </p:spTree>
+    <p:extLst>
+      <p:ext uri="{BB962C8B-B14F-4D97-AF65-F5344CB8AC3E}">
+        <p14:creationId xmlns:p14="http://schemas.microsoft.com/office/powerpoint/2010/main" val="2952611934"/>
+      </p:ext>
+    </p:extLst>
+  </p:cSld>
+  <p:clrMapOvr>
+    <a:masterClrMapping/>
+  </p:clrMapOvr>
+</p:sld>
+</file>
+
+<file path=ppt/slides/slide16.xml><?xml version="1.0" encoding="utf-8"?>
+<p:sld xmlns:a="http://schemas.openxmlformats.org/drawingml/2006/main" xmlns:r="http://schemas.openxmlformats.org/officeDocument/2006/relationships" xmlns:p="http://schemas.openxmlformats.org/presentationml/2006/main">
+  <p:cSld>
+    <p:spTree>
+      <p:nvGrpSpPr>
+        <p:cNvPr id="1" name=""/>
+        <p:cNvGrpSpPr/>
+        <p:nvPr/>
+      </p:nvGrpSpPr>
+      <p:grpSpPr>
+        <a:xfrm>
+          <a:off x="0" y="0"/>
+          <a:ext cx="0" cy="0"/>
+          <a:chOff x="0" y="0"/>
+          <a:chExt cx="0" cy="0"/>
+        </a:xfrm>
+      </p:grpSpPr>
+      <p:sp>
+        <p:nvSpPr>
+          <p:cNvPr id="2" name="Titolo 1">
+            <a:extLst>
+              <a:ext uri="{FF2B5EF4-FFF2-40B4-BE49-F238E27FC236}">
+                <a16:creationId xmlns:a16="http://schemas.microsoft.com/office/drawing/2014/main" id="{0D0C3D2F-E4EC-774B-9206-D87609D7FF08}"/>
+              </a:ext>
+            </a:extLst>
+          </p:cNvPr>
+          <p:cNvSpPr>
+            <a:spLocks noGrp="1"/>
+          </p:cNvSpPr>
+          <p:nvPr>
+            <p:ph type="title"/>
+          </p:nvPr>
+        </p:nvSpPr>
+        <p:spPr/>
+        <p:txBody>
+          <a:bodyPr/>
+          <a:lstStyle/>
+          <a:p>
+            <a:endParaRPr lang="it-IT"/>
+          </a:p>
+        </p:txBody>
+      </p:sp>
+      <p:pic>
+        <p:nvPicPr>
+          <p:cNvPr id="4" name="Segnaposto contenuto 3">
+            <a:extLst>
+              <a:ext uri="{FF2B5EF4-FFF2-40B4-BE49-F238E27FC236}">
+                <a16:creationId xmlns:a16="http://schemas.microsoft.com/office/drawing/2014/main" id="{A0DA8E43-495C-9F42-BB38-453CC812242A}"/>
+              </a:ext>
+            </a:extLst>
+          </p:cNvPr>
+          <p:cNvPicPr>
+            <a:picLocks noGrp="1" noChangeAspect="1"/>
+          </p:cNvPicPr>
+          <p:nvPr>
+            <p:ph idx="1"/>
+          </p:nvPr>
+        </p:nvPicPr>
+        <p:blipFill>
+          <a:blip r:embed="rId2"/>
+          <a:stretch>
+            <a:fillRect/>
+          </a:stretch>
+        </p:blipFill>
+        <p:spPr>
+          <a:xfrm>
+            <a:off x="2359998" y="2286000"/>
+            <a:ext cx="4424004" cy="4114800"/>
+          </a:xfrm>
+          <a:prstGeom prst="rect">
+            <a:avLst/>
+          </a:prstGeom>
+        </p:spPr>
+      </p:pic>
+    </p:spTree>
+    <p:extLst>
+      <p:ext uri="{BB962C8B-B14F-4D97-AF65-F5344CB8AC3E}">
+        <p14:creationId xmlns:p14="http://schemas.microsoft.com/office/powerpoint/2010/main" val="1269213969"/>
+      </p:ext>
+    </p:extLst>
+  </p:cSld>
+  <p:clrMapOvr>
+    <a:masterClrMapping/>
+  </p:clrMapOvr>
+</p:sld>
+</file>
+
+<file path=ppt/slides/slide17.xml><?xml version="1.0" encoding="utf-8"?>
+<p:sld xmlns:a="http://schemas.openxmlformats.org/drawingml/2006/main" xmlns:r="http://schemas.openxmlformats.org/officeDocument/2006/relationships" xmlns:p="http://schemas.openxmlformats.org/presentationml/2006/main">
+  <p:cSld>
+    <p:spTree>
+      <p:nvGrpSpPr>
+        <p:cNvPr id="1" name=""/>
+        <p:cNvGrpSpPr/>
+        <p:nvPr/>
+      </p:nvGrpSpPr>
+      <p:grpSpPr>
+        <a:xfrm>
+          <a:off x="0" y="0"/>
+          <a:ext cx="0" cy="0"/>
+          <a:chOff x="0" y="0"/>
+          <a:chExt cx="0" cy="0"/>
+        </a:xfrm>
+      </p:grpSpPr>
+      <p:sp>
+        <p:nvSpPr>
+          <p:cNvPr id="2" name="Titolo 1">
+            <a:extLst>
+              <a:ext uri="{FF2B5EF4-FFF2-40B4-BE49-F238E27FC236}">
+                <a16:creationId xmlns:a16="http://schemas.microsoft.com/office/drawing/2014/main" id="{5542D27E-4121-DE4E-8E3B-8B0D3A64F060}"/>
+              </a:ext>
+            </a:extLst>
+          </p:cNvPr>
+          <p:cNvSpPr>
+            <a:spLocks noGrp="1"/>
+          </p:cNvSpPr>
+          <p:nvPr>
+            <p:ph type="title"/>
+          </p:nvPr>
+        </p:nvSpPr>
+        <p:spPr/>
+        <p:txBody>
+          <a:bodyPr/>
+          <a:lstStyle/>
+          <a:p>
+            <a:endParaRPr lang="it-IT"/>
+          </a:p>
+        </p:txBody>
+      </p:sp>
+      <p:pic>
+        <p:nvPicPr>
+          <p:cNvPr id="4" name="Segnaposto contenuto 3">
+            <a:extLst>
+              <a:ext uri="{FF2B5EF4-FFF2-40B4-BE49-F238E27FC236}">
+                <a16:creationId xmlns:a16="http://schemas.microsoft.com/office/drawing/2014/main" id="{1BDF6D04-7833-494E-8C6E-8B9E29188D81}"/>
+              </a:ext>
+            </a:extLst>
+          </p:cNvPr>
+          <p:cNvPicPr>
+            <a:picLocks noGrp="1" noChangeAspect="1"/>
+          </p:cNvPicPr>
+          <p:nvPr>
+            <p:ph idx="1"/>
+          </p:nvPr>
+        </p:nvPicPr>
+        <p:blipFill>
+          <a:blip r:embed="rId2"/>
+          <a:stretch>
+            <a:fillRect/>
+          </a:stretch>
+        </p:blipFill>
+        <p:spPr>
+          <a:xfrm>
+            <a:off x="2546350" y="2438400"/>
+            <a:ext cx="4051300" cy="3810000"/>
+          </a:xfrm>
+          <a:prstGeom prst="rect">
+            <a:avLst/>
+          </a:prstGeom>
+        </p:spPr>
+      </p:pic>
+      <p:sp>
+        <p:nvSpPr>
+          <p:cNvPr id="5" name="CasellaDiTesto 4">
+            <a:extLst>
+              <a:ext uri="{FF2B5EF4-FFF2-40B4-BE49-F238E27FC236}">
+                <a16:creationId xmlns:a16="http://schemas.microsoft.com/office/drawing/2014/main" id="{D2CDEAFA-F8A3-AC44-A21C-FCD90D85BF60}"/>
+              </a:ext>
+            </a:extLst>
+          </p:cNvPr>
+          <p:cNvSpPr txBox="1"/>
+          <p:nvPr/>
+        </p:nvSpPr>
+        <p:spPr>
+          <a:xfrm>
+            <a:off x="786063" y="2069068"/>
+            <a:ext cx="1492716" cy="369332"/>
+          </a:xfrm>
+          <a:prstGeom prst="rect">
+            <a:avLst/>
+          </a:prstGeom>
+          <a:noFill/>
+        </p:spPr>
+        <p:txBody>
+          <a:bodyPr wrap="none" rtlCol="0">
+            <a:spAutoFit/>
+          </a:bodyPr>
+          <a:lstStyle/>
+          <a:p>
+            <a:r>
+              <a:rPr lang="it-IT" dirty="0"/>
+              <a:t>[1, 3, 4, 2, 0]</a:t>
+            </a:r>
+          </a:p>
+        </p:txBody>
+      </p:sp>
+    </p:spTree>
+    <p:extLst>
+      <p:ext uri="{BB962C8B-B14F-4D97-AF65-F5344CB8AC3E}">
+        <p14:creationId xmlns:p14="http://schemas.microsoft.com/office/powerpoint/2010/main" val="3775668429"/>
+      </p:ext>
+    </p:extLst>
+  </p:cSld>
+  <p:clrMapOvr>
+    <a:masterClrMapping/>
+  </p:clrMapOvr>
+</p:sld>
+</file>
+
+<file path=ppt/slides/slide18.xml><?xml version="1.0" encoding="utf-8"?>
+<p:sld xmlns:a="http://schemas.openxmlformats.org/drawingml/2006/main" xmlns:r="http://schemas.openxmlformats.org/officeDocument/2006/relationships" xmlns:p="http://schemas.openxmlformats.org/presentationml/2006/main">
+  <p:cSld>
+    <p:spTree>
+      <p:nvGrpSpPr>
+        <p:cNvPr id="1" name=""/>
+        <p:cNvGrpSpPr/>
+        <p:nvPr/>
+      </p:nvGrpSpPr>
+      <p:grpSpPr>
+        <a:xfrm>
+          <a:off x="0" y="0"/>
+          <a:ext cx="0" cy="0"/>
+          <a:chOff x="0" y="0"/>
+          <a:chExt cx="0" cy="0"/>
+        </a:xfrm>
+      </p:grpSpPr>
+      <p:sp>
+        <p:nvSpPr>
+          <p:cNvPr id="2" name="Titolo 1">
+            <a:extLst>
+              <a:ext uri="{FF2B5EF4-FFF2-40B4-BE49-F238E27FC236}">
+                <a16:creationId xmlns:a16="http://schemas.microsoft.com/office/drawing/2014/main" id="{4676C479-F4B0-F54E-8EC2-F6598C52744D}"/>
+              </a:ext>
+            </a:extLst>
+          </p:cNvPr>
+          <p:cNvSpPr>
+            <a:spLocks noGrp="1"/>
+          </p:cNvSpPr>
+          <p:nvPr>
+            <p:ph type="title"/>
+          </p:nvPr>
+        </p:nvSpPr>
+        <p:spPr/>
+        <p:txBody>
+          <a:bodyPr/>
+          <a:lstStyle/>
+          <a:p>
+            <a:endParaRPr lang="it-IT"/>
+          </a:p>
+        </p:txBody>
+      </p:sp>
+      <p:pic>
+        <p:nvPicPr>
+          <p:cNvPr id="4" name="Segnaposto contenuto 3">
+            <a:extLst>
+              <a:ext uri="{FF2B5EF4-FFF2-40B4-BE49-F238E27FC236}">
+                <a16:creationId xmlns:a16="http://schemas.microsoft.com/office/drawing/2014/main" id="{1C6A3559-C1F8-3F4F-A2FC-A5B5483E782D}"/>
+              </a:ext>
+            </a:extLst>
+          </p:cNvPr>
+          <p:cNvPicPr>
+            <a:picLocks noGrp="1" noChangeAspect="1"/>
+          </p:cNvPicPr>
+          <p:nvPr>
+            <p:ph idx="1"/>
+          </p:nvPr>
+        </p:nvPicPr>
+        <p:blipFill>
+          <a:blip r:embed="rId2"/>
+          <a:stretch>
+            <a:fillRect/>
+          </a:stretch>
+        </p:blipFill>
+        <p:spPr>
+          <a:xfrm>
+            <a:off x="2546350" y="2438400"/>
+            <a:ext cx="4051300" cy="3810000"/>
+          </a:xfrm>
+          <a:prstGeom prst="rect">
+            <a:avLst/>
+          </a:prstGeom>
+        </p:spPr>
+      </p:pic>
+      <p:sp>
+        <p:nvSpPr>
+          <p:cNvPr id="5" name="CasellaDiTesto 4">
+            <a:extLst>
+              <a:ext uri="{FF2B5EF4-FFF2-40B4-BE49-F238E27FC236}">
+                <a16:creationId xmlns:a16="http://schemas.microsoft.com/office/drawing/2014/main" id="{5C868881-622B-B848-9C59-FEFD9151D0FC}"/>
+              </a:ext>
+            </a:extLst>
+          </p:cNvPr>
+          <p:cNvSpPr txBox="1"/>
+          <p:nvPr/>
+        </p:nvSpPr>
+        <p:spPr>
+          <a:xfrm>
+            <a:off x="802105" y="1925053"/>
+            <a:ext cx="5211683" cy="369332"/>
+          </a:xfrm>
+          <a:prstGeom prst="rect">
+            <a:avLst/>
+          </a:prstGeom>
+          <a:noFill/>
+        </p:spPr>
+        <p:txBody>
+          <a:bodyPr wrap="none" rtlCol="0">
+            <a:spAutoFit/>
+          </a:bodyPr>
+          <a:lstStyle/>
+          <a:p>
+            <a:r>
+              <a:rPr lang="it-IT" dirty="0"/>
+              <a:t>[1, 3, 4, 2, 0] sono scelti in modo random 3 e 0</a:t>
+            </a:r>
+          </a:p>
+        </p:txBody>
+      </p:sp>
+    </p:spTree>
+    <p:extLst>
+      <p:ext uri="{BB962C8B-B14F-4D97-AF65-F5344CB8AC3E}">
+        <p14:creationId xmlns:p14="http://schemas.microsoft.com/office/powerpoint/2010/main" val="3892822580"/>
+      </p:ext>
+    </p:extLst>
+  </p:cSld>
+  <p:clrMapOvr>
+    <a:masterClrMapping/>
+  </p:clrMapOvr>
+</p:sld>
+</file>
+
+<file path=ppt/slides/slide19.xml><?xml version="1.0" encoding="utf-8"?>
+<p:sld xmlns:a="http://schemas.openxmlformats.org/drawingml/2006/main" xmlns:r="http://schemas.openxmlformats.org/officeDocument/2006/relationships" xmlns:p="http://schemas.openxmlformats.org/presentationml/2006/main">
+  <p:cSld>
+    <p:spTree>
+      <p:nvGrpSpPr>
+        <p:cNvPr id="1" name=""/>
+        <p:cNvGrpSpPr/>
+        <p:nvPr/>
+      </p:nvGrpSpPr>
+      <p:grpSpPr>
+        <a:xfrm>
+          <a:off x="0" y="0"/>
+          <a:ext cx="0" cy="0"/>
+          <a:chOff x="0" y="0"/>
+          <a:chExt cx="0" cy="0"/>
+        </a:xfrm>
+      </p:grpSpPr>
+      <p:sp>
+        <p:nvSpPr>
+          <p:cNvPr id="2" name="Titolo 1">
+            <a:extLst>
+              <a:ext uri="{FF2B5EF4-FFF2-40B4-BE49-F238E27FC236}">
+                <a16:creationId xmlns:a16="http://schemas.microsoft.com/office/drawing/2014/main" id="{8A18302D-7665-DC40-BB44-79D9DF484ED3}"/>
+              </a:ext>
+            </a:extLst>
+          </p:cNvPr>
+          <p:cNvSpPr>
+            <a:spLocks noGrp="1"/>
+          </p:cNvSpPr>
+          <p:nvPr>
+            <p:ph type="title"/>
+          </p:nvPr>
+        </p:nvSpPr>
+        <p:spPr/>
+        <p:txBody>
+          <a:bodyPr/>
+          <a:lstStyle/>
+          <a:p>
+            <a:endParaRPr lang="it-IT"/>
+          </a:p>
+        </p:txBody>
+      </p:sp>
+      <p:pic>
+        <p:nvPicPr>
+          <p:cNvPr id="4" name="Segnaposto contenuto 3">
+            <a:extLst>
+              <a:ext uri="{FF2B5EF4-FFF2-40B4-BE49-F238E27FC236}">
+                <a16:creationId xmlns:a16="http://schemas.microsoft.com/office/drawing/2014/main" id="{C5639053-EB5C-D047-974D-75EDB1EA8A7E}"/>
+              </a:ext>
+            </a:extLst>
+          </p:cNvPr>
+          <p:cNvPicPr>
+            <a:picLocks noGrp="1" noChangeAspect="1"/>
+          </p:cNvPicPr>
+          <p:nvPr>
+            <p:ph idx="1"/>
+          </p:nvPr>
+        </p:nvPicPr>
+        <p:blipFill>
+          <a:blip r:embed="rId2"/>
+          <a:stretch>
+            <a:fillRect/>
+          </a:stretch>
+        </p:blipFill>
+        <p:spPr>
+          <a:xfrm>
+            <a:off x="2546350" y="2438400"/>
+            <a:ext cx="4051300" cy="3810000"/>
+          </a:xfrm>
+          <a:prstGeom prst="rect">
+            <a:avLst/>
+          </a:prstGeom>
+        </p:spPr>
+      </p:pic>
+      <p:sp>
+        <p:nvSpPr>
+          <p:cNvPr id="6" name="CasellaDiTesto 5">
+            <a:extLst>
+              <a:ext uri="{FF2B5EF4-FFF2-40B4-BE49-F238E27FC236}">
+                <a16:creationId xmlns:a16="http://schemas.microsoft.com/office/drawing/2014/main" id="{B7179ED7-7A06-7F4D-9E3F-31276F106E14}"/>
+              </a:ext>
+            </a:extLst>
+          </p:cNvPr>
+          <p:cNvSpPr txBox="1"/>
+          <p:nvPr/>
+        </p:nvSpPr>
+        <p:spPr>
+          <a:xfrm>
+            <a:off x="994611" y="2053389"/>
+            <a:ext cx="1492716" cy="369332"/>
+          </a:xfrm>
+          <a:prstGeom prst="rect">
+            <a:avLst/>
+          </a:prstGeom>
+          <a:noFill/>
+        </p:spPr>
+        <p:txBody>
+          <a:bodyPr wrap="none" rtlCol="0">
+            <a:spAutoFit/>
+          </a:bodyPr>
+          <a:lstStyle/>
+          <a:p>
+            <a:r>
+              <a:rPr lang="it-IT" dirty="0"/>
+              <a:t>[1, 3, 2, 4, 0]</a:t>
+            </a:r>
+          </a:p>
+        </p:txBody>
+      </p:sp>
+    </p:spTree>
+    <p:extLst>
+      <p:ext uri="{BB962C8B-B14F-4D97-AF65-F5344CB8AC3E}">
+        <p14:creationId xmlns:p14="http://schemas.microsoft.com/office/powerpoint/2010/main" val="2562904809"/>
+      </p:ext>
+    </p:extLst>
+  </p:cSld>
+  <p:clrMapOvr>
+    <a:masterClrMapping/>
+  </p:clrMapOvr>
+</p:sld>
+</file>
+
 <file path=ppt/slides/slide2.xml><?xml version="1.0" encoding="utf-8"?>
 <p:sld xmlns:a="http://schemas.openxmlformats.org/drawingml/2006/main" xmlns:r="http://schemas.openxmlformats.org/officeDocument/2006/relationships" xmlns:p="http://schemas.openxmlformats.org/presentationml/2006/main">
   <p:cSld>
@@ -5136,6 +6131,1389 @@
 </p:sld>
 </file>
 
+<file path=ppt/slides/slide20.xml><?xml version="1.0" encoding="utf-8"?>
+<p:sld xmlns:a="http://schemas.openxmlformats.org/drawingml/2006/main" xmlns:r="http://schemas.openxmlformats.org/officeDocument/2006/relationships" xmlns:p="http://schemas.openxmlformats.org/presentationml/2006/main">
+  <p:cSld>
+    <p:spTree>
+      <p:nvGrpSpPr>
+        <p:cNvPr id="1" name=""/>
+        <p:cNvGrpSpPr/>
+        <p:nvPr/>
+      </p:nvGrpSpPr>
+      <p:grpSpPr>
+        <a:xfrm>
+          <a:off x="0" y="0"/>
+          <a:ext cx="0" cy="0"/>
+          <a:chOff x="0" y="0"/>
+          <a:chExt cx="0" cy="0"/>
+        </a:xfrm>
+      </p:grpSpPr>
+      <p:sp>
+        <p:nvSpPr>
+          <p:cNvPr id="2" name="Titolo 1">
+            <a:extLst>
+              <a:ext uri="{FF2B5EF4-FFF2-40B4-BE49-F238E27FC236}">
+                <a16:creationId xmlns:a16="http://schemas.microsoft.com/office/drawing/2014/main" id="{4E1F7FE6-9ECC-7946-B4A9-6562C18184F5}"/>
+              </a:ext>
+            </a:extLst>
+          </p:cNvPr>
+          <p:cNvSpPr>
+            <a:spLocks noGrp="1"/>
+          </p:cNvSpPr>
+          <p:nvPr>
+            <p:ph type="title"/>
+          </p:nvPr>
+        </p:nvSpPr>
+        <p:spPr/>
+        <p:txBody>
+          <a:bodyPr/>
+          <a:lstStyle/>
+          <a:p>
+            <a:endParaRPr lang="it-IT"/>
+          </a:p>
+        </p:txBody>
+      </p:sp>
+      <p:pic>
+        <p:nvPicPr>
+          <p:cNvPr id="4" name="Segnaposto contenuto 3">
+            <a:extLst>
+              <a:ext uri="{FF2B5EF4-FFF2-40B4-BE49-F238E27FC236}">
+                <a16:creationId xmlns:a16="http://schemas.microsoft.com/office/drawing/2014/main" id="{35989B8A-E694-6E49-B723-923B44BCC560}"/>
+              </a:ext>
+            </a:extLst>
+          </p:cNvPr>
+          <p:cNvPicPr>
+            <a:picLocks noGrp="1" noChangeAspect="1"/>
+          </p:cNvPicPr>
+          <p:nvPr>
+            <p:ph idx="1"/>
+          </p:nvPr>
+        </p:nvPicPr>
+        <p:blipFill>
+          <a:blip r:embed="rId2"/>
+          <a:stretch>
+            <a:fillRect/>
+          </a:stretch>
+        </p:blipFill>
+        <p:spPr>
+          <a:xfrm>
+            <a:off x="2546350" y="2438400"/>
+            <a:ext cx="4051300" cy="3810000"/>
+          </a:xfrm>
+          <a:prstGeom prst="rect">
+            <a:avLst/>
+          </a:prstGeom>
+        </p:spPr>
+      </p:pic>
+    </p:spTree>
+    <p:extLst>
+      <p:ext uri="{BB962C8B-B14F-4D97-AF65-F5344CB8AC3E}">
+        <p14:creationId xmlns:p14="http://schemas.microsoft.com/office/powerpoint/2010/main" val="4239385623"/>
+      </p:ext>
+    </p:extLst>
+  </p:cSld>
+  <p:clrMapOvr>
+    <a:masterClrMapping/>
+  </p:clrMapOvr>
+</p:sld>
+</file>
+
+<file path=ppt/slides/slide21.xml><?xml version="1.0" encoding="utf-8"?>
+<p:sld xmlns:a="http://schemas.openxmlformats.org/drawingml/2006/main" xmlns:r="http://schemas.openxmlformats.org/officeDocument/2006/relationships" xmlns:p="http://schemas.openxmlformats.org/presentationml/2006/main">
+  <p:cSld>
+    <p:spTree>
+      <p:nvGrpSpPr>
+        <p:cNvPr id="1" name=""/>
+        <p:cNvGrpSpPr/>
+        <p:nvPr/>
+      </p:nvGrpSpPr>
+      <p:grpSpPr>
+        <a:xfrm>
+          <a:off x="0" y="0"/>
+          <a:ext cx="0" cy="0"/>
+          <a:chOff x="0" y="0"/>
+          <a:chExt cx="0" cy="0"/>
+        </a:xfrm>
+      </p:grpSpPr>
+      <p:sp>
+        <p:nvSpPr>
+          <p:cNvPr id="2" name="Titolo 1">
+            <a:extLst>
+              <a:ext uri="{FF2B5EF4-FFF2-40B4-BE49-F238E27FC236}">
+                <a16:creationId xmlns:a16="http://schemas.microsoft.com/office/drawing/2014/main" id="{C089DDDA-F0D8-2449-9879-AC26FAFA8D5B}"/>
+              </a:ext>
+            </a:extLst>
+          </p:cNvPr>
+          <p:cNvSpPr>
+            <a:spLocks noGrp="1"/>
+          </p:cNvSpPr>
+          <p:nvPr>
+            <p:ph type="title"/>
+          </p:nvPr>
+        </p:nvSpPr>
+        <p:spPr/>
+        <p:txBody>
+          <a:bodyPr/>
+          <a:lstStyle/>
+          <a:p>
+            <a:endParaRPr lang="it-IT"/>
+          </a:p>
+        </p:txBody>
+      </p:sp>
+      <p:pic>
+        <p:nvPicPr>
+          <p:cNvPr id="4" name="Segnaposto contenuto 3">
+            <a:extLst>
+              <a:ext uri="{FF2B5EF4-FFF2-40B4-BE49-F238E27FC236}">
+                <a16:creationId xmlns:a16="http://schemas.microsoft.com/office/drawing/2014/main" id="{CF6ABB73-08E8-EF4B-B145-48C1C7791AA0}"/>
+              </a:ext>
+            </a:extLst>
+          </p:cNvPr>
+          <p:cNvPicPr>
+            <a:picLocks noGrp="1" noChangeAspect="1"/>
+          </p:cNvPicPr>
+          <p:nvPr>
+            <p:ph idx="1"/>
+          </p:nvPr>
+        </p:nvPicPr>
+        <p:blipFill>
+          <a:blip r:embed="rId2"/>
+          <a:stretch>
+            <a:fillRect/>
+          </a:stretch>
+        </p:blipFill>
+        <p:spPr>
+          <a:xfrm>
+            <a:off x="685800" y="2889169"/>
+            <a:ext cx="7772400" cy="2908461"/>
+          </a:xfrm>
+          <a:prstGeom prst="rect">
+            <a:avLst/>
+          </a:prstGeom>
+        </p:spPr>
+      </p:pic>
+    </p:spTree>
+    <p:extLst>
+      <p:ext uri="{BB962C8B-B14F-4D97-AF65-F5344CB8AC3E}">
+        <p14:creationId xmlns:p14="http://schemas.microsoft.com/office/powerpoint/2010/main" val="3081151285"/>
+      </p:ext>
+    </p:extLst>
+  </p:cSld>
+  <p:clrMapOvr>
+    <a:masterClrMapping/>
+  </p:clrMapOvr>
+</p:sld>
+</file>
+
+<file path=ppt/slides/slide22.xml><?xml version="1.0" encoding="utf-8"?>
+<p:sld xmlns:a="http://schemas.openxmlformats.org/drawingml/2006/main" xmlns:r="http://schemas.openxmlformats.org/officeDocument/2006/relationships" xmlns:p="http://schemas.openxmlformats.org/presentationml/2006/main">
+  <p:cSld>
+    <p:spTree>
+      <p:nvGrpSpPr>
+        <p:cNvPr id="1" name=""/>
+        <p:cNvGrpSpPr/>
+        <p:nvPr/>
+      </p:nvGrpSpPr>
+      <p:grpSpPr>
+        <a:xfrm>
+          <a:off x="0" y="0"/>
+          <a:ext cx="0" cy="0"/>
+          <a:chOff x="0" y="0"/>
+          <a:chExt cx="0" cy="0"/>
+        </a:xfrm>
+      </p:grpSpPr>
+      <p:sp>
+        <p:nvSpPr>
+          <p:cNvPr id="2" name="Titolo 1">
+            <a:extLst>
+              <a:ext uri="{FF2B5EF4-FFF2-40B4-BE49-F238E27FC236}">
+                <a16:creationId xmlns:a16="http://schemas.microsoft.com/office/drawing/2014/main" id="{8A3D311B-9E9F-1A49-946F-AB78F28C4857}"/>
+              </a:ext>
+            </a:extLst>
+          </p:cNvPr>
+          <p:cNvSpPr>
+            <a:spLocks noGrp="1"/>
+          </p:cNvSpPr>
+          <p:nvPr>
+            <p:ph type="title"/>
+          </p:nvPr>
+        </p:nvSpPr>
+        <p:spPr/>
+        <p:txBody>
+          <a:bodyPr/>
+          <a:lstStyle/>
+          <a:p>
+            <a:endParaRPr lang="it-IT"/>
+          </a:p>
+        </p:txBody>
+      </p:sp>
+      <p:pic>
+        <p:nvPicPr>
+          <p:cNvPr id="4" name="Segnaposto contenuto 3">
+            <a:extLst>
+              <a:ext uri="{FF2B5EF4-FFF2-40B4-BE49-F238E27FC236}">
+                <a16:creationId xmlns:a16="http://schemas.microsoft.com/office/drawing/2014/main" id="{9CC76C61-3843-394E-95B7-AE9D54F1DFAD}"/>
+              </a:ext>
+            </a:extLst>
+          </p:cNvPr>
+          <p:cNvPicPr>
+            <a:picLocks noGrp="1" noChangeAspect="1"/>
+          </p:cNvPicPr>
+          <p:nvPr>
+            <p:ph idx="1"/>
+          </p:nvPr>
+        </p:nvPicPr>
+        <p:blipFill>
+          <a:blip r:embed="rId2"/>
+          <a:stretch>
+            <a:fillRect/>
+          </a:stretch>
+        </p:blipFill>
+        <p:spPr>
+          <a:xfrm>
+            <a:off x="685800" y="3811014"/>
+            <a:ext cx="7772400" cy="1995213"/>
+          </a:xfrm>
+          <a:prstGeom prst="rect">
+            <a:avLst/>
+          </a:prstGeom>
+        </p:spPr>
+      </p:pic>
+      <mc:AlternateContent xmlns:mc="http://schemas.openxmlformats.org/markup-compatibility/2006" xmlns:a14="http://schemas.microsoft.com/office/drawing/2010/main">
+        <mc:Choice Requires="a14">
+          <p:sp>
+            <p:nvSpPr>
+              <p:cNvPr id="5" name="CasellaDiTesto 4">
+                <a:extLst>
+                  <a:ext uri="{FF2B5EF4-FFF2-40B4-BE49-F238E27FC236}">
+                    <a16:creationId xmlns:a16="http://schemas.microsoft.com/office/drawing/2014/main" id="{3A090A40-F3E5-614D-BFD2-98B2F06E110E}"/>
+                  </a:ext>
+                </a:extLst>
+              </p:cNvPr>
+              <p:cNvSpPr txBox="1"/>
+              <p:nvPr/>
+            </p:nvSpPr>
+            <p:spPr>
+              <a:xfrm>
+                <a:off x="685800" y="2534653"/>
+                <a:ext cx="7772400" cy="1253613"/>
+              </a:xfrm>
+              <a:prstGeom prst="rect">
+                <a:avLst/>
+              </a:prstGeom>
+              <a:noFill/>
+            </p:spPr>
+            <p:txBody>
+              <a:bodyPr wrap="square" rtlCol="0">
+                <a:spAutoFit/>
+              </a:bodyPr>
+              <a:lstStyle/>
+              <a:p>
+                <a:pPr/>
+                <a14:m>
+                  <m:oMathPara xmlns:m="http://schemas.openxmlformats.org/officeDocument/2006/math">
+                    <m:oMathParaPr>
+                      <m:jc m:val="centerGroup"/>
+                    </m:oMathParaPr>
+                    <m:oMath xmlns:m="http://schemas.openxmlformats.org/officeDocument/2006/math">
+                      <m:r>
+                        <a:rPr lang="it-IT" b="0" i="1" smtClean="0">
+                          <a:latin typeface="Cambria Math" panose="02040503050406030204" pitchFamily="18" charset="0"/>
+                        </a:rPr>
+                        <m:t>𝑃</m:t>
+                      </m:r>
+                      <m:d>
+                        <m:dPr>
+                          <m:ctrlPr>
+                            <a:rPr lang="it-IT" b="0" i="1">
+                              <a:latin typeface="Cambria Math" panose="02040503050406030204" pitchFamily="18" charset="0"/>
+                            </a:rPr>
+                          </m:ctrlPr>
+                        </m:dPr>
+                        <m:e>
+                          <m:r>
+                            <a:rPr lang="it-IT" b="0" i="1">
+                              <a:latin typeface="Cambria Math" panose="02040503050406030204" pitchFamily="18" charset="0"/>
+                            </a:rPr>
+                            <m:t>𝑎𝑐𝑐𝑒𝑡𝑡𝑎𝑧𝑖𝑜𝑛𝑒</m:t>
+                          </m:r>
+                          <m:r>
+                            <a:rPr lang="it-IT" b="0" i="1">
+                              <a:latin typeface="Cambria Math" panose="02040503050406030204" pitchFamily="18" charset="0"/>
+                            </a:rPr>
+                            <m:t> </m:t>
+                          </m:r>
+                          <m:r>
+                            <a:rPr lang="it-IT" b="0" i="1">
+                              <a:latin typeface="Cambria Math" panose="02040503050406030204" pitchFamily="18" charset="0"/>
+                            </a:rPr>
+                            <m:t>𝑑𝑖</m:t>
+                          </m:r>
+                          <m:r>
+                            <a:rPr lang="it-IT" b="0" i="1">
+                              <a:latin typeface="Cambria Math" panose="02040503050406030204" pitchFamily="18" charset="0"/>
+                            </a:rPr>
+                            <m:t> </m:t>
+                          </m:r>
+                          <m:sSup>
+                            <m:sSupPr>
+                              <m:ctrlPr>
+                                <a:rPr lang="it-IT" b="0" i="1">
+                                  <a:latin typeface="Cambria Math" panose="02040503050406030204" pitchFamily="18" charset="0"/>
+                                </a:rPr>
+                              </m:ctrlPr>
+                            </m:sSupPr>
+                            <m:e>
+                              <m:r>
+                                <a:rPr lang="it-IT" b="0" i="1">
+                                  <a:latin typeface="Cambria Math" panose="02040503050406030204" pitchFamily="18" charset="0"/>
+                                </a:rPr>
+                                <m:t>𝑥</m:t>
+                              </m:r>
+                            </m:e>
+                            <m:sup>
+                              <m:r>
+                                <a:rPr lang="it-IT" b="0" i="1">
+                                  <a:latin typeface="Cambria Math" panose="02040503050406030204" pitchFamily="18" charset="0"/>
+                                </a:rPr>
+                                <m:t>′</m:t>
+                              </m:r>
+                            </m:sup>
+                          </m:sSup>
+                        </m:e>
+                      </m:d>
+                      <m:r>
+                        <a:rPr lang="it-IT" b="0" i="1">
+                          <a:latin typeface="Cambria Math" panose="02040503050406030204" pitchFamily="18" charset="0"/>
+                        </a:rPr>
+                        <m:t>= </m:t>
+                      </m:r>
+                      <m:d>
+                        <m:dPr>
+                          <m:begChr m:val="{"/>
+                          <m:endChr m:val=""/>
+                          <m:ctrlPr>
+                            <a:rPr lang="it-IT" b="0" i="1">
+                              <a:latin typeface="Cambria Math" panose="02040503050406030204" pitchFamily="18" charset="0"/>
+                            </a:rPr>
+                          </m:ctrlPr>
+                        </m:dPr>
+                        <m:e>
+                          <m:eqArr>
+                            <m:eqArrPr>
+                              <m:ctrlPr>
+                                <a:rPr lang="it-IT" b="0" i="1">
+                                  <a:latin typeface="Cambria Math" panose="02040503050406030204" pitchFamily="18" charset="0"/>
+                                </a:rPr>
+                              </m:ctrlPr>
+                            </m:eqArrPr>
+                            <m:e>
+                              <m:r>
+                                <a:rPr lang="it-IT" b="0" i="1">
+                                  <a:latin typeface="Cambria Math" panose="02040503050406030204" pitchFamily="18" charset="0"/>
+                                </a:rPr>
+                                <m:t>1 </m:t>
+                              </m:r>
+                              <m:r>
+                                <a:rPr lang="it-IT" b="0" i="1">
+                                  <a:latin typeface="Cambria Math" panose="02040503050406030204" pitchFamily="18" charset="0"/>
+                                </a:rPr>
+                                <m:t>𝑠𝑒</m:t>
+                              </m:r>
+                              <m:r>
+                                <a:rPr lang="it-IT" b="0" i="1">
+                                  <a:latin typeface="Cambria Math" panose="02040503050406030204" pitchFamily="18" charset="0"/>
+                                </a:rPr>
+                                <m:t> </m:t>
+                              </m:r>
+                              <m:r>
+                                <a:rPr lang="it-IT" b="0" i="1">
+                                  <a:latin typeface="Cambria Math" panose="02040503050406030204" pitchFamily="18" charset="0"/>
+                                </a:rPr>
+                                <m:t>𝑓</m:t>
+                              </m:r>
+                              <m:d>
+                                <m:dPr>
+                                  <m:ctrlPr>
+                                    <a:rPr lang="it-IT" b="0" i="1">
+                                      <a:latin typeface="Cambria Math" panose="02040503050406030204" pitchFamily="18" charset="0"/>
+                                    </a:rPr>
+                                  </m:ctrlPr>
+                                </m:dPr>
+                                <m:e>
+                                  <m:sSup>
+                                    <m:sSupPr>
+                                      <m:ctrlPr>
+                                        <a:rPr lang="it-IT" b="0" i="1">
+                                          <a:latin typeface="Cambria Math" panose="02040503050406030204" pitchFamily="18" charset="0"/>
+                                        </a:rPr>
+                                      </m:ctrlPr>
+                                    </m:sSupPr>
+                                    <m:e>
+                                      <m:r>
+                                        <a:rPr lang="it-IT" b="0" i="1">
+                                          <a:latin typeface="Cambria Math" panose="02040503050406030204" pitchFamily="18" charset="0"/>
+                                        </a:rPr>
+                                        <m:t>𝑥</m:t>
+                                      </m:r>
+                                    </m:e>
+                                    <m:sup>
+                                      <m:r>
+                                        <a:rPr lang="it-IT" b="0" i="1">
+                                          <a:latin typeface="Cambria Math" panose="02040503050406030204" pitchFamily="18" charset="0"/>
+                                        </a:rPr>
+                                        <m:t>′</m:t>
+                                      </m:r>
+                                    </m:sup>
+                                  </m:sSup>
+                                </m:e>
+                              </m:d>
+                              <m:r>
+                                <a:rPr lang="it-IT" b="0" i="1">
+                                  <a:latin typeface="Cambria Math" panose="02040503050406030204" pitchFamily="18" charset="0"/>
+                                  <a:ea typeface="Cambria Math" panose="02040503050406030204" pitchFamily="18" charset="0"/>
+                                </a:rPr>
+                                <m:t>≤</m:t>
+                              </m:r>
+                              <m:r>
+                                <a:rPr lang="it-IT" b="0" i="1">
+                                  <a:latin typeface="Cambria Math" panose="02040503050406030204" pitchFamily="18" charset="0"/>
+                                  <a:ea typeface="Cambria Math" panose="02040503050406030204" pitchFamily="18" charset="0"/>
+                                </a:rPr>
+                                <m:t>𝑓</m:t>
+                              </m:r>
+                              <m:r>
+                                <a:rPr lang="it-IT" b="0" i="1">
+                                  <a:latin typeface="Cambria Math" panose="02040503050406030204" pitchFamily="18" charset="0"/>
+                                  <a:ea typeface="Cambria Math" panose="02040503050406030204" pitchFamily="18" charset="0"/>
+                                </a:rPr>
+                                <m:t>(</m:t>
+                              </m:r>
+                              <m:r>
+                                <a:rPr lang="it-IT" b="0" i="1">
+                                  <a:latin typeface="Cambria Math" panose="02040503050406030204" pitchFamily="18" charset="0"/>
+                                  <a:ea typeface="Cambria Math" panose="02040503050406030204" pitchFamily="18" charset="0"/>
+                                </a:rPr>
+                                <m:t>𝑥</m:t>
+                              </m:r>
+                              <m:r>
+                                <a:rPr lang="it-IT" b="0" i="1">
+                                  <a:latin typeface="Cambria Math" panose="02040503050406030204" pitchFamily="18" charset="0"/>
+                                  <a:ea typeface="Cambria Math" panose="02040503050406030204" pitchFamily="18" charset="0"/>
+                                </a:rPr>
+                                <m:t>)</m:t>
+                              </m:r>
+                            </m:e>
+                            <m:e>
+                              <m:sSup>
+                                <m:sSupPr>
+                                  <m:ctrlPr>
+                                    <a:rPr lang="it-IT" b="0" i="1">
+                                      <a:latin typeface="Cambria Math" panose="02040503050406030204" pitchFamily="18" charset="0"/>
+                                    </a:rPr>
+                                  </m:ctrlPr>
+                                </m:sSupPr>
+                                <m:e>
+                                  <m:r>
+                                    <a:rPr lang="it-IT" b="0" i="1">
+                                      <a:latin typeface="Cambria Math" panose="02040503050406030204" pitchFamily="18" charset="0"/>
+                                    </a:rPr>
+                                    <m:t>𝑒</m:t>
+                                  </m:r>
+                                </m:e>
+                                <m:sup>
+                                  <m:r>
+                                    <a:rPr lang="it-IT" b="0" i="1">
+                                      <a:latin typeface="Cambria Math" panose="02040503050406030204" pitchFamily="18" charset="0"/>
+                                    </a:rPr>
+                                    <m:t>−</m:t>
+                                  </m:r>
+                                  <m:r>
+                                    <a:rPr lang="it-IT" b="0" i="1" smtClean="0">
+                                      <a:latin typeface="Cambria Math" panose="02040503050406030204" pitchFamily="18" charset="0"/>
+                                    </a:rPr>
+                                    <m:t> </m:t>
+                                  </m:r>
+                                  <m:f>
+                                    <m:fPr>
+                                      <m:ctrlPr>
+                                        <a:rPr lang="it-IT" b="0" i="1">
+                                          <a:latin typeface="Cambria Math" panose="02040503050406030204" pitchFamily="18" charset="0"/>
+                                        </a:rPr>
+                                      </m:ctrlPr>
+                                    </m:fPr>
+                                    <m:num>
+                                      <m:r>
+                                        <a:rPr lang="it-IT" b="0" i="1">
+                                          <a:latin typeface="Cambria Math" panose="02040503050406030204" pitchFamily="18" charset="0"/>
+                                        </a:rPr>
+                                        <m:t>𝑓</m:t>
+                                      </m:r>
+                                      <m:d>
+                                        <m:dPr>
+                                          <m:ctrlPr>
+                                            <a:rPr lang="it-IT" b="0" i="1">
+                                              <a:latin typeface="Cambria Math" panose="02040503050406030204" pitchFamily="18" charset="0"/>
+                                            </a:rPr>
+                                          </m:ctrlPr>
+                                        </m:dPr>
+                                        <m:e>
+                                          <m:sSup>
+                                            <m:sSupPr>
+                                              <m:ctrlPr>
+                                                <a:rPr lang="it-IT" b="0" i="1">
+                                                  <a:latin typeface="Cambria Math" panose="02040503050406030204" pitchFamily="18" charset="0"/>
+                                                </a:rPr>
+                                              </m:ctrlPr>
+                                            </m:sSupPr>
+                                            <m:e>
+                                              <m:r>
+                                                <a:rPr lang="it-IT" b="0" i="1">
+                                                  <a:latin typeface="Cambria Math" panose="02040503050406030204" pitchFamily="18" charset="0"/>
+                                                </a:rPr>
+                                                <m:t>𝑥</m:t>
+                                              </m:r>
+                                            </m:e>
+                                            <m:sup>
+                                              <m:r>
+                                                <a:rPr lang="it-IT" b="0" i="1">
+                                                  <a:latin typeface="Cambria Math" panose="02040503050406030204" pitchFamily="18" charset="0"/>
+                                                </a:rPr>
+                                                <m:t>′</m:t>
+                                              </m:r>
+                                            </m:sup>
+                                          </m:sSup>
+                                        </m:e>
+                                      </m:d>
+                                      <m:r>
+                                        <a:rPr lang="it-IT" b="0" i="1">
+                                          <a:latin typeface="Cambria Math" panose="02040503050406030204" pitchFamily="18" charset="0"/>
+                                        </a:rPr>
+                                        <m:t>−</m:t>
+                                      </m:r>
+                                      <m:r>
+                                        <a:rPr lang="it-IT" b="0" i="1">
+                                          <a:latin typeface="Cambria Math" panose="02040503050406030204" pitchFamily="18" charset="0"/>
+                                        </a:rPr>
+                                        <m:t>𝑓</m:t>
+                                      </m:r>
+                                      <m:r>
+                                        <a:rPr lang="it-IT" b="0" i="1">
+                                          <a:latin typeface="Cambria Math" panose="02040503050406030204" pitchFamily="18" charset="0"/>
+                                        </a:rPr>
+                                        <m:t>(</m:t>
+                                      </m:r>
+                                      <m:r>
+                                        <a:rPr lang="it-IT" b="0" i="1">
+                                          <a:latin typeface="Cambria Math" panose="02040503050406030204" pitchFamily="18" charset="0"/>
+                                        </a:rPr>
+                                        <m:t>𝑥</m:t>
+                                      </m:r>
+                                      <m:r>
+                                        <a:rPr lang="it-IT" b="0" i="1">
+                                          <a:latin typeface="Cambria Math" panose="02040503050406030204" pitchFamily="18" charset="0"/>
+                                        </a:rPr>
+                                        <m:t>)</m:t>
+                                      </m:r>
+                                    </m:num>
+                                    <m:den>
+                                      <m:sSub>
+                                        <m:sSubPr>
+                                          <m:ctrlPr>
+                                            <a:rPr lang="it-IT" b="0" i="1">
+                                              <a:latin typeface="Cambria Math" panose="02040503050406030204" pitchFamily="18" charset="0"/>
+                                            </a:rPr>
+                                          </m:ctrlPr>
+                                        </m:sSubPr>
+                                        <m:e>
+                                          <m:r>
+                                            <a:rPr lang="it-IT" b="0" i="1">
+                                              <a:latin typeface="Cambria Math" panose="02040503050406030204" pitchFamily="18" charset="0"/>
+                                            </a:rPr>
+                                            <m:t>𝑡</m:t>
+                                          </m:r>
+                                        </m:e>
+                                        <m:sub>
+                                          <m:r>
+                                            <a:rPr lang="it-IT" b="0" i="1">
+                                              <a:latin typeface="Cambria Math" panose="02040503050406030204" pitchFamily="18" charset="0"/>
+                                            </a:rPr>
+                                            <m:t>𝑘</m:t>
+                                          </m:r>
+                                        </m:sub>
+                                      </m:sSub>
+                                    </m:den>
+                                  </m:f>
+                                </m:sup>
+                              </m:sSup>
+                              <m:r>
+                                <a:rPr lang="it-IT" b="0" i="1">
+                                  <a:latin typeface="Cambria Math" panose="02040503050406030204" pitchFamily="18" charset="0"/>
+                                </a:rPr>
+                                <m:t>𝑠𝑒</m:t>
+                              </m:r>
+                              <m:r>
+                                <a:rPr lang="it-IT" b="0" i="1">
+                                  <a:latin typeface="Cambria Math" panose="02040503050406030204" pitchFamily="18" charset="0"/>
+                                </a:rPr>
+                                <m:t> </m:t>
+                              </m:r>
+                              <m:r>
+                                <a:rPr lang="it-IT" b="0" i="1">
+                                  <a:latin typeface="Cambria Math" panose="02040503050406030204" pitchFamily="18" charset="0"/>
+                                </a:rPr>
+                                <m:t>𝑓</m:t>
+                              </m:r>
+                              <m:d>
+                                <m:dPr>
+                                  <m:ctrlPr>
+                                    <a:rPr lang="it-IT" b="0" i="1">
+                                      <a:latin typeface="Cambria Math" panose="02040503050406030204" pitchFamily="18" charset="0"/>
+                                    </a:rPr>
+                                  </m:ctrlPr>
+                                </m:dPr>
+                                <m:e>
+                                  <m:sSup>
+                                    <m:sSupPr>
+                                      <m:ctrlPr>
+                                        <a:rPr lang="it-IT" b="0" i="1">
+                                          <a:latin typeface="Cambria Math" panose="02040503050406030204" pitchFamily="18" charset="0"/>
+                                        </a:rPr>
+                                      </m:ctrlPr>
+                                    </m:sSupPr>
+                                    <m:e>
+                                      <m:r>
+                                        <a:rPr lang="it-IT" b="0" i="1">
+                                          <a:latin typeface="Cambria Math" panose="02040503050406030204" pitchFamily="18" charset="0"/>
+                                        </a:rPr>
+                                        <m:t>𝑥</m:t>
+                                      </m:r>
+                                    </m:e>
+                                    <m:sup>
+                                      <m:r>
+                                        <a:rPr lang="it-IT" b="0" i="1">
+                                          <a:latin typeface="Cambria Math" panose="02040503050406030204" pitchFamily="18" charset="0"/>
+                                        </a:rPr>
+                                        <m:t>′</m:t>
+                                      </m:r>
+                                    </m:sup>
+                                  </m:sSup>
+                                </m:e>
+                              </m:d>
+                              <m:r>
+                                <a:rPr lang="it-IT" b="0" i="1">
+                                  <a:latin typeface="Cambria Math" panose="02040503050406030204" pitchFamily="18" charset="0"/>
+                                </a:rPr>
+                                <m:t>&gt;</m:t>
+                              </m:r>
+                              <m:r>
+                                <a:rPr lang="it-IT" b="0" i="1">
+                                  <a:latin typeface="Cambria Math" panose="02040503050406030204" pitchFamily="18" charset="0"/>
+                                </a:rPr>
+                                <m:t>𝑓</m:t>
+                              </m:r>
+                              <m:r>
+                                <a:rPr lang="it-IT" b="0" i="1">
+                                  <a:latin typeface="Cambria Math" panose="02040503050406030204" pitchFamily="18" charset="0"/>
+                                </a:rPr>
+                                <m:t>(</m:t>
+                              </m:r>
+                              <m:r>
+                                <a:rPr lang="it-IT" b="0" i="1">
+                                  <a:latin typeface="Cambria Math" panose="02040503050406030204" pitchFamily="18" charset="0"/>
+                                </a:rPr>
+                                <m:t>𝑥</m:t>
+                              </m:r>
+                              <m:r>
+                                <a:rPr lang="it-IT" b="0" i="1">
+                                  <a:latin typeface="Cambria Math" panose="02040503050406030204" pitchFamily="18" charset="0"/>
+                                </a:rPr>
+                                <m:t>)</m:t>
+                              </m:r>
+                            </m:e>
+                          </m:eqArr>
+                        </m:e>
+                      </m:d>
+                    </m:oMath>
+                  </m:oMathPara>
+                </a14:m>
+                <a:endParaRPr lang="it-IT" b="0" dirty="0"/>
+              </a:p>
+              <a:p>
+                <a:endParaRPr lang="it-IT" dirty="0"/>
+              </a:p>
+            </p:txBody>
+          </p:sp>
+        </mc:Choice>
+        <mc:Fallback xmlns="">
+          <p:sp>
+            <p:nvSpPr>
+              <p:cNvPr id="5" name="CasellaDiTesto 4">
+                <a:extLst>
+                  <a:ext uri="{FF2B5EF4-FFF2-40B4-BE49-F238E27FC236}">
+                    <a16:creationId xmlns:a16="http://schemas.microsoft.com/office/drawing/2014/main" id="{3A090A40-F3E5-614D-BFD2-98B2F06E110E}"/>
+                  </a:ext>
+                </a:extLst>
+              </p:cNvPr>
+              <p:cNvSpPr txBox="1">
+                <a:spLocks noRot="1" noChangeAspect="1" noMove="1" noResize="1" noEditPoints="1" noAdjustHandles="1" noChangeArrowheads="1" noChangeShapeType="1" noTextEdit="1"/>
+              </p:cNvSpPr>
+              <p:nvPr/>
+            </p:nvSpPr>
+            <p:spPr>
+              <a:xfrm>
+                <a:off x="685800" y="2534653"/>
+                <a:ext cx="7772400" cy="1253613"/>
+              </a:xfrm>
+              <a:prstGeom prst="rect">
+                <a:avLst/>
+              </a:prstGeom>
+              <a:blipFill>
+                <a:blip r:embed="rId3"/>
+                <a:stretch>
+                  <a:fillRect t="-159000" b="-205000"/>
+                </a:stretch>
+              </a:blipFill>
+            </p:spPr>
+            <p:txBody>
+              <a:bodyPr/>
+              <a:lstStyle/>
+              <a:p>
+                <a:r>
+                  <a:rPr lang="it-IT">
+                    <a:noFill/>
+                  </a:rPr>
+                  <a:t> </a:t>
+                </a:r>
+              </a:p>
+            </p:txBody>
+          </p:sp>
+        </mc:Fallback>
+      </mc:AlternateContent>
+    </p:spTree>
+    <p:extLst>
+      <p:ext uri="{BB962C8B-B14F-4D97-AF65-F5344CB8AC3E}">
+        <p14:creationId xmlns:p14="http://schemas.microsoft.com/office/powerpoint/2010/main" val="60328464"/>
+      </p:ext>
+    </p:extLst>
+  </p:cSld>
+  <p:clrMapOvr>
+    <a:masterClrMapping/>
+  </p:clrMapOvr>
+</p:sld>
+</file>
+
+<file path=ppt/slides/slide23.xml><?xml version="1.0" encoding="utf-8"?>
+<p:sld xmlns:a="http://schemas.openxmlformats.org/drawingml/2006/main" xmlns:r="http://schemas.openxmlformats.org/officeDocument/2006/relationships" xmlns:p="http://schemas.openxmlformats.org/presentationml/2006/main">
+  <p:cSld>
+    <p:spTree>
+      <p:nvGrpSpPr>
+        <p:cNvPr id="1" name=""/>
+        <p:cNvGrpSpPr/>
+        <p:nvPr/>
+      </p:nvGrpSpPr>
+      <p:grpSpPr>
+        <a:xfrm>
+          <a:off x="0" y="0"/>
+          <a:ext cx="0" cy="0"/>
+          <a:chOff x="0" y="0"/>
+          <a:chExt cx="0" cy="0"/>
+        </a:xfrm>
+      </p:grpSpPr>
+      <p:pic>
+        <p:nvPicPr>
+          <p:cNvPr id="4" name="Segnaposto contenuto 3">
+            <a:extLst>
+              <a:ext uri="{FF2B5EF4-FFF2-40B4-BE49-F238E27FC236}">
+                <a16:creationId xmlns:a16="http://schemas.microsoft.com/office/drawing/2014/main" id="{D07BC811-A175-AB45-B289-AE8E68B87D43}"/>
+              </a:ext>
+            </a:extLst>
+          </p:cNvPr>
+          <p:cNvPicPr>
+            <a:picLocks noGrp="1" noChangeAspect="1"/>
+          </p:cNvPicPr>
+          <p:nvPr>
+            <p:ph idx="1"/>
+          </p:nvPr>
+        </p:nvPicPr>
+        <p:blipFill>
+          <a:blip r:embed="rId2"/>
+          <a:stretch>
+            <a:fillRect/>
+          </a:stretch>
+        </p:blipFill>
+        <p:spPr>
+          <a:xfrm>
+            <a:off x="2787650" y="3486150"/>
+            <a:ext cx="3568700" cy="1714500"/>
+          </a:xfrm>
+          <a:prstGeom prst="rect">
+            <a:avLst/>
+          </a:prstGeom>
+        </p:spPr>
+      </p:pic>
+    </p:spTree>
+    <p:extLst>
+      <p:ext uri="{BB962C8B-B14F-4D97-AF65-F5344CB8AC3E}">
+        <p14:creationId xmlns:p14="http://schemas.microsoft.com/office/powerpoint/2010/main" val="2729310772"/>
+      </p:ext>
+    </p:extLst>
+  </p:cSld>
+  <p:clrMapOvr>
+    <a:masterClrMapping/>
+  </p:clrMapOvr>
+</p:sld>
+</file>
+
+<file path=ppt/slides/slide24.xml><?xml version="1.0" encoding="utf-8"?>
+<p:sld xmlns:a="http://schemas.openxmlformats.org/drawingml/2006/main" xmlns:r="http://schemas.openxmlformats.org/officeDocument/2006/relationships" xmlns:p="http://schemas.openxmlformats.org/presentationml/2006/main">
+  <p:cSld>
+    <p:spTree>
+      <p:nvGrpSpPr>
+        <p:cNvPr id="1" name=""/>
+        <p:cNvGrpSpPr/>
+        <p:nvPr/>
+      </p:nvGrpSpPr>
+      <p:grpSpPr>
+        <a:xfrm>
+          <a:off x="0" y="0"/>
+          <a:ext cx="0" cy="0"/>
+          <a:chOff x="0" y="0"/>
+          <a:chExt cx="0" cy="0"/>
+        </a:xfrm>
+      </p:grpSpPr>
+      <p:sp>
+        <p:nvSpPr>
+          <p:cNvPr id="2" name="Titolo 1">
+            <a:extLst>
+              <a:ext uri="{FF2B5EF4-FFF2-40B4-BE49-F238E27FC236}">
+                <a16:creationId xmlns:a16="http://schemas.microsoft.com/office/drawing/2014/main" id="{FBE7DDC9-1570-0441-A403-CE17A56C14D2}"/>
+              </a:ext>
+            </a:extLst>
+          </p:cNvPr>
+          <p:cNvSpPr>
+            <a:spLocks noGrp="1"/>
+          </p:cNvSpPr>
+          <p:nvPr>
+            <p:ph type="title"/>
+          </p:nvPr>
+        </p:nvSpPr>
+        <p:spPr/>
+        <p:txBody>
+          <a:bodyPr/>
+          <a:lstStyle/>
+          <a:p>
+            <a:endParaRPr lang="it-IT"/>
+          </a:p>
+        </p:txBody>
+      </p:sp>
+      <p:pic>
+        <p:nvPicPr>
+          <p:cNvPr id="4" name="Segnaposto contenuto 3">
+            <a:extLst>
+              <a:ext uri="{FF2B5EF4-FFF2-40B4-BE49-F238E27FC236}">
+                <a16:creationId xmlns:a16="http://schemas.microsoft.com/office/drawing/2014/main" id="{C1F645FF-7A59-6B40-9313-A2CB585D3113}"/>
+              </a:ext>
+            </a:extLst>
+          </p:cNvPr>
+          <p:cNvPicPr>
+            <a:picLocks noGrp="1" noChangeAspect="1"/>
+          </p:cNvPicPr>
+          <p:nvPr>
+            <p:ph idx="1"/>
+          </p:nvPr>
+        </p:nvPicPr>
+        <p:blipFill>
+          <a:blip r:embed="rId2"/>
+          <a:stretch>
+            <a:fillRect/>
+          </a:stretch>
+        </p:blipFill>
+        <p:spPr>
+          <a:xfrm>
+            <a:off x="685800" y="2943377"/>
+            <a:ext cx="7772400" cy="2800046"/>
+          </a:xfrm>
+          <a:prstGeom prst="rect">
+            <a:avLst/>
+          </a:prstGeom>
+        </p:spPr>
+      </p:pic>
+    </p:spTree>
+    <p:extLst>
+      <p:ext uri="{BB962C8B-B14F-4D97-AF65-F5344CB8AC3E}">
+        <p14:creationId xmlns:p14="http://schemas.microsoft.com/office/powerpoint/2010/main" val="726710289"/>
+      </p:ext>
+    </p:extLst>
+  </p:cSld>
+  <p:clrMapOvr>
+    <a:masterClrMapping/>
+  </p:clrMapOvr>
+</p:sld>
+</file>
+
+<file path=ppt/slides/slide25.xml><?xml version="1.0" encoding="utf-8"?>
+<p:sld xmlns:a="http://schemas.openxmlformats.org/drawingml/2006/main" xmlns:r="http://schemas.openxmlformats.org/officeDocument/2006/relationships" xmlns:p="http://schemas.openxmlformats.org/presentationml/2006/main">
+  <p:cSld>
+    <p:spTree>
+      <p:nvGrpSpPr>
+        <p:cNvPr id="1" name=""/>
+        <p:cNvGrpSpPr/>
+        <p:nvPr/>
+      </p:nvGrpSpPr>
+      <p:grpSpPr>
+        <a:xfrm>
+          <a:off x="0" y="0"/>
+          <a:ext cx="0" cy="0"/>
+          <a:chOff x="0" y="0"/>
+          <a:chExt cx="0" cy="0"/>
+        </a:xfrm>
+      </p:grpSpPr>
+      <p:sp>
+        <p:nvSpPr>
+          <p:cNvPr id="2" name="Titolo 1">
+            <a:extLst>
+              <a:ext uri="{FF2B5EF4-FFF2-40B4-BE49-F238E27FC236}">
+                <a16:creationId xmlns:a16="http://schemas.microsoft.com/office/drawing/2014/main" id="{0D634F3F-2438-EE4B-A02C-D0940FDFD907}"/>
+              </a:ext>
+            </a:extLst>
+          </p:cNvPr>
+          <p:cNvSpPr>
+            <a:spLocks noGrp="1"/>
+          </p:cNvSpPr>
+          <p:nvPr>
+            <p:ph type="title"/>
+          </p:nvPr>
+        </p:nvSpPr>
+        <p:spPr/>
+        <p:txBody>
+          <a:bodyPr/>
+          <a:lstStyle/>
+          <a:p>
+            <a:endParaRPr lang="it-IT"/>
+          </a:p>
+        </p:txBody>
+      </p:sp>
+      <p:pic>
+        <p:nvPicPr>
+          <p:cNvPr id="4" name="Segnaposto contenuto 3">
+            <a:extLst>
+              <a:ext uri="{FF2B5EF4-FFF2-40B4-BE49-F238E27FC236}">
+                <a16:creationId xmlns:a16="http://schemas.microsoft.com/office/drawing/2014/main" id="{AE16EA07-A0EE-2D43-84EF-1EF9398D8BF9}"/>
+              </a:ext>
+            </a:extLst>
+          </p:cNvPr>
+          <p:cNvPicPr>
+            <a:picLocks noGrp="1" noChangeAspect="1"/>
+          </p:cNvPicPr>
+          <p:nvPr>
+            <p:ph idx="1"/>
+          </p:nvPr>
+        </p:nvPicPr>
+        <p:blipFill>
+          <a:blip r:embed="rId2"/>
+          <a:stretch>
+            <a:fillRect/>
+          </a:stretch>
+        </p:blipFill>
+        <p:spPr>
+          <a:xfrm>
+            <a:off x="685800" y="3429000"/>
+            <a:ext cx="7772400" cy="1130716"/>
+          </a:xfrm>
+          <a:prstGeom prst="rect">
+            <a:avLst/>
+          </a:prstGeom>
+        </p:spPr>
+      </p:pic>
+      <p:pic>
+        <p:nvPicPr>
+          <p:cNvPr id="7" name="Immagine 6">
+            <a:extLst>
+              <a:ext uri="{FF2B5EF4-FFF2-40B4-BE49-F238E27FC236}">
+                <a16:creationId xmlns:a16="http://schemas.microsoft.com/office/drawing/2014/main" id="{D82BD646-3119-8D44-A521-7F361DE85E90}"/>
+              </a:ext>
+            </a:extLst>
+          </p:cNvPr>
+          <p:cNvPicPr>
+            <a:picLocks noChangeAspect="1"/>
+          </p:cNvPicPr>
+          <p:nvPr/>
+        </p:nvPicPr>
+        <p:blipFill>
+          <a:blip r:embed="rId3"/>
+          <a:stretch>
+            <a:fillRect/>
+          </a:stretch>
+        </p:blipFill>
+        <p:spPr>
+          <a:xfrm>
+            <a:off x="685800" y="4867727"/>
+            <a:ext cx="5750170" cy="722588"/>
+          </a:xfrm>
+          <a:prstGeom prst="rect">
+            <a:avLst/>
+          </a:prstGeom>
+        </p:spPr>
+      </p:pic>
+      <mc:AlternateContent xmlns:mc="http://schemas.openxmlformats.org/markup-compatibility/2006" xmlns:a14="http://schemas.microsoft.com/office/drawing/2010/main">
+        <mc:Choice Requires="a14">
+          <p:sp>
+            <p:nvSpPr>
+              <p:cNvPr id="10" name="CasellaDiTesto 9">
+                <a:extLst>
+                  <a:ext uri="{FF2B5EF4-FFF2-40B4-BE49-F238E27FC236}">
+                    <a16:creationId xmlns:a16="http://schemas.microsoft.com/office/drawing/2014/main" id="{05DD0FC3-3464-3D40-A3BF-2AA24F7CAB6B}"/>
+                  </a:ext>
+                </a:extLst>
+              </p:cNvPr>
+              <p:cNvSpPr txBox="1"/>
+              <p:nvPr/>
+            </p:nvSpPr>
+            <p:spPr>
+              <a:xfrm>
+                <a:off x="914400" y="2135159"/>
+                <a:ext cx="2143407" cy="800219"/>
+              </a:xfrm>
+              <a:prstGeom prst="rect">
+                <a:avLst/>
+              </a:prstGeom>
+              <a:noFill/>
+            </p:spPr>
+            <p:txBody>
+              <a:bodyPr wrap="none" rtlCol="0">
+                <a:spAutoFit/>
+              </a:bodyPr>
+              <a:lstStyle/>
+              <a:p>
+                <a:pPr/>
+                <a14:m>
+                  <m:oMathPara xmlns:m="http://schemas.openxmlformats.org/officeDocument/2006/math">
+                    <m:oMathParaPr>
+                      <m:jc m:val="centerGroup"/>
+                    </m:oMathParaPr>
+                    <m:oMath xmlns:m="http://schemas.openxmlformats.org/officeDocument/2006/math">
+                      <m:r>
+                        <a:rPr lang="it-IT" b="1" i="1" smtClean="0">
+                          <a:latin typeface="Cambria Math" panose="02040503050406030204" pitchFamily="18" charset="0"/>
+                        </a:rPr>
+                        <m:t>𝒎𝒊𝒏</m:t>
+                      </m:r>
+                      <m:r>
+                        <a:rPr lang="it-IT" b="1" i="1" smtClean="0">
+                          <a:latin typeface="Cambria Math" panose="02040503050406030204" pitchFamily="18" charset="0"/>
+                        </a:rPr>
+                        <m:t> </m:t>
+                      </m:r>
+                      <m:nary>
+                        <m:naryPr>
+                          <m:chr m:val="∑"/>
+                          <m:supHide m:val="on"/>
+                          <m:ctrlPr>
+                            <a:rPr lang="it-IT" b="1" i="1" smtClean="0">
+                              <a:latin typeface="Cambria Math" panose="02040503050406030204" pitchFamily="18" charset="0"/>
+                            </a:rPr>
+                          </m:ctrlPr>
+                        </m:naryPr>
+                        <m:sub>
+                          <m:r>
+                            <m:rPr>
+                              <m:brk m:alnAt="7"/>
+                            </m:rPr>
+                            <a:rPr lang="it-IT" b="1" i="1" smtClean="0">
+                              <a:latin typeface="Cambria Math" panose="02040503050406030204" pitchFamily="18" charset="0"/>
+                            </a:rPr>
+                            <m:t>(</m:t>
+                          </m:r>
+                          <m:r>
+                            <a:rPr lang="it-IT" b="1" i="1" smtClean="0">
+                              <a:latin typeface="Cambria Math" panose="02040503050406030204" pitchFamily="18" charset="0"/>
+                            </a:rPr>
+                            <m:t>𝒊</m:t>
+                          </m:r>
+                          <m:r>
+                            <a:rPr lang="it-IT" b="1" i="1" smtClean="0">
+                              <a:latin typeface="Cambria Math" panose="02040503050406030204" pitchFamily="18" charset="0"/>
+                            </a:rPr>
+                            <m:t>,</m:t>
+                          </m:r>
+                          <m:r>
+                            <a:rPr lang="it-IT" b="1" i="1" smtClean="0">
+                              <a:latin typeface="Cambria Math" panose="02040503050406030204" pitchFamily="18" charset="0"/>
+                            </a:rPr>
+                            <m:t>𝒋</m:t>
+                          </m:r>
+                          <m:r>
+                            <a:rPr lang="it-IT" b="1" i="1" smtClean="0">
+                              <a:latin typeface="Cambria Math" panose="02040503050406030204" pitchFamily="18" charset="0"/>
+                            </a:rPr>
+                            <m:t>)∈</m:t>
+                          </m:r>
+                          <m:r>
+                            <a:rPr lang="it-IT" b="1" i="1" smtClean="0">
+                              <a:latin typeface="Cambria Math" panose="02040503050406030204" pitchFamily="18" charset="0"/>
+                              <a:ea typeface="Cambria Math" panose="02040503050406030204" pitchFamily="18" charset="0"/>
+                            </a:rPr>
+                            <m:t>𝑨</m:t>
+                          </m:r>
+                        </m:sub>
+                        <m:sup/>
+                        <m:e>
+                          <m:sSub>
+                            <m:sSubPr>
+                              <m:ctrlPr>
+                                <a:rPr lang="it-IT" b="1" i="1" smtClean="0">
+                                  <a:latin typeface="Cambria Math" panose="02040503050406030204" pitchFamily="18" charset="0"/>
+                                </a:rPr>
+                              </m:ctrlPr>
+                            </m:sSubPr>
+                            <m:e>
+                              <m:r>
+                                <a:rPr lang="it-IT" b="1" i="1" smtClean="0">
+                                  <a:latin typeface="Cambria Math" panose="02040503050406030204" pitchFamily="18" charset="0"/>
+                                </a:rPr>
+                                <m:t>𝒅</m:t>
+                              </m:r>
+                            </m:e>
+                            <m:sub>
+                              <m:r>
+                                <a:rPr lang="it-IT" b="1" i="1" smtClean="0">
+                                  <a:latin typeface="Cambria Math" panose="02040503050406030204" pitchFamily="18" charset="0"/>
+                                </a:rPr>
+                                <m:t>𝒊</m:t>
+                              </m:r>
+                              <m:r>
+                                <a:rPr lang="it-IT" b="1" i="1" smtClean="0">
+                                  <a:latin typeface="Cambria Math" panose="02040503050406030204" pitchFamily="18" charset="0"/>
+                                </a:rPr>
+                                <m:t>,</m:t>
+                              </m:r>
+                              <m:r>
+                                <a:rPr lang="it-IT" b="1" i="1" smtClean="0">
+                                  <a:latin typeface="Cambria Math" panose="02040503050406030204" pitchFamily="18" charset="0"/>
+                                </a:rPr>
+                                <m:t>𝒋</m:t>
+                              </m:r>
+                            </m:sub>
+                          </m:sSub>
+                          <m:r>
+                            <a:rPr lang="it-IT" b="1" i="1" smtClean="0">
+                              <a:latin typeface="Cambria Math" panose="02040503050406030204" pitchFamily="18" charset="0"/>
+                              <a:ea typeface="Cambria Math" panose="02040503050406030204" pitchFamily="18" charset="0"/>
+                            </a:rPr>
+                            <m:t>∙</m:t>
+                          </m:r>
+                          <m:sSub>
+                            <m:sSubPr>
+                              <m:ctrlPr>
+                                <a:rPr lang="it-IT" b="1" i="1" smtClean="0">
+                                  <a:latin typeface="Cambria Math" panose="02040503050406030204" pitchFamily="18" charset="0"/>
+                                  <a:ea typeface="Cambria Math" panose="02040503050406030204" pitchFamily="18" charset="0"/>
+                                </a:rPr>
+                              </m:ctrlPr>
+                            </m:sSubPr>
+                            <m:e>
+                              <m:r>
+                                <a:rPr lang="it-IT" b="1" i="1" smtClean="0">
+                                  <a:latin typeface="Cambria Math" panose="02040503050406030204" pitchFamily="18" charset="0"/>
+                                  <a:ea typeface="Cambria Math" panose="02040503050406030204" pitchFamily="18" charset="0"/>
+                                </a:rPr>
+                                <m:t>𝒙</m:t>
+                              </m:r>
+                            </m:e>
+                            <m:sub>
+                              <m:r>
+                                <a:rPr lang="it-IT" b="1" i="1" smtClean="0">
+                                  <a:latin typeface="Cambria Math" panose="02040503050406030204" pitchFamily="18" charset="0"/>
+                                  <a:ea typeface="Cambria Math" panose="02040503050406030204" pitchFamily="18" charset="0"/>
+                                </a:rPr>
+                                <m:t>𝒊</m:t>
+                              </m:r>
+                              <m:r>
+                                <a:rPr lang="it-IT" b="1" i="1" smtClean="0">
+                                  <a:latin typeface="Cambria Math" panose="02040503050406030204" pitchFamily="18" charset="0"/>
+                                  <a:ea typeface="Cambria Math" panose="02040503050406030204" pitchFamily="18" charset="0"/>
+                                </a:rPr>
+                                <m:t>,</m:t>
+                              </m:r>
+                              <m:r>
+                                <a:rPr lang="it-IT" b="1" i="1" smtClean="0">
+                                  <a:latin typeface="Cambria Math" panose="02040503050406030204" pitchFamily="18" charset="0"/>
+                                  <a:ea typeface="Cambria Math" panose="02040503050406030204" pitchFamily="18" charset="0"/>
+                                </a:rPr>
+                                <m:t>𝒋</m:t>
+                              </m:r>
+                            </m:sub>
+                          </m:sSub>
+                        </m:e>
+                      </m:nary>
+                    </m:oMath>
+                  </m:oMathPara>
+                </a14:m>
+                <a:endParaRPr lang="it-IT" dirty="0"/>
+              </a:p>
+            </p:txBody>
+          </p:sp>
+        </mc:Choice>
+        <mc:Fallback xmlns="">
+          <p:sp>
+            <p:nvSpPr>
+              <p:cNvPr id="10" name="CasellaDiTesto 9">
+                <a:extLst>
+                  <a:ext uri="{FF2B5EF4-FFF2-40B4-BE49-F238E27FC236}">
+                    <a16:creationId xmlns:a16="http://schemas.microsoft.com/office/drawing/2014/main" id="{05DD0FC3-3464-3D40-A3BF-2AA24F7CAB6B}"/>
+                  </a:ext>
+                </a:extLst>
+              </p:cNvPr>
+              <p:cNvSpPr txBox="1">
+                <a:spLocks noRot="1" noChangeAspect="1" noMove="1" noResize="1" noEditPoints="1" noAdjustHandles="1" noChangeArrowheads="1" noChangeShapeType="1" noTextEdit="1"/>
+              </p:cNvSpPr>
+              <p:nvPr/>
+            </p:nvSpPr>
+            <p:spPr>
+              <a:xfrm>
+                <a:off x="914400" y="2135159"/>
+                <a:ext cx="2143407" cy="800219"/>
+              </a:xfrm>
+              <a:prstGeom prst="rect">
+                <a:avLst/>
+              </a:prstGeom>
+              <a:blipFill>
+                <a:blip r:embed="rId4"/>
+                <a:stretch>
+                  <a:fillRect l="-4734" t="-117188" b="-157813"/>
+                </a:stretch>
+              </a:blipFill>
+            </p:spPr>
+            <p:txBody>
+              <a:bodyPr/>
+              <a:lstStyle/>
+              <a:p>
+                <a:r>
+                  <a:rPr lang="it-IT">
+                    <a:noFill/>
+                  </a:rPr>
+                  <a:t> </a:t>
+                </a:r>
+              </a:p>
+            </p:txBody>
+          </p:sp>
+        </mc:Fallback>
+      </mc:AlternateContent>
+    </p:spTree>
+    <p:extLst>
+      <p:ext uri="{BB962C8B-B14F-4D97-AF65-F5344CB8AC3E}">
+        <p14:creationId xmlns:p14="http://schemas.microsoft.com/office/powerpoint/2010/main" val="278171044"/>
+      </p:ext>
+    </p:extLst>
+  </p:cSld>
+  <p:clrMapOvr>
+    <a:masterClrMapping/>
+  </p:clrMapOvr>
+</p:sld>
+</file>
+
+<file path=ppt/slides/slide26.xml><?xml version="1.0" encoding="utf-8"?>
+<p:sld xmlns:a="http://schemas.openxmlformats.org/drawingml/2006/main" xmlns:r="http://schemas.openxmlformats.org/officeDocument/2006/relationships" xmlns:p="http://schemas.openxmlformats.org/presentationml/2006/main">
+  <p:cSld>
+    <p:spTree>
+      <p:nvGrpSpPr>
+        <p:cNvPr id="1" name=""/>
+        <p:cNvGrpSpPr/>
+        <p:nvPr/>
+      </p:nvGrpSpPr>
+      <p:grpSpPr>
+        <a:xfrm>
+          <a:off x="0" y="0"/>
+          <a:ext cx="0" cy="0"/>
+          <a:chOff x="0" y="0"/>
+          <a:chExt cx="0" cy="0"/>
+        </a:xfrm>
+      </p:grpSpPr>
+      <p:sp>
+        <p:nvSpPr>
+          <p:cNvPr id="2" name="Titolo 1">
+            <a:extLst>
+              <a:ext uri="{FF2B5EF4-FFF2-40B4-BE49-F238E27FC236}">
+                <a16:creationId xmlns:a16="http://schemas.microsoft.com/office/drawing/2014/main" id="{E204AF64-3FDC-5248-83FE-F153C689C145}"/>
+              </a:ext>
+            </a:extLst>
+          </p:cNvPr>
+          <p:cNvSpPr>
+            <a:spLocks noGrp="1"/>
+          </p:cNvSpPr>
+          <p:nvPr>
+            <p:ph type="title"/>
+          </p:nvPr>
+        </p:nvSpPr>
+        <p:spPr/>
+        <p:txBody>
+          <a:bodyPr/>
+          <a:lstStyle/>
+          <a:p>
+            <a:endParaRPr lang="it-IT"/>
+          </a:p>
+        </p:txBody>
+      </p:sp>
+      <p:sp>
+        <p:nvSpPr>
+          <p:cNvPr id="3" name="Segnaposto contenuto 2">
+            <a:extLst>
+              <a:ext uri="{FF2B5EF4-FFF2-40B4-BE49-F238E27FC236}">
+                <a16:creationId xmlns:a16="http://schemas.microsoft.com/office/drawing/2014/main" id="{935F967C-C9B5-A140-BD62-2632B9E9A3DB}"/>
+              </a:ext>
+            </a:extLst>
+          </p:cNvPr>
+          <p:cNvSpPr>
+            <a:spLocks noGrp="1"/>
+          </p:cNvSpPr>
+          <p:nvPr>
+            <p:ph idx="1"/>
+          </p:nvPr>
+        </p:nvSpPr>
+        <p:spPr/>
+        <p:txBody>
+          <a:bodyPr/>
+          <a:lstStyle/>
+          <a:p>
+            <a:pPr marL="0" indent="0">
+              <a:buNone/>
+            </a:pPr>
+            <a:r>
+              <a:rPr lang="it-IT" dirty="0"/>
+              <a:t>DA AGGIUNGERE:</a:t>
+            </a:r>
+          </a:p>
+          <a:p>
+            <a:r>
+              <a:rPr lang="it-IT" dirty="0"/>
+              <a:t>GRAFICO SOLUZIONE </a:t>
+            </a:r>
+          </a:p>
+          <a:p>
+            <a:r>
+              <a:rPr lang="it-IT" dirty="0"/>
+              <a:t>I TEST CON TUNING PARAMETRI</a:t>
+            </a:r>
+          </a:p>
+          <a:p>
+            <a:endParaRPr lang="it-IT" dirty="0"/>
+          </a:p>
+        </p:txBody>
+      </p:sp>
+    </p:spTree>
+    <p:extLst>
+      <p:ext uri="{BB962C8B-B14F-4D97-AF65-F5344CB8AC3E}">
+        <p14:creationId xmlns:p14="http://schemas.microsoft.com/office/powerpoint/2010/main" val="1777945825"/>
+      </p:ext>
+    </p:extLst>
+  </p:cSld>
+  <p:clrMapOvr>
+    <a:masterClrMapping/>
+  </p:clrMapOvr>
+</p:sld>
+</file>
+
 <file path=ppt/slides/slide3.xml><?xml version="1.0" encoding="utf-8"?>
 <p:sld xmlns:a="http://schemas.openxmlformats.org/drawingml/2006/main" xmlns:r="http://schemas.openxmlformats.org/officeDocument/2006/relationships" xmlns:p="http://schemas.openxmlformats.org/presentationml/2006/main">
   <p:cSld>
@@ -5153,8 +7531,8 @@
           <a:chExt cx="0" cy="0"/>
         </a:xfrm>
       </p:grpSpPr>
-      <mc:AlternateContent xmlns:mc="http://schemas.openxmlformats.org/markup-compatibility/2006">
-        <mc:Choice xmlns:a14="http://schemas.microsoft.com/office/drawing/2010/main" Requires="a14">
+      <mc:AlternateContent xmlns:mc="http://schemas.openxmlformats.org/markup-compatibility/2006" xmlns:a14="http://schemas.microsoft.com/office/drawing/2010/main">
+        <mc:Choice Requires="a14">
           <p:sp>
             <p:nvSpPr>
               <p:cNvPr id="19" name="Segnaposto contenuto 18">
@@ -5478,7 +7856,7 @@
             </p:txBody>
           </p:sp>
         </mc:Choice>
-        <mc:Fallback>
+        <mc:Fallback xmlns="">
           <p:sp>
             <p:nvSpPr>
               <p:cNvPr id="19" name="Segnaposto contenuto 18">
@@ -8272,6 +10650,267 @@
     <p:extLst>
       <p:ext uri="{BB962C8B-B14F-4D97-AF65-F5344CB8AC3E}">
         <p14:creationId xmlns:p14="http://schemas.microsoft.com/office/powerpoint/2010/main" val="3059356075"/>
+      </p:ext>
+    </p:extLst>
+  </p:cSld>
+  <p:clrMapOvr>
+    <a:masterClrMapping/>
+  </p:clrMapOvr>
+</p:sld>
+</file>
+
+<file path=ppt/slides/slide7.xml><?xml version="1.0" encoding="utf-8"?>
+<p:sld xmlns:a="http://schemas.openxmlformats.org/drawingml/2006/main" xmlns:r="http://schemas.openxmlformats.org/officeDocument/2006/relationships" xmlns:p="http://schemas.openxmlformats.org/presentationml/2006/main">
+  <p:cSld>
+    <p:spTree>
+      <p:nvGrpSpPr>
+        <p:cNvPr id="1" name=""/>
+        <p:cNvGrpSpPr/>
+        <p:nvPr/>
+      </p:nvGrpSpPr>
+      <p:grpSpPr>
+        <a:xfrm>
+          <a:off x="0" y="0"/>
+          <a:ext cx="0" cy="0"/>
+          <a:chOff x="0" y="0"/>
+          <a:chExt cx="0" cy="0"/>
+        </a:xfrm>
+      </p:grpSpPr>
+      <p:sp>
+        <p:nvSpPr>
+          <p:cNvPr id="2" name="Titolo 1">
+            <a:extLst>
+              <a:ext uri="{FF2B5EF4-FFF2-40B4-BE49-F238E27FC236}">
+                <a16:creationId xmlns:a16="http://schemas.microsoft.com/office/drawing/2014/main" id="{5CE5D14A-015C-4D4A-BB9A-EA8CD57B4F15}"/>
+              </a:ext>
+            </a:extLst>
+          </p:cNvPr>
+          <p:cNvSpPr>
+            <a:spLocks noGrp="1"/>
+          </p:cNvSpPr>
+          <p:nvPr>
+            <p:ph type="title"/>
+          </p:nvPr>
+        </p:nvSpPr>
+        <p:spPr/>
+        <p:txBody>
+          <a:bodyPr/>
+          <a:lstStyle/>
+          <a:p>
+            <a:endParaRPr lang="it-IT"/>
+          </a:p>
+        </p:txBody>
+      </p:sp>
+      <p:pic>
+        <p:nvPicPr>
+          <p:cNvPr id="5" name="Segnaposto contenuto 4">
+            <a:extLst>
+              <a:ext uri="{FF2B5EF4-FFF2-40B4-BE49-F238E27FC236}">
+                <a16:creationId xmlns:a16="http://schemas.microsoft.com/office/drawing/2014/main" id="{75F456B0-4A92-9145-A2EF-75D57FE4D0FC}"/>
+              </a:ext>
+            </a:extLst>
+          </p:cNvPr>
+          <p:cNvPicPr>
+            <a:picLocks noGrp="1" noChangeAspect="1"/>
+          </p:cNvPicPr>
+          <p:nvPr>
+            <p:ph idx="1"/>
+          </p:nvPr>
+        </p:nvPicPr>
+        <p:blipFill>
+          <a:blip r:embed="rId2"/>
+          <a:stretch>
+            <a:fillRect/>
+          </a:stretch>
+        </p:blipFill>
+        <p:spPr>
+          <a:xfrm>
+            <a:off x="1670050" y="3238500"/>
+            <a:ext cx="5803900" cy="2209800"/>
+          </a:xfrm>
+          <a:prstGeom prst="rect">
+            <a:avLst/>
+          </a:prstGeom>
+        </p:spPr>
+      </p:pic>
+    </p:spTree>
+    <p:extLst>
+      <p:ext uri="{BB962C8B-B14F-4D97-AF65-F5344CB8AC3E}">
+        <p14:creationId xmlns:p14="http://schemas.microsoft.com/office/powerpoint/2010/main" val="1339685316"/>
+      </p:ext>
+    </p:extLst>
+  </p:cSld>
+  <p:clrMapOvr>
+    <a:masterClrMapping/>
+  </p:clrMapOvr>
+</p:sld>
+</file>
+
+<file path=ppt/slides/slide8.xml><?xml version="1.0" encoding="utf-8"?>
+<p:sld xmlns:a="http://schemas.openxmlformats.org/drawingml/2006/main" xmlns:r="http://schemas.openxmlformats.org/officeDocument/2006/relationships" xmlns:p="http://schemas.openxmlformats.org/presentationml/2006/main">
+  <p:cSld>
+    <p:spTree>
+      <p:nvGrpSpPr>
+        <p:cNvPr id="1" name=""/>
+        <p:cNvGrpSpPr/>
+        <p:nvPr/>
+      </p:nvGrpSpPr>
+      <p:grpSpPr>
+        <a:xfrm>
+          <a:off x="0" y="0"/>
+          <a:ext cx="0" cy="0"/>
+          <a:chOff x="0" y="0"/>
+          <a:chExt cx="0" cy="0"/>
+        </a:xfrm>
+      </p:grpSpPr>
+      <p:sp>
+        <p:nvSpPr>
+          <p:cNvPr id="2" name="Titolo 1">
+            <a:extLst>
+              <a:ext uri="{FF2B5EF4-FFF2-40B4-BE49-F238E27FC236}">
+                <a16:creationId xmlns:a16="http://schemas.microsoft.com/office/drawing/2014/main" id="{18D2F64A-6A4F-0D42-BA97-FA2A12033ACF}"/>
+              </a:ext>
+            </a:extLst>
+          </p:cNvPr>
+          <p:cNvSpPr>
+            <a:spLocks noGrp="1"/>
+          </p:cNvSpPr>
+          <p:nvPr>
+            <p:ph type="title"/>
+          </p:nvPr>
+        </p:nvSpPr>
+        <p:spPr/>
+        <p:txBody>
+          <a:bodyPr/>
+          <a:lstStyle/>
+          <a:p>
+            <a:endParaRPr lang="it-IT"/>
+          </a:p>
+        </p:txBody>
+      </p:sp>
+      <p:pic>
+        <p:nvPicPr>
+          <p:cNvPr id="4" name="Segnaposto contenuto 3">
+            <a:extLst>
+              <a:ext uri="{FF2B5EF4-FFF2-40B4-BE49-F238E27FC236}">
+                <a16:creationId xmlns:a16="http://schemas.microsoft.com/office/drawing/2014/main" id="{C38B653A-C02C-4448-9E76-5EE0FF1D7F7A}"/>
+              </a:ext>
+            </a:extLst>
+          </p:cNvPr>
+          <p:cNvPicPr>
+            <a:picLocks noGrp="1" noChangeAspect="1"/>
+          </p:cNvPicPr>
+          <p:nvPr>
+            <p:ph idx="1"/>
+          </p:nvPr>
+        </p:nvPicPr>
+        <p:blipFill>
+          <a:blip r:embed="rId2"/>
+          <a:stretch>
+            <a:fillRect/>
+          </a:stretch>
+        </p:blipFill>
+        <p:spPr>
+          <a:xfrm>
+            <a:off x="2464690" y="2286000"/>
+            <a:ext cx="4214619" cy="4114800"/>
+          </a:xfrm>
+          <a:prstGeom prst="rect">
+            <a:avLst/>
+          </a:prstGeom>
+        </p:spPr>
+      </p:pic>
+    </p:spTree>
+    <p:extLst>
+      <p:ext uri="{BB962C8B-B14F-4D97-AF65-F5344CB8AC3E}">
+        <p14:creationId xmlns:p14="http://schemas.microsoft.com/office/powerpoint/2010/main" val="3129260301"/>
+      </p:ext>
+    </p:extLst>
+  </p:cSld>
+  <p:clrMapOvr>
+    <a:masterClrMapping/>
+  </p:clrMapOvr>
+</p:sld>
+</file>
+
+<file path=ppt/slides/slide9.xml><?xml version="1.0" encoding="utf-8"?>
+<p:sld xmlns:a="http://schemas.openxmlformats.org/drawingml/2006/main" xmlns:r="http://schemas.openxmlformats.org/officeDocument/2006/relationships" xmlns:p="http://schemas.openxmlformats.org/presentationml/2006/main">
+  <p:cSld>
+    <p:spTree>
+      <p:nvGrpSpPr>
+        <p:cNvPr id="1" name=""/>
+        <p:cNvGrpSpPr/>
+        <p:nvPr/>
+      </p:nvGrpSpPr>
+      <p:grpSpPr>
+        <a:xfrm>
+          <a:off x="0" y="0"/>
+          <a:ext cx="0" cy="0"/>
+          <a:chOff x="0" y="0"/>
+          <a:chExt cx="0" cy="0"/>
+        </a:xfrm>
+      </p:grpSpPr>
+      <p:sp>
+        <p:nvSpPr>
+          <p:cNvPr id="2" name="Titolo 1">
+            <a:extLst>
+              <a:ext uri="{FF2B5EF4-FFF2-40B4-BE49-F238E27FC236}">
+                <a16:creationId xmlns:a16="http://schemas.microsoft.com/office/drawing/2014/main" id="{8DCFF762-D79D-B848-93F5-5D7065F4B725}"/>
+              </a:ext>
+            </a:extLst>
+          </p:cNvPr>
+          <p:cNvSpPr>
+            <a:spLocks noGrp="1"/>
+          </p:cNvSpPr>
+          <p:nvPr>
+            <p:ph type="title"/>
+          </p:nvPr>
+        </p:nvSpPr>
+        <p:spPr/>
+        <p:txBody>
+          <a:bodyPr/>
+          <a:lstStyle/>
+          <a:p>
+            <a:endParaRPr lang="it-IT"/>
+          </a:p>
+        </p:txBody>
+      </p:sp>
+      <p:pic>
+        <p:nvPicPr>
+          <p:cNvPr id="4" name="Segnaposto contenuto 3">
+            <a:extLst>
+              <a:ext uri="{FF2B5EF4-FFF2-40B4-BE49-F238E27FC236}">
+                <a16:creationId xmlns:a16="http://schemas.microsoft.com/office/drawing/2014/main" id="{92A5B4B7-9503-9745-8E8A-2D215F6104B6}"/>
+              </a:ext>
+            </a:extLst>
+          </p:cNvPr>
+          <p:cNvPicPr>
+            <a:picLocks noGrp="1" noChangeAspect="1"/>
+          </p:cNvPicPr>
+          <p:nvPr>
+            <p:ph idx="1"/>
+          </p:nvPr>
+        </p:nvPicPr>
+        <p:blipFill>
+          <a:blip r:embed="rId2"/>
+          <a:stretch>
+            <a:fillRect/>
+          </a:stretch>
+        </p:blipFill>
+        <p:spPr>
+          <a:xfrm>
+            <a:off x="2359998" y="2286000"/>
+            <a:ext cx="4424004" cy="4114800"/>
+          </a:xfrm>
+          <a:prstGeom prst="rect">
+            <a:avLst/>
+          </a:prstGeom>
+        </p:spPr>
+      </p:pic>
+    </p:spTree>
+    <p:extLst>
+      <p:ext uri="{BB962C8B-B14F-4D97-AF65-F5344CB8AC3E}">
+        <p14:creationId xmlns:p14="http://schemas.microsoft.com/office/powerpoint/2010/main" val="1942252100"/>
       </p:ext>
     </p:extLst>
   </p:cSld>

--- a/Presentazione Elaborato Ricerca Operativa.pptx
+++ b/Presentazione Elaborato Ricerca Operativa.pptx
@@ -5,10 +5,10 @@
     <p:sldMasterId id="2147483648" r:id="rId1"/>
   </p:sldMasterIdLst>
   <p:notesMasterIdLst>
-    <p:notesMasterId r:id="rId28"/>
+    <p:notesMasterId r:id="rId29"/>
   </p:notesMasterIdLst>
   <p:handoutMasterIdLst>
-    <p:handoutMasterId r:id="rId29"/>
+    <p:handoutMasterId r:id="rId30"/>
   </p:handoutMasterIdLst>
   <p:sldIdLst>
     <p:sldId id="374" r:id="rId2"/>
@@ -36,7 +36,8 @@
     <p:sldId id="691" r:id="rId24"/>
     <p:sldId id="692" r:id="rId25"/>
     <p:sldId id="693" r:id="rId26"/>
-    <p:sldId id="695" r:id="rId27"/>
+    <p:sldId id="709" r:id="rId27"/>
+    <p:sldId id="695" r:id="rId28"/>
   </p:sldIdLst>
   <p:sldSz cx="9144000" cy="6858000" type="screen4x3"/>
   <p:notesSz cx="6858000" cy="9658350"/>
@@ -2857,7 +2858,7 @@
           <a:graphicData uri="http://schemas.openxmlformats.org/presentationml/2006/ole">
             <mc:AlternateContent xmlns:mc="http://schemas.openxmlformats.org/markup-compatibility/2006">
               <mc:Choice xmlns:v="urn:schemas-microsoft-com:vml" Requires="v">
-                <p:oleObj spid="_x0000_s1039" name="Image" r:id="rId11" imgW="2144821" imgH="1268683" progId="Photoshop.Image.7">
+                <p:oleObj spid="_x0000_s1042" name="Image" r:id="rId11" imgW="2144821" imgH="1268683" progId="Photoshop.Image.7">
                   <p:embed/>
                 </p:oleObj>
               </mc:Choice>
@@ -7435,6 +7436,97 @@
           <p:cNvPr id="2" name="Titolo 1">
             <a:extLst>
               <a:ext uri="{FF2B5EF4-FFF2-40B4-BE49-F238E27FC236}">
+                <a16:creationId xmlns:a16="http://schemas.microsoft.com/office/drawing/2014/main" id="{EF381E20-E114-0342-AD91-79B99C513365}"/>
+              </a:ext>
+            </a:extLst>
+          </p:cNvPr>
+          <p:cNvSpPr>
+            <a:spLocks noGrp="1"/>
+          </p:cNvSpPr>
+          <p:nvPr>
+            <p:ph type="title"/>
+          </p:nvPr>
+        </p:nvSpPr>
+        <p:spPr/>
+        <p:txBody>
+          <a:bodyPr/>
+          <a:lstStyle/>
+          <a:p>
+            <a:endParaRPr lang="it-IT"/>
+          </a:p>
+        </p:txBody>
+      </p:sp>
+      <p:pic>
+        <p:nvPicPr>
+          <p:cNvPr id="5" name="Immagine 4">
+            <a:extLst>
+              <a:ext uri="{FF2B5EF4-FFF2-40B4-BE49-F238E27FC236}">
+                <a16:creationId xmlns:a16="http://schemas.microsoft.com/office/drawing/2014/main" id="{10269EBC-A9D7-3B4D-B0E9-A6F3B39031EB}"/>
+              </a:ext>
+            </a:extLst>
+          </p:cNvPr>
+          <p:cNvPicPr>
+            <a:picLocks noChangeAspect="1"/>
+          </p:cNvPicPr>
+          <p:nvPr/>
+        </p:nvPicPr>
+        <p:blipFill>
+          <a:blip r:embed="rId2">
+            <a:extLst>
+              <a:ext uri="{28A0092B-C50C-407E-A947-70E740481C1C}">
+                <a14:useLocalDpi xmlns:a14="http://schemas.microsoft.com/office/drawing/2010/main" val="0"/>
+              </a:ext>
+            </a:extLst>
+          </a:blip>
+          <a:stretch>
+            <a:fillRect/>
+          </a:stretch>
+        </p:blipFill>
+        <p:spPr>
+          <a:xfrm>
+            <a:off x="1651000" y="1686120"/>
+            <a:ext cx="5842000" cy="4381500"/>
+          </a:xfrm>
+          <a:prstGeom prst="rect">
+            <a:avLst/>
+          </a:prstGeom>
+        </p:spPr>
+      </p:pic>
+    </p:spTree>
+    <p:extLst>
+      <p:ext uri="{BB962C8B-B14F-4D97-AF65-F5344CB8AC3E}">
+        <p14:creationId xmlns:p14="http://schemas.microsoft.com/office/powerpoint/2010/main" val="647785659"/>
+      </p:ext>
+    </p:extLst>
+  </p:cSld>
+  <p:clrMapOvr>
+    <a:masterClrMapping/>
+  </p:clrMapOvr>
+</p:sld>
+</file>
+
+<file path=ppt/slides/slide27.xml><?xml version="1.0" encoding="utf-8"?>
+<p:sld xmlns:a="http://schemas.openxmlformats.org/drawingml/2006/main" xmlns:r="http://schemas.openxmlformats.org/officeDocument/2006/relationships" xmlns:p="http://schemas.openxmlformats.org/presentationml/2006/main">
+  <p:cSld>
+    <p:spTree>
+      <p:nvGrpSpPr>
+        <p:cNvPr id="1" name=""/>
+        <p:cNvGrpSpPr/>
+        <p:nvPr/>
+      </p:nvGrpSpPr>
+      <p:grpSpPr>
+        <a:xfrm>
+          <a:off x="0" y="0"/>
+          <a:ext cx="0" cy="0"/>
+          <a:chOff x="0" y="0"/>
+          <a:chExt cx="0" cy="0"/>
+        </a:xfrm>
+      </p:grpSpPr>
+      <p:sp>
+        <p:nvSpPr>
+          <p:cNvPr id="2" name="Titolo 1">
+            <a:extLst>
+              <a:ext uri="{FF2B5EF4-FFF2-40B4-BE49-F238E27FC236}">
                 <a16:creationId xmlns:a16="http://schemas.microsoft.com/office/drawing/2014/main" id="{E204AF64-3FDC-5248-83FE-F153C689C145}"/>
               </a:ext>
             </a:extLst>
@@ -7482,12 +7574,6 @@
             <a:r>
               <a:rPr lang="it-IT" dirty="0"/>
               <a:t>DA AGGIUNGERE:</a:t>
-            </a:r>
-          </a:p>
-          <a:p>
-            <a:r>
-              <a:rPr lang="it-IT" dirty="0"/>
-              <a:t>GRAFICO SOLUZIONE </a:t>
             </a:r>
           </a:p>
           <a:p>

--- a/Presentazione Elaborato Ricerca Operativa.pptx
+++ b/Presentazione Elaborato Ricerca Operativa.pptx
@@ -199,7 +199,7 @@
   <pc:docChgLst>
     <pc:chgData name="MICHELE MARESCA" userId="a404185f-7c0c-41c8-aca6-b938107372a7" providerId="ADAL" clId="{59B38A33-1A60-9949-9243-8ABB59DA001A}"/>
     <pc:docChg chg="delSld modSld">
-      <pc:chgData name="MICHELE MARESCA" userId="a404185f-7c0c-41c8-aca6-b938107372a7" providerId="ADAL" clId="{59B38A33-1A60-9949-9243-8ABB59DA001A}" dt="2021-06-06T09:58:02.797" v="86" actId="20577"/>
+      <pc:chgData name="MICHELE MARESCA" userId="a404185f-7c0c-41c8-aca6-b938107372a7" providerId="ADAL" clId="{59B38A33-1A60-9949-9243-8ABB59DA001A}" dt="2021-06-06T10:46:24.500" v="94" actId="20577"/>
       <pc:docMkLst>
         <pc:docMk/>
       </pc:docMkLst>
@@ -215,6 +215,21 @@
             <pc:docMk/>
             <pc:sldMk cId="1925807012" sldId="700"/>
             <ac:spMk id="11" creationId="{038A17F2-BC94-44A7-AEF4-C8EF3981602F}"/>
+          </ac:spMkLst>
+        </pc:spChg>
+      </pc:sldChg>
+      <pc:sldChg chg="modSp mod">
+        <pc:chgData name="MICHELE MARESCA" userId="a404185f-7c0c-41c8-aca6-b938107372a7" providerId="ADAL" clId="{59B38A33-1A60-9949-9243-8ABB59DA001A}" dt="2021-06-06T10:46:24.500" v="94" actId="20577"/>
+        <pc:sldMkLst>
+          <pc:docMk/>
+          <pc:sldMk cId="3838491244" sldId="702"/>
+        </pc:sldMkLst>
+        <pc:spChg chg="mod">
+          <ac:chgData name="MICHELE MARESCA" userId="a404185f-7c0c-41c8-aca6-b938107372a7" providerId="ADAL" clId="{59B38A33-1A60-9949-9243-8ABB59DA001A}" dt="2021-06-06T10:46:24.500" v="94" actId="20577"/>
+          <ac:spMkLst>
+            <pc:docMk/>
+            <pc:sldMk cId="3838491244" sldId="702"/>
+            <ac:spMk id="7" creationId="{E4932937-7FC9-492A-A63F-BF0137D2D51D}"/>
           </ac:spMkLst>
         </pc:spChg>
       </pc:sldChg>
@@ -6191,8 +6206,13 @@
             </a:pPr>
             <a:r>
               <a:rPr lang="it-IT" sz="1600" b="0" dirty="0"/>
-              <a:t>Sceglie una coppia di archi non adiacenti es. (3,4) e (0,2);</a:t>
+              <a:t>Sceglie una coppia di archi non adiacenti es. (3,4) </a:t>
             </a:r>
+            <a:r>
+              <a:rPr lang="it-IT" sz="1600" b="0"/>
+              <a:t>e (2,0);</a:t>
+            </a:r>
+            <a:endParaRPr lang="it-IT" sz="1600" b="0" dirty="0"/>
           </a:p>
           <a:p>
             <a:pPr marL="342900" indent="-342900">
@@ -6225,7 +6245,7 @@
             </a:pPr>
             <a:r>
               <a:rPr lang="it-IT" sz="1600" b="0" dirty="0"/>
-              <a:t>Aggiunge i nuovi archi es. (3,2) e (0,4).</a:t>
+              <a:t>Aggiunge i nuovi archi es. (3,2) e (4,0).</a:t>
             </a:r>
           </a:p>
         </p:txBody>

--- a/Presentazione Elaborato Ricerca Operativa.pptx
+++ b/Presentazione Elaborato Ricerca Operativa.pptx
@@ -199,10 +199,33 @@
   <pc:docChgLst>
     <pc:chgData name="MICHELE MARESCA" userId="a404185f-7c0c-41c8-aca6-b938107372a7" providerId="ADAL" clId="{59B38A33-1A60-9949-9243-8ABB59DA001A}"/>
     <pc:docChg chg="delSld modSld">
-      <pc:chgData name="MICHELE MARESCA" userId="a404185f-7c0c-41c8-aca6-b938107372a7" providerId="ADAL" clId="{59B38A33-1A60-9949-9243-8ABB59DA001A}" dt="2021-06-06T10:46:24.500" v="94" actId="20577"/>
+      <pc:chgData name="MICHELE MARESCA" userId="a404185f-7c0c-41c8-aca6-b938107372a7" providerId="ADAL" clId="{59B38A33-1A60-9949-9243-8ABB59DA001A}" dt="2021-06-06T11:03:53.753" v="98" actId="1076"/>
       <pc:docMkLst>
         <pc:docMk/>
       </pc:docMkLst>
+      <pc:sldChg chg="addSp delSp modSp mod">
+        <pc:chgData name="MICHELE MARESCA" userId="a404185f-7c0c-41c8-aca6-b938107372a7" providerId="ADAL" clId="{59B38A33-1A60-9949-9243-8ABB59DA001A}" dt="2021-06-06T11:03:53.753" v="98" actId="1076"/>
+        <pc:sldMkLst>
+          <pc:docMk/>
+          <pc:sldMk cId="3162308186" sldId="699"/>
+        </pc:sldMkLst>
+        <pc:picChg chg="add mod">
+          <ac:chgData name="MICHELE MARESCA" userId="a404185f-7c0c-41c8-aca6-b938107372a7" providerId="ADAL" clId="{59B38A33-1A60-9949-9243-8ABB59DA001A}" dt="2021-06-06T11:03:53.753" v="98" actId="1076"/>
+          <ac:picMkLst>
+            <pc:docMk/>
+            <pc:sldMk cId="3162308186" sldId="699"/>
+            <ac:picMk id="2" creationId="{ED3BBE07-BE22-1642-BFB6-F1833694861F}"/>
+          </ac:picMkLst>
+        </pc:picChg>
+        <pc:picChg chg="del">
+          <ac:chgData name="MICHELE MARESCA" userId="a404185f-7c0c-41c8-aca6-b938107372a7" providerId="ADAL" clId="{59B38A33-1A60-9949-9243-8ABB59DA001A}" dt="2021-06-06T11:03:44.638" v="95" actId="478"/>
+          <ac:picMkLst>
+            <pc:docMk/>
+            <pc:sldMk cId="3162308186" sldId="699"/>
+            <ac:picMk id="6" creationId="{CD0ABACA-FA79-4C98-8F91-07E09566C9FF}"/>
+          </ac:picMkLst>
+        </pc:picChg>
+      </pc:sldChg>
       <pc:sldChg chg="modSp mod">
         <pc:chgData name="MICHELE MARESCA" userId="a404185f-7c0c-41c8-aca6-b938107372a7" providerId="ADAL" clId="{59B38A33-1A60-9949-9243-8ABB59DA001A}" dt="2021-06-06T09:21:54.763" v="1" actId="20577"/>
         <pc:sldMkLst>
@@ -6206,13 +6229,8 @@
             </a:pPr>
             <a:r>
               <a:rPr lang="it-IT" sz="1600" b="0" dirty="0"/>
-              <a:t>Sceglie una coppia di archi non adiacenti es. (3,4) </a:t>
+              <a:t>Sceglie una coppia di archi non adiacenti es. (3,4) e (2,0);</a:t>
             </a:r>
-            <a:r>
-              <a:rPr lang="it-IT" sz="1600" b="0"/>
-              <a:t>e (2,0);</a:t>
-            </a:r>
-            <a:endParaRPr lang="it-IT" sz="1600" b="0" dirty="0"/>
           </a:p>
           <a:p>
             <a:pPr marL="342900" indent="-342900">
@@ -6984,10 +7002,10 @@
       </p:sp>
       <p:pic>
         <p:nvPicPr>
-          <p:cNvPr id="6" name="Segnaposto contenuto 3">
+          <p:cNvPr id="2" name="Immagine 1">
             <a:extLst>
               <a:ext uri="{FF2B5EF4-FFF2-40B4-BE49-F238E27FC236}">
-                <a16:creationId xmlns:a16="http://schemas.microsoft.com/office/drawing/2014/main" id="{CD0ABACA-FA79-4C98-8F91-07E09566C9FF}"/>
+                <a16:creationId xmlns:a16="http://schemas.microsoft.com/office/drawing/2014/main" id="{ED3BBE07-BE22-1642-BFB6-F1833694861F}"/>
               </a:ext>
             </a:extLst>
           </p:cNvPr>
@@ -7002,47 +7020,14 @@
             <a:fillRect/>
           </a:stretch>
         </p:blipFill>
-        <p:spPr bwMode="auto">
+        <p:spPr>
           <a:xfrm>
-            <a:off x="685800" y="2703975"/>
-            <a:ext cx="7772400" cy="2908461"/>
+            <a:off x="577850" y="2692281"/>
+            <a:ext cx="7988300" cy="3060700"/>
           </a:xfrm>
           <a:prstGeom prst="rect">
             <a:avLst/>
           </a:prstGeom>
-          <a:noFill/>
-          <a:ln>
-            <a:noFill/>
-          </a:ln>
-          <a:effectLst/>
-          <a:extLst>
-            <a:ext uri="{909E8E84-426E-40DD-AFC4-6F175D3DCCD1}">
-              <a14:hiddenFill xmlns:a14="http://schemas.microsoft.com/office/drawing/2010/main">
-                <a:solidFill>
-                  <a:schemeClr val="accent1"/>
-                </a:solidFill>
-              </a14:hiddenFill>
-            </a:ext>
-            <a:ext uri="{91240B29-F687-4F45-9708-019B960494DF}">
-              <a14:hiddenLine xmlns:a14="http://schemas.microsoft.com/office/drawing/2010/main" w="9525">
-                <a:solidFill>
-                  <a:schemeClr val="tx1"/>
-                </a:solidFill>
-                <a:miter lim="800000"/>
-                <a:headEnd/>
-                <a:tailEnd/>
-              </a14:hiddenLine>
-            </a:ext>
-            <a:ext uri="{AF507438-7753-43E0-B8FC-AC1667EBCBE1}">
-              <a14:hiddenEffects xmlns:a14="http://schemas.microsoft.com/office/drawing/2010/main">
-                <a:effectLst>
-                  <a:outerShdw dist="35921" dir="2700000" algn="ctr" rotWithShape="0">
-                    <a:schemeClr val="bg2"/>
-                  </a:outerShdw>
-                </a:effectLst>
-              </a14:hiddenEffects>
-            </a:ext>
-          </a:extLst>
         </p:spPr>
       </p:pic>
     </p:spTree>

--- a/Presentazione Elaborato Ricerca Operativa.pptx
+++ b/Presentazione Elaborato Ricerca Operativa.pptx
@@ -199,18 +199,18 @@
   <pc:docChgLst>
     <pc:chgData name="MICHELE MARESCA" userId="a404185f-7c0c-41c8-aca6-b938107372a7" providerId="ADAL" clId="{59B38A33-1A60-9949-9243-8ABB59DA001A}"/>
     <pc:docChg chg="delSld modSld">
-      <pc:chgData name="MICHELE MARESCA" userId="a404185f-7c0c-41c8-aca6-b938107372a7" providerId="ADAL" clId="{59B38A33-1A60-9949-9243-8ABB59DA001A}" dt="2021-06-06T11:03:53.753" v="98" actId="1076"/>
+      <pc:chgData name="MICHELE MARESCA" userId="a404185f-7c0c-41c8-aca6-b938107372a7" providerId="ADAL" clId="{59B38A33-1A60-9949-9243-8ABB59DA001A}" dt="2021-06-06T11:12:40.024" v="119" actId="14100"/>
       <pc:docMkLst>
         <pc:docMk/>
       </pc:docMkLst>
       <pc:sldChg chg="addSp delSp modSp mod">
-        <pc:chgData name="MICHELE MARESCA" userId="a404185f-7c0c-41c8-aca6-b938107372a7" providerId="ADAL" clId="{59B38A33-1A60-9949-9243-8ABB59DA001A}" dt="2021-06-06T11:03:53.753" v="98" actId="1076"/>
+        <pc:chgData name="MICHELE MARESCA" userId="a404185f-7c0c-41c8-aca6-b938107372a7" providerId="ADAL" clId="{59B38A33-1A60-9949-9243-8ABB59DA001A}" dt="2021-06-06T11:12:40.024" v="119" actId="14100"/>
         <pc:sldMkLst>
           <pc:docMk/>
           <pc:sldMk cId="3162308186" sldId="699"/>
         </pc:sldMkLst>
         <pc:picChg chg="add mod">
-          <ac:chgData name="MICHELE MARESCA" userId="a404185f-7c0c-41c8-aca6-b938107372a7" providerId="ADAL" clId="{59B38A33-1A60-9949-9243-8ABB59DA001A}" dt="2021-06-06T11:03:53.753" v="98" actId="1076"/>
+          <ac:chgData name="MICHELE MARESCA" userId="a404185f-7c0c-41c8-aca6-b938107372a7" providerId="ADAL" clId="{59B38A33-1A60-9949-9243-8ABB59DA001A}" dt="2021-06-06T11:12:40.024" v="119" actId="14100"/>
           <ac:picMkLst>
             <pc:docMk/>
             <pc:sldMk cId="3162308186" sldId="699"/>
@@ -242,17 +242,25 @@
         </pc:spChg>
       </pc:sldChg>
       <pc:sldChg chg="modSp mod">
-        <pc:chgData name="MICHELE MARESCA" userId="a404185f-7c0c-41c8-aca6-b938107372a7" providerId="ADAL" clId="{59B38A33-1A60-9949-9243-8ABB59DA001A}" dt="2021-06-06T10:46:24.500" v="94" actId="20577"/>
+        <pc:chgData name="MICHELE MARESCA" userId="a404185f-7c0c-41c8-aca6-b938107372a7" providerId="ADAL" clId="{59B38A33-1A60-9949-9243-8ABB59DA001A}" dt="2021-06-06T11:11:45.407" v="116" actId="20577"/>
         <pc:sldMkLst>
           <pc:docMk/>
           <pc:sldMk cId="3838491244" sldId="702"/>
         </pc:sldMkLst>
         <pc:spChg chg="mod">
-          <ac:chgData name="MICHELE MARESCA" userId="a404185f-7c0c-41c8-aca6-b938107372a7" providerId="ADAL" clId="{59B38A33-1A60-9949-9243-8ABB59DA001A}" dt="2021-06-06T10:46:24.500" v="94" actId="20577"/>
+          <ac:chgData name="MICHELE MARESCA" userId="a404185f-7c0c-41c8-aca6-b938107372a7" providerId="ADAL" clId="{59B38A33-1A60-9949-9243-8ABB59DA001A}" dt="2021-06-06T11:11:45.407" v="116" actId="20577"/>
           <ac:spMkLst>
             <pc:docMk/>
             <pc:sldMk cId="3838491244" sldId="702"/>
             <ac:spMk id="7" creationId="{E4932937-7FC9-492A-A63F-BF0137D2D51D}"/>
+          </ac:spMkLst>
+        </pc:spChg>
+        <pc:spChg chg="mod">
+          <ac:chgData name="MICHELE MARESCA" userId="a404185f-7c0c-41c8-aca6-b938107372a7" providerId="ADAL" clId="{59B38A33-1A60-9949-9243-8ABB59DA001A}" dt="2021-06-06T11:11:00.311" v="108" actId="20577"/>
+          <ac:spMkLst>
+            <pc:docMk/>
+            <pc:sldMk cId="3838491244" sldId="702"/>
+            <ac:spMk id="16" creationId="{CD358164-AEE0-46B1-8A24-2545F14BB558}"/>
           </ac:spMkLst>
         </pc:spChg>
       </pc:sldChg>
@@ -6229,7 +6237,7 @@
             </a:pPr>
             <a:r>
               <a:rPr lang="it-IT" sz="1600" b="0" dirty="0"/>
-              <a:t>Sceglie una coppia di archi non adiacenti es. (3,4) e (2,0);</a:t>
+              <a:t>Sceglie una coppia di archi non adiacenti es. (4,3) e (2,0);</a:t>
             </a:r>
           </a:p>
           <a:p>
@@ -6263,7 +6271,7 @@
             </a:pPr>
             <a:r>
               <a:rPr lang="it-IT" sz="1600" b="0" dirty="0"/>
-              <a:t>Aggiunge i nuovi archi es. (3,2) e (4,0).</a:t>
+              <a:t>Aggiunge i nuovi archi es. (2,3) e (4,0).</a:t>
             </a:r>
           </a:p>
         </p:txBody>
@@ -6663,7 +6671,7 @@
           <a:p>
             <a:r>
               <a:rPr lang="it-IT" sz="1600" b="0" dirty="0"/>
-              <a:t>[0, 1, 3, 4, 2]</a:t>
+              <a:t>[1, 3, 4, 2, 0]</a:t>
             </a:r>
           </a:p>
           <a:p>
@@ -7022,8 +7030,8 @@
         </p:blipFill>
         <p:spPr>
           <a:xfrm>
-            <a:off x="577850" y="2692281"/>
-            <a:ext cx="7988300" cy="3060700"/>
+            <a:off x="1183554" y="2924355"/>
+            <a:ext cx="6741428" cy="2582964"/>
           </a:xfrm>
           <a:prstGeom prst="rect">
             <a:avLst/>

--- a/Presentazione Elaborato Ricerca Operativa.pptx
+++ b/Presentazione Elaborato Ricerca Operativa.pptx
@@ -199,10 +199,55 @@
   <pc:docChgLst>
     <pc:chgData name="MICHELE MARESCA" userId="a404185f-7c0c-41c8-aca6-b938107372a7" providerId="ADAL" clId="{59B38A33-1A60-9949-9243-8ABB59DA001A}"/>
     <pc:docChg chg="delSld modSld">
-      <pc:chgData name="MICHELE MARESCA" userId="a404185f-7c0c-41c8-aca6-b938107372a7" providerId="ADAL" clId="{59B38A33-1A60-9949-9243-8ABB59DA001A}" dt="2021-06-06T11:12:40.024" v="119" actId="14100"/>
+      <pc:chgData name="MICHELE MARESCA" userId="a404185f-7c0c-41c8-aca6-b938107372a7" providerId="ADAL" clId="{59B38A33-1A60-9949-9243-8ABB59DA001A}" dt="2021-06-15T14:44:32.865" v="170" actId="1076"/>
       <pc:docMkLst>
         <pc:docMk/>
       </pc:docMkLst>
+      <pc:sldChg chg="modSp mod">
+        <pc:chgData name="MICHELE MARESCA" userId="a404185f-7c0c-41c8-aca6-b938107372a7" providerId="ADAL" clId="{59B38A33-1A60-9949-9243-8ABB59DA001A}" dt="2021-06-15T13:59:49.430" v="131" actId="20577"/>
+        <pc:sldMkLst>
+          <pc:docMk/>
+          <pc:sldMk cId="3742372305" sldId="684"/>
+        </pc:sldMkLst>
+        <pc:spChg chg="mod">
+          <ac:chgData name="MICHELE MARESCA" userId="a404185f-7c0c-41c8-aca6-b938107372a7" providerId="ADAL" clId="{59B38A33-1A60-9949-9243-8ABB59DA001A}" dt="2021-06-15T13:59:49.430" v="131" actId="20577"/>
+          <ac:spMkLst>
+            <pc:docMk/>
+            <pc:sldMk cId="3742372305" sldId="684"/>
+            <ac:spMk id="19" creationId="{5BD7BED1-1933-43DF-8F4C-B224247898B3}"/>
+          </ac:spMkLst>
+        </pc:spChg>
+      </pc:sldChg>
+      <pc:sldChg chg="modSp mod">
+        <pc:chgData name="MICHELE MARESCA" userId="a404185f-7c0c-41c8-aca6-b938107372a7" providerId="ADAL" clId="{59B38A33-1A60-9949-9243-8ABB59DA001A}" dt="2021-06-15T14:01:17.944" v="134" actId="20577"/>
+        <pc:sldMkLst>
+          <pc:docMk/>
+          <pc:sldMk cId="3404949269" sldId="685"/>
+        </pc:sldMkLst>
+        <pc:spChg chg="mod">
+          <ac:chgData name="MICHELE MARESCA" userId="a404185f-7c0c-41c8-aca6-b938107372a7" providerId="ADAL" clId="{59B38A33-1A60-9949-9243-8ABB59DA001A}" dt="2021-06-15T14:01:17.944" v="134" actId="20577"/>
+          <ac:spMkLst>
+            <pc:docMk/>
+            <pc:sldMk cId="3404949269" sldId="685"/>
+            <ac:spMk id="19" creationId="{5BD7BED1-1933-43DF-8F4C-B224247898B3}"/>
+          </ac:spMkLst>
+        </pc:spChg>
+      </pc:sldChg>
+      <pc:sldChg chg="modSp mod">
+        <pc:chgData name="MICHELE MARESCA" userId="a404185f-7c0c-41c8-aca6-b938107372a7" providerId="ADAL" clId="{59B38A33-1A60-9949-9243-8ABB59DA001A}" dt="2021-06-15T14:05:37.260" v="135" actId="1076"/>
+        <pc:sldMkLst>
+          <pc:docMk/>
+          <pc:sldMk cId="278171044" sldId="693"/>
+        </pc:sldMkLst>
+        <pc:spChg chg="mod">
+          <ac:chgData name="MICHELE MARESCA" userId="a404185f-7c0c-41c8-aca6-b938107372a7" providerId="ADAL" clId="{59B38A33-1A60-9949-9243-8ABB59DA001A}" dt="2021-06-15T14:05:37.260" v="135" actId="1076"/>
+          <ac:spMkLst>
+            <pc:docMk/>
+            <pc:sldMk cId="278171044" sldId="693"/>
+            <ac:spMk id="6" creationId="{7A9226F1-49AB-49C2-AA63-48047FBA99CF}"/>
+          </ac:spMkLst>
+        </pc:spChg>
+      </pc:sldChg>
       <pc:sldChg chg="addSp delSp modSp mod">
         <pc:chgData name="MICHELE MARESCA" userId="a404185f-7c0c-41c8-aca6-b938107372a7" providerId="ADAL" clId="{59B38A33-1A60-9949-9243-8ABB59DA001A}" dt="2021-06-06T11:12:40.024" v="119" actId="14100"/>
         <pc:sldMkLst>
@@ -241,14 +286,14 @@
           </ac:spMkLst>
         </pc:spChg>
       </pc:sldChg>
-      <pc:sldChg chg="modSp mod">
-        <pc:chgData name="MICHELE MARESCA" userId="a404185f-7c0c-41c8-aca6-b938107372a7" providerId="ADAL" clId="{59B38A33-1A60-9949-9243-8ABB59DA001A}" dt="2021-06-06T11:11:45.407" v="116" actId="20577"/>
+      <pc:sldChg chg="addSp delSp modSp mod">
+        <pc:chgData name="MICHELE MARESCA" userId="a404185f-7c0c-41c8-aca6-b938107372a7" providerId="ADAL" clId="{59B38A33-1A60-9949-9243-8ABB59DA001A}" dt="2021-06-15T14:44:32.865" v="170" actId="1076"/>
         <pc:sldMkLst>
           <pc:docMk/>
           <pc:sldMk cId="3838491244" sldId="702"/>
         </pc:sldMkLst>
         <pc:spChg chg="mod">
-          <ac:chgData name="MICHELE MARESCA" userId="a404185f-7c0c-41c8-aca6-b938107372a7" providerId="ADAL" clId="{59B38A33-1A60-9949-9243-8ABB59DA001A}" dt="2021-06-06T11:11:45.407" v="116" actId="20577"/>
+          <ac:chgData name="MICHELE MARESCA" userId="a404185f-7c0c-41c8-aca6-b938107372a7" providerId="ADAL" clId="{59B38A33-1A60-9949-9243-8ABB59DA001A}" dt="2021-06-15T14:42:55.211" v="165" actId="20577"/>
           <ac:spMkLst>
             <pc:docMk/>
             <pc:sldMk cId="3838491244" sldId="702"/>
@@ -263,6 +308,62 @@
             <ac:spMk id="16" creationId="{CD358164-AEE0-46B1-8A24-2545F14BB558}"/>
           </ac:spMkLst>
         </pc:spChg>
+        <pc:spChg chg="mod">
+          <ac:chgData name="MICHELE MARESCA" userId="a404185f-7c0c-41c8-aca6-b938107372a7" providerId="ADAL" clId="{59B38A33-1A60-9949-9243-8ABB59DA001A}" dt="2021-06-15T14:42:33.912" v="157" actId="20577"/>
+          <ac:spMkLst>
+            <pc:docMk/>
+            <pc:sldMk cId="3838491244" sldId="702"/>
+            <ac:spMk id="18" creationId="{F2768231-D17A-4E14-82C4-240C21610DB9}"/>
+          </ac:spMkLst>
+        </pc:spChg>
+        <pc:picChg chg="add mod">
+          <ac:chgData name="MICHELE MARESCA" userId="a404185f-7c0c-41c8-aca6-b938107372a7" providerId="ADAL" clId="{59B38A33-1A60-9949-9243-8ABB59DA001A}" dt="2021-06-15T14:39:59.506" v="144" actId="1076"/>
+          <ac:picMkLst>
+            <pc:docMk/>
+            <pc:sldMk cId="3838491244" sldId="702"/>
+            <ac:picMk id="2" creationId="{6E381AA0-302F-1742-BC6A-3DD00732BB14}"/>
+          </ac:picMkLst>
+        </pc:picChg>
+        <pc:picChg chg="add mod">
+          <ac:chgData name="MICHELE MARESCA" userId="a404185f-7c0c-41c8-aca6-b938107372a7" providerId="ADAL" clId="{59B38A33-1A60-9949-9243-8ABB59DA001A}" dt="2021-06-15T14:42:13.252" v="151" actId="1076"/>
+          <ac:picMkLst>
+            <pc:docMk/>
+            <pc:sldMk cId="3838491244" sldId="702"/>
+            <ac:picMk id="3" creationId="{AFD03E5A-5145-3C44-B830-94252A7D5EE4}"/>
+          </ac:picMkLst>
+        </pc:picChg>
+        <pc:picChg chg="add mod">
+          <ac:chgData name="MICHELE MARESCA" userId="a404185f-7c0c-41c8-aca6-b938107372a7" providerId="ADAL" clId="{59B38A33-1A60-9949-9243-8ABB59DA001A}" dt="2021-06-15T14:44:32.865" v="170" actId="1076"/>
+          <ac:picMkLst>
+            <pc:docMk/>
+            <pc:sldMk cId="3838491244" sldId="702"/>
+            <ac:picMk id="4" creationId="{87CC7CF1-A990-004F-9BBE-062EF9A81D57}"/>
+          </ac:picMkLst>
+        </pc:picChg>
+        <pc:picChg chg="del">
+          <ac:chgData name="MICHELE MARESCA" userId="a404185f-7c0c-41c8-aca6-b938107372a7" providerId="ADAL" clId="{59B38A33-1A60-9949-9243-8ABB59DA001A}" dt="2021-06-15T14:39:27.386" v="136" actId="478"/>
+          <ac:picMkLst>
+            <pc:docMk/>
+            <pc:sldMk cId="3838491244" sldId="702"/>
+            <ac:picMk id="9" creationId="{3D20CBE4-E5C1-47B3-A908-E41509E6194C}"/>
+          </ac:picMkLst>
+        </pc:picChg>
+        <pc:picChg chg="del">
+          <ac:chgData name="MICHELE MARESCA" userId="a404185f-7c0c-41c8-aca6-b938107372a7" providerId="ADAL" clId="{59B38A33-1A60-9949-9243-8ABB59DA001A}" dt="2021-06-15T14:41:55.568" v="147" actId="478"/>
+          <ac:picMkLst>
+            <pc:docMk/>
+            <pc:sldMk cId="3838491244" sldId="702"/>
+            <ac:picMk id="10" creationId="{153FB587-6467-482C-8EDE-A9ABA725B47A}"/>
+          </ac:picMkLst>
+        </pc:picChg>
+        <pc:picChg chg="del">
+          <ac:chgData name="MICHELE MARESCA" userId="a404185f-7c0c-41c8-aca6-b938107372a7" providerId="ADAL" clId="{59B38A33-1A60-9949-9243-8ABB59DA001A}" dt="2021-06-15T14:44:13.040" v="166" actId="478"/>
+          <ac:picMkLst>
+            <pc:docMk/>
+            <pc:sldMk cId="3838491244" sldId="702"/>
+            <ac:picMk id="11" creationId="{A387C48E-E808-4750-AEB0-DBF3B14147D2}"/>
+          </ac:picMkLst>
+        </pc:picChg>
       </pc:sldChg>
       <pc:sldChg chg="modSp mod">
         <pc:chgData name="MICHELE MARESCA" userId="a404185f-7c0c-41c8-aca6-b938107372a7" providerId="ADAL" clId="{59B38A33-1A60-9949-9243-8ABB59DA001A}" dt="2021-06-06T09:23:02.985" v="2" actId="20577"/>
@@ -6237,7 +6338,7 @@
             </a:pPr>
             <a:r>
               <a:rPr lang="it-IT" sz="1600" b="0" dirty="0"/>
-              <a:t>Sceglie una coppia di archi non adiacenti es. (4,3) e (2,0);</a:t>
+              <a:t>Sceglie una coppia di archi non adiacenti es. (1,3) e (2,0);</a:t>
             </a:r>
           </a:p>
           <a:p>
@@ -6271,7 +6372,7 @@
             </a:pPr>
             <a:r>
               <a:rPr lang="it-IT" sz="1600" b="0" dirty="0"/>
-              <a:t>Aggiunge i nuovi archi es. (2,3) e (4,0).</a:t>
+              <a:t>Aggiunge i nuovi archi es. (3,0) e (1,2).</a:t>
             </a:r>
           </a:p>
         </p:txBody>
@@ -6306,195 +6407,6 @@
           <a:prstGeom prst="rect">
             <a:avLst/>
           </a:prstGeom>
-        </p:spPr>
-      </p:pic>
-      <p:pic>
-        <p:nvPicPr>
-          <p:cNvPr id="9" name="Segnaposto contenuto 3">
-            <a:extLst>
-              <a:ext uri="{FF2B5EF4-FFF2-40B4-BE49-F238E27FC236}">
-                <a16:creationId xmlns:a16="http://schemas.microsoft.com/office/drawing/2014/main" id="{3D20CBE4-E5C1-47B3-A908-E41509E6194C}"/>
-              </a:ext>
-            </a:extLst>
-          </p:cNvPr>
-          <p:cNvPicPr>
-            <a:picLocks noChangeAspect="1"/>
-          </p:cNvPicPr>
-          <p:nvPr/>
-        </p:nvPicPr>
-        <p:blipFill>
-          <a:blip r:embed="rId3"/>
-          <a:stretch>
-            <a:fillRect/>
-          </a:stretch>
-        </p:blipFill>
-        <p:spPr bwMode="auto">
-          <a:xfrm>
-            <a:off x="2418380" y="4490350"/>
-            <a:ext cx="1946166" cy="1830250"/>
-          </a:xfrm>
-          <a:prstGeom prst="rect">
-            <a:avLst/>
-          </a:prstGeom>
-          <a:noFill/>
-          <a:ln>
-            <a:noFill/>
-          </a:ln>
-          <a:effectLst/>
-          <a:extLst>
-            <a:ext uri="{909E8E84-426E-40DD-AFC4-6F175D3DCCD1}">
-              <a14:hiddenFill xmlns:a14="http://schemas.microsoft.com/office/drawing/2010/main">
-                <a:solidFill>
-                  <a:schemeClr val="accent1"/>
-                </a:solidFill>
-              </a14:hiddenFill>
-            </a:ext>
-            <a:ext uri="{91240B29-F687-4F45-9708-019B960494DF}">
-              <a14:hiddenLine xmlns:a14="http://schemas.microsoft.com/office/drawing/2010/main" w="9525">
-                <a:solidFill>
-                  <a:schemeClr val="tx1"/>
-                </a:solidFill>
-                <a:miter lim="800000"/>
-                <a:headEnd/>
-                <a:tailEnd/>
-              </a14:hiddenLine>
-            </a:ext>
-            <a:ext uri="{AF507438-7753-43E0-B8FC-AC1667EBCBE1}">
-              <a14:hiddenEffects xmlns:a14="http://schemas.microsoft.com/office/drawing/2010/main">
-                <a:effectLst>
-                  <a:outerShdw dist="35921" dir="2700000" algn="ctr" rotWithShape="0">
-                    <a:schemeClr val="bg2"/>
-                  </a:outerShdw>
-                </a:effectLst>
-              </a14:hiddenEffects>
-            </a:ext>
-          </a:extLst>
-        </p:spPr>
-      </p:pic>
-      <p:pic>
-        <p:nvPicPr>
-          <p:cNvPr id="10" name="Segnaposto contenuto 3">
-            <a:extLst>
-              <a:ext uri="{FF2B5EF4-FFF2-40B4-BE49-F238E27FC236}">
-                <a16:creationId xmlns:a16="http://schemas.microsoft.com/office/drawing/2014/main" id="{153FB587-6467-482C-8EDE-A9ABA725B47A}"/>
-              </a:ext>
-            </a:extLst>
-          </p:cNvPr>
-          <p:cNvPicPr>
-            <a:picLocks noChangeAspect="1"/>
-          </p:cNvPicPr>
-          <p:nvPr/>
-        </p:nvPicPr>
-        <p:blipFill>
-          <a:blip r:embed="rId4"/>
-          <a:stretch>
-            <a:fillRect/>
-          </a:stretch>
-        </p:blipFill>
-        <p:spPr bwMode="auto">
-          <a:xfrm>
-            <a:off x="4657069" y="4490349"/>
-            <a:ext cx="1946165" cy="1830249"/>
-          </a:xfrm>
-          <a:prstGeom prst="rect">
-            <a:avLst/>
-          </a:prstGeom>
-          <a:noFill/>
-          <a:ln>
-            <a:noFill/>
-          </a:ln>
-          <a:effectLst/>
-          <a:extLst>
-            <a:ext uri="{909E8E84-426E-40DD-AFC4-6F175D3DCCD1}">
-              <a14:hiddenFill xmlns:a14="http://schemas.microsoft.com/office/drawing/2010/main">
-                <a:solidFill>
-                  <a:schemeClr val="accent1"/>
-                </a:solidFill>
-              </a14:hiddenFill>
-            </a:ext>
-            <a:ext uri="{91240B29-F687-4F45-9708-019B960494DF}">
-              <a14:hiddenLine xmlns:a14="http://schemas.microsoft.com/office/drawing/2010/main" w="9525">
-                <a:solidFill>
-                  <a:schemeClr val="tx1"/>
-                </a:solidFill>
-                <a:miter lim="800000"/>
-                <a:headEnd/>
-                <a:tailEnd/>
-              </a14:hiddenLine>
-            </a:ext>
-            <a:ext uri="{AF507438-7753-43E0-B8FC-AC1667EBCBE1}">
-              <a14:hiddenEffects xmlns:a14="http://schemas.microsoft.com/office/drawing/2010/main">
-                <a:effectLst>
-                  <a:outerShdw dist="35921" dir="2700000" algn="ctr" rotWithShape="0">
-                    <a:schemeClr val="bg2"/>
-                  </a:outerShdw>
-                </a:effectLst>
-              </a14:hiddenEffects>
-            </a:ext>
-          </a:extLst>
-        </p:spPr>
-      </p:pic>
-      <p:pic>
-        <p:nvPicPr>
-          <p:cNvPr id="11" name="Segnaposto contenuto 3">
-            <a:extLst>
-              <a:ext uri="{FF2B5EF4-FFF2-40B4-BE49-F238E27FC236}">
-                <a16:creationId xmlns:a16="http://schemas.microsoft.com/office/drawing/2014/main" id="{A387C48E-E808-4750-AEB0-DBF3B14147D2}"/>
-              </a:ext>
-            </a:extLst>
-          </p:cNvPr>
-          <p:cNvPicPr>
-            <a:picLocks noChangeAspect="1"/>
-          </p:cNvPicPr>
-          <p:nvPr/>
-        </p:nvPicPr>
-        <p:blipFill>
-          <a:blip r:embed="rId5"/>
-          <a:stretch>
-            <a:fillRect/>
-          </a:stretch>
-        </p:blipFill>
-        <p:spPr bwMode="auto">
-          <a:xfrm>
-            <a:off x="6895757" y="4490349"/>
-            <a:ext cx="1946165" cy="1830249"/>
-          </a:xfrm>
-          <a:prstGeom prst="rect">
-            <a:avLst/>
-          </a:prstGeom>
-          <a:noFill/>
-          <a:ln>
-            <a:noFill/>
-          </a:ln>
-          <a:effectLst/>
-          <a:extLst>
-            <a:ext uri="{909E8E84-426E-40DD-AFC4-6F175D3DCCD1}">
-              <a14:hiddenFill xmlns:a14="http://schemas.microsoft.com/office/drawing/2010/main">
-                <a:solidFill>
-                  <a:schemeClr val="accent1"/>
-                </a:solidFill>
-              </a14:hiddenFill>
-            </a:ext>
-            <a:ext uri="{91240B29-F687-4F45-9708-019B960494DF}">
-              <a14:hiddenLine xmlns:a14="http://schemas.microsoft.com/office/drawing/2010/main" w="9525">
-                <a:solidFill>
-                  <a:schemeClr val="tx1"/>
-                </a:solidFill>
-                <a:miter lim="800000"/>
-                <a:headEnd/>
-                <a:tailEnd/>
-              </a14:hiddenLine>
-            </a:ext>
-            <a:ext uri="{AF507438-7753-43E0-B8FC-AC1667EBCBE1}">
-              <a14:hiddenEffects xmlns:a14="http://schemas.microsoft.com/office/drawing/2010/main">
-                <a:effectLst>
-                  <a:outerShdw dist="35921" dir="2700000" algn="ctr" rotWithShape="0">
-                    <a:schemeClr val="bg2"/>
-                  </a:outerShdw>
-                </a:effectLst>
-              </a14:hiddenEffects>
-            </a:ext>
-          </a:extLst>
         </p:spPr>
       </p:pic>
       <p:sp>
@@ -6712,7 +6624,7 @@
           <a:p>
             <a:r>
               <a:rPr lang="it-IT" sz="1600" b="0" dirty="0"/>
-              <a:t>[1, 3, 2, 4, 0]</a:t>
+              <a:t>[1, 2, 4, 3, 0]</a:t>
             </a:r>
           </a:p>
           <a:p>
@@ -6723,6 +6635,96 @@
           </a:p>
         </p:txBody>
       </p:sp>
+      <p:pic>
+        <p:nvPicPr>
+          <p:cNvPr id="2" name="Immagine 1">
+            <a:extLst>
+              <a:ext uri="{FF2B5EF4-FFF2-40B4-BE49-F238E27FC236}">
+                <a16:creationId xmlns:a16="http://schemas.microsoft.com/office/drawing/2014/main" id="{6E381AA0-302F-1742-BC6A-3DD00732BB14}"/>
+              </a:ext>
+            </a:extLst>
+          </p:cNvPr>
+          <p:cNvPicPr>
+            <a:picLocks noChangeAspect="1"/>
+          </p:cNvPicPr>
+          <p:nvPr/>
+        </p:nvPicPr>
+        <p:blipFill>
+          <a:blip r:embed="rId3"/>
+          <a:stretch>
+            <a:fillRect/>
+          </a:stretch>
+        </p:blipFill>
+        <p:spPr>
+          <a:xfrm>
+            <a:off x="2420538" y="4490349"/>
+            <a:ext cx="1941850" cy="1830249"/>
+          </a:xfrm>
+          <a:prstGeom prst="rect">
+            <a:avLst/>
+          </a:prstGeom>
+        </p:spPr>
+      </p:pic>
+      <p:pic>
+        <p:nvPicPr>
+          <p:cNvPr id="3" name="Immagine 2">
+            <a:extLst>
+              <a:ext uri="{FF2B5EF4-FFF2-40B4-BE49-F238E27FC236}">
+                <a16:creationId xmlns:a16="http://schemas.microsoft.com/office/drawing/2014/main" id="{AFD03E5A-5145-3C44-B830-94252A7D5EE4}"/>
+              </a:ext>
+            </a:extLst>
+          </p:cNvPr>
+          <p:cNvPicPr>
+            <a:picLocks noChangeAspect="1"/>
+          </p:cNvPicPr>
+          <p:nvPr/>
+        </p:nvPicPr>
+        <p:blipFill>
+          <a:blip r:embed="rId4"/>
+          <a:stretch>
+            <a:fillRect/>
+          </a:stretch>
+        </p:blipFill>
+        <p:spPr>
+          <a:xfrm>
+            <a:off x="4759514" y="4475985"/>
+            <a:ext cx="1941850" cy="1830249"/>
+          </a:xfrm>
+          <a:prstGeom prst="rect">
+            <a:avLst/>
+          </a:prstGeom>
+        </p:spPr>
+      </p:pic>
+      <p:pic>
+        <p:nvPicPr>
+          <p:cNvPr id="4" name="Immagine 3">
+            <a:extLst>
+              <a:ext uri="{FF2B5EF4-FFF2-40B4-BE49-F238E27FC236}">
+                <a16:creationId xmlns:a16="http://schemas.microsoft.com/office/drawing/2014/main" id="{87CC7CF1-A990-004F-9BBE-062EF9A81D57}"/>
+              </a:ext>
+            </a:extLst>
+          </p:cNvPr>
+          <p:cNvPicPr>
+            <a:picLocks noChangeAspect="1"/>
+          </p:cNvPicPr>
+          <p:nvPr/>
+        </p:nvPicPr>
+        <p:blipFill>
+          <a:blip r:embed="rId5"/>
+          <a:stretch>
+            <a:fillRect/>
+          </a:stretch>
+        </p:blipFill>
+        <p:spPr>
+          <a:xfrm>
+            <a:off x="6995592" y="4475984"/>
+            <a:ext cx="1941851" cy="1830250"/>
+          </a:xfrm>
+          <a:prstGeom prst="rect">
+            <a:avLst/>
+          </a:prstGeom>
+        </p:spPr>
+      </p:pic>
     </p:spTree>
     <p:extLst>
       <p:ext uri="{BB962C8B-B14F-4D97-AF65-F5344CB8AC3E}">
@@ -37515,7 +37517,7 @@
                 <a:latin typeface="Times New Roman" panose="02020603050405020304" pitchFamily="18" charset="0"/>
                 <a:ea typeface="Times New Roman" panose="02020603050405020304" pitchFamily="18" charset="0"/>
               </a:rPr>
-              <a:t> </a:t>
+              <a:t> annealing è una </a:t>
             </a:r>
             <a:r>
               <a:rPr lang="it-IT" sz="1600" b="0" dirty="0" err="1">
@@ -37523,7 +37525,7 @@
                 <a:latin typeface="Times New Roman" panose="02020603050405020304" pitchFamily="18" charset="0"/>
                 <a:ea typeface="Times New Roman" panose="02020603050405020304" pitchFamily="18" charset="0"/>
               </a:rPr>
-              <a:t>annealing</a:t>
+              <a:t>metaeuristica</a:t>
             </a:r>
             <a:r>
               <a:rPr lang="it-IT" sz="1600" b="0" dirty="0">
@@ -37531,7 +37533,7 @@
                 <a:latin typeface="Times New Roman" panose="02020603050405020304" pitchFamily="18" charset="0"/>
                 <a:ea typeface="Times New Roman" panose="02020603050405020304" pitchFamily="18" charset="0"/>
               </a:rPr>
-              <a:t> è una metaeuristica di ricerca locale, basata sull’analogia tra la soluzione di problemi di ottimizzazione combinatoria e il processo di tempra di un solido.</a:t>
+              <a:t> migliorativa, basata sull’analogia tra la soluzione di problemi di ottimizzazione combinatoria e il processo di tempra di un solido.</a:t>
             </a:r>
           </a:p>
           <a:p>
@@ -38272,7 +38274,7 @@
                 <a:latin typeface="Times New Roman" panose="02020603050405020304" pitchFamily="18" charset="0"/>
                 <a:ea typeface="Times New Roman" panose="02020603050405020304" pitchFamily="18" charset="0"/>
               </a:rPr>
-              <a:t>grafo pieno e simmetrico</a:t>
+              <a:t>Grafo pieno e simmetrico</a:t>
             </a:r>
           </a:p>
           <a:p>
@@ -38329,23 +38331,7 @@
                 <a:latin typeface="Times New Roman" panose="02020603050405020304" pitchFamily="18" charset="0"/>
                 <a:ea typeface="Times New Roman" panose="02020603050405020304" pitchFamily="18" charset="0"/>
               </a:rPr>
-              <a:t>Ogni nodo è reso come coppia di coordinate (</a:t>
-            </a:r>
-            <a:r>
-              <a:rPr lang="it-IT" b="0" dirty="0" err="1">
-                <a:effectLst/>
-                <a:latin typeface="Times New Roman" panose="02020603050405020304" pitchFamily="18" charset="0"/>
-                <a:ea typeface="Times New Roman" panose="02020603050405020304" pitchFamily="18" charset="0"/>
-              </a:rPr>
-              <a:t>x,y</a:t>
-            </a:r>
-            <a:r>
-              <a:rPr lang="it-IT" b="0" dirty="0">
-                <a:effectLst/>
-                <a:latin typeface="Times New Roman" panose="02020603050405020304" pitchFamily="18" charset="0"/>
-                <a:ea typeface="Times New Roman" panose="02020603050405020304" pitchFamily="18" charset="0"/>
-              </a:rPr>
-              <a:t>)</a:t>
+              <a:t>Ogni nodo è reso come coppia di coordinate (x, y)</a:t>
             </a:r>
           </a:p>
           <a:p>
@@ -38380,23 +38366,7 @@
                 <a:latin typeface="Times New Roman" panose="02020603050405020304" pitchFamily="18" charset="0"/>
                 <a:ea typeface="Times New Roman" panose="02020603050405020304" pitchFamily="18" charset="0"/>
               </a:rPr>
-              <a:t>Ottenuta con un euristica </a:t>
-            </a:r>
-            <a:r>
-              <a:rPr lang="it-IT" sz="1600" b="0" dirty="0" err="1">
-                <a:effectLst/>
-                <a:latin typeface="Times New Roman" panose="02020603050405020304" pitchFamily="18" charset="0"/>
-                <a:ea typeface="Times New Roman" panose="02020603050405020304" pitchFamily="18" charset="0"/>
-              </a:rPr>
-              <a:t>greedy</a:t>
-            </a:r>
-            <a:r>
-              <a:rPr lang="it-IT" sz="1600" b="0" dirty="0">
-                <a:effectLst/>
-                <a:latin typeface="Times New Roman" panose="02020603050405020304" pitchFamily="18" charset="0"/>
-                <a:ea typeface="Times New Roman" panose="02020603050405020304" pitchFamily="18" charset="0"/>
-              </a:rPr>
-              <a:t> di tipo </a:t>
+              <a:t>Ottenuta con un euristica greedy di tipo </a:t>
             </a:r>
             <a:r>
               <a:rPr lang="it-IT" sz="1600" b="0" dirty="0" err="1">
@@ -40284,8 +40254,8 @@
           </p:sp>
         </mc:Fallback>
       </mc:AlternateContent>
-      <mc:AlternateContent xmlns:mc="http://schemas.openxmlformats.org/markup-compatibility/2006" xmlns:a14="http://schemas.microsoft.com/office/drawing/2010/main">
-        <mc:Choice Requires="a14">
+      <mc:AlternateContent xmlns:mc="http://schemas.openxmlformats.org/markup-compatibility/2006">
+        <mc:Choice xmlns:a14="http://schemas.microsoft.com/office/drawing/2010/main" Requires="a14">
           <p:sp>
             <p:nvSpPr>
               <p:cNvPr id="6" name="CasellaDiTesto 5">
@@ -40300,7 +40270,7 @@
             </p:nvSpPr>
             <p:spPr>
               <a:xfrm>
-                <a:off x="4475093" y="3246122"/>
+                <a:off x="4475093" y="3127852"/>
                 <a:ext cx="3187347" cy="563680"/>
               </a:xfrm>
               <a:prstGeom prst="rect">
@@ -40553,7 +40523,7 @@
             </p:txBody>
           </p:sp>
         </mc:Choice>
-        <mc:Fallback xmlns="">
+        <mc:Fallback>
           <p:sp>
             <p:nvSpPr>
               <p:cNvPr id="6" name="CasellaDiTesto 5">
@@ -40570,7 +40540,7 @@
             </p:nvSpPr>
             <p:spPr>
               <a:xfrm>
-                <a:off x="4475093" y="3246122"/>
+                <a:off x="4475093" y="3127852"/>
                 <a:ext cx="3187347" cy="563680"/>
               </a:xfrm>
               <a:prstGeom prst="rect">
@@ -40579,7 +40549,7 @@
               <a:blipFill>
                 <a:blip r:embed="rId5"/>
                 <a:stretch>
-                  <a:fillRect/>
+                  <a:fillRect l="-397"/>
                 </a:stretch>
               </a:blipFill>
             </p:spPr>

--- a/Presentazione Elaborato Ricerca Operativa.pptx
+++ b/Presentazione Elaborato Ricerca Operativa.pptx
@@ -192,256 +192,6 @@
 <p:cmAuthorLst xmlns:a="http://schemas.openxmlformats.org/drawingml/2006/main" xmlns:r="http://schemas.openxmlformats.org/officeDocument/2006/relationships" xmlns:p="http://schemas.openxmlformats.org/presentationml/2006/main">
   <p:cmAuthor id="2" name="Autore" initials="A" lastIdx="0" clrIdx="1"/>
 </p:cmAuthorLst>
-</file>
-
-<file path=ppt/changesInfos/changesInfo1.xml><?xml version="1.0" encoding="utf-8"?>
-<pc:chgInfo xmlns:a="http://schemas.openxmlformats.org/drawingml/2006/main" xmlns:r="http://schemas.openxmlformats.org/officeDocument/2006/relationships" xmlns:ac="http://schemas.microsoft.com/office/drawing/2013/main/command" xmlns:pc="http://schemas.microsoft.com/office/powerpoint/2013/main/command">
-  <pc:docChgLst>
-    <pc:chgData name="MICHELE MARESCA" userId="a404185f-7c0c-41c8-aca6-b938107372a7" providerId="ADAL" clId="{59B38A33-1A60-9949-9243-8ABB59DA001A}"/>
-    <pc:docChg chg="delSld modSld">
-      <pc:chgData name="MICHELE MARESCA" userId="a404185f-7c0c-41c8-aca6-b938107372a7" providerId="ADAL" clId="{59B38A33-1A60-9949-9243-8ABB59DA001A}" dt="2021-06-15T14:44:32.865" v="170" actId="1076"/>
-      <pc:docMkLst>
-        <pc:docMk/>
-      </pc:docMkLst>
-      <pc:sldChg chg="modSp mod">
-        <pc:chgData name="MICHELE MARESCA" userId="a404185f-7c0c-41c8-aca6-b938107372a7" providerId="ADAL" clId="{59B38A33-1A60-9949-9243-8ABB59DA001A}" dt="2021-06-15T13:59:49.430" v="131" actId="20577"/>
-        <pc:sldMkLst>
-          <pc:docMk/>
-          <pc:sldMk cId="3742372305" sldId="684"/>
-        </pc:sldMkLst>
-        <pc:spChg chg="mod">
-          <ac:chgData name="MICHELE MARESCA" userId="a404185f-7c0c-41c8-aca6-b938107372a7" providerId="ADAL" clId="{59B38A33-1A60-9949-9243-8ABB59DA001A}" dt="2021-06-15T13:59:49.430" v="131" actId="20577"/>
-          <ac:spMkLst>
-            <pc:docMk/>
-            <pc:sldMk cId="3742372305" sldId="684"/>
-            <ac:spMk id="19" creationId="{5BD7BED1-1933-43DF-8F4C-B224247898B3}"/>
-          </ac:spMkLst>
-        </pc:spChg>
-      </pc:sldChg>
-      <pc:sldChg chg="modSp mod">
-        <pc:chgData name="MICHELE MARESCA" userId="a404185f-7c0c-41c8-aca6-b938107372a7" providerId="ADAL" clId="{59B38A33-1A60-9949-9243-8ABB59DA001A}" dt="2021-06-15T14:01:17.944" v="134" actId="20577"/>
-        <pc:sldMkLst>
-          <pc:docMk/>
-          <pc:sldMk cId="3404949269" sldId="685"/>
-        </pc:sldMkLst>
-        <pc:spChg chg="mod">
-          <ac:chgData name="MICHELE MARESCA" userId="a404185f-7c0c-41c8-aca6-b938107372a7" providerId="ADAL" clId="{59B38A33-1A60-9949-9243-8ABB59DA001A}" dt="2021-06-15T14:01:17.944" v="134" actId="20577"/>
-          <ac:spMkLst>
-            <pc:docMk/>
-            <pc:sldMk cId="3404949269" sldId="685"/>
-            <ac:spMk id="19" creationId="{5BD7BED1-1933-43DF-8F4C-B224247898B3}"/>
-          </ac:spMkLst>
-        </pc:spChg>
-      </pc:sldChg>
-      <pc:sldChg chg="modSp mod">
-        <pc:chgData name="MICHELE MARESCA" userId="a404185f-7c0c-41c8-aca6-b938107372a7" providerId="ADAL" clId="{59B38A33-1A60-9949-9243-8ABB59DA001A}" dt="2021-06-15T14:05:37.260" v="135" actId="1076"/>
-        <pc:sldMkLst>
-          <pc:docMk/>
-          <pc:sldMk cId="278171044" sldId="693"/>
-        </pc:sldMkLst>
-        <pc:spChg chg="mod">
-          <ac:chgData name="MICHELE MARESCA" userId="a404185f-7c0c-41c8-aca6-b938107372a7" providerId="ADAL" clId="{59B38A33-1A60-9949-9243-8ABB59DA001A}" dt="2021-06-15T14:05:37.260" v="135" actId="1076"/>
-          <ac:spMkLst>
-            <pc:docMk/>
-            <pc:sldMk cId="278171044" sldId="693"/>
-            <ac:spMk id="6" creationId="{7A9226F1-49AB-49C2-AA63-48047FBA99CF}"/>
-          </ac:spMkLst>
-        </pc:spChg>
-      </pc:sldChg>
-      <pc:sldChg chg="addSp delSp modSp mod">
-        <pc:chgData name="MICHELE MARESCA" userId="a404185f-7c0c-41c8-aca6-b938107372a7" providerId="ADAL" clId="{59B38A33-1A60-9949-9243-8ABB59DA001A}" dt="2021-06-06T11:12:40.024" v="119" actId="14100"/>
-        <pc:sldMkLst>
-          <pc:docMk/>
-          <pc:sldMk cId="3162308186" sldId="699"/>
-        </pc:sldMkLst>
-        <pc:picChg chg="add mod">
-          <ac:chgData name="MICHELE MARESCA" userId="a404185f-7c0c-41c8-aca6-b938107372a7" providerId="ADAL" clId="{59B38A33-1A60-9949-9243-8ABB59DA001A}" dt="2021-06-06T11:12:40.024" v="119" actId="14100"/>
-          <ac:picMkLst>
-            <pc:docMk/>
-            <pc:sldMk cId="3162308186" sldId="699"/>
-            <ac:picMk id="2" creationId="{ED3BBE07-BE22-1642-BFB6-F1833694861F}"/>
-          </ac:picMkLst>
-        </pc:picChg>
-        <pc:picChg chg="del">
-          <ac:chgData name="MICHELE MARESCA" userId="a404185f-7c0c-41c8-aca6-b938107372a7" providerId="ADAL" clId="{59B38A33-1A60-9949-9243-8ABB59DA001A}" dt="2021-06-06T11:03:44.638" v="95" actId="478"/>
-          <ac:picMkLst>
-            <pc:docMk/>
-            <pc:sldMk cId="3162308186" sldId="699"/>
-            <ac:picMk id="6" creationId="{CD0ABACA-FA79-4C98-8F91-07E09566C9FF}"/>
-          </ac:picMkLst>
-        </pc:picChg>
-      </pc:sldChg>
-      <pc:sldChg chg="modSp mod">
-        <pc:chgData name="MICHELE MARESCA" userId="a404185f-7c0c-41c8-aca6-b938107372a7" providerId="ADAL" clId="{59B38A33-1A60-9949-9243-8ABB59DA001A}" dt="2021-06-06T09:21:54.763" v="1" actId="20577"/>
-        <pc:sldMkLst>
-          <pc:docMk/>
-          <pc:sldMk cId="1925807012" sldId="700"/>
-        </pc:sldMkLst>
-        <pc:spChg chg="mod">
-          <ac:chgData name="MICHELE MARESCA" userId="a404185f-7c0c-41c8-aca6-b938107372a7" providerId="ADAL" clId="{59B38A33-1A60-9949-9243-8ABB59DA001A}" dt="2021-06-06T09:21:54.763" v="1" actId="20577"/>
-          <ac:spMkLst>
-            <pc:docMk/>
-            <pc:sldMk cId="1925807012" sldId="700"/>
-            <ac:spMk id="11" creationId="{038A17F2-BC94-44A7-AEF4-C8EF3981602F}"/>
-          </ac:spMkLst>
-        </pc:spChg>
-      </pc:sldChg>
-      <pc:sldChg chg="addSp delSp modSp mod">
-        <pc:chgData name="MICHELE MARESCA" userId="a404185f-7c0c-41c8-aca6-b938107372a7" providerId="ADAL" clId="{59B38A33-1A60-9949-9243-8ABB59DA001A}" dt="2021-06-15T14:44:32.865" v="170" actId="1076"/>
-        <pc:sldMkLst>
-          <pc:docMk/>
-          <pc:sldMk cId="3838491244" sldId="702"/>
-        </pc:sldMkLst>
-        <pc:spChg chg="mod">
-          <ac:chgData name="MICHELE MARESCA" userId="a404185f-7c0c-41c8-aca6-b938107372a7" providerId="ADAL" clId="{59B38A33-1A60-9949-9243-8ABB59DA001A}" dt="2021-06-15T14:42:55.211" v="165" actId="20577"/>
-          <ac:spMkLst>
-            <pc:docMk/>
-            <pc:sldMk cId="3838491244" sldId="702"/>
-            <ac:spMk id="7" creationId="{E4932937-7FC9-492A-A63F-BF0137D2D51D}"/>
-          </ac:spMkLst>
-        </pc:spChg>
-        <pc:spChg chg="mod">
-          <ac:chgData name="MICHELE MARESCA" userId="a404185f-7c0c-41c8-aca6-b938107372a7" providerId="ADAL" clId="{59B38A33-1A60-9949-9243-8ABB59DA001A}" dt="2021-06-06T11:11:00.311" v="108" actId="20577"/>
-          <ac:spMkLst>
-            <pc:docMk/>
-            <pc:sldMk cId="3838491244" sldId="702"/>
-            <ac:spMk id="16" creationId="{CD358164-AEE0-46B1-8A24-2545F14BB558}"/>
-          </ac:spMkLst>
-        </pc:spChg>
-        <pc:spChg chg="mod">
-          <ac:chgData name="MICHELE MARESCA" userId="a404185f-7c0c-41c8-aca6-b938107372a7" providerId="ADAL" clId="{59B38A33-1A60-9949-9243-8ABB59DA001A}" dt="2021-06-15T14:42:33.912" v="157" actId="20577"/>
-          <ac:spMkLst>
-            <pc:docMk/>
-            <pc:sldMk cId="3838491244" sldId="702"/>
-            <ac:spMk id="18" creationId="{F2768231-D17A-4E14-82C4-240C21610DB9}"/>
-          </ac:spMkLst>
-        </pc:spChg>
-        <pc:picChg chg="add mod">
-          <ac:chgData name="MICHELE MARESCA" userId="a404185f-7c0c-41c8-aca6-b938107372a7" providerId="ADAL" clId="{59B38A33-1A60-9949-9243-8ABB59DA001A}" dt="2021-06-15T14:39:59.506" v="144" actId="1076"/>
-          <ac:picMkLst>
-            <pc:docMk/>
-            <pc:sldMk cId="3838491244" sldId="702"/>
-            <ac:picMk id="2" creationId="{6E381AA0-302F-1742-BC6A-3DD00732BB14}"/>
-          </ac:picMkLst>
-        </pc:picChg>
-        <pc:picChg chg="add mod">
-          <ac:chgData name="MICHELE MARESCA" userId="a404185f-7c0c-41c8-aca6-b938107372a7" providerId="ADAL" clId="{59B38A33-1A60-9949-9243-8ABB59DA001A}" dt="2021-06-15T14:42:13.252" v="151" actId="1076"/>
-          <ac:picMkLst>
-            <pc:docMk/>
-            <pc:sldMk cId="3838491244" sldId="702"/>
-            <ac:picMk id="3" creationId="{AFD03E5A-5145-3C44-B830-94252A7D5EE4}"/>
-          </ac:picMkLst>
-        </pc:picChg>
-        <pc:picChg chg="add mod">
-          <ac:chgData name="MICHELE MARESCA" userId="a404185f-7c0c-41c8-aca6-b938107372a7" providerId="ADAL" clId="{59B38A33-1A60-9949-9243-8ABB59DA001A}" dt="2021-06-15T14:44:32.865" v="170" actId="1076"/>
-          <ac:picMkLst>
-            <pc:docMk/>
-            <pc:sldMk cId="3838491244" sldId="702"/>
-            <ac:picMk id="4" creationId="{87CC7CF1-A990-004F-9BBE-062EF9A81D57}"/>
-          </ac:picMkLst>
-        </pc:picChg>
-        <pc:picChg chg="del">
-          <ac:chgData name="MICHELE MARESCA" userId="a404185f-7c0c-41c8-aca6-b938107372a7" providerId="ADAL" clId="{59B38A33-1A60-9949-9243-8ABB59DA001A}" dt="2021-06-15T14:39:27.386" v="136" actId="478"/>
-          <ac:picMkLst>
-            <pc:docMk/>
-            <pc:sldMk cId="3838491244" sldId="702"/>
-            <ac:picMk id="9" creationId="{3D20CBE4-E5C1-47B3-A908-E41509E6194C}"/>
-          </ac:picMkLst>
-        </pc:picChg>
-        <pc:picChg chg="del">
-          <ac:chgData name="MICHELE MARESCA" userId="a404185f-7c0c-41c8-aca6-b938107372a7" providerId="ADAL" clId="{59B38A33-1A60-9949-9243-8ABB59DA001A}" dt="2021-06-15T14:41:55.568" v="147" actId="478"/>
-          <ac:picMkLst>
-            <pc:docMk/>
-            <pc:sldMk cId="3838491244" sldId="702"/>
-            <ac:picMk id="10" creationId="{153FB587-6467-482C-8EDE-A9ABA725B47A}"/>
-          </ac:picMkLst>
-        </pc:picChg>
-        <pc:picChg chg="del">
-          <ac:chgData name="MICHELE MARESCA" userId="a404185f-7c0c-41c8-aca6-b938107372a7" providerId="ADAL" clId="{59B38A33-1A60-9949-9243-8ABB59DA001A}" dt="2021-06-15T14:44:13.040" v="166" actId="478"/>
-          <ac:picMkLst>
-            <pc:docMk/>
-            <pc:sldMk cId="3838491244" sldId="702"/>
-            <ac:picMk id="11" creationId="{A387C48E-E808-4750-AEB0-DBF3B14147D2}"/>
-          </ac:picMkLst>
-        </pc:picChg>
-      </pc:sldChg>
-      <pc:sldChg chg="modSp mod">
-        <pc:chgData name="MICHELE MARESCA" userId="a404185f-7c0c-41c8-aca6-b938107372a7" providerId="ADAL" clId="{59B38A33-1A60-9949-9243-8ABB59DA001A}" dt="2021-06-06T09:23:02.985" v="2" actId="20577"/>
-        <pc:sldMkLst>
-          <pc:docMk/>
-          <pc:sldMk cId="647785659" sldId="709"/>
-        </pc:sldMkLst>
-        <pc:spChg chg="mod">
-          <ac:chgData name="MICHELE MARESCA" userId="a404185f-7c0c-41c8-aca6-b938107372a7" providerId="ADAL" clId="{59B38A33-1A60-9949-9243-8ABB59DA001A}" dt="2021-06-06T09:23:02.985" v="2" actId="20577"/>
-          <ac:spMkLst>
-            <pc:docMk/>
-            <pc:sldMk cId="647785659" sldId="709"/>
-            <ac:spMk id="9" creationId="{7A24AD0A-EB5B-48E8-96C2-8971F31BEE8E}"/>
-          </ac:spMkLst>
-        </pc:spChg>
-      </pc:sldChg>
-      <pc:sldChg chg="del">
-        <pc:chgData name="MICHELE MARESCA" userId="a404185f-7c0c-41c8-aca6-b938107372a7" providerId="ADAL" clId="{59B38A33-1A60-9949-9243-8ABB59DA001A}" dt="2021-06-06T09:31:53.239" v="9" actId="2696"/>
-        <pc:sldMkLst>
-          <pc:docMk/>
-          <pc:sldMk cId="2502924551" sldId="712"/>
-        </pc:sldMkLst>
-      </pc:sldChg>
-      <pc:sldChg chg="modSp mod">
-        <pc:chgData name="MICHELE MARESCA" userId="a404185f-7c0c-41c8-aca6-b938107372a7" providerId="ADAL" clId="{59B38A33-1A60-9949-9243-8ABB59DA001A}" dt="2021-06-06T09:57:57.535" v="79" actId="20577"/>
-        <pc:sldMkLst>
-          <pc:docMk/>
-          <pc:sldMk cId="3976500223" sldId="714"/>
-        </pc:sldMkLst>
-        <pc:graphicFrameChg chg="modGraphic">
-          <ac:chgData name="MICHELE MARESCA" userId="a404185f-7c0c-41c8-aca6-b938107372a7" providerId="ADAL" clId="{59B38A33-1A60-9949-9243-8ABB59DA001A}" dt="2021-06-06T09:57:57.535" v="79" actId="20577"/>
-          <ac:graphicFrameMkLst>
-            <pc:docMk/>
-            <pc:sldMk cId="3976500223" sldId="714"/>
-            <ac:graphicFrameMk id="6" creationId="{BEBC38ED-6CD3-42F1-8752-CD395EBD122F}"/>
-          </ac:graphicFrameMkLst>
-        </pc:graphicFrameChg>
-      </pc:sldChg>
-      <pc:sldChg chg="del">
-        <pc:chgData name="MICHELE MARESCA" userId="a404185f-7c0c-41c8-aca6-b938107372a7" providerId="ADAL" clId="{59B38A33-1A60-9949-9243-8ABB59DA001A}" dt="2021-06-06T09:31:53.239" v="9" actId="2696"/>
-        <pc:sldMkLst>
-          <pc:docMk/>
-          <pc:sldMk cId="3554569037" sldId="715"/>
-        </pc:sldMkLst>
-      </pc:sldChg>
-      <pc:sldChg chg="modSp mod">
-        <pc:chgData name="MICHELE MARESCA" userId="a404185f-7c0c-41c8-aca6-b938107372a7" providerId="ADAL" clId="{59B38A33-1A60-9949-9243-8ABB59DA001A}" dt="2021-06-06T09:58:02.797" v="86" actId="20577"/>
-        <pc:sldMkLst>
-          <pc:docMk/>
-          <pc:sldMk cId="825233335" sldId="720"/>
-        </pc:sldMkLst>
-        <pc:graphicFrameChg chg="modGraphic">
-          <ac:chgData name="MICHELE MARESCA" userId="a404185f-7c0c-41c8-aca6-b938107372a7" providerId="ADAL" clId="{59B38A33-1A60-9949-9243-8ABB59DA001A}" dt="2021-06-06T09:58:02.797" v="86" actId="20577"/>
-          <ac:graphicFrameMkLst>
-            <pc:docMk/>
-            <pc:sldMk cId="825233335" sldId="720"/>
-            <ac:graphicFrameMk id="5" creationId="{7E5CF6E3-995D-4D5E-B1A7-6E771E451FC0}"/>
-          </ac:graphicFrameMkLst>
-        </pc:graphicFrameChg>
-      </pc:sldChg>
-      <pc:sldChg chg="modSp mod">
-        <pc:chgData name="MICHELE MARESCA" userId="a404185f-7c0c-41c8-aca6-b938107372a7" providerId="ADAL" clId="{59B38A33-1A60-9949-9243-8ABB59DA001A}" dt="2021-06-06T09:30:05.049" v="8" actId="20577"/>
-        <pc:sldMkLst>
-          <pc:docMk/>
-          <pc:sldMk cId="2079668501" sldId="721"/>
-        </pc:sldMkLst>
-        <pc:spChg chg="mod">
-          <ac:chgData name="MICHELE MARESCA" userId="a404185f-7c0c-41c8-aca6-b938107372a7" providerId="ADAL" clId="{59B38A33-1A60-9949-9243-8ABB59DA001A}" dt="2021-06-06T09:30:05.049" v="8" actId="20577"/>
-          <ac:spMkLst>
-            <pc:docMk/>
-            <pc:sldMk cId="2079668501" sldId="721"/>
-            <ac:spMk id="6" creationId="{7442502D-48D8-4DD1-92FD-B41A8107FF59}"/>
-          </ac:spMkLst>
-        </pc:spChg>
-      </pc:sldChg>
-    </pc:docChg>
-  </pc:docChgLst>
-</pc:chgInfo>
 </file>
 
 <file path=ppt/handoutMasters/handoutMaster1.xml><?xml version="1.0" encoding="utf-8"?>
@@ -3111,12 +2861,12 @@
           <a:graphicData uri="http://schemas.openxmlformats.org/presentationml/2006/ole">
             <mc:AlternateContent xmlns:mc="http://schemas.openxmlformats.org/markup-compatibility/2006">
               <mc:Choice xmlns:v="urn:schemas-microsoft-com:vml" Requires="v">
-                <p:oleObj spid="_x0000_s1025" name="Image" r:id="rId11" imgW="2144821" imgH="1268683" progId="Photoshop.Image.7">
+                <p:oleObj name="Image" r:id="rId10" imgW="2144821" imgH="1268683" progId="Photoshop.Image.7">
                   <p:embed/>
                 </p:oleObj>
               </mc:Choice>
               <mc:Fallback>
-                <p:oleObj name="Image" r:id="rId11" imgW="2144821" imgH="1268683" progId="Photoshop.Image.7">
+                <p:oleObj name="Image" r:id="rId10" imgW="2144821" imgH="1268683" progId="Photoshop.Image.7">
                   <p:embed/>
                   <p:pic>
                     <p:nvPicPr>
@@ -3133,7 +2883,7 @@
                       <p:nvPr/>
                     </p:nvPicPr>
                     <p:blipFill>
-                      <a:blip r:embed="rId12">
+                      <a:blip r:embed="rId11">
                         <a:extLst>
                           <a:ext uri="{28A0092B-C50C-407E-A947-70E740481C1C}">
                             <a14:useLocalDpi xmlns:a14="http://schemas.microsoft.com/office/drawing/2010/main" val="0"/>
@@ -3598,7 +3348,7 @@
         </a:buClr>
         <a:buFont typeface="Monotype Sorts" pitchFamily="2" charset="2"/>
         <a:buBlip>
-          <a:blip r:embed="rId13"/>
+          <a:blip r:embed="rId12"/>
         </a:buBlip>
         <a:defRPr b="1">
           <a:solidFill>
@@ -3625,7 +3375,7 @@
           <a:schemeClr val="tx1"/>
         </a:buClr>
         <a:buBlip>
-          <a:blip r:embed="rId13"/>
+          <a:blip r:embed="rId12"/>
         </a:buBlip>
         <a:defRPr sz="1400" b="1">
           <a:solidFill>
@@ -3650,7 +3400,7 @@
           <a:schemeClr val="tx1"/>
         </a:buClr>
         <a:buBlip>
-          <a:blip r:embed="rId13"/>
+          <a:blip r:embed="rId12"/>
         </a:buBlip>
         <a:defRPr b="1">
           <a:solidFill>
@@ -3676,7 +3426,7 @@
         </a:buClr>
         <a:buFont typeface="Monotype Sorts" pitchFamily="2" charset="2"/>
         <a:buBlip>
-          <a:blip r:embed="rId13"/>
+          <a:blip r:embed="rId12"/>
         </a:buBlip>
         <a:defRPr b="1">
           <a:solidFill>
@@ -3701,7 +3451,7 @@
           <a:schemeClr val="tx1"/>
         </a:buClr>
         <a:buBlip>
-          <a:blip r:embed="rId13"/>
+          <a:blip r:embed="rId12"/>
         </a:buBlip>
         <a:defRPr b="1">
           <a:solidFill>
@@ -3726,7 +3476,7 @@
           <a:schemeClr val="tx1"/>
         </a:buClr>
         <a:buBlip>
-          <a:blip r:embed="rId13"/>
+          <a:blip r:embed="rId12"/>
         </a:buBlip>
         <a:defRPr b="1">
           <a:solidFill>
@@ -3751,7 +3501,7 @@
           <a:schemeClr val="tx1"/>
         </a:buClr>
         <a:buBlip>
-          <a:blip r:embed="rId13"/>
+          <a:blip r:embed="rId12"/>
         </a:buBlip>
         <a:defRPr b="1">
           <a:solidFill>
@@ -3776,7 +3526,7 @@
           <a:schemeClr val="tx1"/>
         </a:buClr>
         <a:buBlip>
-          <a:blip r:embed="rId13"/>
+          <a:blip r:embed="rId12"/>
         </a:buBlip>
         <a:defRPr b="1">
           <a:solidFill>
@@ -3801,7 +3551,7 @@
           <a:schemeClr val="tx1"/>
         </a:buClr>
         <a:buBlip>
-          <a:blip r:embed="rId13"/>
+          <a:blip r:embed="rId12"/>
         </a:buBlip>
         <a:defRPr b="1">
           <a:solidFill>
@@ -4994,6 +4744,334 @@
           </a:p>
         </p:txBody>
       </p:sp>
+      <p:sp>
+        <p:nvSpPr>
+          <p:cNvPr id="13" name="Rettangolo 12">
+            <a:extLst>
+              <a:ext uri="{FF2B5EF4-FFF2-40B4-BE49-F238E27FC236}">
+                <a16:creationId xmlns:a16="http://schemas.microsoft.com/office/drawing/2014/main" id="{CDA63F7A-0F29-4EE5-9B82-38EAE70F9320}"/>
+              </a:ext>
+            </a:extLst>
+          </p:cNvPr>
+          <p:cNvSpPr/>
+          <p:nvPr/>
+        </p:nvSpPr>
+        <p:spPr>
+          <a:xfrm>
+            <a:off x="4251499" y="430168"/>
+            <a:ext cx="1277822" cy="320429"/>
+          </a:xfrm>
+          <a:prstGeom prst="rect">
+            <a:avLst/>
+          </a:prstGeom>
+          <a:solidFill>
+            <a:schemeClr val="accent1">
+              <a:lumMod val="40000"/>
+              <a:lumOff val="60000"/>
+            </a:schemeClr>
+          </a:solidFill>
+        </p:spPr>
+        <p:style>
+          <a:lnRef idx="2">
+            <a:schemeClr val="accent1">
+              <a:shade val="50000"/>
+            </a:schemeClr>
+          </a:lnRef>
+          <a:fillRef idx="1">
+            <a:schemeClr val="accent1"/>
+          </a:fillRef>
+          <a:effectRef idx="0">
+            <a:schemeClr val="accent1"/>
+          </a:effectRef>
+          <a:fontRef idx="minor">
+            <a:schemeClr val="lt1"/>
+          </a:fontRef>
+        </p:style>
+        <p:txBody>
+          <a:bodyPr rtlCol="0" anchor="ctr"/>
+          <a:lstStyle/>
+          <a:p>
+            <a:pPr algn="ctr"/>
+            <a:r>
+              <a:rPr lang="it-IT" sz="1000" b="1" dirty="0">
+                <a:solidFill>
+                  <a:srgbClr val="002060"/>
+                </a:solidFill>
+              </a:rPr>
+              <a:t>Introduzione</a:t>
+            </a:r>
+          </a:p>
+        </p:txBody>
+      </p:sp>
+      <p:sp>
+        <p:nvSpPr>
+          <p:cNvPr id="14" name="Rettangolo 13">
+            <a:extLst>
+              <a:ext uri="{FF2B5EF4-FFF2-40B4-BE49-F238E27FC236}">
+                <a16:creationId xmlns:a16="http://schemas.microsoft.com/office/drawing/2014/main" id="{5952EFED-4D0F-4DB7-8586-B1B3DCE159B8}"/>
+              </a:ext>
+            </a:extLst>
+          </p:cNvPr>
+          <p:cNvSpPr/>
+          <p:nvPr/>
+        </p:nvSpPr>
+        <p:spPr>
+          <a:xfrm>
+            <a:off x="5806694" y="426274"/>
+            <a:ext cx="1277822" cy="324323"/>
+          </a:xfrm>
+          <a:prstGeom prst="rect">
+            <a:avLst/>
+          </a:prstGeom>
+          <a:solidFill>
+            <a:schemeClr val="accent1"/>
+          </a:solidFill>
+        </p:spPr>
+        <p:style>
+          <a:lnRef idx="2">
+            <a:schemeClr val="accent1">
+              <a:shade val="50000"/>
+            </a:schemeClr>
+          </a:lnRef>
+          <a:fillRef idx="1">
+            <a:schemeClr val="accent1"/>
+          </a:fillRef>
+          <a:effectRef idx="0">
+            <a:schemeClr val="accent1"/>
+          </a:effectRef>
+          <a:fontRef idx="minor">
+            <a:schemeClr val="lt1"/>
+          </a:fontRef>
+        </p:style>
+        <p:txBody>
+          <a:bodyPr rtlCol="0" anchor="ctr"/>
+          <a:lstStyle/>
+          <a:p>
+            <a:pPr algn="ctr"/>
+            <a:endParaRPr lang="it-IT" b="1" dirty="0">
+              <a:solidFill>
+                <a:schemeClr val="tx1"/>
+              </a:solidFill>
+            </a:endParaRPr>
+          </a:p>
+          <a:p>
+            <a:pPr algn="ctr"/>
+            <a:endParaRPr lang="it-IT" b="1" dirty="0">
+              <a:solidFill>
+                <a:srgbClr val="002060"/>
+              </a:solidFill>
+            </a:endParaRPr>
+          </a:p>
+          <a:p>
+            <a:pPr algn="ctr"/>
+            <a:endParaRPr lang="it-IT" dirty="0">
+              <a:solidFill>
+                <a:srgbClr val="002060"/>
+              </a:solidFill>
+            </a:endParaRPr>
+          </a:p>
+          <a:p>
+            <a:pPr algn="ctr"/>
+            <a:r>
+              <a:rPr lang="it-IT" sz="1000" b="1" dirty="0">
+                <a:solidFill>
+                  <a:srgbClr val="002060"/>
+                </a:solidFill>
+              </a:rPr>
+              <a:t>Implementazione</a:t>
+            </a:r>
+          </a:p>
+          <a:p>
+            <a:pPr algn="ctr"/>
+            <a:endParaRPr lang="it-IT" b="1" dirty="0">
+              <a:solidFill>
+                <a:schemeClr val="bg1"/>
+              </a:solidFill>
+            </a:endParaRPr>
+          </a:p>
+          <a:p>
+            <a:pPr algn="ctr"/>
+            <a:endParaRPr lang="it-IT" b="1" dirty="0">
+              <a:solidFill>
+                <a:schemeClr val="bg1"/>
+              </a:solidFill>
+            </a:endParaRPr>
+          </a:p>
+          <a:p>
+            <a:pPr algn="ctr"/>
+            <a:endParaRPr lang="it-IT" b="1" dirty="0">
+              <a:solidFill>
+                <a:schemeClr val="bg1"/>
+              </a:solidFill>
+            </a:endParaRPr>
+          </a:p>
+        </p:txBody>
+      </p:sp>
+      <p:sp>
+        <p:nvSpPr>
+          <p:cNvPr id="15" name="Rettangolo 14">
+            <a:extLst>
+              <a:ext uri="{FF2B5EF4-FFF2-40B4-BE49-F238E27FC236}">
+                <a16:creationId xmlns:a16="http://schemas.microsoft.com/office/drawing/2014/main" id="{76344A73-EBD9-4ACA-AFD9-811EA6DEECBA}"/>
+              </a:ext>
+            </a:extLst>
+          </p:cNvPr>
+          <p:cNvSpPr/>
+          <p:nvPr/>
+        </p:nvSpPr>
+        <p:spPr>
+          <a:xfrm>
+            <a:off x="7361889" y="427784"/>
+            <a:ext cx="1277823" cy="322813"/>
+          </a:xfrm>
+          <a:prstGeom prst="rect">
+            <a:avLst/>
+          </a:prstGeom>
+          <a:solidFill>
+            <a:schemeClr val="accent1">
+              <a:lumMod val="40000"/>
+              <a:lumOff val="60000"/>
+            </a:schemeClr>
+          </a:solidFill>
+        </p:spPr>
+        <p:style>
+          <a:lnRef idx="2">
+            <a:schemeClr val="accent1">
+              <a:shade val="50000"/>
+            </a:schemeClr>
+          </a:lnRef>
+          <a:fillRef idx="1">
+            <a:schemeClr val="accent1"/>
+          </a:fillRef>
+          <a:effectRef idx="0">
+            <a:schemeClr val="accent1"/>
+          </a:effectRef>
+          <a:fontRef idx="minor">
+            <a:schemeClr val="lt1"/>
+          </a:fontRef>
+        </p:style>
+        <p:txBody>
+          <a:bodyPr rtlCol="0" anchor="ctr"/>
+          <a:lstStyle/>
+          <a:p>
+            <a:pPr algn="ctr"/>
+            <a:r>
+              <a:rPr lang="it-IT" sz="1000" b="1" dirty="0" err="1">
+                <a:solidFill>
+                  <a:srgbClr val="002060"/>
+                </a:solidFill>
+              </a:rPr>
+              <a:t>Cooling</a:t>
+            </a:r>
+            <a:r>
+              <a:rPr lang="it-IT" sz="1000" b="1" dirty="0">
+                <a:solidFill>
+                  <a:srgbClr val="002060"/>
+                </a:solidFill>
+              </a:rPr>
+              <a:t> e testing dei parametri</a:t>
+            </a:r>
+          </a:p>
+        </p:txBody>
+      </p:sp>
+      <p:cxnSp>
+        <p:nvCxnSpPr>
+          <p:cNvPr id="16" name="Connettore 2 15">
+            <a:extLst>
+              <a:ext uri="{FF2B5EF4-FFF2-40B4-BE49-F238E27FC236}">
+                <a16:creationId xmlns:a16="http://schemas.microsoft.com/office/drawing/2014/main" id="{14854D20-F865-4E95-B38C-4FB422DEDF6F}"/>
+              </a:ext>
+            </a:extLst>
+          </p:cNvPr>
+          <p:cNvCxnSpPr>
+            <a:stCxn id="13" idx="3"/>
+            <a:endCxn id="14" idx="1"/>
+          </p:cNvCxnSpPr>
+          <p:nvPr/>
+        </p:nvCxnSpPr>
+        <p:spPr bwMode="auto">
+          <a:xfrm flipV="1">
+            <a:off x="5529321" y="588436"/>
+            <a:ext cx="277373" cy="1947"/>
+          </a:xfrm>
+          <a:prstGeom prst="straightConnector1">
+            <a:avLst/>
+          </a:prstGeom>
+          <a:solidFill>
+            <a:schemeClr val="accent1"/>
+          </a:solidFill>
+          <a:ln w="12700" cap="flat" cmpd="sng" algn="ctr">
+            <a:solidFill>
+              <a:schemeClr val="accent1"/>
+            </a:solidFill>
+            <a:prstDash val="solid"/>
+            <a:round/>
+            <a:headEnd type="none" w="sm" len="sm"/>
+            <a:tailEnd type="triangle"/>
+          </a:ln>
+          <a:effectLst/>
+          <a:extLst>
+            <a:ext uri="{AF507438-7753-43E0-B8FC-AC1667EBCBE1}">
+              <a14:hiddenEffects xmlns:a14="http://schemas.microsoft.com/office/drawing/2010/main">
+                <a:effectLst>
+                  <a:outerShdw dist="35921" dir="2700000" algn="ctr" rotWithShape="0">
+                    <a:schemeClr val="bg2"/>
+                  </a:outerShdw>
+                </a:effectLst>
+              </a14:hiddenEffects>
+            </a:ext>
+          </a:extLst>
+        </p:spPr>
+      </p:cxnSp>
+      <p:cxnSp>
+        <p:nvCxnSpPr>
+          <p:cNvPr id="17" name="Connettore 2 16">
+            <a:extLst>
+              <a:ext uri="{FF2B5EF4-FFF2-40B4-BE49-F238E27FC236}">
+                <a16:creationId xmlns:a16="http://schemas.microsoft.com/office/drawing/2014/main" id="{849C9A87-4E12-49D6-9B2D-B529E175DA9D}"/>
+              </a:ext>
+            </a:extLst>
+          </p:cNvPr>
+          <p:cNvCxnSpPr>
+            <a:stCxn id="14" idx="3"/>
+            <a:endCxn id="15" idx="1"/>
+          </p:cNvCxnSpPr>
+          <p:nvPr/>
+        </p:nvCxnSpPr>
+        <p:spPr bwMode="auto">
+          <a:xfrm>
+            <a:off x="7084516" y="588436"/>
+            <a:ext cx="277373" cy="755"/>
+          </a:xfrm>
+          <a:prstGeom prst="straightConnector1">
+            <a:avLst/>
+          </a:prstGeom>
+          <a:solidFill>
+            <a:schemeClr val="accent1"/>
+          </a:solidFill>
+          <a:ln w="12700" cap="flat" cmpd="sng" algn="ctr">
+            <a:solidFill>
+              <a:schemeClr val="accent1"/>
+            </a:solidFill>
+            <a:prstDash val="solid"/>
+            <a:round/>
+            <a:headEnd type="none" w="sm" len="sm"/>
+            <a:tailEnd type="triangle"/>
+          </a:ln>
+          <a:effectLst/>
+          <a:extLst>
+            <a:ext uri="{AF507438-7753-43E0-B8FC-AC1667EBCBE1}">
+              <a14:hiddenEffects xmlns:a14="http://schemas.microsoft.com/office/drawing/2010/main">
+                <a:effectLst>
+                  <a:outerShdw dist="35921" dir="2700000" algn="ctr" rotWithShape="0">
+                    <a:schemeClr val="bg2"/>
+                  </a:outerShdw>
+                </a:effectLst>
+              </a14:hiddenEffects>
+            </a:ext>
+          </a:extLst>
+        </p:spPr>
+      </p:cxnSp>
     </p:spTree>
     <p:extLst>
       <p:ext uri="{BB962C8B-B14F-4D97-AF65-F5344CB8AC3E}">
@@ -5383,6 +5461,334 @@
           </a:p>
         </p:txBody>
       </p:sp>
+      <p:sp>
+        <p:nvSpPr>
+          <p:cNvPr id="19" name="Rettangolo 18">
+            <a:extLst>
+              <a:ext uri="{FF2B5EF4-FFF2-40B4-BE49-F238E27FC236}">
+                <a16:creationId xmlns:a16="http://schemas.microsoft.com/office/drawing/2014/main" id="{ACA082AC-8039-43B0-8091-11C1FBDCC529}"/>
+              </a:ext>
+            </a:extLst>
+          </p:cNvPr>
+          <p:cNvSpPr/>
+          <p:nvPr/>
+        </p:nvSpPr>
+        <p:spPr>
+          <a:xfrm>
+            <a:off x="4251499" y="430168"/>
+            <a:ext cx="1277822" cy="320429"/>
+          </a:xfrm>
+          <a:prstGeom prst="rect">
+            <a:avLst/>
+          </a:prstGeom>
+          <a:solidFill>
+            <a:schemeClr val="accent1">
+              <a:lumMod val="40000"/>
+              <a:lumOff val="60000"/>
+            </a:schemeClr>
+          </a:solidFill>
+        </p:spPr>
+        <p:style>
+          <a:lnRef idx="2">
+            <a:schemeClr val="accent1">
+              <a:shade val="50000"/>
+            </a:schemeClr>
+          </a:lnRef>
+          <a:fillRef idx="1">
+            <a:schemeClr val="accent1"/>
+          </a:fillRef>
+          <a:effectRef idx="0">
+            <a:schemeClr val="accent1"/>
+          </a:effectRef>
+          <a:fontRef idx="minor">
+            <a:schemeClr val="lt1"/>
+          </a:fontRef>
+        </p:style>
+        <p:txBody>
+          <a:bodyPr rtlCol="0" anchor="ctr"/>
+          <a:lstStyle/>
+          <a:p>
+            <a:pPr algn="ctr"/>
+            <a:r>
+              <a:rPr lang="it-IT" sz="1000" b="1" dirty="0">
+                <a:solidFill>
+                  <a:srgbClr val="002060"/>
+                </a:solidFill>
+              </a:rPr>
+              <a:t>Introduzione</a:t>
+            </a:r>
+          </a:p>
+        </p:txBody>
+      </p:sp>
+      <p:sp>
+        <p:nvSpPr>
+          <p:cNvPr id="20" name="Rettangolo 19">
+            <a:extLst>
+              <a:ext uri="{FF2B5EF4-FFF2-40B4-BE49-F238E27FC236}">
+                <a16:creationId xmlns:a16="http://schemas.microsoft.com/office/drawing/2014/main" id="{2E9499F0-A2CA-4749-85DC-11ABF5B8CCA1}"/>
+              </a:ext>
+            </a:extLst>
+          </p:cNvPr>
+          <p:cNvSpPr/>
+          <p:nvPr/>
+        </p:nvSpPr>
+        <p:spPr>
+          <a:xfrm>
+            <a:off x="5806694" y="426274"/>
+            <a:ext cx="1277822" cy="324323"/>
+          </a:xfrm>
+          <a:prstGeom prst="rect">
+            <a:avLst/>
+          </a:prstGeom>
+          <a:solidFill>
+            <a:schemeClr val="accent1"/>
+          </a:solidFill>
+        </p:spPr>
+        <p:style>
+          <a:lnRef idx="2">
+            <a:schemeClr val="accent1">
+              <a:shade val="50000"/>
+            </a:schemeClr>
+          </a:lnRef>
+          <a:fillRef idx="1">
+            <a:schemeClr val="accent1"/>
+          </a:fillRef>
+          <a:effectRef idx="0">
+            <a:schemeClr val="accent1"/>
+          </a:effectRef>
+          <a:fontRef idx="minor">
+            <a:schemeClr val="lt1"/>
+          </a:fontRef>
+        </p:style>
+        <p:txBody>
+          <a:bodyPr rtlCol="0" anchor="ctr"/>
+          <a:lstStyle/>
+          <a:p>
+            <a:pPr algn="ctr"/>
+            <a:endParaRPr lang="it-IT" b="1" dirty="0">
+              <a:solidFill>
+                <a:schemeClr val="tx1"/>
+              </a:solidFill>
+            </a:endParaRPr>
+          </a:p>
+          <a:p>
+            <a:pPr algn="ctr"/>
+            <a:endParaRPr lang="it-IT" b="1" dirty="0">
+              <a:solidFill>
+                <a:srgbClr val="002060"/>
+              </a:solidFill>
+            </a:endParaRPr>
+          </a:p>
+          <a:p>
+            <a:pPr algn="ctr"/>
+            <a:endParaRPr lang="it-IT" dirty="0">
+              <a:solidFill>
+                <a:srgbClr val="002060"/>
+              </a:solidFill>
+            </a:endParaRPr>
+          </a:p>
+          <a:p>
+            <a:pPr algn="ctr"/>
+            <a:r>
+              <a:rPr lang="it-IT" sz="1000" b="1" dirty="0">
+                <a:solidFill>
+                  <a:srgbClr val="002060"/>
+                </a:solidFill>
+              </a:rPr>
+              <a:t>Implementazione</a:t>
+            </a:r>
+          </a:p>
+          <a:p>
+            <a:pPr algn="ctr"/>
+            <a:endParaRPr lang="it-IT" b="1" dirty="0">
+              <a:solidFill>
+                <a:schemeClr val="bg1"/>
+              </a:solidFill>
+            </a:endParaRPr>
+          </a:p>
+          <a:p>
+            <a:pPr algn="ctr"/>
+            <a:endParaRPr lang="it-IT" b="1" dirty="0">
+              <a:solidFill>
+                <a:schemeClr val="bg1"/>
+              </a:solidFill>
+            </a:endParaRPr>
+          </a:p>
+          <a:p>
+            <a:pPr algn="ctr"/>
+            <a:endParaRPr lang="it-IT" b="1" dirty="0">
+              <a:solidFill>
+                <a:schemeClr val="bg1"/>
+              </a:solidFill>
+            </a:endParaRPr>
+          </a:p>
+        </p:txBody>
+      </p:sp>
+      <p:sp>
+        <p:nvSpPr>
+          <p:cNvPr id="21" name="Rettangolo 20">
+            <a:extLst>
+              <a:ext uri="{FF2B5EF4-FFF2-40B4-BE49-F238E27FC236}">
+                <a16:creationId xmlns:a16="http://schemas.microsoft.com/office/drawing/2014/main" id="{C16B3795-5C81-4C16-B07D-B67A925195F5}"/>
+              </a:ext>
+            </a:extLst>
+          </p:cNvPr>
+          <p:cNvSpPr/>
+          <p:nvPr/>
+        </p:nvSpPr>
+        <p:spPr>
+          <a:xfrm>
+            <a:off x="7361889" y="427784"/>
+            <a:ext cx="1277823" cy="322813"/>
+          </a:xfrm>
+          <a:prstGeom prst="rect">
+            <a:avLst/>
+          </a:prstGeom>
+          <a:solidFill>
+            <a:schemeClr val="accent1">
+              <a:lumMod val="40000"/>
+              <a:lumOff val="60000"/>
+            </a:schemeClr>
+          </a:solidFill>
+        </p:spPr>
+        <p:style>
+          <a:lnRef idx="2">
+            <a:schemeClr val="accent1">
+              <a:shade val="50000"/>
+            </a:schemeClr>
+          </a:lnRef>
+          <a:fillRef idx="1">
+            <a:schemeClr val="accent1"/>
+          </a:fillRef>
+          <a:effectRef idx="0">
+            <a:schemeClr val="accent1"/>
+          </a:effectRef>
+          <a:fontRef idx="minor">
+            <a:schemeClr val="lt1"/>
+          </a:fontRef>
+        </p:style>
+        <p:txBody>
+          <a:bodyPr rtlCol="0" anchor="ctr"/>
+          <a:lstStyle/>
+          <a:p>
+            <a:pPr algn="ctr"/>
+            <a:r>
+              <a:rPr lang="it-IT" sz="1000" b="1" dirty="0" err="1">
+                <a:solidFill>
+                  <a:srgbClr val="002060"/>
+                </a:solidFill>
+              </a:rPr>
+              <a:t>Cooling</a:t>
+            </a:r>
+            <a:r>
+              <a:rPr lang="it-IT" sz="1000" b="1" dirty="0">
+                <a:solidFill>
+                  <a:srgbClr val="002060"/>
+                </a:solidFill>
+              </a:rPr>
+              <a:t> e testing dei parametri</a:t>
+            </a:r>
+          </a:p>
+        </p:txBody>
+      </p:sp>
+      <p:cxnSp>
+        <p:nvCxnSpPr>
+          <p:cNvPr id="22" name="Connettore 2 21">
+            <a:extLst>
+              <a:ext uri="{FF2B5EF4-FFF2-40B4-BE49-F238E27FC236}">
+                <a16:creationId xmlns:a16="http://schemas.microsoft.com/office/drawing/2014/main" id="{53E9EB46-F628-44E4-AFC3-812C7185872D}"/>
+              </a:ext>
+            </a:extLst>
+          </p:cNvPr>
+          <p:cNvCxnSpPr>
+            <a:stCxn id="19" idx="3"/>
+            <a:endCxn id="20" idx="1"/>
+          </p:cNvCxnSpPr>
+          <p:nvPr/>
+        </p:nvCxnSpPr>
+        <p:spPr bwMode="auto">
+          <a:xfrm flipV="1">
+            <a:off x="5529321" y="588436"/>
+            <a:ext cx="277373" cy="1947"/>
+          </a:xfrm>
+          <a:prstGeom prst="straightConnector1">
+            <a:avLst/>
+          </a:prstGeom>
+          <a:solidFill>
+            <a:schemeClr val="accent1"/>
+          </a:solidFill>
+          <a:ln w="12700" cap="flat" cmpd="sng" algn="ctr">
+            <a:solidFill>
+              <a:schemeClr val="accent1"/>
+            </a:solidFill>
+            <a:prstDash val="solid"/>
+            <a:round/>
+            <a:headEnd type="none" w="sm" len="sm"/>
+            <a:tailEnd type="triangle"/>
+          </a:ln>
+          <a:effectLst/>
+          <a:extLst>
+            <a:ext uri="{AF507438-7753-43E0-B8FC-AC1667EBCBE1}">
+              <a14:hiddenEffects xmlns:a14="http://schemas.microsoft.com/office/drawing/2010/main">
+                <a:effectLst>
+                  <a:outerShdw dist="35921" dir="2700000" algn="ctr" rotWithShape="0">
+                    <a:schemeClr val="bg2"/>
+                  </a:outerShdw>
+                </a:effectLst>
+              </a14:hiddenEffects>
+            </a:ext>
+          </a:extLst>
+        </p:spPr>
+      </p:cxnSp>
+      <p:cxnSp>
+        <p:nvCxnSpPr>
+          <p:cNvPr id="23" name="Connettore 2 22">
+            <a:extLst>
+              <a:ext uri="{FF2B5EF4-FFF2-40B4-BE49-F238E27FC236}">
+                <a16:creationId xmlns:a16="http://schemas.microsoft.com/office/drawing/2014/main" id="{EEDA2797-0862-43BD-9CB4-11CF9F434BE8}"/>
+              </a:ext>
+            </a:extLst>
+          </p:cNvPr>
+          <p:cNvCxnSpPr>
+            <a:stCxn id="20" idx="3"/>
+            <a:endCxn id="21" idx="1"/>
+          </p:cNvCxnSpPr>
+          <p:nvPr/>
+        </p:nvCxnSpPr>
+        <p:spPr bwMode="auto">
+          <a:xfrm>
+            <a:off x="7084516" y="588436"/>
+            <a:ext cx="277373" cy="755"/>
+          </a:xfrm>
+          <a:prstGeom prst="straightConnector1">
+            <a:avLst/>
+          </a:prstGeom>
+          <a:solidFill>
+            <a:schemeClr val="accent1"/>
+          </a:solidFill>
+          <a:ln w="12700" cap="flat" cmpd="sng" algn="ctr">
+            <a:solidFill>
+              <a:schemeClr val="accent1"/>
+            </a:solidFill>
+            <a:prstDash val="solid"/>
+            <a:round/>
+            <a:headEnd type="none" w="sm" len="sm"/>
+            <a:tailEnd type="triangle"/>
+          </a:ln>
+          <a:effectLst/>
+          <a:extLst>
+            <a:ext uri="{AF507438-7753-43E0-B8FC-AC1667EBCBE1}">
+              <a14:hiddenEffects xmlns:a14="http://schemas.microsoft.com/office/drawing/2010/main">
+                <a:effectLst>
+                  <a:outerShdw dist="35921" dir="2700000" algn="ctr" rotWithShape="0">
+                    <a:schemeClr val="bg2"/>
+                  </a:outerShdw>
+                </a:effectLst>
+              </a14:hiddenEffects>
+            </a:ext>
+          </a:extLst>
+        </p:spPr>
+      </p:cxnSp>
     </p:spTree>
     <p:extLst>
       <p:ext uri="{BB962C8B-B14F-4D97-AF65-F5344CB8AC3E}">
@@ -5772,6 +6178,334 @@
           </a:prstGeom>
         </p:spPr>
       </p:pic>
+      <p:sp>
+        <p:nvSpPr>
+          <p:cNvPr id="17" name="Rettangolo 16">
+            <a:extLst>
+              <a:ext uri="{FF2B5EF4-FFF2-40B4-BE49-F238E27FC236}">
+                <a16:creationId xmlns:a16="http://schemas.microsoft.com/office/drawing/2014/main" id="{82BEECE0-A07B-4EE0-9A0F-0E4C958CA227}"/>
+              </a:ext>
+            </a:extLst>
+          </p:cNvPr>
+          <p:cNvSpPr/>
+          <p:nvPr/>
+        </p:nvSpPr>
+        <p:spPr>
+          <a:xfrm>
+            <a:off x="4251499" y="430168"/>
+            <a:ext cx="1277822" cy="320429"/>
+          </a:xfrm>
+          <a:prstGeom prst="rect">
+            <a:avLst/>
+          </a:prstGeom>
+          <a:solidFill>
+            <a:schemeClr val="accent1">
+              <a:lumMod val="40000"/>
+              <a:lumOff val="60000"/>
+            </a:schemeClr>
+          </a:solidFill>
+        </p:spPr>
+        <p:style>
+          <a:lnRef idx="2">
+            <a:schemeClr val="accent1">
+              <a:shade val="50000"/>
+            </a:schemeClr>
+          </a:lnRef>
+          <a:fillRef idx="1">
+            <a:schemeClr val="accent1"/>
+          </a:fillRef>
+          <a:effectRef idx="0">
+            <a:schemeClr val="accent1"/>
+          </a:effectRef>
+          <a:fontRef idx="minor">
+            <a:schemeClr val="lt1"/>
+          </a:fontRef>
+        </p:style>
+        <p:txBody>
+          <a:bodyPr rtlCol="0" anchor="ctr"/>
+          <a:lstStyle/>
+          <a:p>
+            <a:pPr algn="ctr"/>
+            <a:r>
+              <a:rPr lang="it-IT" sz="1000" b="1" dirty="0">
+                <a:solidFill>
+                  <a:srgbClr val="002060"/>
+                </a:solidFill>
+              </a:rPr>
+              <a:t>Introduzione</a:t>
+            </a:r>
+          </a:p>
+        </p:txBody>
+      </p:sp>
+      <p:sp>
+        <p:nvSpPr>
+          <p:cNvPr id="18" name="Rettangolo 17">
+            <a:extLst>
+              <a:ext uri="{FF2B5EF4-FFF2-40B4-BE49-F238E27FC236}">
+                <a16:creationId xmlns:a16="http://schemas.microsoft.com/office/drawing/2014/main" id="{250B8E5B-D2BC-4D60-B112-00AFCE3A0E29}"/>
+              </a:ext>
+            </a:extLst>
+          </p:cNvPr>
+          <p:cNvSpPr/>
+          <p:nvPr/>
+        </p:nvSpPr>
+        <p:spPr>
+          <a:xfrm>
+            <a:off x="5806694" y="426274"/>
+            <a:ext cx="1277822" cy="324323"/>
+          </a:xfrm>
+          <a:prstGeom prst="rect">
+            <a:avLst/>
+          </a:prstGeom>
+          <a:solidFill>
+            <a:schemeClr val="accent1"/>
+          </a:solidFill>
+        </p:spPr>
+        <p:style>
+          <a:lnRef idx="2">
+            <a:schemeClr val="accent1">
+              <a:shade val="50000"/>
+            </a:schemeClr>
+          </a:lnRef>
+          <a:fillRef idx="1">
+            <a:schemeClr val="accent1"/>
+          </a:fillRef>
+          <a:effectRef idx="0">
+            <a:schemeClr val="accent1"/>
+          </a:effectRef>
+          <a:fontRef idx="minor">
+            <a:schemeClr val="lt1"/>
+          </a:fontRef>
+        </p:style>
+        <p:txBody>
+          <a:bodyPr rtlCol="0" anchor="ctr"/>
+          <a:lstStyle/>
+          <a:p>
+            <a:pPr algn="ctr"/>
+            <a:endParaRPr lang="it-IT" b="1" dirty="0">
+              <a:solidFill>
+                <a:schemeClr val="tx1"/>
+              </a:solidFill>
+            </a:endParaRPr>
+          </a:p>
+          <a:p>
+            <a:pPr algn="ctr"/>
+            <a:endParaRPr lang="it-IT" b="1" dirty="0">
+              <a:solidFill>
+                <a:srgbClr val="002060"/>
+              </a:solidFill>
+            </a:endParaRPr>
+          </a:p>
+          <a:p>
+            <a:pPr algn="ctr"/>
+            <a:endParaRPr lang="it-IT" dirty="0">
+              <a:solidFill>
+                <a:srgbClr val="002060"/>
+              </a:solidFill>
+            </a:endParaRPr>
+          </a:p>
+          <a:p>
+            <a:pPr algn="ctr"/>
+            <a:r>
+              <a:rPr lang="it-IT" sz="1000" b="1" dirty="0">
+                <a:solidFill>
+                  <a:srgbClr val="002060"/>
+                </a:solidFill>
+              </a:rPr>
+              <a:t>Implementazione</a:t>
+            </a:r>
+          </a:p>
+          <a:p>
+            <a:pPr algn="ctr"/>
+            <a:endParaRPr lang="it-IT" b="1" dirty="0">
+              <a:solidFill>
+                <a:schemeClr val="bg1"/>
+              </a:solidFill>
+            </a:endParaRPr>
+          </a:p>
+          <a:p>
+            <a:pPr algn="ctr"/>
+            <a:endParaRPr lang="it-IT" b="1" dirty="0">
+              <a:solidFill>
+                <a:schemeClr val="bg1"/>
+              </a:solidFill>
+            </a:endParaRPr>
+          </a:p>
+          <a:p>
+            <a:pPr algn="ctr"/>
+            <a:endParaRPr lang="it-IT" b="1" dirty="0">
+              <a:solidFill>
+                <a:schemeClr val="bg1"/>
+              </a:solidFill>
+            </a:endParaRPr>
+          </a:p>
+        </p:txBody>
+      </p:sp>
+      <p:sp>
+        <p:nvSpPr>
+          <p:cNvPr id="19" name="Rettangolo 18">
+            <a:extLst>
+              <a:ext uri="{FF2B5EF4-FFF2-40B4-BE49-F238E27FC236}">
+                <a16:creationId xmlns:a16="http://schemas.microsoft.com/office/drawing/2014/main" id="{24DCCBDB-E348-4DD7-9303-BE87F40FCA6E}"/>
+              </a:ext>
+            </a:extLst>
+          </p:cNvPr>
+          <p:cNvSpPr/>
+          <p:nvPr/>
+        </p:nvSpPr>
+        <p:spPr>
+          <a:xfrm>
+            <a:off x="7361889" y="427784"/>
+            <a:ext cx="1277823" cy="322813"/>
+          </a:xfrm>
+          <a:prstGeom prst="rect">
+            <a:avLst/>
+          </a:prstGeom>
+          <a:solidFill>
+            <a:schemeClr val="accent1">
+              <a:lumMod val="40000"/>
+              <a:lumOff val="60000"/>
+            </a:schemeClr>
+          </a:solidFill>
+        </p:spPr>
+        <p:style>
+          <a:lnRef idx="2">
+            <a:schemeClr val="accent1">
+              <a:shade val="50000"/>
+            </a:schemeClr>
+          </a:lnRef>
+          <a:fillRef idx="1">
+            <a:schemeClr val="accent1"/>
+          </a:fillRef>
+          <a:effectRef idx="0">
+            <a:schemeClr val="accent1"/>
+          </a:effectRef>
+          <a:fontRef idx="minor">
+            <a:schemeClr val="lt1"/>
+          </a:fontRef>
+        </p:style>
+        <p:txBody>
+          <a:bodyPr rtlCol="0" anchor="ctr"/>
+          <a:lstStyle/>
+          <a:p>
+            <a:pPr algn="ctr"/>
+            <a:r>
+              <a:rPr lang="it-IT" sz="1000" b="1" dirty="0" err="1">
+                <a:solidFill>
+                  <a:srgbClr val="002060"/>
+                </a:solidFill>
+              </a:rPr>
+              <a:t>Cooling</a:t>
+            </a:r>
+            <a:r>
+              <a:rPr lang="it-IT" sz="1000" b="1" dirty="0">
+                <a:solidFill>
+                  <a:srgbClr val="002060"/>
+                </a:solidFill>
+              </a:rPr>
+              <a:t> e testing dei parametri</a:t>
+            </a:r>
+          </a:p>
+        </p:txBody>
+      </p:sp>
+      <p:cxnSp>
+        <p:nvCxnSpPr>
+          <p:cNvPr id="20" name="Connettore 2 19">
+            <a:extLst>
+              <a:ext uri="{FF2B5EF4-FFF2-40B4-BE49-F238E27FC236}">
+                <a16:creationId xmlns:a16="http://schemas.microsoft.com/office/drawing/2014/main" id="{CD8ABE3D-3466-42A9-AE26-E4A530ED85A7}"/>
+              </a:ext>
+            </a:extLst>
+          </p:cNvPr>
+          <p:cNvCxnSpPr>
+            <a:stCxn id="17" idx="3"/>
+            <a:endCxn id="18" idx="1"/>
+          </p:cNvCxnSpPr>
+          <p:nvPr/>
+        </p:nvCxnSpPr>
+        <p:spPr bwMode="auto">
+          <a:xfrm flipV="1">
+            <a:off x="5529321" y="588436"/>
+            <a:ext cx="277373" cy="1947"/>
+          </a:xfrm>
+          <a:prstGeom prst="straightConnector1">
+            <a:avLst/>
+          </a:prstGeom>
+          <a:solidFill>
+            <a:schemeClr val="accent1"/>
+          </a:solidFill>
+          <a:ln w="12700" cap="flat" cmpd="sng" algn="ctr">
+            <a:solidFill>
+              <a:schemeClr val="accent1"/>
+            </a:solidFill>
+            <a:prstDash val="solid"/>
+            <a:round/>
+            <a:headEnd type="none" w="sm" len="sm"/>
+            <a:tailEnd type="triangle"/>
+          </a:ln>
+          <a:effectLst/>
+          <a:extLst>
+            <a:ext uri="{AF507438-7753-43E0-B8FC-AC1667EBCBE1}">
+              <a14:hiddenEffects xmlns:a14="http://schemas.microsoft.com/office/drawing/2010/main">
+                <a:effectLst>
+                  <a:outerShdw dist="35921" dir="2700000" algn="ctr" rotWithShape="0">
+                    <a:schemeClr val="bg2"/>
+                  </a:outerShdw>
+                </a:effectLst>
+              </a14:hiddenEffects>
+            </a:ext>
+          </a:extLst>
+        </p:spPr>
+      </p:cxnSp>
+      <p:cxnSp>
+        <p:nvCxnSpPr>
+          <p:cNvPr id="21" name="Connettore 2 20">
+            <a:extLst>
+              <a:ext uri="{FF2B5EF4-FFF2-40B4-BE49-F238E27FC236}">
+                <a16:creationId xmlns:a16="http://schemas.microsoft.com/office/drawing/2014/main" id="{32BE62F4-CD4D-420F-851D-E5F5AFADA8D0}"/>
+              </a:ext>
+            </a:extLst>
+          </p:cNvPr>
+          <p:cNvCxnSpPr>
+            <a:stCxn id="18" idx="3"/>
+            <a:endCxn id="19" idx="1"/>
+          </p:cNvCxnSpPr>
+          <p:nvPr/>
+        </p:nvCxnSpPr>
+        <p:spPr bwMode="auto">
+          <a:xfrm>
+            <a:off x="7084516" y="588436"/>
+            <a:ext cx="277373" cy="755"/>
+          </a:xfrm>
+          <a:prstGeom prst="straightConnector1">
+            <a:avLst/>
+          </a:prstGeom>
+          <a:solidFill>
+            <a:schemeClr val="accent1"/>
+          </a:solidFill>
+          <a:ln w="12700" cap="flat" cmpd="sng" algn="ctr">
+            <a:solidFill>
+              <a:schemeClr val="accent1"/>
+            </a:solidFill>
+            <a:prstDash val="solid"/>
+            <a:round/>
+            <a:headEnd type="none" w="sm" len="sm"/>
+            <a:tailEnd type="triangle"/>
+          </a:ln>
+          <a:effectLst/>
+          <a:extLst>
+            <a:ext uri="{AF507438-7753-43E0-B8FC-AC1667EBCBE1}">
+              <a14:hiddenEffects xmlns:a14="http://schemas.microsoft.com/office/drawing/2010/main">
+                <a:effectLst>
+                  <a:outerShdw dist="35921" dir="2700000" algn="ctr" rotWithShape="0">
+                    <a:schemeClr val="bg2"/>
+                  </a:outerShdw>
+                </a:effectLst>
+              </a14:hiddenEffects>
+            </a:ext>
+          </a:extLst>
+        </p:spPr>
+      </p:cxnSp>
     </p:spTree>
     <p:extLst>
       <p:ext uri="{BB962C8B-B14F-4D97-AF65-F5344CB8AC3E}">
@@ -6049,6 +6783,334 @@
           </a:p>
         </p:txBody>
       </p:sp>
+      <p:sp>
+        <p:nvSpPr>
+          <p:cNvPr id="17" name="Rettangolo 16">
+            <a:extLst>
+              <a:ext uri="{FF2B5EF4-FFF2-40B4-BE49-F238E27FC236}">
+                <a16:creationId xmlns:a16="http://schemas.microsoft.com/office/drawing/2014/main" id="{FAB1AAFD-BA3D-4026-9094-4908DC109027}"/>
+              </a:ext>
+            </a:extLst>
+          </p:cNvPr>
+          <p:cNvSpPr/>
+          <p:nvPr/>
+        </p:nvSpPr>
+        <p:spPr>
+          <a:xfrm>
+            <a:off x="4251499" y="430168"/>
+            <a:ext cx="1277822" cy="320429"/>
+          </a:xfrm>
+          <a:prstGeom prst="rect">
+            <a:avLst/>
+          </a:prstGeom>
+          <a:solidFill>
+            <a:schemeClr val="accent1">
+              <a:lumMod val="40000"/>
+              <a:lumOff val="60000"/>
+            </a:schemeClr>
+          </a:solidFill>
+        </p:spPr>
+        <p:style>
+          <a:lnRef idx="2">
+            <a:schemeClr val="accent1">
+              <a:shade val="50000"/>
+            </a:schemeClr>
+          </a:lnRef>
+          <a:fillRef idx="1">
+            <a:schemeClr val="accent1"/>
+          </a:fillRef>
+          <a:effectRef idx="0">
+            <a:schemeClr val="accent1"/>
+          </a:effectRef>
+          <a:fontRef idx="minor">
+            <a:schemeClr val="lt1"/>
+          </a:fontRef>
+        </p:style>
+        <p:txBody>
+          <a:bodyPr rtlCol="0" anchor="ctr"/>
+          <a:lstStyle/>
+          <a:p>
+            <a:pPr algn="ctr"/>
+            <a:r>
+              <a:rPr lang="it-IT" sz="1000" b="1" dirty="0">
+                <a:solidFill>
+                  <a:srgbClr val="002060"/>
+                </a:solidFill>
+              </a:rPr>
+              <a:t>Introduzione</a:t>
+            </a:r>
+          </a:p>
+        </p:txBody>
+      </p:sp>
+      <p:sp>
+        <p:nvSpPr>
+          <p:cNvPr id="18" name="Rettangolo 17">
+            <a:extLst>
+              <a:ext uri="{FF2B5EF4-FFF2-40B4-BE49-F238E27FC236}">
+                <a16:creationId xmlns:a16="http://schemas.microsoft.com/office/drawing/2014/main" id="{713661A8-FF93-48AB-8D60-08DAF362B97D}"/>
+              </a:ext>
+            </a:extLst>
+          </p:cNvPr>
+          <p:cNvSpPr/>
+          <p:nvPr/>
+        </p:nvSpPr>
+        <p:spPr>
+          <a:xfrm>
+            <a:off x="5806694" y="426274"/>
+            <a:ext cx="1277822" cy="324323"/>
+          </a:xfrm>
+          <a:prstGeom prst="rect">
+            <a:avLst/>
+          </a:prstGeom>
+          <a:solidFill>
+            <a:schemeClr val="accent1"/>
+          </a:solidFill>
+        </p:spPr>
+        <p:style>
+          <a:lnRef idx="2">
+            <a:schemeClr val="accent1">
+              <a:shade val="50000"/>
+            </a:schemeClr>
+          </a:lnRef>
+          <a:fillRef idx="1">
+            <a:schemeClr val="accent1"/>
+          </a:fillRef>
+          <a:effectRef idx="0">
+            <a:schemeClr val="accent1"/>
+          </a:effectRef>
+          <a:fontRef idx="minor">
+            <a:schemeClr val="lt1"/>
+          </a:fontRef>
+        </p:style>
+        <p:txBody>
+          <a:bodyPr rtlCol="0" anchor="ctr"/>
+          <a:lstStyle/>
+          <a:p>
+            <a:pPr algn="ctr"/>
+            <a:endParaRPr lang="it-IT" b="1" dirty="0">
+              <a:solidFill>
+                <a:schemeClr val="tx1"/>
+              </a:solidFill>
+            </a:endParaRPr>
+          </a:p>
+          <a:p>
+            <a:pPr algn="ctr"/>
+            <a:endParaRPr lang="it-IT" b="1" dirty="0">
+              <a:solidFill>
+                <a:srgbClr val="002060"/>
+              </a:solidFill>
+            </a:endParaRPr>
+          </a:p>
+          <a:p>
+            <a:pPr algn="ctr"/>
+            <a:endParaRPr lang="it-IT" dirty="0">
+              <a:solidFill>
+                <a:srgbClr val="002060"/>
+              </a:solidFill>
+            </a:endParaRPr>
+          </a:p>
+          <a:p>
+            <a:pPr algn="ctr"/>
+            <a:r>
+              <a:rPr lang="it-IT" sz="1000" b="1" dirty="0">
+                <a:solidFill>
+                  <a:srgbClr val="002060"/>
+                </a:solidFill>
+              </a:rPr>
+              <a:t>Implementazione</a:t>
+            </a:r>
+          </a:p>
+          <a:p>
+            <a:pPr algn="ctr"/>
+            <a:endParaRPr lang="it-IT" b="1" dirty="0">
+              <a:solidFill>
+                <a:schemeClr val="bg1"/>
+              </a:solidFill>
+            </a:endParaRPr>
+          </a:p>
+          <a:p>
+            <a:pPr algn="ctr"/>
+            <a:endParaRPr lang="it-IT" b="1" dirty="0">
+              <a:solidFill>
+                <a:schemeClr val="bg1"/>
+              </a:solidFill>
+            </a:endParaRPr>
+          </a:p>
+          <a:p>
+            <a:pPr algn="ctr"/>
+            <a:endParaRPr lang="it-IT" b="1" dirty="0">
+              <a:solidFill>
+                <a:schemeClr val="bg1"/>
+              </a:solidFill>
+            </a:endParaRPr>
+          </a:p>
+        </p:txBody>
+      </p:sp>
+      <p:sp>
+        <p:nvSpPr>
+          <p:cNvPr id="19" name="Rettangolo 18">
+            <a:extLst>
+              <a:ext uri="{FF2B5EF4-FFF2-40B4-BE49-F238E27FC236}">
+                <a16:creationId xmlns:a16="http://schemas.microsoft.com/office/drawing/2014/main" id="{C1488ECD-B93A-4DCF-8B01-B9A6FBB98A85}"/>
+              </a:ext>
+            </a:extLst>
+          </p:cNvPr>
+          <p:cNvSpPr/>
+          <p:nvPr/>
+        </p:nvSpPr>
+        <p:spPr>
+          <a:xfrm>
+            <a:off x="7361889" y="427784"/>
+            <a:ext cx="1277823" cy="322813"/>
+          </a:xfrm>
+          <a:prstGeom prst="rect">
+            <a:avLst/>
+          </a:prstGeom>
+          <a:solidFill>
+            <a:schemeClr val="accent1">
+              <a:lumMod val="40000"/>
+              <a:lumOff val="60000"/>
+            </a:schemeClr>
+          </a:solidFill>
+        </p:spPr>
+        <p:style>
+          <a:lnRef idx="2">
+            <a:schemeClr val="accent1">
+              <a:shade val="50000"/>
+            </a:schemeClr>
+          </a:lnRef>
+          <a:fillRef idx="1">
+            <a:schemeClr val="accent1"/>
+          </a:fillRef>
+          <a:effectRef idx="0">
+            <a:schemeClr val="accent1"/>
+          </a:effectRef>
+          <a:fontRef idx="minor">
+            <a:schemeClr val="lt1"/>
+          </a:fontRef>
+        </p:style>
+        <p:txBody>
+          <a:bodyPr rtlCol="0" anchor="ctr"/>
+          <a:lstStyle/>
+          <a:p>
+            <a:pPr algn="ctr"/>
+            <a:r>
+              <a:rPr lang="it-IT" sz="1000" b="1" dirty="0" err="1">
+                <a:solidFill>
+                  <a:srgbClr val="002060"/>
+                </a:solidFill>
+              </a:rPr>
+              <a:t>Cooling</a:t>
+            </a:r>
+            <a:r>
+              <a:rPr lang="it-IT" sz="1000" b="1" dirty="0">
+                <a:solidFill>
+                  <a:srgbClr val="002060"/>
+                </a:solidFill>
+              </a:rPr>
+              <a:t> e testing dei parametri</a:t>
+            </a:r>
+          </a:p>
+        </p:txBody>
+      </p:sp>
+      <p:cxnSp>
+        <p:nvCxnSpPr>
+          <p:cNvPr id="20" name="Connettore 2 19">
+            <a:extLst>
+              <a:ext uri="{FF2B5EF4-FFF2-40B4-BE49-F238E27FC236}">
+                <a16:creationId xmlns:a16="http://schemas.microsoft.com/office/drawing/2014/main" id="{4E2E924C-385E-46FC-92B4-AC6E574CCACA}"/>
+              </a:ext>
+            </a:extLst>
+          </p:cNvPr>
+          <p:cNvCxnSpPr>
+            <a:stCxn id="17" idx="3"/>
+            <a:endCxn id="18" idx="1"/>
+          </p:cNvCxnSpPr>
+          <p:nvPr/>
+        </p:nvCxnSpPr>
+        <p:spPr bwMode="auto">
+          <a:xfrm flipV="1">
+            <a:off x="5529321" y="588436"/>
+            <a:ext cx="277373" cy="1947"/>
+          </a:xfrm>
+          <a:prstGeom prst="straightConnector1">
+            <a:avLst/>
+          </a:prstGeom>
+          <a:solidFill>
+            <a:schemeClr val="accent1"/>
+          </a:solidFill>
+          <a:ln w="12700" cap="flat" cmpd="sng" algn="ctr">
+            <a:solidFill>
+              <a:schemeClr val="accent1"/>
+            </a:solidFill>
+            <a:prstDash val="solid"/>
+            <a:round/>
+            <a:headEnd type="none" w="sm" len="sm"/>
+            <a:tailEnd type="triangle"/>
+          </a:ln>
+          <a:effectLst/>
+          <a:extLst>
+            <a:ext uri="{AF507438-7753-43E0-B8FC-AC1667EBCBE1}">
+              <a14:hiddenEffects xmlns:a14="http://schemas.microsoft.com/office/drawing/2010/main">
+                <a:effectLst>
+                  <a:outerShdw dist="35921" dir="2700000" algn="ctr" rotWithShape="0">
+                    <a:schemeClr val="bg2"/>
+                  </a:outerShdw>
+                </a:effectLst>
+              </a14:hiddenEffects>
+            </a:ext>
+          </a:extLst>
+        </p:spPr>
+      </p:cxnSp>
+      <p:cxnSp>
+        <p:nvCxnSpPr>
+          <p:cNvPr id="21" name="Connettore 2 20">
+            <a:extLst>
+              <a:ext uri="{FF2B5EF4-FFF2-40B4-BE49-F238E27FC236}">
+                <a16:creationId xmlns:a16="http://schemas.microsoft.com/office/drawing/2014/main" id="{0BC1DC2A-98DB-4F41-AEBE-28D9DD15E364}"/>
+              </a:ext>
+            </a:extLst>
+          </p:cNvPr>
+          <p:cNvCxnSpPr>
+            <a:stCxn id="18" idx="3"/>
+            <a:endCxn id="19" idx="1"/>
+          </p:cNvCxnSpPr>
+          <p:nvPr/>
+        </p:nvCxnSpPr>
+        <p:spPr bwMode="auto">
+          <a:xfrm>
+            <a:off x="7084516" y="588436"/>
+            <a:ext cx="277373" cy="755"/>
+          </a:xfrm>
+          <a:prstGeom prst="straightConnector1">
+            <a:avLst/>
+          </a:prstGeom>
+          <a:solidFill>
+            <a:schemeClr val="accent1"/>
+          </a:solidFill>
+          <a:ln w="12700" cap="flat" cmpd="sng" algn="ctr">
+            <a:solidFill>
+              <a:schemeClr val="accent1"/>
+            </a:solidFill>
+            <a:prstDash val="solid"/>
+            <a:round/>
+            <a:headEnd type="none" w="sm" len="sm"/>
+            <a:tailEnd type="triangle"/>
+          </a:ln>
+          <a:effectLst/>
+          <a:extLst>
+            <a:ext uri="{AF507438-7753-43E0-B8FC-AC1667EBCBE1}">
+              <a14:hiddenEffects xmlns:a14="http://schemas.microsoft.com/office/drawing/2010/main">
+                <a:effectLst>
+                  <a:outerShdw dist="35921" dir="2700000" algn="ctr" rotWithShape="0">
+                    <a:schemeClr val="bg2"/>
+                  </a:outerShdw>
+                </a:effectLst>
+              </a14:hiddenEffects>
+            </a:ext>
+          </a:extLst>
+        </p:spPr>
+      </p:cxnSp>
     </p:spTree>
     <p:extLst>
       <p:ext uri="{BB962C8B-B14F-4D97-AF65-F5344CB8AC3E}">
@@ -6228,6 +7290,334 @@
           </a:p>
         </p:txBody>
       </p:sp>
+      <p:sp>
+        <p:nvSpPr>
+          <p:cNvPr id="18" name="Rettangolo 17">
+            <a:extLst>
+              <a:ext uri="{FF2B5EF4-FFF2-40B4-BE49-F238E27FC236}">
+                <a16:creationId xmlns:a16="http://schemas.microsoft.com/office/drawing/2014/main" id="{C438A3F2-146E-4232-82D8-66D56F0531D9}"/>
+              </a:ext>
+            </a:extLst>
+          </p:cNvPr>
+          <p:cNvSpPr/>
+          <p:nvPr/>
+        </p:nvSpPr>
+        <p:spPr>
+          <a:xfrm>
+            <a:off x="4251499" y="430168"/>
+            <a:ext cx="1277822" cy="320429"/>
+          </a:xfrm>
+          <a:prstGeom prst="rect">
+            <a:avLst/>
+          </a:prstGeom>
+          <a:solidFill>
+            <a:schemeClr val="accent1">
+              <a:lumMod val="40000"/>
+              <a:lumOff val="60000"/>
+            </a:schemeClr>
+          </a:solidFill>
+        </p:spPr>
+        <p:style>
+          <a:lnRef idx="2">
+            <a:schemeClr val="accent1">
+              <a:shade val="50000"/>
+            </a:schemeClr>
+          </a:lnRef>
+          <a:fillRef idx="1">
+            <a:schemeClr val="accent1"/>
+          </a:fillRef>
+          <a:effectRef idx="0">
+            <a:schemeClr val="accent1"/>
+          </a:effectRef>
+          <a:fontRef idx="minor">
+            <a:schemeClr val="lt1"/>
+          </a:fontRef>
+        </p:style>
+        <p:txBody>
+          <a:bodyPr rtlCol="0" anchor="ctr"/>
+          <a:lstStyle/>
+          <a:p>
+            <a:pPr algn="ctr"/>
+            <a:r>
+              <a:rPr lang="it-IT" sz="1000" b="1" dirty="0">
+                <a:solidFill>
+                  <a:srgbClr val="002060"/>
+                </a:solidFill>
+              </a:rPr>
+              <a:t>Introduzione</a:t>
+            </a:r>
+          </a:p>
+        </p:txBody>
+      </p:sp>
+      <p:sp>
+        <p:nvSpPr>
+          <p:cNvPr id="19" name="Rettangolo 18">
+            <a:extLst>
+              <a:ext uri="{FF2B5EF4-FFF2-40B4-BE49-F238E27FC236}">
+                <a16:creationId xmlns:a16="http://schemas.microsoft.com/office/drawing/2014/main" id="{D4709B79-4540-46E0-99DE-52E93BA399E5}"/>
+              </a:ext>
+            </a:extLst>
+          </p:cNvPr>
+          <p:cNvSpPr/>
+          <p:nvPr/>
+        </p:nvSpPr>
+        <p:spPr>
+          <a:xfrm>
+            <a:off x="5806694" y="426274"/>
+            <a:ext cx="1277822" cy="324323"/>
+          </a:xfrm>
+          <a:prstGeom prst="rect">
+            <a:avLst/>
+          </a:prstGeom>
+          <a:solidFill>
+            <a:schemeClr val="accent1"/>
+          </a:solidFill>
+        </p:spPr>
+        <p:style>
+          <a:lnRef idx="2">
+            <a:schemeClr val="accent1">
+              <a:shade val="50000"/>
+            </a:schemeClr>
+          </a:lnRef>
+          <a:fillRef idx="1">
+            <a:schemeClr val="accent1"/>
+          </a:fillRef>
+          <a:effectRef idx="0">
+            <a:schemeClr val="accent1"/>
+          </a:effectRef>
+          <a:fontRef idx="minor">
+            <a:schemeClr val="lt1"/>
+          </a:fontRef>
+        </p:style>
+        <p:txBody>
+          <a:bodyPr rtlCol="0" anchor="ctr"/>
+          <a:lstStyle/>
+          <a:p>
+            <a:pPr algn="ctr"/>
+            <a:endParaRPr lang="it-IT" b="1" dirty="0">
+              <a:solidFill>
+                <a:schemeClr val="tx1"/>
+              </a:solidFill>
+            </a:endParaRPr>
+          </a:p>
+          <a:p>
+            <a:pPr algn="ctr"/>
+            <a:endParaRPr lang="it-IT" b="1" dirty="0">
+              <a:solidFill>
+                <a:srgbClr val="002060"/>
+              </a:solidFill>
+            </a:endParaRPr>
+          </a:p>
+          <a:p>
+            <a:pPr algn="ctr"/>
+            <a:endParaRPr lang="it-IT" dirty="0">
+              <a:solidFill>
+                <a:srgbClr val="002060"/>
+              </a:solidFill>
+            </a:endParaRPr>
+          </a:p>
+          <a:p>
+            <a:pPr algn="ctr"/>
+            <a:r>
+              <a:rPr lang="it-IT" sz="1000" b="1" dirty="0">
+                <a:solidFill>
+                  <a:srgbClr val="002060"/>
+                </a:solidFill>
+              </a:rPr>
+              <a:t>Implementazione</a:t>
+            </a:r>
+          </a:p>
+          <a:p>
+            <a:pPr algn="ctr"/>
+            <a:endParaRPr lang="it-IT" b="1" dirty="0">
+              <a:solidFill>
+                <a:schemeClr val="bg1"/>
+              </a:solidFill>
+            </a:endParaRPr>
+          </a:p>
+          <a:p>
+            <a:pPr algn="ctr"/>
+            <a:endParaRPr lang="it-IT" b="1" dirty="0">
+              <a:solidFill>
+                <a:schemeClr val="bg1"/>
+              </a:solidFill>
+            </a:endParaRPr>
+          </a:p>
+          <a:p>
+            <a:pPr algn="ctr"/>
+            <a:endParaRPr lang="it-IT" b="1" dirty="0">
+              <a:solidFill>
+                <a:schemeClr val="bg1"/>
+              </a:solidFill>
+            </a:endParaRPr>
+          </a:p>
+        </p:txBody>
+      </p:sp>
+      <p:sp>
+        <p:nvSpPr>
+          <p:cNvPr id="20" name="Rettangolo 19">
+            <a:extLst>
+              <a:ext uri="{FF2B5EF4-FFF2-40B4-BE49-F238E27FC236}">
+                <a16:creationId xmlns:a16="http://schemas.microsoft.com/office/drawing/2014/main" id="{6F809ECB-DCD7-4DF8-B5ED-B7842ADA44FE}"/>
+              </a:ext>
+            </a:extLst>
+          </p:cNvPr>
+          <p:cNvSpPr/>
+          <p:nvPr/>
+        </p:nvSpPr>
+        <p:spPr>
+          <a:xfrm>
+            <a:off x="7361889" y="427784"/>
+            <a:ext cx="1277823" cy="322813"/>
+          </a:xfrm>
+          <a:prstGeom prst="rect">
+            <a:avLst/>
+          </a:prstGeom>
+          <a:solidFill>
+            <a:schemeClr val="accent1">
+              <a:lumMod val="40000"/>
+              <a:lumOff val="60000"/>
+            </a:schemeClr>
+          </a:solidFill>
+        </p:spPr>
+        <p:style>
+          <a:lnRef idx="2">
+            <a:schemeClr val="accent1">
+              <a:shade val="50000"/>
+            </a:schemeClr>
+          </a:lnRef>
+          <a:fillRef idx="1">
+            <a:schemeClr val="accent1"/>
+          </a:fillRef>
+          <a:effectRef idx="0">
+            <a:schemeClr val="accent1"/>
+          </a:effectRef>
+          <a:fontRef idx="minor">
+            <a:schemeClr val="lt1"/>
+          </a:fontRef>
+        </p:style>
+        <p:txBody>
+          <a:bodyPr rtlCol="0" anchor="ctr"/>
+          <a:lstStyle/>
+          <a:p>
+            <a:pPr algn="ctr"/>
+            <a:r>
+              <a:rPr lang="it-IT" sz="1000" b="1" dirty="0" err="1">
+                <a:solidFill>
+                  <a:srgbClr val="002060"/>
+                </a:solidFill>
+              </a:rPr>
+              <a:t>Cooling</a:t>
+            </a:r>
+            <a:r>
+              <a:rPr lang="it-IT" sz="1000" b="1" dirty="0">
+                <a:solidFill>
+                  <a:srgbClr val="002060"/>
+                </a:solidFill>
+              </a:rPr>
+              <a:t> e testing dei parametri</a:t>
+            </a:r>
+          </a:p>
+        </p:txBody>
+      </p:sp>
+      <p:cxnSp>
+        <p:nvCxnSpPr>
+          <p:cNvPr id="21" name="Connettore 2 20">
+            <a:extLst>
+              <a:ext uri="{FF2B5EF4-FFF2-40B4-BE49-F238E27FC236}">
+                <a16:creationId xmlns:a16="http://schemas.microsoft.com/office/drawing/2014/main" id="{97C36050-3831-42F5-81DF-30CCAB4B8D90}"/>
+              </a:ext>
+            </a:extLst>
+          </p:cNvPr>
+          <p:cNvCxnSpPr>
+            <a:stCxn id="18" idx="3"/>
+            <a:endCxn id="19" idx="1"/>
+          </p:cNvCxnSpPr>
+          <p:nvPr/>
+        </p:nvCxnSpPr>
+        <p:spPr bwMode="auto">
+          <a:xfrm flipV="1">
+            <a:off x="5529321" y="588436"/>
+            <a:ext cx="277373" cy="1947"/>
+          </a:xfrm>
+          <a:prstGeom prst="straightConnector1">
+            <a:avLst/>
+          </a:prstGeom>
+          <a:solidFill>
+            <a:schemeClr val="accent1"/>
+          </a:solidFill>
+          <a:ln w="12700" cap="flat" cmpd="sng" algn="ctr">
+            <a:solidFill>
+              <a:schemeClr val="accent1"/>
+            </a:solidFill>
+            <a:prstDash val="solid"/>
+            <a:round/>
+            <a:headEnd type="none" w="sm" len="sm"/>
+            <a:tailEnd type="triangle"/>
+          </a:ln>
+          <a:effectLst/>
+          <a:extLst>
+            <a:ext uri="{AF507438-7753-43E0-B8FC-AC1667EBCBE1}">
+              <a14:hiddenEffects xmlns:a14="http://schemas.microsoft.com/office/drawing/2010/main">
+                <a:effectLst>
+                  <a:outerShdw dist="35921" dir="2700000" algn="ctr" rotWithShape="0">
+                    <a:schemeClr val="bg2"/>
+                  </a:outerShdw>
+                </a:effectLst>
+              </a14:hiddenEffects>
+            </a:ext>
+          </a:extLst>
+        </p:spPr>
+      </p:cxnSp>
+      <p:cxnSp>
+        <p:nvCxnSpPr>
+          <p:cNvPr id="22" name="Connettore 2 21">
+            <a:extLst>
+              <a:ext uri="{FF2B5EF4-FFF2-40B4-BE49-F238E27FC236}">
+                <a16:creationId xmlns:a16="http://schemas.microsoft.com/office/drawing/2014/main" id="{182EF933-12C6-43FB-9DCA-705D0C9065D0}"/>
+              </a:ext>
+            </a:extLst>
+          </p:cNvPr>
+          <p:cNvCxnSpPr>
+            <a:stCxn id="19" idx="3"/>
+            <a:endCxn id="20" idx="1"/>
+          </p:cNvCxnSpPr>
+          <p:nvPr/>
+        </p:nvCxnSpPr>
+        <p:spPr bwMode="auto">
+          <a:xfrm>
+            <a:off x="7084516" y="588436"/>
+            <a:ext cx="277373" cy="755"/>
+          </a:xfrm>
+          <a:prstGeom prst="straightConnector1">
+            <a:avLst/>
+          </a:prstGeom>
+          <a:solidFill>
+            <a:schemeClr val="accent1"/>
+          </a:solidFill>
+          <a:ln w="12700" cap="flat" cmpd="sng" algn="ctr">
+            <a:solidFill>
+              <a:schemeClr val="accent1"/>
+            </a:solidFill>
+            <a:prstDash val="solid"/>
+            <a:round/>
+            <a:headEnd type="none" w="sm" len="sm"/>
+            <a:tailEnd type="triangle"/>
+          </a:ln>
+          <a:effectLst/>
+          <a:extLst>
+            <a:ext uri="{AF507438-7753-43E0-B8FC-AC1667EBCBE1}">
+              <a14:hiddenEffects xmlns:a14="http://schemas.microsoft.com/office/drawing/2010/main">
+                <a:effectLst>
+                  <a:outerShdw dist="35921" dir="2700000" algn="ctr" rotWithShape="0">
+                    <a:schemeClr val="bg2"/>
+                  </a:outerShdw>
+                </a:effectLst>
+              </a14:hiddenEffects>
+            </a:ext>
+          </a:extLst>
+        </p:spPr>
+      </p:cxnSp>
     </p:spTree>
     <p:extLst>
       <p:ext uri="{BB962C8B-B14F-4D97-AF65-F5344CB8AC3E}">
@@ -6725,6 +8115,334 @@
           </a:prstGeom>
         </p:spPr>
       </p:pic>
+      <p:sp>
+        <p:nvSpPr>
+          <p:cNvPr id="23" name="Rettangolo 22">
+            <a:extLst>
+              <a:ext uri="{FF2B5EF4-FFF2-40B4-BE49-F238E27FC236}">
+                <a16:creationId xmlns:a16="http://schemas.microsoft.com/office/drawing/2014/main" id="{5AFEF74A-D4CC-4FB4-B286-B1631BEFA624}"/>
+              </a:ext>
+            </a:extLst>
+          </p:cNvPr>
+          <p:cNvSpPr/>
+          <p:nvPr/>
+        </p:nvSpPr>
+        <p:spPr>
+          <a:xfrm>
+            <a:off x="4251499" y="430168"/>
+            <a:ext cx="1277822" cy="320429"/>
+          </a:xfrm>
+          <a:prstGeom prst="rect">
+            <a:avLst/>
+          </a:prstGeom>
+          <a:solidFill>
+            <a:schemeClr val="accent1">
+              <a:lumMod val="40000"/>
+              <a:lumOff val="60000"/>
+            </a:schemeClr>
+          </a:solidFill>
+        </p:spPr>
+        <p:style>
+          <a:lnRef idx="2">
+            <a:schemeClr val="accent1">
+              <a:shade val="50000"/>
+            </a:schemeClr>
+          </a:lnRef>
+          <a:fillRef idx="1">
+            <a:schemeClr val="accent1"/>
+          </a:fillRef>
+          <a:effectRef idx="0">
+            <a:schemeClr val="accent1"/>
+          </a:effectRef>
+          <a:fontRef idx="minor">
+            <a:schemeClr val="lt1"/>
+          </a:fontRef>
+        </p:style>
+        <p:txBody>
+          <a:bodyPr rtlCol="0" anchor="ctr"/>
+          <a:lstStyle/>
+          <a:p>
+            <a:pPr algn="ctr"/>
+            <a:r>
+              <a:rPr lang="it-IT" sz="1000" b="1" dirty="0">
+                <a:solidFill>
+                  <a:srgbClr val="002060"/>
+                </a:solidFill>
+              </a:rPr>
+              <a:t>Introduzione</a:t>
+            </a:r>
+          </a:p>
+        </p:txBody>
+      </p:sp>
+      <p:sp>
+        <p:nvSpPr>
+          <p:cNvPr id="24" name="Rettangolo 23">
+            <a:extLst>
+              <a:ext uri="{FF2B5EF4-FFF2-40B4-BE49-F238E27FC236}">
+                <a16:creationId xmlns:a16="http://schemas.microsoft.com/office/drawing/2014/main" id="{9847C6A3-551B-409F-97B5-87133457D063}"/>
+              </a:ext>
+            </a:extLst>
+          </p:cNvPr>
+          <p:cNvSpPr/>
+          <p:nvPr/>
+        </p:nvSpPr>
+        <p:spPr>
+          <a:xfrm>
+            <a:off x="5806694" y="426274"/>
+            <a:ext cx="1277822" cy="324323"/>
+          </a:xfrm>
+          <a:prstGeom prst="rect">
+            <a:avLst/>
+          </a:prstGeom>
+          <a:solidFill>
+            <a:schemeClr val="accent1"/>
+          </a:solidFill>
+        </p:spPr>
+        <p:style>
+          <a:lnRef idx="2">
+            <a:schemeClr val="accent1">
+              <a:shade val="50000"/>
+            </a:schemeClr>
+          </a:lnRef>
+          <a:fillRef idx="1">
+            <a:schemeClr val="accent1"/>
+          </a:fillRef>
+          <a:effectRef idx="0">
+            <a:schemeClr val="accent1"/>
+          </a:effectRef>
+          <a:fontRef idx="minor">
+            <a:schemeClr val="lt1"/>
+          </a:fontRef>
+        </p:style>
+        <p:txBody>
+          <a:bodyPr rtlCol="0" anchor="ctr"/>
+          <a:lstStyle/>
+          <a:p>
+            <a:pPr algn="ctr"/>
+            <a:endParaRPr lang="it-IT" b="1" dirty="0">
+              <a:solidFill>
+                <a:schemeClr val="tx1"/>
+              </a:solidFill>
+            </a:endParaRPr>
+          </a:p>
+          <a:p>
+            <a:pPr algn="ctr"/>
+            <a:endParaRPr lang="it-IT" b="1" dirty="0">
+              <a:solidFill>
+                <a:srgbClr val="002060"/>
+              </a:solidFill>
+            </a:endParaRPr>
+          </a:p>
+          <a:p>
+            <a:pPr algn="ctr"/>
+            <a:endParaRPr lang="it-IT" dirty="0">
+              <a:solidFill>
+                <a:srgbClr val="002060"/>
+              </a:solidFill>
+            </a:endParaRPr>
+          </a:p>
+          <a:p>
+            <a:pPr algn="ctr"/>
+            <a:r>
+              <a:rPr lang="it-IT" sz="1000" b="1" dirty="0">
+                <a:solidFill>
+                  <a:srgbClr val="002060"/>
+                </a:solidFill>
+              </a:rPr>
+              <a:t>Implementazione</a:t>
+            </a:r>
+          </a:p>
+          <a:p>
+            <a:pPr algn="ctr"/>
+            <a:endParaRPr lang="it-IT" b="1" dirty="0">
+              <a:solidFill>
+                <a:schemeClr val="bg1"/>
+              </a:solidFill>
+            </a:endParaRPr>
+          </a:p>
+          <a:p>
+            <a:pPr algn="ctr"/>
+            <a:endParaRPr lang="it-IT" b="1" dirty="0">
+              <a:solidFill>
+                <a:schemeClr val="bg1"/>
+              </a:solidFill>
+            </a:endParaRPr>
+          </a:p>
+          <a:p>
+            <a:pPr algn="ctr"/>
+            <a:endParaRPr lang="it-IT" b="1" dirty="0">
+              <a:solidFill>
+                <a:schemeClr val="bg1"/>
+              </a:solidFill>
+            </a:endParaRPr>
+          </a:p>
+        </p:txBody>
+      </p:sp>
+      <p:sp>
+        <p:nvSpPr>
+          <p:cNvPr id="25" name="Rettangolo 24">
+            <a:extLst>
+              <a:ext uri="{FF2B5EF4-FFF2-40B4-BE49-F238E27FC236}">
+                <a16:creationId xmlns:a16="http://schemas.microsoft.com/office/drawing/2014/main" id="{C87E3998-2249-4D0B-81DD-406C33C5E0ED}"/>
+              </a:ext>
+            </a:extLst>
+          </p:cNvPr>
+          <p:cNvSpPr/>
+          <p:nvPr/>
+        </p:nvSpPr>
+        <p:spPr>
+          <a:xfrm>
+            <a:off x="7361889" y="427784"/>
+            <a:ext cx="1277823" cy="322813"/>
+          </a:xfrm>
+          <a:prstGeom prst="rect">
+            <a:avLst/>
+          </a:prstGeom>
+          <a:solidFill>
+            <a:schemeClr val="accent1">
+              <a:lumMod val="40000"/>
+              <a:lumOff val="60000"/>
+            </a:schemeClr>
+          </a:solidFill>
+        </p:spPr>
+        <p:style>
+          <a:lnRef idx="2">
+            <a:schemeClr val="accent1">
+              <a:shade val="50000"/>
+            </a:schemeClr>
+          </a:lnRef>
+          <a:fillRef idx="1">
+            <a:schemeClr val="accent1"/>
+          </a:fillRef>
+          <a:effectRef idx="0">
+            <a:schemeClr val="accent1"/>
+          </a:effectRef>
+          <a:fontRef idx="minor">
+            <a:schemeClr val="lt1"/>
+          </a:fontRef>
+        </p:style>
+        <p:txBody>
+          <a:bodyPr rtlCol="0" anchor="ctr"/>
+          <a:lstStyle/>
+          <a:p>
+            <a:pPr algn="ctr"/>
+            <a:r>
+              <a:rPr lang="it-IT" sz="1000" b="1" dirty="0" err="1">
+                <a:solidFill>
+                  <a:srgbClr val="002060"/>
+                </a:solidFill>
+              </a:rPr>
+              <a:t>Cooling</a:t>
+            </a:r>
+            <a:r>
+              <a:rPr lang="it-IT" sz="1000" b="1" dirty="0">
+                <a:solidFill>
+                  <a:srgbClr val="002060"/>
+                </a:solidFill>
+              </a:rPr>
+              <a:t> e testing dei parametri</a:t>
+            </a:r>
+          </a:p>
+        </p:txBody>
+      </p:sp>
+      <p:cxnSp>
+        <p:nvCxnSpPr>
+          <p:cNvPr id="26" name="Connettore 2 25">
+            <a:extLst>
+              <a:ext uri="{FF2B5EF4-FFF2-40B4-BE49-F238E27FC236}">
+                <a16:creationId xmlns:a16="http://schemas.microsoft.com/office/drawing/2014/main" id="{3A734318-24A1-44BB-A767-46A19C49B8C4}"/>
+              </a:ext>
+            </a:extLst>
+          </p:cNvPr>
+          <p:cNvCxnSpPr>
+            <a:stCxn id="23" idx="3"/>
+            <a:endCxn id="24" idx="1"/>
+          </p:cNvCxnSpPr>
+          <p:nvPr/>
+        </p:nvCxnSpPr>
+        <p:spPr bwMode="auto">
+          <a:xfrm flipV="1">
+            <a:off x="5529321" y="588436"/>
+            <a:ext cx="277373" cy="1947"/>
+          </a:xfrm>
+          <a:prstGeom prst="straightConnector1">
+            <a:avLst/>
+          </a:prstGeom>
+          <a:solidFill>
+            <a:schemeClr val="accent1"/>
+          </a:solidFill>
+          <a:ln w="12700" cap="flat" cmpd="sng" algn="ctr">
+            <a:solidFill>
+              <a:schemeClr val="accent1"/>
+            </a:solidFill>
+            <a:prstDash val="solid"/>
+            <a:round/>
+            <a:headEnd type="none" w="sm" len="sm"/>
+            <a:tailEnd type="triangle"/>
+          </a:ln>
+          <a:effectLst/>
+          <a:extLst>
+            <a:ext uri="{AF507438-7753-43E0-B8FC-AC1667EBCBE1}">
+              <a14:hiddenEffects xmlns:a14="http://schemas.microsoft.com/office/drawing/2010/main">
+                <a:effectLst>
+                  <a:outerShdw dist="35921" dir="2700000" algn="ctr" rotWithShape="0">
+                    <a:schemeClr val="bg2"/>
+                  </a:outerShdw>
+                </a:effectLst>
+              </a14:hiddenEffects>
+            </a:ext>
+          </a:extLst>
+        </p:spPr>
+      </p:cxnSp>
+      <p:cxnSp>
+        <p:nvCxnSpPr>
+          <p:cNvPr id="27" name="Connettore 2 26">
+            <a:extLst>
+              <a:ext uri="{FF2B5EF4-FFF2-40B4-BE49-F238E27FC236}">
+                <a16:creationId xmlns:a16="http://schemas.microsoft.com/office/drawing/2014/main" id="{3A262FC8-634B-453D-B10C-1DD998D0D77B}"/>
+              </a:ext>
+            </a:extLst>
+          </p:cNvPr>
+          <p:cNvCxnSpPr>
+            <a:stCxn id="24" idx="3"/>
+            <a:endCxn id="25" idx="1"/>
+          </p:cNvCxnSpPr>
+          <p:nvPr/>
+        </p:nvCxnSpPr>
+        <p:spPr bwMode="auto">
+          <a:xfrm>
+            <a:off x="7084516" y="588436"/>
+            <a:ext cx="277373" cy="755"/>
+          </a:xfrm>
+          <a:prstGeom prst="straightConnector1">
+            <a:avLst/>
+          </a:prstGeom>
+          <a:solidFill>
+            <a:schemeClr val="accent1"/>
+          </a:solidFill>
+          <a:ln w="12700" cap="flat" cmpd="sng" algn="ctr">
+            <a:solidFill>
+              <a:schemeClr val="accent1"/>
+            </a:solidFill>
+            <a:prstDash val="solid"/>
+            <a:round/>
+            <a:headEnd type="none" w="sm" len="sm"/>
+            <a:tailEnd type="triangle"/>
+          </a:ln>
+          <a:effectLst/>
+          <a:extLst>
+            <a:ext uri="{AF507438-7753-43E0-B8FC-AC1667EBCBE1}">
+              <a14:hiddenEffects xmlns:a14="http://schemas.microsoft.com/office/drawing/2010/main">
+                <a:effectLst>
+                  <a:outerShdw dist="35921" dir="2700000" algn="ctr" rotWithShape="0">
+                    <a:schemeClr val="bg2"/>
+                  </a:outerShdw>
+                </a:effectLst>
+              </a14:hiddenEffects>
+            </a:ext>
+          </a:extLst>
+        </p:spPr>
+      </p:cxnSp>
     </p:spTree>
     <p:extLst>
       <p:ext uri="{BB962C8B-B14F-4D97-AF65-F5344CB8AC3E}">
@@ -7040,6 +8758,334 @@
           </a:prstGeom>
         </p:spPr>
       </p:pic>
+      <p:sp>
+        <p:nvSpPr>
+          <p:cNvPr id="11" name="Rettangolo 10">
+            <a:extLst>
+              <a:ext uri="{FF2B5EF4-FFF2-40B4-BE49-F238E27FC236}">
+                <a16:creationId xmlns:a16="http://schemas.microsoft.com/office/drawing/2014/main" id="{B6CE81E1-5DD7-4FF3-8B98-9C790BFCCFDE}"/>
+              </a:ext>
+            </a:extLst>
+          </p:cNvPr>
+          <p:cNvSpPr/>
+          <p:nvPr/>
+        </p:nvSpPr>
+        <p:spPr>
+          <a:xfrm>
+            <a:off x="4251499" y="430168"/>
+            <a:ext cx="1277822" cy="320429"/>
+          </a:xfrm>
+          <a:prstGeom prst="rect">
+            <a:avLst/>
+          </a:prstGeom>
+          <a:solidFill>
+            <a:schemeClr val="accent1">
+              <a:lumMod val="40000"/>
+              <a:lumOff val="60000"/>
+            </a:schemeClr>
+          </a:solidFill>
+        </p:spPr>
+        <p:style>
+          <a:lnRef idx="2">
+            <a:schemeClr val="accent1">
+              <a:shade val="50000"/>
+            </a:schemeClr>
+          </a:lnRef>
+          <a:fillRef idx="1">
+            <a:schemeClr val="accent1"/>
+          </a:fillRef>
+          <a:effectRef idx="0">
+            <a:schemeClr val="accent1"/>
+          </a:effectRef>
+          <a:fontRef idx="minor">
+            <a:schemeClr val="lt1"/>
+          </a:fontRef>
+        </p:style>
+        <p:txBody>
+          <a:bodyPr rtlCol="0" anchor="ctr"/>
+          <a:lstStyle/>
+          <a:p>
+            <a:pPr algn="ctr"/>
+            <a:r>
+              <a:rPr lang="it-IT" sz="1000" b="1" dirty="0">
+                <a:solidFill>
+                  <a:srgbClr val="002060"/>
+                </a:solidFill>
+              </a:rPr>
+              <a:t>Introduzione</a:t>
+            </a:r>
+          </a:p>
+        </p:txBody>
+      </p:sp>
+      <p:sp>
+        <p:nvSpPr>
+          <p:cNvPr id="12" name="Rettangolo 11">
+            <a:extLst>
+              <a:ext uri="{FF2B5EF4-FFF2-40B4-BE49-F238E27FC236}">
+                <a16:creationId xmlns:a16="http://schemas.microsoft.com/office/drawing/2014/main" id="{61EA801E-12EB-4727-AFA0-14009D120910}"/>
+              </a:ext>
+            </a:extLst>
+          </p:cNvPr>
+          <p:cNvSpPr/>
+          <p:nvPr/>
+        </p:nvSpPr>
+        <p:spPr>
+          <a:xfrm>
+            <a:off x="5806694" y="426274"/>
+            <a:ext cx="1277822" cy="324323"/>
+          </a:xfrm>
+          <a:prstGeom prst="rect">
+            <a:avLst/>
+          </a:prstGeom>
+          <a:solidFill>
+            <a:schemeClr val="accent1"/>
+          </a:solidFill>
+        </p:spPr>
+        <p:style>
+          <a:lnRef idx="2">
+            <a:schemeClr val="accent1">
+              <a:shade val="50000"/>
+            </a:schemeClr>
+          </a:lnRef>
+          <a:fillRef idx="1">
+            <a:schemeClr val="accent1"/>
+          </a:fillRef>
+          <a:effectRef idx="0">
+            <a:schemeClr val="accent1"/>
+          </a:effectRef>
+          <a:fontRef idx="minor">
+            <a:schemeClr val="lt1"/>
+          </a:fontRef>
+        </p:style>
+        <p:txBody>
+          <a:bodyPr rtlCol="0" anchor="ctr"/>
+          <a:lstStyle/>
+          <a:p>
+            <a:pPr algn="ctr"/>
+            <a:endParaRPr lang="it-IT" b="1" dirty="0">
+              <a:solidFill>
+                <a:schemeClr val="tx1"/>
+              </a:solidFill>
+            </a:endParaRPr>
+          </a:p>
+          <a:p>
+            <a:pPr algn="ctr"/>
+            <a:endParaRPr lang="it-IT" b="1" dirty="0">
+              <a:solidFill>
+                <a:srgbClr val="002060"/>
+              </a:solidFill>
+            </a:endParaRPr>
+          </a:p>
+          <a:p>
+            <a:pPr algn="ctr"/>
+            <a:endParaRPr lang="it-IT" dirty="0">
+              <a:solidFill>
+                <a:srgbClr val="002060"/>
+              </a:solidFill>
+            </a:endParaRPr>
+          </a:p>
+          <a:p>
+            <a:pPr algn="ctr"/>
+            <a:r>
+              <a:rPr lang="it-IT" sz="1000" b="1" dirty="0">
+                <a:solidFill>
+                  <a:srgbClr val="002060"/>
+                </a:solidFill>
+              </a:rPr>
+              <a:t>Implementazione</a:t>
+            </a:r>
+          </a:p>
+          <a:p>
+            <a:pPr algn="ctr"/>
+            <a:endParaRPr lang="it-IT" b="1" dirty="0">
+              <a:solidFill>
+                <a:schemeClr val="bg1"/>
+              </a:solidFill>
+            </a:endParaRPr>
+          </a:p>
+          <a:p>
+            <a:pPr algn="ctr"/>
+            <a:endParaRPr lang="it-IT" b="1" dirty="0">
+              <a:solidFill>
+                <a:schemeClr val="bg1"/>
+              </a:solidFill>
+            </a:endParaRPr>
+          </a:p>
+          <a:p>
+            <a:pPr algn="ctr"/>
+            <a:endParaRPr lang="it-IT" b="1" dirty="0">
+              <a:solidFill>
+                <a:schemeClr val="bg1"/>
+              </a:solidFill>
+            </a:endParaRPr>
+          </a:p>
+        </p:txBody>
+      </p:sp>
+      <p:sp>
+        <p:nvSpPr>
+          <p:cNvPr id="13" name="Rettangolo 12">
+            <a:extLst>
+              <a:ext uri="{FF2B5EF4-FFF2-40B4-BE49-F238E27FC236}">
+                <a16:creationId xmlns:a16="http://schemas.microsoft.com/office/drawing/2014/main" id="{561A9A23-628E-4EA8-B6F7-243636E5F140}"/>
+              </a:ext>
+            </a:extLst>
+          </p:cNvPr>
+          <p:cNvSpPr/>
+          <p:nvPr/>
+        </p:nvSpPr>
+        <p:spPr>
+          <a:xfrm>
+            <a:off x="7361889" y="427784"/>
+            <a:ext cx="1277823" cy="322813"/>
+          </a:xfrm>
+          <a:prstGeom prst="rect">
+            <a:avLst/>
+          </a:prstGeom>
+          <a:solidFill>
+            <a:schemeClr val="accent1">
+              <a:lumMod val="40000"/>
+              <a:lumOff val="60000"/>
+            </a:schemeClr>
+          </a:solidFill>
+        </p:spPr>
+        <p:style>
+          <a:lnRef idx="2">
+            <a:schemeClr val="accent1">
+              <a:shade val="50000"/>
+            </a:schemeClr>
+          </a:lnRef>
+          <a:fillRef idx="1">
+            <a:schemeClr val="accent1"/>
+          </a:fillRef>
+          <a:effectRef idx="0">
+            <a:schemeClr val="accent1"/>
+          </a:effectRef>
+          <a:fontRef idx="minor">
+            <a:schemeClr val="lt1"/>
+          </a:fontRef>
+        </p:style>
+        <p:txBody>
+          <a:bodyPr rtlCol="0" anchor="ctr"/>
+          <a:lstStyle/>
+          <a:p>
+            <a:pPr algn="ctr"/>
+            <a:r>
+              <a:rPr lang="it-IT" sz="1000" b="1" dirty="0" err="1">
+                <a:solidFill>
+                  <a:srgbClr val="002060"/>
+                </a:solidFill>
+              </a:rPr>
+              <a:t>Cooling</a:t>
+            </a:r>
+            <a:r>
+              <a:rPr lang="it-IT" sz="1000" b="1" dirty="0">
+                <a:solidFill>
+                  <a:srgbClr val="002060"/>
+                </a:solidFill>
+              </a:rPr>
+              <a:t> e testing dei parametri</a:t>
+            </a:r>
+          </a:p>
+        </p:txBody>
+      </p:sp>
+      <p:cxnSp>
+        <p:nvCxnSpPr>
+          <p:cNvPr id="14" name="Connettore 2 13">
+            <a:extLst>
+              <a:ext uri="{FF2B5EF4-FFF2-40B4-BE49-F238E27FC236}">
+                <a16:creationId xmlns:a16="http://schemas.microsoft.com/office/drawing/2014/main" id="{CCA07EE6-1EEE-4E22-9B82-11BE3910F711}"/>
+              </a:ext>
+            </a:extLst>
+          </p:cNvPr>
+          <p:cNvCxnSpPr>
+            <a:stCxn id="11" idx="3"/>
+            <a:endCxn id="12" idx="1"/>
+          </p:cNvCxnSpPr>
+          <p:nvPr/>
+        </p:nvCxnSpPr>
+        <p:spPr bwMode="auto">
+          <a:xfrm flipV="1">
+            <a:off x="5529321" y="588436"/>
+            <a:ext cx="277373" cy="1947"/>
+          </a:xfrm>
+          <a:prstGeom prst="straightConnector1">
+            <a:avLst/>
+          </a:prstGeom>
+          <a:solidFill>
+            <a:schemeClr val="accent1"/>
+          </a:solidFill>
+          <a:ln w="12700" cap="flat" cmpd="sng" algn="ctr">
+            <a:solidFill>
+              <a:schemeClr val="accent1"/>
+            </a:solidFill>
+            <a:prstDash val="solid"/>
+            <a:round/>
+            <a:headEnd type="none" w="sm" len="sm"/>
+            <a:tailEnd type="triangle"/>
+          </a:ln>
+          <a:effectLst/>
+          <a:extLst>
+            <a:ext uri="{AF507438-7753-43E0-B8FC-AC1667EBCBE1}">
+              <a14:hiddenEffects xmlns:a14="http://schemas.microsoft.com/office/drawing/2010/main">
+                <a:effectLst>
+                  <a:outerShdw dist="35921" dir="2700000" algn="ctr" rotWithShape="0">
+                    <a:schemeClr val="bg2"/>
+                  </a:outerShdw>
+                </a:effectLst>
+              </a14:hiddenEffects>
+            </a:ext>
+          </a:extLst>
+        </p:spPr>
+      </p:cxnSp>
+      <p:cxnSp>
+        <p:nvCxnSpPr>
+          <p:cNvPr id="15" name="Connettore 2 14">
+            <a:extLst>
+              <a:ext uri="{FF2B5EF4-FFF2-40B4-BE49-F238E27FC236}">
+                <a16:creationId xmlns:a16="http://schemas.microsoft.com/office/drawing/2014/main" id="{2F2BDEE8-96ED-4C0B-9D96-1B7BE11D85F1}"/>
+              </a:ext>
+            </a:extLst>
+          </p:cNvPr>
+          <p:cNvCxnSpPr>
+            <a:stCxn id="12" idx="3"/>
+            <a:endCxn id="13" idx="1"/>
+          </p:cNvCxnSpPr>
+          <p:nvPr/>
+        </p:nvCxnSpPr>
+        <p:spPr bwMode="auto">
+          <a:xfrm>
+            <a:off x="7084516" y="588436"/>
+            <a:ext cx="277373" cy="755"/>
+          </a:xfrm>
+          <a:prstGeom prst="straightConnector1">
+            <a:avLst/>
+          </a:prstGeom>
+          <a:solidFill>
+            <a:schemeClr val="accent1"/>
+          </a:solidFill>
+          <a:ln w="12700" cap="flat" cmpd="sng" algn="ctr">
+            <a:solidFill>
+              <a:schemeClr val="accent1"/>
+            </a:solidFill>
+            <a:prstDash val="solid"/>
+            <a:round/>
+            <a:headEnd type="none" w="sm" len="sm"/>
+            <a:tailEnd type="triangle"/>
+          </a:ln>
+          <a:effectLst/>
+          <a:extLst>
+            <a:ext uri="{AF507438-7753-43E0-B8FC-AC1667EBCBE1}">
+              <a14:hiddenEffects xmlns:a14="http://schemas.microsoft.com/office/drawing/2010/main">
+                <a:effectLst>
+                  <a:outerShdw dist="35921" dir="2700000" algn="ctr" rotWithShape="0">
+                    <a:schemeClr val="bg2"/>
+                  </a:outerShdw>
+                </a:effectLst>
+              </a14:hiddenEffects>
+            </a:ext>
+          </a:extLst>
+        </p:spPr>
+      </p:cxnSp>
     </p:spTree>
     <p:extLst>
       <p:ext uri="{BB962C8B-B14F-4D97-AF65-F5344CB8AC3E}">
@@ -8132,6 +10178,334 @@
           </a:p>
         </p:txBody>
       </p:sp>
+      <p:sp>
+        <p:nvSpPr>
+          <p:cNvPr id="13" name="Rettangolo 12">
+            <a:extLst>
+              <a:ext uri="{FF2B5EF4-FFF2-40B4-BE49-F238E27FC236}">
+                <a16:creationId xmlns:a16="http://schemas.microsoft.com/office/drawing/2014/main" id="{094537D6-D64E-4960-982D-682F3118F9C8}"/>
+              </a:ext>
+            </a:extLst>
+          </p:cNvPr>
+          <p:cNvSpPr/>
+          <p:nvPr/>
+        </p:nvSpPr>
+        <p:spPr>
+          <a:xfrm>
+            <a:off x="4251499" y="430168"/>
+            <a:ext cx="1277822" cy="320429"/>
+          </a:xfrm>
+          <a:prstGeom prst="rect">
+            <a:avLst/>
+          </a:prstGeom>
+          <a:solidFill>
+            <a:schemeClr val="accent1">
+              <a:lumMod val="40000"/>
+              <a:lumOff val="60000"/>
+            </a:schemeClr>
+          </a:solidFill>
+        </p:spPr>
+        <p:style>
+          <a:lnRef idx="2">
+            <a:schemeClr val="accent1">
+              <a:shade val="50000"/>
+            </a:schemeClr>
+          </a:lnRef>
+          <a:fillRef idx="1">
+            <a:schemeClr val="accent1"/>
+          </a:fillRef>
+          <a:effectRef idx="0">
+            <a:schemeClr val="accent1"/>
+          </a:effectRef>
+          <a:fontRef idx="minor">
+            <a:schemeClr val="lt1"/>
+          </a:fontRef>
+        </p:style>
+        <p:txBody>
+          <a:bodyPr rtlCol="0" anchor="ctr"/>
+          <a:lstStyle/>
+          <a:p>
+            <a:pPr algn="ctr"/>
+            <a:r>
+              <a:rPr lang="it-IT" sz="1000" b="1" dirty="0">
+                <a:solidFill>
+                  <a:srgbClr val="002060"/>
+                </a:solidFill>
+              </a:rPr>
+              <a:t>Introduzione</a:t>
+            </a:r>
+          </a:p>
+        </p:txBody>
+      </p:sp>
+      <p:sp>
+        <p:nvSpPr>
+          <p:cNvPr id="14" name="Rettangolo 13">
+            <a:extLst>
+              <a:ext uri="{FF2B5EF4-FFF2-40B4-BE49-F238E27FC236}">
+                <a16:creationId xmlns:a16="http://schemas.microsoft.com/office/drawing/2014/main" id="{014BDC62-D641-44D6-8C16-9BC4AA1D11E2}"/>
+              </a:ext>
+            </a:extLst>
+          </p:cNvPr>
+          <p:cNvSpPr/>
+          <p:nvPr/>
+        </p:nvSpPr>
+        <p:spPr>
+          <a:xfrm>
+            <a:off x="5806694" y="426274"/>
+            <a:ext cx="1277822" cy="324323"/>
+          </a:xfrm>
+          <a:prstGeom prst="rect">
+            <a:avLst/>
+          </a:prstGeom>
+          <a:solidFill>
+            <a:schemeClr val="accent1"/>
+          </a:solidFill>
+        </p:spPr>
+        <p:style>
+          <a:lnRef idx="2">
+            <a:schemeClr val="accent1">
+              <a:shade val="50000"/>
+            </a:schemeClr>
+          </a:lnRef>
+          <a:fillRef idx="1">
+            <a:schemeClr val="accent1"/>
+          </a:fillRef>
+          <a:effectRef idx="0">
+            <a:schemeClr val="accent1"/>
+          </a:effectRef>
+          <a:fontRef idx="minor">
+            <a:schemeClr val="lt1"/>
+          </a:fontRef>
+        </p:style>
+        <p:txBody>
+          <a:bodyPr rtlCol="0" anchor="ctr"/>
+          <a:lstStyle/>
+          <a:p>
+            <a:pPr algn="ctr"/>
+            <a:endParaRPr lang="it-IT" b="1" dirty="0">
+              <a:solidFill>
+                <a:schemeClr val="tx1"/>
+              </a:solidFill>
+            </a:endParaRPr>
+          </a:p>
+          <a:p>
+            <a:pPr algn="ctr"/>
+            <a:endParaRPr lang="it-IT" b="1" dirty="0">
+              <a:solidFill>
+                <a:srgbClr val="002060"/>
+              </a:solidFill>
+            </a:endParaRPr>
+          </a:p>
+          <a:p>
+            <a:pPr algn="ctr"/>
+            <a:endParaRPr lang="it-IT" dirty="0">
+              <a:solidFill>
+                <a:srgbClr val="002060"/>
+              </a:solidFill>
+            </a:endParaRPr>
+          </a:p>
+          <a:p>
+            <a:pPr algn="ctr"/>
+            <a:r>
+              <a:rPr lang="it-IT" sz="1000" b="1" dirty="0">
+                <a:solidFill>
+                  <a:srgbClr val="002060"/>
+                </a:solidFill>
+              </a:rPr>
+              <a:t>Implementazione</a:t>
+            </a:r>
+          </a:p>
+          <a:p>
+            <a:pPr algn="ctr"/>
+            <a:endParaRPr lang="it-IT" b="1" dirty="0">
+              <a:solidFill>
+                <a:schemeClr val="bg1"/>
+              </a:solidFill>
+            </a:endParaRPr>
+          </a:p>
+          <a:p>
+            <a:pPr algn="ctr"/>
+            <a:endParaRPr lang="it-IT" b="1" dirty="0">
+              <a:solidFill>
+                <a:schemeClr val="bg1"/>
+              </a:solidFill>
+            </a:endParaRPr>
+          </a:p>
+          <a:p>
+            <a:pPr algn="ctr"/>
+            <a:endParaRPr lang="it-IT" b="1" dirty="0">
+              <a:solidFill>
+                <a:schemeClr val="bg1"/>
+              </a:solidFill>
+            </a:endParaRPr>
+          </a:p>
+        </p:txBody>
+      </p:sp>
+      <p:sp>
+        <p:nvSpPr>
+          <p:cNvPr id="15" name="Rettangolo 14">
+            <a:extLst>
+              <a:ext uri="{FF2B5EF4-FFF2-40B4-BE49-F238E27FC236}">
+                <a16:creationId xmlns:a16="http://schemas.microsoft.com/office/drawing/2014/main" id="{42CFABFE-8E54-4FD6-A273-3978E5D6F26B}"/>
+              </a:ext>
+            </a:extLst>
+          </p:cNvPr>
+          <p:cNvSpPr/>
+          <p:nvPr/>
+        </p:nvSpPr>
+        <p:spPr>
+          <a:xfrm>
+            <a:off x="7361889" y="427784"/>
+            <a:ext cx="1277823" cy="322813"/>
+          </a:xfrm>
+          <a:prstGeom prst="rect">
+            <a:avLst/>
+          </a:prstGeom>
+          <a:solidFill>
+            <a:schemeClr val="accent1">
+              <a:lumMod val="40000"/>
+              <a:lumOff val="60000"/>
+            </a:schemeClr>
+          </a:solidFill>
+        </p:spPr>
+        <p:style>
+          <a:lnRef idx="2">
+            <a:schemeClr val="accent1">
+              <a:shade val="50000"/>
+            </a:schemeClr>
+          </a:lnRef>
+          <a:fillRef idx="1">
+            <a:schemeClr val="accent1"/>
+          </a:fillRef>
+          <a:effectRef idx="0">
+            <a:schemeClr val="accent1"/>
+          </a:effectRef>
+          <a:fontRef idx="minor">
+            <a:schemeClr val="lt1"/>
+          </a:fontRef>
+        </p:style>
+        <p:txBody>
+          <a:bodyPr rtlCol="0" anchor="ctr"/>
+          <a:lstStyle/>
+          <a:p>
+            <a:pPr algn="ctr"/>
+            <a:r>
+              <a:rPr lang="it-IT" sz="1000" b="1" dirty="0" err="1">
+                <a:solidFill>
+                  <a:srgbClr val="002060"/>
+                </a:solidFill>
+              </a:rPr>
+              <a:t>Cooling</a:t>
+            </a:r>
+            <a:r>
+              <a:rPr lang="it-IT" sz="1000" b="1" dirty="0">
+                <a:solidFill>
+                  <a:srgbClr val="002060"/>
+                </a:solidFill>
+              </a:rPr>
+              <a:t> e testing dei parametri</a:t>
+            </a:r>
+          </a:p>
+        </p:txBody>
+      </p:sp>
+      <p:cxnSp>
+        <p:nvCxnSpPr>
+          <p:cNvPr id="16" name="Connettore 2 15">
+            <a:extLst>
+              <a:ext uri="{FF2B5EF4-FFF2-40B4-BE49-F238E27FC236}">
+                <a16:creationId xmlns:a16="http://schemas.microsoft.com/office/drawing/2014/main" id="{411C8B01-4DF0-47C3-A46D-5672BD9F3347}"/>
+              </a:ext>
+            </a:extLst>
+          </p:cNvPr>
+          <p:cNvCxnSpPr>
+            <a:stCxn id="13" idx="3"/>
+            <a:endCxn id="14" idx="1"/>
+          </p:cNvCxnSpPr>
+          <p:nvPr/>
+        </p:nvCxnSpPr>
+        <p:spPr bwMode="auto">
+          <a:xfrm flipV="1">
+            <a:off x="5529321" y="588436"/>
+            <a:ext cx="277373" cy="1947"/>
+          </a:xfrm>
+          <a:prstGeom prst="straightConnector1">
+            <a:avLst/>
+          </a:prstGeom>
+          <a:solidFill>
+            <a:schemeClr val="accent1"/>
+          </a:solidFill>
+          <a:ln w="12700" cap="flat" cmpd="sng" algn="ctr">
+            <a:solidFill>
+              <a:schemeClr val="accent1"/>
+            </a:solidFill>
+            <a:prstDash val="solid"/>
+            <a:round/>
+            <a:headEnd type="none" w="sm" len="sm"/>
+            <a:tailEnd type="triangle"/>
+          </a:ln>
+          <a:effectLst/>
+          <a:extLst>
+            <a:ext uri="{AF507438-7753-43E0-B8FC-AC1667EBCBE1}">
+              <a14:hiddenEffects xmlns:a14="http://schemas.microsoft.com/office/drawing/2010/main">
+                <a:effectLst>
+                  <a:outerShdw dist="35921" dir="2700000" algn="ctr" rotWithShape="0">
+                    <a:schemeClr val="bg2"/>
+                  </a:outerShdw>
+                </a:effectLst>
+              </a14:hiddenEffects>
+            </a:ext>
+          </a:extLst>
+        </p:spPr>
+      </p:cxnSp>
+      <p:cxnSp>
+        <p:nvCxnSpPr>
+          <p:cNvPr id="17" name="Connettore 2 16">
+            <a:extLst>
+              <a:ext uri="{FF2B5EF4-FFF2-40B4-BE49-F238E27FC236}">
+                <a16:creationId xmlns:a16="http://schemas.microsoft.com/office/drawing/2014/main" id="{AD91E286-13DF-4638-8641-10A0575CDE85}"/>
+              </a:ext>
+            </a:extLst>
+          </p:cNvPr>
+          <p:cNvCxnSpPr>
+            <a:stCxn id="14" idx="3"/>
+            <a:endCxn id="15" idx="1"/>
+          </p:cNvCxnSpPr>
+          <p:nvPr/>
+        </p:nvCxnSpPr>
+        <p:spPr bwMode="auto">
+          <a:xfrm>
+            <a:off x="7084516" y="588436"/>
+            <a:ext cx="277373" cy="755"/>
+          </a:xfrm>
+          <a:prstGeom prst="straightConnector1">
+            <a:avLst/>
+          </a:prstGeom>
+          <a:solidFill>
+            <a:schemeClr val="accent1"/>
+          </a:solidFill>
+          <a:ln w="12700" cap="flat" cmpd="sng" algn="ctr">
+            <a:solidFill>
+              <a:schemeClr val="accent1"/>
+            </a:solidFill>
+            <a:prstDash val="solid"/>
+            <a:round/>
+            <a:headEnd type="none" w="sm" len="sm"/>
+            <a:tailEnd type="triangle"/>
+          </a:ln>
+          <a:effectLst/>
+          <a:extLst>
+            <a:ext uri="{AF507438-7753-43E0-B8FC-AC1667EBCBE1}">
+              <a14:hiddenEffects xmlns:a14="http://schemas.microsoft.com/office/drawing/2010/main">
+                <a:effectLst>
+                  <a:outerShdw dist="35921" dir="2700000" algn="ctr" rotWithShape="0">
+                    <a:schemeClr val="bg2"/>
+                  </a:outerShdw>
+                </a:effectLst>
+              </a14:hiddenEffects>
+            </a:ext>
+          </a:extLst>
+        </p:spPr>
+      </p:cxnSp>
     </p:spTree>
     <p:extLst>
       <p:ext uri="{BB962C8B-B14F-4D97-AF65-F5344CB8AC3E}">
@@ -8824,6 +11198,334 @@
           </a:graphicData>
         </a:graphic>
       </p:graphicFrame>
+      <p:sp>
+        <p:nvSpPr>
+          <p:cNvPr id="14" name="Rettangolo 13">
+            <a:extLst>
+              <a:ext uri="{FF2B5EF4-FFF2-40B4-BE49-F238E27FC236}">
+                <a16:creationId xmlns:a16="http://schemas.microsoft.com/office/drawing/2014/main" id="{3843B1FE-19DA-4F8A-8FF3-863B5A6FFC4D}"/>
+              </a:ext>
+            </a:extLst>
+          </p:cNvPr>
+          <p:cNvSpPr/>
+          <p:nvPr/>
+        </p:nvSpPr>
+        <p:spPr>
+          <a:xfrm>
+            <a:off x="4251499" y="430168"/>
+            <a:ext cx="1277822" cy="320429"/>
+          </a:xfrm>
+          <a:prstGeom prst="rect">
+            <a:avLst/>
+          </a:prstGeom>
+          <a:solidFill>
+            <a:schemeClr val="accent1">
+              <a:lumMod val="40000"/>
+              <a:lumOff val="60000"/>
+            </a:schemeClr>
+          </a:solidFill>
+        </p:spPr>
+        <p:style>
+          <a:lnRef idx="2">
+            <a:schemeClr val="accent1">
+              <a:shade val="50000"/>
+            </a:schemeClr>
+          </a:lnRef>
+          <a:fillRef idx="1">
+            <a:schemeClr val="accent1"/>
+          </a:fillRef>
+          <a:effectRef idx="0">
+            <a:schemeClr val="accent1"/>
+          </a:effectRef>
+          <a:fontRef idx="minor">
+            <a:schemeClr val="lt1"/>
+          </a:fontRef>
+        </p:style>
+        <p:txBody>
+          <a:bodyPr rtlCol="0" anchor="ctr"/>
+          <a:lstStyle/>
+          <a:p>
+            <a:pPr algn="ctr"/>
+            <a:r>
+              <a:rPr lang="it-IT" sz="1000" b="1" dirty="0">
+                <a:solidFill>
+                  <a:srgbClr val="002060"/>
+                </a:solidFill>
+              </a:rPr>
+              <a:t>Introduzione</a:t>
+            </a:r>
+          </a:p>
+        </p:txBody>
+      </p:sp>
+      <p:sp>
+        <p:nvSpPr>
+          <p:cNvPr id="15" name="Rettangolo 14">
+            <a:extLst>
+              <a:ext uri="{FF2B5EF4-FFF2-40B4-BE49-F238E27FC236}">
+                <a16:creationId xmlns:a16="http://schemas.microsoft.com/office/drawing/2014/main" id="{7F643E50-7C12-4010-A93E-31E34454C2E8}"/>
+              </a:ext>
+            </a:extLst>
+          </p:cNvPr>
+          <p:cNvSpPr/>
+          <p:nvPr/>
+        </p:nvSpPr>
+        <p:spPr>
+          <a:xfrm>
+            <a:off x="5806694" y="426274"/>
+            <a:ext cx="1277822" cy="324323"/>
+          </a:xfrm>
+          <a:prstGeom prst="rect">
+            <a:avLst/>
+          </a:prstGeom>
+          <a:solidFill>
+            <a:schemeClr val="accent1"/>
+          </a:solidFill>
+        </p:spPr>
+        <p:style>
+          <a:lnRef idx="2">
+            <a:schemeClr val="accent1">
+              <a:shade val="50000"/>
+            </a:schemeClr>
+          </a:lnRef>
+          <a:fillRef idx="1">
+            <a:schemeClr val="accent1"/>
+          </a:fillRef>
+          <a:effectRef idx="0">
+            <a:schemeClr val="accent1"/>
+          </a:effectRef>
+          <a:fontRef idx="minor">
+            <a:schemeClr val="lt1"/>
+          </a:fontRef>
+        </p:style>
+        <p:txBody>
+          <a:bodyPr rtlCol="0" anchor="ctr"/>
+          <a:lstStyle/>
+          <a:p>
+            <a:pPr algn="ctr"/>
+            <a:endParaRPr lang="it-IT" b="1" dirty="0">
+              <a:solidFill>
+                <a:schemeClr val="tx1"/>
+              </a:solidFill>
+            </a:endParaRPr>
+          </a:p>
+          <a:p>
+            <a:pPr algn="ctr"/>
+            <a:endParaRPr lang="it-IT" b="1" dirty="0">
+              <a:solidFill>
+                <a:srgbClr val="002060"/>
+              </a:solidFill>
+            </a:endParaRPr>
+          </a:p>
+          <a:p>
+            <a:pPr algn="ctr"/>
+            <a:endParaRPr lang="it-IT" dirty="0">
+              <a:solidFill>
+                <a:srgbClr val="002060"/>
+              </a:solidFill>
+            </a:endParaRPr>
+          </a:p>
+          <a:p>
+            <a:pPr algn="ctr"/>
+            <a:r>
+              <a:rPr lang="it-IT" sz="1000" b="1" dirty="0">
+                <a:solidFill>
+                  <a:srgbClr val="002060"/>
+                </a:solidFill>
+              </a:rPr>
+              <a:t>Implementazione</a:t>
+            </a:r>
+          </a:p>
+          <a:p>
+            <a:pPr algn="ctr"/>
+            <a:endParaRPr lang="it-IT" b="1" dirty="0">
+              <a:solidFill>
+                <a:schemeClr val="bg1"/>
+              </a:solidFill>
+            </a:endParaRPr>
+          </a:p>
+          <a:p>
+            <a:pPr algn="ctr"/>
+            <a:endParaRPr lang="it-IT" b="1" dirty="0">
+              <a:solidFill>
+                <a:schemeClr val="bg1"/>
+              </a:solidFill>
+            </a:endParaRPr>
+          </a:p>
+          <a:p>
+            <a:pPr algn="ctr"/>
+            <a:endParaRPr lang="it-IT" b="1" dirty="0">
+              <a:solidFill>
+                <a:schemeClr val="bg1"/>
+              </a:solidFill>
+            </a:endParaRPr>
+          </a:p>
+        </p:txBody>
+      </p:sp>
+      <p:sp>
+        <p:nvSpPr>
+          <p:cNvPr id="16" name="Rettangolo 15">
+            <a:extLst>
+              <a:ext uri="{FF2B5EF4-FFF2-40B4-BE49-F238E27FC236}">
+                <a16:creationId xmlns:a16="http://schemas.microsoft.com/office/drawing/2014/main" id="{7FD32EF8-29B4-4FE9-B92B-A7D4863F0260}"/>
+              </a:ext>
+            </a:extLst>
+          </p:cNvPr>
+          <p:cNvSpPr/>
+          <p:nvPr/>
+        </p:nvSpPr>
+        <p:spPr>
+          <a:xfrm>
+            <a:off x="7361889" y="427784"/>
+            <a:ext cx="1277823" cy="322813"/>
+          </a:xfrm>
+          <a:prstGeom prst="rect">
+            <a:avLst/>
+          </a:prstGeom>
+          <a:solidFill>
+            <a:schemeClr val="accent1">
+              <a:lumMod val="40000"/>
+              <a:lumOff val="60000"/>
+            </a:schemeClr>
+          </a:solidFill>
+        </p:spPr>
+        <p:style>
+          <a:lnRef idx="2">
+            <a:schemeClr val="accent1">
+              <a:shade val="50000"/>
+            </a:schemeClr>
+          </a:lnRef>
+          <a:fillRef idx="1">
+            <a:schemeClr val="accent1"/>
+          </a:fillRef>
+          <a:effectRef idx="0">
+            <a:schemeClr val="accent1"/>
+          </a:effectRef>
+          <a:fontRef idx="minor">
+            <a:schemeClr val="lt1"/>
+          </a:fontRef>
+        </p:style>
+        <p:txBody>
+          <a:bodyPr rtlCol="0" anchor="ctr"/>
+          <a:lstStyle/>
+          <a:p>
+            <a:pPr algn="ctr"/>
+            <a:r>
+              <a:rPr lang="it-IT" sz="1000" b="1" dirty="0" err="1">
+                <a:solidFill>
+                  <a:srgbClr val="002060"/>
+                </a:solidFill>
+              </a:rPr>
+              <a:t>Cooling</a:t>
+            </a:r>
+            <a:r>
+              <a:rPr lang="it-IT" sz="1000" b="1" dirty="0">
+                <a:solidFill>
+                  <a:srgbClr val="002060"/>
+                </a:solidFill>
+              </a:rPr>
+              <a:t> e testing dei parametri</a:t>
+            </a:r>
+          </a:p>
+        </p:txBody>
+      </p:sp>
+      <p:cxnSp>
+        <p:nvCxnSpPr>
+          <p:cNvPr id="17" name="Connettore 2 16">
+            <a:extLst>
+              <a:ext uri="{FF2B5EF4-FFF2-40B4-BE49-F238E27FC236}">
+                <a16:creationId xmlns:a16="http://schemas.microsoft.com/office/drawing/2014/main" id="{0D059313-2CDF-49EF-8CC1-8C3FC7524442}"/>
+              </a:ext>
+            </a:extLst>
+          </p:cNvPr>
+          <p:cNvCxnSpPr>
+            <a:stCxn id="14" idx="3"/>
+            <a:endCxn id="15" idx="1"/>
+          </p:cNvCxnSpPr>
+          <p:nvPr/>
+        </p:nvCxnSpPr>
+        <p:spPr bwMode="auto">
+          <a:xfrm flipV="1">
+            <a:off x="5529321" y="588436"/>
+            <a:ext cx="277373" cy="1947"/>
+          </a:xfrm>
+          <a:prstGeom prst="straightConnector1">
+            <a:avLst/>
+          </a:prstGeom>
+          <a:solidFill>
+            <a:schemeClr val="accent1"/>
+          </a:solidFill>
+          <a:ln w="12700" cap="flat" cmpd="sng" algn="ctr">
+            <a:solidFill>
+              <a:schemeClr val="accent1"/>
+            </a:solidFill>
+            <a:prstDash val="solid"/>
+            <a:round/>
+            <a:headEnd type="none" w="sm" len="sm"/>
+            <a:tailEnd type="triangle"/>
+          </a:ln>
+          <a:effectLst/>
+          <a:extLst>
+            <a:ext uri="{AF507438-7753-43E0-B8FC-AC1667EBCBE1}">
+              <a14:hiddenEffects xmlns:a14="http://schemas.microsoft.com/office/drawing/2010/main">
+                <a:effectLst>
+                  <a:outerShdw dist="35921" dir="2700000" algn="ctr" rotWithShape="0">
+                    <a:schemeClr val="bg2"/>
+                  </a:outerShdw>
+                </a:effectLst>
+              </a14:hiddenEffects>
+            </a:ext>
+          </a:extLst>
+        </p:spPr>
+      </p:cxnSp>
+      <p:cxnSp>
+        <p:nvCxnSpPr>
+          <p:cNvPr id="18" name="Connettore 2 17">
+            <a:extLst>
+              <a:ext uri="{FF2B5EF4-FFF2-40B4-BE49-F238E27FC236}">
+                <a16:creationId xmlns:a16="http://schemas.microsoft.com/office/drawing/2014/main" id="{BEF43543-FFB1-4AE3-9FF2-BC6D6FE435E6}"/>
+              </a:ext>
+            </a:extLst>
+          </p:cNvPr>
+          <p:cNvCxnSpPr>
+            <a:stCxn id="15" idx="3"/>
+            <a:endCxn id="16" idx="1"/>
+          </p:cNvCxnSpPr>
+          <p:nvPr/>
+        </p:nvCxnSpPr>
+        <p:spPr bwMode="auto">
+          <a:xfrm>
+            <a:off x="7084516" y="588436"/>
+            <a:ext cx="277373" cy="755"/>
+          </a:xfrm>
+          <a:prstGeom prst="straightConnector1">
+            <a:avLst/>
+          </a:prstGeom>
+          <a:solidFill>
+            <a:schemeClr val="accent1"/>
+          </a:solidFill>
+          <a:ln w="12700" cap="flat" cmpd="sng" algn="ctr">
+            <a:solidFill>
+              <a:schemeClr val="accent1"/>
+            </a:solidFill>
+            <a:prstDash val="solid"/>
+            <a:round/>
+            <a:headEnd type="none" w="sm" len="sm"/>
+            <a:tailEnd type="triangle"/>
+          </a:ln>
+          <a:effectLst/>
+          <a:extLst>
+            <a:ext uri="{AF507438-7753-43E0-B8FC-AC1667EBCBE1}">
+              <a14:hiddenEffects xmlns:a14="http://schemas.microsoft.com/office/drawing/2010/main">
+                <a:effectLst>
+                  <a:outerShdw dist="35921" dir="2700000" algn="ctr" rotWithShape="0">
+                    <a:schemeClr val="bg2"/>
+                  </a:outerShdw>
+                </a:effectLst>
+              </a14:hiddenEffects>
+            </a:ext>
+          </a:extLst>
+        </p:spPr>
+      </p:cxnSp>
     </p:spTree>
     <p:extLst>
       <p:ext uri="{BB962C8B-B14F-4D97-AF65-F5344CB8AC3E}">
@@ -9428,6 +12130,334 @@
           </p:sp>
         </mc:Fallback>
       </mc:AlternateContent>
+      <p:sp>
+        <p:nvSpPr>
+          <p:cNvPr id="4" name="Rettangolo 3">
+            <a:extLst>
+              <a:ext uri="{FF2B5EF4-FFF2-40B4-BE49-F238E27FC236}">
+                <a16:creationId xmlns:a16="http://schemas.microsoft.com/office/drawing/2014/main" id="{4C0031F8-921E-47DE-8CE1-3A9FA891AB99}"/>
+              </a:ext>
+            </a:extLst>
+          </p:cNvPr>
+          <p:cNvSpPr/>
+          <p:nvPr/>
+        </p:nvSpPr>
+        <p:spPr>
+          <a:xfrm>
+            <a:off x="4251499" y="430168"/>
+            <a:ext cx="1277822" cy="320429"/>
+          </a:xfrm>
+          <a:prstGeom prst="rect">
+            <a:avLst/>
+          </a:prstGeom>
+          <a:solidFill>
+            <a:schemeClr val="accent1">
+              <a:lumMod val="40000"/>
+              <a:lumOff val="60000"/>
+            </a:schemeClr>
+          </a:solidFill>
+        </p:spPr>
+        <p:style>
+          <a:lnRef idx="2">
+            <a:schemeClr val="accent1">
+              <a:shade val="50000"/>
+            </a:schemeClr>
+          </a:lnRef>
+          <a:fillRef idx="1">
+            <a:schemeClr val="accent1"/>
+          </a:fillRef>
+          <a:effectRef idx="0">
+            <a:schemeClr val="accent1"/>
+          </a:effectRef>
+          <a:fontRef idx="minor">
+            <a:schemeClr val="lt1"/>
+          </a:fontRef>
+        </p:style>
+        <p:txBody>
+          <a:bodyPr rtlCol="0" anchor="ctr"/>
+          <a:lstStyle/>
+          <a:p>
+            <a:pPr algn="ctr"/>
+            <a:r>
+              <a:rPr lang="it-IT" sz="1000" b="1" dirty="0">
+                <a:solidFill>
+                  <a:srgbClr val="002060"/>
+                </a:solidFill>
+              </a:rPr>
+              <a:t>Introduzione</a:t>
+            </a:r>
+          </a:p>
+        </p:txBody>
+      </p:sp>
+      <p:sp>
+        <p:nvSpPr>
+          <p:cNvPr id="7" name="Rettangolo 6">
+            <a:extLst>
+              <a:ext uri="{FF2B5EF4-FFF2-40B4-BE49-F238E27FC236}">
+                <a16:creationId xmlns:a16="http://schemas.microsoft.com/office/drawing/2014/main" id="{EF5FB1AF-96D4-4753-802A-8C7525789B97}"/>
+              </a:ext>
+            </a:extLst>
+          </p:cNvPr>
+          <p:cNvSpPr/>
+          <p:nvPr/>
+        </p:nvSpPr>
+        <p:spPr>
+          <a:xfrm>
+            <a:off x="5806694" y="426274"/>
+            <a:ext cx="1277822" cy="324323"/>
+          </a:xfrm>
+          <a:prstGeom prst="rect">
+            <a:avLst/>
+          </a:prstGeom>
+          <a:solidFill>
+            <a:schemeClr val="accent1">
+              <a:lumMod val="40000"/>
+              <a:lumOff val="60000"/>
+            </a:schemeClr>
+          </a:solidFill>
+        </p:spPr>
+        <p:style>
+          <a:lnRef idx="2">
+            <a:schemeClr val="accent1">
+              <a:shade val="50000"/>
+            </a:schemeClr>
+          </a:lnRef>
+          <a:fillRef idx="1">
+            <a:schemeClr val="accent1"/>
+          </a:fillRef>
+          <a:effectRef idx="0">
+            <a:schemeClr val="accent1"/>
+          </a:effectRef>
+          <a:fontRef idx="minor">
+            <a:schemeClr val="lt1"/>
+          </a:fontRef>
+        </p:style>
+        <p:txBody>
+          <a:bodyPr rtlCol="0" anchor="ctr"/>
+          <a:lstStyle/>
+          <a:p>
+            <a:pPr algn="ctr"/>
+            <a:endParaRPr lang="it-IT" b="1" dirty="0">
+              <a:solidFill>
+                <a:schemeClr val="tx1"/>
+              </a:solidFill>
+            </a:endParaRPr>
+          </a:p>
+          <a:p>
+            <a:pPr algn="ctr"/>
+            <a:endParaRPr lang="it-IT" b="1" dirty="0">
+              <a:solidFill>
+                <a:srgbClr val="002060"/>
+              </a:solidFill>
+            </a:endParaRPr>
+          </a:p>
+          <a:p>
+            <a:pPr algn="ctr"/>
+            <a:endParaRPr lang="it-IT" dirty="0">
+              <a:solidFill>
+                <a:srgbClr val="002060"/>
+              </a:solidFill>
+            </a:endParaRPr>
+          </a:p>
+          <a:p>
+            <a:pPr algn="ctr"/>
+            <a:r>
+              <a:rPr lang="it-IT" sz="1000" b="1" dirty="0">
+                <a:solidFill>
+                  <a:srgbClr val="002060"/>
+                </a:solidFill>
+              </a:rPr>
+              <a:t>Implementazione</a:t>
+            </a:r>
+          </a:p>
+          <a:p>
+            <a:pPr algn="ctr"/>
+            <a:endParaRPr lang="it-IT" b="1" dirty="0">
+              <a:solidFill>
+                <a:schemeClr val="bg1"/>
+              </a:solidFill>
+            </a:endParaRPr>
+          </a:p>
+          <a:p>
+            <a:pPr algn="ctr"/>
+            <a:endParaRPr lang="it-IT" b="1" dirty="0">
+              <a:solidFill>
+                <a:schemeClr val="bg1"/>
+              </a:solidFill>
+            </a:endParaRPr>
+          </a:p>
+          <a:p>
+            <a:pPr algn="ctr"/>
+            <a:endParaRPr lang="it-IT" b="1" dirty="0">
+              <a:solidFill>
+                <a:schemeClr val="bg1"/>
+              </a:solidFill>
+            </a:endParaRPr>
+          </a:p>
+        </p:txBody>
+      </p:sp>
+      <p:sp>
+        <p:nvSpPr>
+          <p:cNvPr id="8" name="Rettangolo 7">
+            <a:extLst>
+              <a:ext uri="{FF2B5EF4-FFF2-40B4-BE49-F238E27FC236}">
+                <a16:creationId xmlns:a16="http://schemas.microsoft.com/office/drawing/2014/main" id="{12769169-071A-4C19-8F69-155C8AD6286D}"/>
+              </a:ext>
+            </a:extLst>
+          </p:cNvPr>
+          <p:cNvSpPr/>
+          <p:nvPr/>
+        </p:nvSpPr>
+        <p:spPr>
+          <a:xfrm>
+            <a:off x="7361889" y="427784"/>
+            <a:ext cx="1277823" cy="322813"/>
+          </a:xfrm>
+          <a:prstGeom prst="rect">
+            <a:avLst/>
+          </a:prstGeom>
+          <a:solidFill>
+            <a:schemeClr val="accent1"/>
+          </a:solidFill>
+        </p:spPr>
+        <p:style>
+          <a:lnRef idx="2">
+            <a:schemeClr val="accent1">
+              <a:shade val="50000"/>
+            </a:schemeClr>
+          </a:lnRef>
+          <a:fillRef idx="1">
+            <a:schemeClr val="accent1"/>
+          </a:fillRef>
+          <a:effectRef idx="0">
+            <a:schemeClr val="accent1"/>
+          </a:effectRef>
+          <a:fontRef idx="minor">
+            <a:schemeClr val="lt1"/>
+          </a:fontRef>
+        </p:style>
+        <p:txBody>
+          <a:bodyPr rtlCol="0" anchor="ctr"/>
+          <a:lstStyle/>
+          <a:p>
+            <a:pPr algn="ctr"/>
+            <a:r>
+              <a:rPr lang="it-IT" sz="1000" b="1" dirty="0" err="1">
+                <a:solidFill>
+                  <a:srgbClr val="002060"/>
+                </a:solidFill>
+              </a:rPr>
+              <a:t>Cooling</a:t>
+            </a:r>
+            <a:r>
+              <a:rPr lang="it-IT" sz="1000" b="1" dirty="0">
+                <a:solidFill>
+                  <a:srgbClr val="002060"/>
+                </a:solidFill>
+              </a:rPr>
+              <a:t> e testing dei parametri</a:t>
+            </a:r>
+          </a:p>
+        </p:txBody>
+      </p:sp>
+      <p:cxnSp>
+        <p:nvCxnSpPr>
+          <p:cNvPr id="9" name="Connettore 2 8">
+            <a:extLst>
+              <a:ext uri="{FF2B5EF4-FFF2-40B4-BE49-F238E27FC236}">
+                <a16:creationId xmlns:a16="http://schemas.microsoft.com/office/drawing/2014/main" id="{FD359722-3A16-44B1-9AA4-D6EE3BB63B6D}"/>
+              </a:ext>
+            </a:extLst>
+          </p:cNvPr>
+          <p:cNvCxnSpPr>
+            <a:stCxn id="4" idx="3"/>
+            <a:endCxn id="7" idx="1"/>
+          </p:cNvCxnSpPr>
+          <p:nvPr/>
+        </p:nvCxnSpPr>
+        <p:spPr bwMode="auto">
+          <a:xfrm flipV="1">
+            <a:off x="5529321" y="588436"/>
+            <a:ext cx="277373" cy="1947"/>
+          </a:xfrm>
+          <a:prstGeom prst="straightConnector1">
+            <a:avLst/>
+          </a:prstGeom>
+          <a:solidFill>
+            <a:schemeClr val="accent1"/>
+          </a:solidFill>
+          <a:ln w="12700" cap="flat" cmpd="sng" algn="ctr">
+            <a:solidFill>
+              <a:schemeClr val="accent1"/>
+            </a:solidFill>
+            <a:prstDash val="solid"/>
+            <a:round/>
+            <a:headEnd type="none" w="sm" len="sm"/>
+            <a:tailEnd type="triangle"/>
+          </a:ln>
+          <a:effectLst/>
+          <a:extLst>
+            <a:ext uri="{AF507438-7753-43E0-B8FC-AC1667EBCBE1}">
+              <a14:hiddenEffects xmlns:a14="http://schemas.microsoft.com/office/drawing/2010/main">
+                <a:effectLst>
+                  <a:outerShdw dist="35921" dir="2700000" algn="ctr" rotWithShape="0">
+                    <a:schemeClr val="bg2"/>
+                  </a:outerShdw>
+                </a:effectLst>
+              </a14:hiddenEffects>
+            </a:ext>
+          </a:extLst>
+        </p:spPr>
+      </p:cxnSp>
+      <p:cxnSp>
+        <p:nvCxnSpPr>
+          <p:cNvPr id="10" name="Connettore 2 9">
+            <a:extLst>
+              <a:ext uri="{FF2B5EF4-FFF2-40B4-BE49-F238E27FC236}">
+                <a16:creationId xmlns:a16="http://schemas.microsoft.com/office/drawing/2014/main" id="{AA50D137-297F-45DD-85C9-637DFDCC86DE}"/>
+              </a:ext>
+            </a:extLst>
+          </p:cNvPr>
+          <p:cNvCxnSpPr>
+            <a:stCxn id="7" idx="3"/>
+            <a:endCxn id="8" idx="1"/>
+          </p:cNvCxnSpPr>
+          <p:nvPr/>
+        </p:nvCxnSpPr>
+        <p:spPr bwMode="auto">
+          <a:xfrm>
+            <a:off x="7084516" y="588436"/>
+            <a:ext cx="277373" cy="755"/>
+          </a:xfrm>
+          <a:prstGeom prst="straightConnector1">
+            <a:avLst/>
+          </a:prstGeom>
+          <a:solidFill>
+            <a:schemeClr val="accent1"/>
+          </a:solidFill>
+          <a:ln w="12700" cap="flat" cmpd="sng" algn="ctr">
+            <a:solidFill>
+              <a:schemeClr val="accent1"/>
+            </a:solidFill>
+            <a:prstDash val="solid"/>
+            <a:round/>
+            <a:headEnd type="none" w="sm" len="sm"/>
+            <a:tailEnd type="triangle"/>
+          </a:ln>
+          <a:effectLst/>
+          <a:extLst>
+            <a:ext uri="{AF507438-7753-43E0-B8FC-AC1667EBCBE1}">
+              <a14:hiddenEffects xmlns:a14="http://schemas.microsoft.com/office/drawing/2010/main">
+                <a:effectLst>
+                  <a:outerShdw dist="35921" dir="2700000" algn="ctr" rotWithShape="0">
+                    <a:schemeClr val="bg2"/>
+                  </a:outerShdw>
+                </a:effectLst>
+              </a14:hiddenEffects>
+            </a:ext>
+          </a:extLst>
+        </p:spPr>
+      </p:cxnSp>
     </p:spTree>
     <p:extLst>
       <p:ext uri="{BB962C8B-B14F-4D97-AF65-F5344CB8AC3E}">
@@ -10023,12 +13053,20 @@
           <a:p>
             <a:pPr algn="ctr"/>
             <a:r>
+              <a:rPr lang="it-IT" sz="1000" b="1" dirty="0" err="1">
+                <a:solidFill>
+                  <a:srgbClr val="002060"/>
+                </a:solidFill>
+              </a:rPr>
+              <a:t>Cooling</a:t>
+            </a:r>
+            <a:r>
               <a:rPr lang="it-IT" sz="1000" b="1" dirty="0">
                 <a:solidFill>
                   <a:srgbClr val="002060"/>
                 </a:solidFill>
               </a:rPr>
-              <a:t>Analisi temporale</a:t>
+              <a:t> e testing dei parametri</a:t>
             </a:r>
           </a:p>
         </p:txBody>
@@ -10600,6 +13638,334 @@
           </a:p>
         </p:txBody>
       </p:sp>
+      <p:sp>
+        <p:nvSpPr>
+          <p:cNvPr id="10" name="Rettangolo 9">
+            <a:extLst>
+              <a:ext uri="{FF2B5EF4-FFF2-40B4-BE49-F238E27FC236}">
+                <a16:creationId xmlns:a16="http://schemas.microsoft.com/office/drawing/2014/main" id="{A737A982-9834-49F5-8962-C76E5FCCF25E}"/>
+              </a:ext>
+            </a:extLst>
+          </p:cNvPr>
+          <p:cNvSpPr/>
+          <p:nvPr/>
+        </p:nvSpPr>
+        <p:spPr>
+          <a:xfrm>
+            <a:off x="4251499" y="430168"/>
+            <a:ext cx="1277822" cy="320429"/>
+          </a:xfrm>
+          <a:prstGeom prst="rect">
+            <a:avLst/>
+          </a:prstGeom>
+          <a:solidFill>
+            <a:schemeClr val="accent1">
+              <a:lumMod val="40000"/>
+              <a:lumOff val="60000"/>
+            </a:schemeClr>
+          </a:solidFill>
+        </p:spPr>
+        <p:style>
+          <a:lnRef idx="2">
+            <a:schemeClr val="accent1">
+              <a:shade val="50000"/>
+            </a:schemeClr>
+          </a:lnRef>
+          <a:fillRef idx="1">
+            <a:schemeClr val="accent1"/>
+          </a:fillRef>
+          <a:effectRef idx="0">
+            <a:schemeClr val="accent1"/>
+          </a:effectRef>
+          <a:fontRef idx="minor">
+            <a:schemeClr val="lt1"/>
+          </a:fontRef>
+        </p:style>
+        <p:txBody>
+          <a:bodyPr rtlCol="0" anchor="ctr"/>
+          <a:lstStyle/>
+          <a:p>
+            <a:pPr algn="ctr"/>
+            <a:r>
+              <a:rPr lang="it-IT" sz="1000" b="1" dirty="0">
+                <a:solidFill>
+                  <a:srgbClr val="002060"/>
+                </a:solidFill>
+              </a:rPr>
+              <a:t>Introduzione</a:t>
+            </a:r>
+          </a:p>
+        </p:txBody>
+      </p:sp>
+      <p:sp>
+        <p:nvSpPr>
+          <p:cNvPr id="11" name="Rettangolo 10">
+            <a:extLst>
+              <a:ext uri="{FF2B5EF4-FFF2-40B4-BE49-F238E27FC236}">
+                <a16:creationId xmlns:a16="http://schemas.microsoft.com/office/drawing/2014/main" id="{13301832-41AE-4B33-AE29-4AB41056D87B}"/>
+              </a:ext>
+            </a:extLst>
+          </p:cNvPr>
+          <p:cNvSpPr/>
+          <p:nvPr/>
+        </p:nvSpPr>
+        <p:spPr>
+          <a:xfrm>
+            <a:off x="5806694" y="426274"/>
+            <a:ext cx="1277822" cy="324323"/>
+          </a:xfrm>
+          <a:prstGeom prst="rect">
+            <a:avLst/>
+          </a:prstGeom>
+          <a:solidFill>
+            <a:schemeClr val="accent1">
+              <a:lumMod val="40000"/>
+              <a:lumOff val="60000"/>
+            </a:schemeClr>
+          </a:solidFill>
+        </p:spPr>
+        <p:style>
+          <a:lnRef idx="2">
+            <a:schemeClr val="accent1">
+              <a:shade val="50000"/>
+            </a:schemeClr>
+          </a:lnRef>
+          <a:fillRef idx="1">
+            <a:schemeClr val="accent1"/>
+          </a:fillRef>
+          <a:effectRef idx="0">
+            <a:schemeClr val="accent1"/>
+          </a:effectRef>
+          <a:fontRef idx="minor">
+            <a:schemeClr val="lt1"/>
+          </a:fontRef>
+        </p:style>
+        <p:txBody>
+          <a:bodyPr rtlCol="0" anchor="ctr"/>
+          <a:lstStyle/>
+          <a:p>
+            <a:pPr algn="ctr"/>
+            <a:endParaRPr lang="it-IT" b="1" dirty="0">
+              <a:solidFill>
+                <a:schemeClr val="tx1"/>
+              </a:solidFill>
+            </a:endParaRPr>
+          </a:p>
+          <a:p>
+            <a:pPr algn="ctr"/>
+            <a:endParaRPr lang="it-IT" b="1" dirty="0">
+              <a:solidFill>
+                <a:srgbClr val="002060"/>
+              </a:solidFill>
+            </a:endParaRPr>
+          </a:p>
+          <a:p>
+            <a:pPr algn="ctr"/>
+            <a:endParaRPr lang="it-IT" dirty="0">
+              <a:solidFill>
+                <a:srgbClr val="002060"/>
+              </a:solidFill>
+            </a:endParaRPr>
+          </a:p>
+          <a:p>
+            <a:pPr algn="ctr"/>
+            <a:r>
+              <a:rPr lang="it-IT" sz="1000" b="1" dirty="0">
+                <a:solidFill>
+                  <a:srgbClr val="002060"/>
+                </a:solidFill>
+              </a:rPr>
+              <a:t>Implementazione</a:t>
+            </a:r>
+          </a:p>
+          <a:p>
+            <a:pPr algn="ctr"/>
+            <a:endParaRPr lang="it-IT" b="1" dirty="0">
+              <a:solidFill>
+                <a:schemeClr val="bg1"/>
+              </a:solidFill>
+            </a:endParaRPr>
+          </a:p>
+          <a:p>
+            <a:pPr algn="ctr"/>
+            <a:endParaRPr lang="it-IT" b="1" dirty="0">
+              <a:solidFill>
+                <a:schemeClr val="bg1"/>
+              </a:solidFill>
+            </a:endParaRPr>
+          </a:p>
+          <a:p>
+            <a:pPr algn="ctr"/>
+            <a:endParaRPr lang="it-IT" b="1" dirty="0">
+              <a:solidFill>
+                <a:schemeClr val="bg1"/>
+              </a:solidFill>
+            </a:endParaRPr>
+          </a:p>
+        </p:txBody>
+      </p:sp>
+      <p:sp>
+        <p:nvSpPr>
+          <p:cNvPr id="12" name="Rettangolo 11">
+            <a:extLst>
+              <a:ext uri="{FF2B5EF4-FFF2-40B4-BE49-F238E27FC236}">
+                <a16:creationId xmlns:a16="http://schemas.microsoft.com/office/drawing/2014/main" id="{AC82627E-1FE1-47D4-90DD-24DB951A2627}"/>
+              </a:ext>
+            </a:extLst>
+          </p:cNvPr>
+          <p:cNvSpPr/>
+          <p:nvPr/>
+        </p:nvSpPr>
+        <p:spPr>
+          <a:xfrm>
+            <a:off x="7361889" y="427784"/>
+            <a:ext cx="1277823" cy="322813"/>
+          </a:xfrm>
+          <a:prstGeom prst="rect">
+            <a:avLst/>
+          </a:prstGeom>
+          <a:solidFill>
+            <a:schemeClr val="accent1"/>
+          </a:solidFill>
+        </p:spPr>
+        <p:style>
+          <a:lnRef idx="2">
+            <a:schemeClr val="accent1">
+              <a:shade val="50000"/>
+            </a:schemeClr>
+          </a:lnRef>
+          <a:fillRef idx="1">
+            <a:schemeClr val="accent1"/>
+          </a:fillRef>
+          <a:effectRef idx="0">
+            <a:schemeClr val="accent1"/>
+          </a:effectRef>
+          <a:fontRef idx="minor">
+            <a:schemeClr val="lt1"/>
+          </a:fontRef>
+        </p:style>
+        <p:txBody>
+          <a:bodyPr rtlCol="0" anchor="ctr"/>
+          <a:lstStyle/>
+          <a:p>
+            <a:pPr algn="ctr"/>
+            <a:r>
+              <a:rPr lang="it-IT" sz="1000" b="1" dirty="0" err="1">
+                <a:solidFill>
+                  <a:srgbClr val="002060"/>
+                </a:solidFill>
+              </a:rPr>
+              <a:t>Cooling</a:t>
+            </a:r>
+            <a:r>
+              <a:rPr lang="it-IT" sz="1000" b="1" dirty="0">
+                <a:solidFill>
+                  <a:srgbClr val="002060"/>
+                </a:solidFill>
+              </a:rPr>
+              <a:t> e testing dei parametri</a:t>
+            </a:r>
+          </a:p>
+        </p:txBody>
+      </p:sp>
+      <p:cxnSp>
+        <p:nvCxnSpPr>
+          <p:cNvPr id="13" name="Connettore 2 12">
+            <a:extLst>
+              <a:ext uri="{FF2B5EF4-FFF2-40B4-BE49-F238E27FC236}">
+                <a16:creationId xmlns:a16="http://schemas.microsoft.com/office/drawing/2014/main" id="{8DFB78CD-E4ED-4CCA-93AD-BAE484D9FDCB}"/>
+              </a:ext>
+            </a:extLst>
+          </p:cNvPr>
+          <p:cNvCxnSpPr>
+            <a:stCxn id="10" idx="3"/>
+            <a:endCxn id="11" idx="1"/>
+          </p:cNvCxnSpPr>
+          <p:nvPr/>
+        </p:nvCxnSpPr>
+        <p:spPr bwMode="auto">
+          <a:xfrm flipV="1">
+            <a:off x="5529321" y="588436"/>
+            <a:ext cx="277373" cy="1947"/>
+          </a:xfrm>
+          <a:prstGeom prst="straightConnector1">
+            <a:avLst/>
+          </a:prstGeom>
+          <a:solidFill>
+            <a:schemeClr val="accent1"/>
+          </a:solidFill>
+          <a:ln w="12700" cap="flat" cmpd="sng" algn="ctr">
+            <a:solidFill>
+              <a:schemeClr val="accent1"/>
+            </a:solidFill>
+            <a:prstDash val="solid"/>
+            <a:round/>
+            <a:headEnd type="none" w="sm" len="sm"/>
+            <a:tailEnd type="triangle"/>
+          </a:ln>
+          <a:effectLst/>
+          <a:extLst>
+            <a:ext uri="{AF507438-7753-43E0-B8FC-AC1667EBCBE1}">
+              <a14:hiddenEffects xmlns:a14="http://schemas.microsoft.com/office/drawing/2010/main">
+                <a:effectLst>
+                  <a:outerShdw dist="35921" dir="2700000" algn="ctr" rotWithShape="0">
+                    <a:schemeClr val="bg2"/>
+                  </a:outerShdw>
+                </a:effectLst>
+              </a14:hiddenEffects>
+            </a:ext>
+          </a:extLst>
+        </p:spPr>
+      </p:cxnSp>
+      <p:cxnSp>
+        <p:nvCxnSpPr>
+          <p:cNvPr id="14" name="Connettore 2 13">
+            <a:extLst>
+              <a:ext uri="{FF2B5EF4-FFF2-40B4-BE49-F238E27FC236}">
+                <a16:creationId xmlns:a16="http://schemas.microsoft.com/office/drawing/2014/main" id="{0D3C77F9-9353-4FF4-B9BF-96F375AA8392}"/>
+              </a:ext>
+            </a:extLst>
+          </p:cNvPr>
+          <p:cNvCxnSpPr>
+            <a:stCxn id="11" idx="3"/>
+            <a:endCxn id="12" idx="1"/>
+          </p:cNvCxnSpPr>
+          <p:nvPr/>
+        </p:nvCxnSpPr>
+        <p:spPr bwMode="auto">
+          <a:xfrm>
+            <a:off x="7084516" y="588436"/>
+            <a:ext cx="277373" cy="755"/>
+          </a:xfrm>
+          <a:prstGeom prst="straightConnector1">
+            <a:avLst/>
+          </a:prstGeom>
+          <a:solidFill>
+            <a:schemeClr val="accent1"/>
+          </a:solidFill>
+          <a:ln w="12700" cap="flat" cmpd="sng" algn="ctr">
+            <a:solidFill>
+              <a:schemeClr val="accent1"/>
+            </a:solidFill>
+            <a:prstDash val="solid"/>
+            <a:round/>
+            <a:headEnd type="none" w="sm" len="sm"/>
+            <a:tailEnd type="triangle"/>
+          </a:ln>
+          <a:effectLst/>
+          <a:extLst>
+            <a:ext uri="{AF507438-7753-43E0-B8FC-AC1667EBCBE1}">
+              <a14:hiddenEffects xmlns:a14="http://schemas.microsoft.com/office/drawing/2010/main">
+                <a:effectLst>
+                  <a:outerShdw dist="35921" dir="2700000" algn="ctr" rotWithShape="0">
+                    <a:schemeClr val="bg2"/>
+                  </a:outerShdw>
+                </a:effectLst>
+              </a14:hiddenEffects>
+            </a:ext>
+          </a:extLst>
+        </p:spPr>
+      </p:cxnSp>
     </p:spTree>
     <p:extLst>
       <p:ext uri="{BB962C8B-B14F-4D97-AF65-F5344CB8AC3E}">
@@ -14361,6 +17727,334 @@
           </a:graphicData>
         </a:graphic>
       </p:graphicFrame>
+      <p:sp>
+        <p:nvSpPr>
+          <p:cNvPr id="13" name="Rettangolo 12">
+            <a:extLst>
+              <a:ext uri="{FF2B5EF4-FFF2-40B4-BE49-F238E27FC236}">
+                <a16:creationId xmlns:a16="http://schemas.microsoft.com/office/drawing/2014/main" id="{3883BC0D-0466-4C0A-80F2-F9A875EE48A7}"/>
+              </a:ext>
+            </a:extLst>
+          </p:cNvPr>
+          <p:cNvSpPr/>
+          <p:nvPr/>
+        </p:nvSpPr>
+        <p:spPr>
+          <a:xfrm>
+            <a:off x="4251499" y="430168"/>
+            <a:ext cx="1277822" cy="320429"/>
+          </a:xfrm>
+          <a:prstGeom prst="rect">
+            <a:avLst/>
+          </a:prstGeom>
+          <a:solidFill>
+            <a:schemeClr val="accent1">
+              <a:lumMod val="40000"/>
+              <a:lumOff val="60000"/>
+            </a:schemeClr>
+          </a:solidFill>
+        </p:spPr>
+        <p:style>
+          <a:lnRef idx="2">
+            <a:schemeClr val="accent1">
+              <a:shade val="50000"/>
+            </a:schemeClr>
+          </a:lnRef>
+          <a:fillRef idx="1">
+            <a:schemeClr val="accent1"/>
+          </a:fillRef>
+          <a:effectRef idx="0">
+            <a:schemeClr val="accent1"/>
+          </a:effectRef>
+          <a:fontRef idx="minor">
+            <a:schemeClr val="lt1"/>
+          </a:fontRef>
+        </p:style>
+        <p:txBody>
+          <a:bodyPr rtlCol="0" anchor="ctr"/>
+          <a:lstStyle/>
+          <a:p>
+            <a:pPr algn="ctr"/>
+            <a:r>
+              <a:rPr lang="it-IT" sz="1000" b="1" dirty="0">
+                <a:solidFill>
+                  <a:srgbClr val="002060"/>
+                </a:solidFill>
+              </a:rPr>
+              <a:t>Introduzione</a:t>
+            </a:r>
+          </a:p>
+        </p:txBody>
+      </p:sp>
+      <p:sp>
+        <p:nvSpPr>
+          <p:cNvPr id="14" name="Rettangolo 13">
+            <a:extLst>
+              <a:ext uri="{FF2B5EF4-FFF2-40B4-BE49-F238E27FC236}">
+                <a16:creationId xmlns:a16="http://schemas.microsoft.com/office/drawing/2014/main" id="{00111EA4-9207-4C51-9FC3-60528D01114F}"/>
+              </a:ext>
+            </a:extLst>
+          </p:cNvPr>
+          <p:cNvSpPr/>
+          <p:nvPr/>
+        </p:nvSpPr>
+        <p:spPr>
+          <a:xfrm>
+            <a:off x="5806694" y="426274"/>
+            <a:ext cx="1277822" cy="324323"/>
+          </a:xfrm>
+          <a:prstGeom prst="rect">
+            <a:avLst/>
+          </a:prstGeom>
+          <a:solidFill>
+            <a:schemeClr val="accent1">
+              <a:lumMod val="40000"/>
+              <a:lumOff val="60000"/>
+            </a:schemeClr>
+          </a:solidFill>
+        </p:spPr>
+        <p:style>
+          <a:lnRef idx="2">
+            <a:schemeClr val="accent1">
+              <a:shade val="50000"/>
+            </a:schemeClr>
+          </a:lnRef>
+          <a:fillRef idx="1">
+            <a:schemeClr val="accent1"/>
+          </a:fillRef>
+          <a:effectRef idx="0">
+            <a:schemeClr val="accent1"/>
+          </a:effectRef>
+          <a:fontRef idx="minor">
+            <a:schemeClr val="lt1"/>
+          </a:fontRef>
+        </p:style>
+        <p:txBody>
+          <a:bodyPr rtlCol="0" anchor="ctr"/>
+          <a:lstStyle/>
+          <a:p>
+            <a:pPr algn="ctr"/>
+            <a:endParaRPr lang="it-IT" b="1" dirty="0">
+              <a:solidFill>
+                <a:schemeClr val="tx1"/>
+              </a:solidFill>
+            </a:endParaRPr>
+          </a:p>
+          <a:p>
+            <a:pPr algn="ctr"/>
+            <a:endParaRPr lang="it-IT" b="1" dirty="0">
+              <a:solidFill>
+                <a:srgbClr val="002060"/>
+              </a:solidFill>
+            </a:endParaRPr>
+          </a:p>
+          <a:p>
+            <a:pPr algn="ctr"/>
+            <a:endParaRPr lang="it-IT" dirty="0">
+              <a:solidFill>
+                <a:srgbClr val="002060"/>
+              </a:solidFill>
+            </a:endParaRPr>
+          </a:p>
+          <a:p>
+            <a:pPr algn="ctr"/>
+            <a:r>
+              <a:rPr lang="it-IT" sz="1000" b="1" dirty="0">
+                <a:solidFill>
+                  <a:srgbClr val="002060"/>
+                </a:solidFill>
+              </a:rPr>
+              <a:t>Implementazione</a:t>
+            </a:r>
+          </a:p>
+          <a:p>
+            <a:pPr algn="ctr"/>
+            <a:endParaRPr lang="it-IT" b="1" dirty="0">
+              <a:solidFill>
+                <a:schemeClr val="bg1"/>
+              </a:solidFill>
+            </a:endParaRPr>
+          </a:p>
+          <a:p>
+            <a:pPr algn="ctr"/>
+            <a:endParaRPr lang="it-IT" b="1" dirty="0">
+              <a:solidFill>
+                <a:schemeClr val="bg1"/>
+              </a:solidFill>
+            </a:endParaRPr>
+          </a:p>
+          <a:p>
+            <a:pPr algn="ctr"/>
+            <a:endParaRPr lang="it-IT" b="1" dirty="0">
+              <a:solidFill>
+                <a:schemeClr val="bg1"/>
+              </a:solidFill>
+            </a:endParaRPr>
+          </a:p>
+        </p:txBody>
+      </p:sp>
+      <p:sp>
+        <p:nvSpPr>
+          <p:cNvPr id="15" name="Rettangolo 14">
+            <a:extLst>
+              <a:ext uri="{FF2B5EF4-FFF2-40B4-BE49-F238E27FC236}">
+                <a16:creationId xmlns:a16="http://schemas.microsoft.com/office/drawing/2014/main" id="{AF3EADFD-9479-4E80-A3C5-5050A67A6EF5}"/>
+              </a:ext>
+            </a:extLst>
+          </p:cNvPr>
+          <p:cNvSpPr/>
+          <p:nvPr/>
+        </p:nvSpPr>
+        <p:spPr>
+          <a:xfrm>
+            <a:off x="7361889" y="427784"/>
+            <a:ext cx="1277823" cy="322813"/>
+          </a:xfrm>
+          <a:prstGeom prst="rect">
+            <a:avLst/>
+          </a:prstGeom>
+          <a:solidFill>
+            <a:schemeClr val="accent1"/>
+          </a:solidFill>
+        </p:spPr>
+        <p:style>
+          <a:lnRef idx="2">
+            <a:schemeClr val="accent1">
+              <a:shade val="50000"/>
+            </a:schemeClr>
+          </a:lnRef>
+          <a:fillRef idx="1">
+            <a:schemeClr val="accent1"/>
+          </a:fillRef>
+          <a:effectRef idx="0">
+            <a:schemeClr val="accent1"/>
+          </a:effectRef>
+          <a:fontRef idx="minor">
+            <a:schemeClr val="lt1"/>
+          </a:fontRef>
+        </p:style>
+        <p:txBody>
+          <a:bodyPr rtlCol="0" anchor="ctr"/>
+          <a:lstStyle/>
+          <a:p>
+            <a:pPr algn="ctr"/>
+            <a:r>
+              <a:rPr lang="it-IT" sz="1000" b="1" dirty="0" err="1">
+                <a:solidFill>
+                  <a:srgbClr val="002060"/>
+                </a:solidFill>
+              </a:rPr>
+              <a:t>Cooling</a:t>
+            </a:r>
+            <a:r>
+              <a:rPr lang="it-IT" sz="1000" b="1" dirty="0">
+                <a:solidFill>
+                  <a:srgbClr val="002060"/>
+                </a:solidFill>
+              </a:rPr>
+              <a:t> e testing dei parametri</a:t>
+            </a:r>
+          </a:p>
+        </p:txBody>
+      </p:sp>
+      <p:cxnSp>
+        <p:nvCxnSpPr>
+          <p:cNvPr id="16" name="Connettore 2 15">
+            <a:extLst>
+              <a:ext uri="{FF2B5EF4-FFF2-40B4-BE49-F238E27FC236}">
+                <a16:creationId xmlns:a16="http://schemas.microsoft.com/office/drawing/2014/main" id="{90AEC5EE-2BCC-4C4D-A81D-146FD43DA076}"/>
+              </a:ext>
+            </a:extLst>
+          </p:cNvPr>
+          <p:cNvCxnSpPr>
+            <a:stCxn id="13" idx="3"/>
+            <a:endCxn id="14" idx="1"/>
+          </p:cNvCxnSpPr>
+          <p:nvPr/>
+        </p:nvCxnSpPr>
+        <p:spPr bwMode="auto">
+          <a:xfrm flipV="1">
+            <a:off x="5529321" y="588436"/>
+            <a:ext cx="277373" cy="1947"/>
+          </a:xfrm>
+          <a:prstGeom prst="straightConnector1">
+            <a:avLst/>
+          </a:prstGeom>
+          <a:solidFill>
+            <a:schemeClr val="accent1"/>
+          </a:solidFill>
+          <a:ln w="12700" cap="flat" cmpd="sng" algn="ctr">
+            <a:solidFill>
+              <a:schemeClr val="accent1"/>
+            </a:solidFill>
+            <a:prstDash val="solid"/>
+            <a:round/>
+            <a:headEnd type="none" w="sm" len="sm"/>
+            <a:tailEnd type="triangle"/>
+          </a:ln>
+          <a:effectLst/>
+          <a:extLst>
+            <a:ext uri="{AF507438-7753-43E0-B8FC-AC1667EBCBE1}">
+              <a14:hiddenEffects xmlns:a14="http://schemas.microsoft.com/office/drawing/2010/main">
+                <a:effectLst>
+                  <a:outerShdw dist="35921" dir="2700000" algn="ctr" rotWithShape="0">
+                    <a:schemeClr val="bg2"/>
+                  </a:outerShdw>
+                </a:effectLst>
+              </a14:hiddenEffects>
+            </a:ext>
+          </a:extLst>
+        </p:spPr>
+      </p:cxnSp>
+      <p:cxnSp>
+        <p:nvCxnSpPr>
+          <p:cNvPr id="17" name="Connettore 2 16">
+            <a:extLst>
+              <a:ext uri="{FF2B5EF4-FFF2-40B4-BE49-F238E27FC236}">
+                <a16:creationId xmlns:a16="http://schemas.microsoft.com/office/drawing/2014/main" id="{0BDD123A-229A-4A95-8881-1824CD878658}"/>
+              </a:ext>
+            </a:extLst>
+          </p:cNvPr>
+          <p:cNvCxnSpPr>
+            <a:stCxn id="14" idx="3"/>
+            <a:endCxn id="15" idx="1"/>
+          </p:cNvCxnSpPr>
+          <p:nvPr/>
+        </p:nvCxnSpPr>
+        <p:spPr bwMode="auto">
+          <a:xfrm>
+            <a:off x="7084516" y="588436"/>
+            <a:ext cx="277373" cy="755"/>
+          </a:xfrm>
+          <a:prstGeom prst="straightConnector1">
+            <a:avLst/>
+          </a:prstGeom>
+          <a:solidFill>
+            <a:schemeClr val="accent1"/>
+          </a:solidFill>
+          <a:ln w="12700" cap="flat" cmpd="sng" algn="ctr">
+            <a:solidFill>
+              <a:schemeClr val="accent1"/>
+            </a:solidFill>
+            <a:prstDash val="solid"/>
+            <a:round/>
+            <a:headEnd type="none" w="sm" len="sm"/>
+            <a:tailEnd type="triangle"/>
+          </a:ln>
+          <a:effectLst/>
+          <a:extLst>
+            <a:ext uri="{AF507438-7753-43E0-B8FC-AC1667EBCBE1}">
+              <a14:hiddenEffects xmlns:a14="http://schemas.microsoft.com/office/drawing/2010/main">
+                <a:effectLst>
+                  <a:outerShdw dist="35921" dir="2700000" algn="ctr" rotWithShape="0">
+                    <a:schemeClr val="bg2"/>
+                  </a:outerShdw>
+                </a:effectLst>
+              </a14:hiddenEffects>
+            </a:ext>
+          </a:extLst>
+        </p:spPr>
+      </p:cxnSp>
     </p:spTree>
     <p:extLst>
       <p:ext uri="{BB962C8B-B14F-4D97-AF65-F5344CB8AC3E}">
@@ -20317,6 +24011,334 @@
           </a:p>
         </p:txBody>
       </p:sp>
+      <p:sp>
+        <p:nvSpPr>
+          <p:cNvPr id="13" name="Rettangolo 12">
+            <a:extLst>
+              <a:ext uri="{FF2B5EF4-FFF2-40B4-BE49-F238E27FC236}">
+                <a16:creationId xmlns:a16="http://schemas.microsoft.com/office/drawing/2014/main" id="{957F2153-886E-4A74-B2A3-F2BB2739F2BB}"/>
+              </a:ext>
+            </a:extLst>
+          </p:cNvPr>
+          <p:cNvSpPr/>
+          <p:nvPr/>
+        </p:nvSpPr>
+        <p:spPr>
+          <a:xfrm>
+            <a:off x="4251499" y="430168"/>
+            <a:ext cx="1277822" cy="320429"/>
+          </a:xfrm>
+          <a:prstGeom prst="rect">
+            <a:avLst/>
+          </a:prstGeom>
+          <a:solidFill>
+            <a:schemeClr val="accent1">
+              <a:lumMod val="40000"/>
+              <a:lumOff val="60000"/>
+            </a:schemeClr>
+          </a:solidFill>
+        </p:spPr>
+        <p:style>
+          <a:lnRef idx="2">
+            <a:schemeClr val="accent1">
+              <a:shade val="50000"/>
+            </a:schemeClr>
+          </a:lnRef>
+          <a:fillRef idx="1">
+            <a:schemeClr val="accent1"/>
+          </a:fillRef>
+          <a:effectRef idx="0">
+            <a:schemeClr val="accent1"/>
+          </a:effectRef>
+          <a:fontRef idx="minor">
+            <a:schemeClr val="lt1"/>
+          </a:fontRef>
+        </p:style>
+        <p:txBody>
+          <a:bodyPr rtlCol="0" anchor="ctr"/>
+          <a:lstStyle/>
+          <a:p>
+            <a:pPr algn="ctr"/>
+            <a:r>
+              <a:rPr lang="it-IT" sz="1000" b="1" dirty="0">
+                <a:solidFill>
+                  <a:srgbClr val="002060"/>
+                </a:solidFill>
+              </a:rPr>
+              <a:t>Introduzione</a:t>
+            </a:r>
+          </a:p>
+        </p:txBody>
+      </p:sp>
+      <p:sp>
+        <p:nvSpPr>
+          <p:cNvPr id="14" name="Rettangolo 13">
+            <a:extLst>
+              <a:ext uri="{FF2B5EF4-FFF2-40B4-BE49-F238E27FC236}">
+                <a16:creationId xmlns:a16="http://schemas.microsoft.com/office/drawing/2014/main" id="{1D2B8058-C1CA-4469-90D4-272633975B19}"/>
+              </a:ext>
+            </a:extLst>
+          </p:cNvPr>
+          <p:cNvSpPr/>
+          <p:nvPr/>
+        </p:nvSpPr>
+        <p:spPr>
+          <a:xfrm>
+            <a:off x="5806694" y="426274"/>
+            <a:ext cx="1277822" cy="324323"/>
+          </a:xfrm>
+          <a:prstGeom prst="rect">
+            <a:avLst/>
+          </a:prstGeom>
+          <a:solidFill>
+            <a:schemeClr val="accent1">
+              <a:lumMod val="40000"/>
+              <a:lumOff val="60000"/>
+            </a:schemeClr>
+          </a:solidFill>
+        </p:spPr>
+        <p:style>
+          <a:lnRef idx="2">
+            <a:schemeClr val="accent1">
+              <a:shade val="50000"/>
+            </a:schemeClr>
+          </a:lnRef>
+          <a:fillRef idx="1">
+            <a:schemeClr val="accent1"/>
+          </a:fillRef>
+          <a:effectRef idx="0">
+            <a:schemeClr val="accent1"/>
+          </a:effectRef>
+          <a:fontRef idx="minor">
+            <a:schemeClr val="lt1"/>
+          </a:fontRef>
+        </p:style>
+        <p:txBody>
+          <a:bodyPr rtlCol="0" anchor="ctr"/>
+          <a:lstStyle/>
+          <a:p>
+            <a:pPr algn="ctr"/>
+            <a:endParaRPr lang="it-IT" b="1" dirty="0">
+              <a:solidFill>
+                <a:schemeClr val="tx1"/>
+              </a:solidFill>
+            </a:endParaRPr>
+          </a:p>
+          <a:p>
+            <a:pPr algn="ctr"/>
+            <a:endParaRPr lang="it-IT" b="1" dirty="0">
+              <a:solidFill>
+                <a:srgbClr val="002060"/>
+              </a:solidFill>
+            </a:endParaRPr>
+          </a:p>
+          <a:p>
+            <a:pPr algn="ctr"/>
+            <a:endParaRPr lang="it-IT" dirty="0">
+              <a:solidFill>
+                <a:srgbClr val="002060"/>
+              </a:solidFill>
+            </a:endParaRPr>
+          </a:p>
+          <a:p>
+            <a:pPr algn="ctr"/>
+            <a:r>
+              <a:rPr lang="it-IT" sz="1000" b="1" dirty="0">
+                <a:solidFill>
+                  <a:srgbClr val="002060"/>
+                </a:solidFill>
+              </a:rPr>
+              <a:t>Implementazione</a:t>
+            </a:r>
+          </a:p>
+          <a:p>
+            <a:pPr algn="ctr"/>
+            <a:endParaRPr lang="it-IT" b="1" dirty="0">
+              <a:solidFill>
+                <a:schemeClr val="bg1"/>
+              </a:solidFill>
+            </a:endParaRPr>
+          </a:p>
+          <a:p>
+            <a:pPr algn="ctr"/>
+            <a:endParaRPr lang="it-IT" b="1" dirty="0">
+              <a:solidFill>
+                <a:schemeClr val="bg1"/>
+              </a:solidFill>
+            </a:endParaRPr>
+          </a:p>
+          <a:p>
+            <a:pPr algn="ctr"/>
+            <a:endParaRPr lang="it-IT" b="1" dirty="0">
+              <a:solidFill>
+                <a:schemeClr val="bg1"/>
+              </a:solidFill>
+            </a:endParaRPr>
+          </a:p>
+        </p:txBody>
+      </p:sp>
+      <p:sp>
+        <p:nvSpPr>
+          <p:cNvPr id="15" name="Rettangolo 14">
+            <a:extLst>
+              <a:ext uri="{FF2B5EF4-FFF2-40B4-BE49-F238E27FC236}">
+                <a16:creationId xmlns:a16="http://schemas.microsoft.com/office/drawing/2014/main" id="{D1831259-B735-4A92-A0EE-555379CC64A7}"/>
+              </a:ext>
+            </a:extLst>
+          </p:cNvPr>
+          <p:cNvSpPr/>
+          <p:nvPr/>
+        </p:nvSpPr>
+        <p:spPr>
+          <a:xfrm>
+            <a:off x="7361889" y="427784"/>
+            <a:ext cx="1277823" cy="322813"/>
+          </a:xfrm>
+          <a:prstGeom prst="rect">
+            <a:avLst/>
+          </a:prstGeom>
+          <a:solidFill>
+            <a:schemeClr val="accent1"/>
+          </a:solidFill>
+        </p:spPr>
+        <p:style>
+          <a:lnRef idx="2">
+            <a:schemeClr val="accent1">
+              <a:shade val="50000"/>
+            </a:schemeClr>
+          </a:lnRef>
+          <a:fillRef idx="1">
+            <a:schemeClr val="accent1"/>
+          </a:fillRef>
+          <a:effectRef idx="0">
+            <a:schemeClr val="accent1"/>
+          </a:effectRef>
+          <a:fontRef idx="minor">
+            <a:schemeClr val="lt1"/>
+          </a:fontRef>
+        </p:style>
+        <p:txBody>
+          <a:bodyPr rtlCol="0" anchor="ctr"/>
+          <a:lstStyle/>
+          <a:p>
+            <a:pPr algn="ctr"/>
+            <a:r>
+              <a:rPr lang="it-IT" sz="1000" b="1" dirty="0" err="1">
+                <a:solidFill>
+                  <a:srgbClr val="002060"/>
+                </a:solidFill>
+              </a:rPr>
+              <a:t>Cooling</a:t>
+            </a:r>
+            <a:r>
+              <a:rPr lang="it-IT" sz="1000" b="1" dirty="0">
+                <a:solidFill>
+                  <a:srgbClr val="002060"/>
+                </a:solidFill>
+              </a:rPr>
+              <a:t> e testing dei parametri</a:t>
+            </a:r>
+          </a:p>
+        </p:txBody>
+      </p:sp>
+      <p:cxnSp>
+        <p:nvCxnSpPr>
+          <p:cNvPr id="16" name="Connettore 2 15">
+            <a:extLst>
+              <a:ext uri="{FF2B5EF4-FFF2-40B4-BE49-F238E27FC236}">
+                <a16:creationId xmlns:a16="http://schemas.microsoft.com/office/drawing/2014/main" id="{CF964201-AEB6-4A69-80C5-141D479F3BD5}"/>
+              </a:ext>
+            </a:extLst>
+          </p:cNvPr>
+          <p:cNvCxnSpPr>
+            <a:stCxn id="13" idx="3"/>
+            <a:endCxn id="14" idx="1"/>
+          </p:cNvCxnSpPr>
+          <p:nvPr/>
+        </p:nvCxnSpPr>
+        <p:spPr bwMode="auto">
+          <a:xfrm flipV="1">
+            <a:off x="5529321" y="588436"/>
+            <a:ext cx="277373" cy="1947"/>
+          </a:xfrm>
+          <a:prstGeom prst="straightConnector1">
+            <a:avLst/>
+          </a:prstGeom>
+          <a:solidFill>
+            <a:schemeClr val="accent1"/>
+          </a:solidFill>
+          <a:ln w="12700" cap="flat" cmpd="sng" algn="ctr">
+            <a:solidFill>
+              <a:schemeClr val="accent1"/>
+            </a:solidFill>
+            <a:prstDash val="solid"/>
+            <a:round/>
+            <a:headEnd type="none" w="sm" len="sm"/>
+            <a:tailEnd type="triangle"/>
+          </a:ln>
+          <a:effectLst/>
+          <a:extLst>
+            <a:ext uri="{AF507438-7753-43E0-B8FC-AC1667EBCBE1}">
+              <a14:hiddenEffects xmlns:a14="http://schemas.microsoft.com/office/drawing/2010/main">
+                <a:effectLst>
+                  <a:outerShdw dist="35921" dir="2700000" algn="ctr" rotWithShape="0">
+                    <a:schemeClr val="bg2"/>
+                  </a:outerShdw>
+                </a:effectLst>
+              </a14:hiddenEffects>
+            </a:ext>
+          </a:extLst>
+        </p:spPr>
+      </p:cxnSp>
+      <p:cxnSp>
+        <p:nvCxnSpPr>
+          <p:cNvPr id="17" name="Connettore 2 16">
+            <a:extLst>
+              <a:ext uri="{FF2B5EF4-FFF2-40B4-BE49-F238E27FC236}">
+                <a16:creationId xmlns:a16="http://schemas.microsoft.com/office/drawing/2014/main" id="{DF033619-9903-4BAF-B0A7-701BAB81E2C2}"/>
+              </a:ext>
+            </a:extLst>
+          </p:cNvPr>
+          <p:cNvCxnSpPr>
+            <a:stCxn id="14" idx="3"/>
+            <a:endCxn id="15" idx="1"/>
+          </p:cNvCxnSpPr>
+          <p:nvPr/>
+        </p:nvCxnSpPr>
+        <p:spPr bwMode="auto">
+          <a:xfrm>
+            <a:off x="7084516" y="588436"/>
+            <a:ext cx="277373" cy="755"/>
+          </a:xfrm>
+          <a:prstGeom prst="straightConnector1">
+            <a:avLst/>
+          </a:prstGeom>
+          <a:solidFill>
+            <a:schemeClr val="accent1"/>
+          </a:solidFill>
+          <a:ln w="12700" cap="flat" cmpd="sng" algn="ctr">
+            <a:solidFill>
+              <a:schemeClr val="accent1"/>
+            </a:solidFill>
+            <a:prstDash val="solid"/>
+            <a:round/>
+            <a:headEnd type="none" w="sm" len="sm"/>
+            <a:tailEnd type="triangle"/>
+          </a:ln>
+          <a:effectLst/>
+          <a:extLst>
+            <a:ext uri="{AF507438-7753-43E0-B8FC-AC1667EBCBE1}">
+              <a14:hiddenEffects xmlns:a14="http://schemas.microsoft.com/office/drawing/2010/main">
+                <a:effectLst>
+                  <a:outerShdw dist="35921" dir="2700000" algn="ctr" rotWithShape="0">
+                    <a:schemeClr val="bg2"/>
+                  </a:outerShdw>
+                </a:effectLst>
+              </a14:hiddenEffects>
+            </a:ext>
+          </a:extLst>
+        </p:spPr>
+      </p:cxnSp>
     </p:spTree>
     <p:extLst>
       <p:ext uri="{BB962C8B-B14F-4D97-AF65-F5344CB8AC3E}">
@@ -21023,6 +25045,334 @@
           </a:p>
         </p:txBody>
       </p:sp>
+      <p:sp>
+        <p:nvSpPr>
+          <p:cNvPr id="12" name="Rettangolo 11">
+            <a:extLst>
+              <a:ext uri="{FF2B5EF4-FFF2-40B4-BE49-F238E27FC236}">
+                <a16:creationId xmlns:a16="http://schemas.microsoft.com/office/drawing/2014/main" id="{A017B783-7D64-4386-8288-AE3736FBA7C8}"/>
+              </a:ext>
+            </a:extLst>
+          </p:cNvPr>
+          <p:cNvSpPr/>
+          <p:nvPr/>
+        </p:nvSpPr>
+        <p:spPr>
+          <a:xfrm>
+            <a:off x="4251499" y="430168"/>
+            <a:ext cx="1277822" cy="320429"/>
+          </a:xfrm>
+          <a:prstGeom prst="rect">
+            <a:avLst/>
+          </a:prstGeom>
+          <a:solidFill>
+            <a:schemeClr val="accent1">
+              <a:lumMod val="40000"/>
+              <a:lumOff val="60000"/>
+            </a:schemeClr>
+          </a:solidFill>
+        </p:spPr>
+        <p:style>
+          <a:lnRef idx="2">
+            <a:schemeClr val="accent1">
+              <a:shade val="50000"/>
+            </a:schemeClr>
+          </a:lnRef>
+          <a:fillRef idx="1">
+            <a:schemeClr val="accent1"/>
+          </a:fillRef>
+          <a:effectRef idx="0">
+            <a:schemeClr val="accent1"/>
+          </a:effectRef>
+          <a:fontRef idx="minor">
+            <a:schemeClr val="lt1"/>
+          </a:fontRef>
+        </p:style>
+        <p:txBody>
+          <a:bodyPr rtlCol="0" anchor="ctr"/>
+          <a:lstStyle/>
+          <a:p>
+            <a:pPr algn="ctr"/>
+            <a:r>
+              <a:rPr lang="it-IT" sz="1000" b="1" dirty="0">
+                <a:solidFill>
+                  <a:srgbClr val="002060"/>
+                </a:solidFill>
+              </a:rPr>
+              <a:t>Introduzione</a:t>
+            </a:r>
+          </a:p>
+        </p:txBody>
+      </p:sp>
+      <p:sp>
+        <p:nvSpPr>
+          <p:cNvPr id="13" name="Rettangolo 12">
+            <a:extLst>
+              <a:ext uri="{FF2B5EF4-FFF2-40B4-BE49-F238E27FC236}">
+                <a16:creationId xmlns:a16="http://schemas.microsoft.com/office/drawing/2014/main" id="{50B1A6D1-FF09-47C3-8910-D055CB0586CB}"/>
+              </a:ext>
+            </a:extLst>
+          </p:cNvPr>
+          <p:cNvSpPr/>
+          <p:nvPr/>
+        </p:nvSpPr>
+        <p:spPr>
+          <a:xfrm>
+            <a:off x="5806694" y="426274"/>
+            <a:ext cx="1277822" cy="324323"/>
+          </a:xfrm>
+          <a:prstGeom prst="rect">
+            <a:avLst/>
+          </a:prstGeom>
+          <a:solidFill>
+            <a:schemeClr val="accent1">
+              <a:lumMod val="40000"/>
+              <a:lumOff val="60000"/>
+            </a:schemeClr>
+          </a:solidFill>
+        </p:spPr>
+        <p:style>
+          <a:lnRef idx="2">
+            <a:schemeClr val="accent1">
+              <a:shade val="50000"/>
+            </a:schemeClr>
+          </a:lnRef>
+          <a:fillRef idx="1">
+            <a:schemeClr val="accent1"/>
+          </a:fillRef>
+          <a:effectRef idx="0">
+            <a:schemeClr val="accent1"/>
+          </a:effectRef>
+          <a:fontRef idx="minor">
+            <a:schemeClr val="lt1"/>
+          </a:fontRef>
+        </p:style>
+        <p:txBody>
+          <a:bodyPr rtlCol="0" anchor="ctr"/>
+          <a:lstStyle/>
+          <a:p>
+            <a:pPr algn="ctr"/>
+            <a:endParaRPr lang="it-IT" b="1" dirty="0">
+              <a:solidFill>
+                <a:schemeClr val="tx1"/>
+              </a:solidFill>
+            </a:endParaRPr>
+          </a:p>
+          <a:p>
+            <a:pPr algn="ctr"/>
+            <a:endParaRPr lang="it-IT" b="1" dirty="0">
+              <a:solidFill>
+                <a:srgbClr val="002060"/>
+              </a:solidFill>
+            </a:endParaRPr>
+          </a:p>
+          <a:p>
+            <a:pPr algn="ctr"/>
+            <a:endParaRPr lang="it-IT" dirty="0">
+              <a:solidFill>
+                <a:srgbClr val="002060"/>
+              </a:solidFill>
+            </a:endParaRPr>
+          </a:p>
+          <a:p>
+            <a:pPr algn="ctr"/>
+            <a:r>
+              <a:rPr lang="it-IT" sz="1000" b="1" dirty="0">
+                <a:solidFill>
+                  <a:srgbClr val="002060"/>
+                </a:solidFill>
+              </a:rPr>
+              <a:t>Implementazione</a:t>
+            </a:r>
+          </a:p>
+          <a:p>
+            <a:pPr algn="ctr"/>
+            <a:endParaRPr lang="it-IT" b="1" dirty="0">
+              <a:solidFill>
+                <a:schemeClr val="bg1"/>
+              </a:solidFill>
+            </a:endParaRPr>
+          </a:p>
+          <a:p>
+            <a:pPr algn="ctr"/>
+            <a:endParaRPr lang="it-IT" b="1" dirty="0">
+              <a:solidFill>
+                <a:schemeClr val="bg1"/>
+              </a:solidFill>
+            </a:endParaRPr>
+          </a:p>
+          <a:p>
+            <a:pPr algn="ctr"/>
+            <a:endParaRPr lang="it-IT" b="1" dirty="0">
+              <a:solidFill>
+                <a:schemeClr val="bg1"/>
+              </a:solidFill>
+            </a:endParaRPr>
+          </a:p>
+        </p:txBody>
+      </p:sp>
+      <p:sp>
+        <p:nvSpPr>
+          <p:cNvPr id="14" name="Rettangolo 13">
+            <a:extLst>
+              <a:ext uri="{FF2B5EF4-FFF2-40B4-BE49-F238E27FC236}">
+                <a16:creationId xmlns:a16="http://schemas.microsoft.com/office/drawing/2014/main" id="{187CE634-8135-4C57-873E-CDDE24013BAC}"/>
+              </a:ext>
+            </a:extLst>
+          </p:cNvPr>
+          <p:cNvSpPr/>
+          <p:nvPr/>
+        </p:nvSpPr>
+        <p:spPr>
+          <a:xfrm>
+            <a:off x="7361889" y="427784"/>
+            <a:ext cx="1277823" cy="322813"/>
+          </a:xfrm>
+          <a:prstGeom prst="rect">
+            <a:avLst/>
+          </a:prstGeom>
+          <a:solidFill>
+            <a:schemeClr val="accent1"/>
+          </a:solidFill>
+        </p:spPr>
+        <p:style>
+          <a:lnRef idx="2">
+            <a:schemeClr val="accent1">
+              <a:shade val="50000"/>
+            </a:schemeClr>
+          </a:lnRef>
+          <a:fillRef idx="1">
+            <a:schemeClr val="accent1"/>
+          </a:fillRef>
+          <a:effectRef idx="0">
+            <a:schemeClr val="accent1"/>
+          </a:effectRef>
+          <a:fontRef idx="minor">
+            <a:schemeClr val="lt1"/>
+          </a:fontRef>
+        </p:style>
+        <p:txBody>
+          <a:bodyPr rtlCol="0" anchor="ctr"/>
+          <a:lstStyle/>
+          <a:p>
+            <a:pPr algn="ctr"/>
+            <a:r>
+              <a:rPr lang="it-IT" sz="1000" b="1" dirty="0" err="1">
+                <a:solidFill>
+                  <a:srgbClr val="002060"/>
+                </a:solidFill>
+              </a:rPr>
+              <a:t>Cooling</a:t>
+            </a:r>
+            <a:r>
+              <a:rPr lang="it-IT" sz="1000" b="1" dirty="0">
+                <a:solidFill>
+                  <a:srgbClr val="002060"/>
+                </a:solidFill>
+              </a:rPr>
+              <a:t> e testing dei parametri</a:t>
+            </a:r>
+          </a:p>
+        </p:txBody>
+      </p:sp>
+      <p:cxnSp>
+        <p:nvCxnSpPr>
+          <p:cNvPr id="15" name="Connettore 2 14">
+            <a:extLst>
+              <a:ext uri="{FF2B5EF4-FFF2-40B4-BE49-F238E27FC236}">
+                <a16:creationId xmlns:a16="http://schemas.microsoft.com/office/drawing/2014/main" id="{CC68026D-E2F5-4B7B-B9E7-1E83259B8170}"/>
+              </a:ext>
+            </a:extLst>
+          </p:cNvPr>
+          <p:cNvCxnSpPr>
+            <a:stCxn id="12" idx="3"/>
+            <a:endCxn id="13" idx="1"/>
+          </p:cNvCxnSpPr>
+          <p:nvPr/>
+        </p:nvCxnSpPr>
+        <p:spPr bwMode="auto">
+          <a:xfrm flipV="1">
+            <a:off x="5529321" y="588436"/>
+            <a:ext cx="277373" cy="1947"/>
+          </a:xfrm>
+          <a:prstGeom prst="straightConnector1">
+            <a:avLst/>
+          </a:prstGeom>
+          <a:solidFill>
+            <a:schemeClr val="accent1"/>
+          </a:solidFill>
+          <a:ln w="12700" cap="flat" cmpd="sng" algn="ctr">
+            <a:solidFill>
+              <a:schemeClr val="accent1"/>
+            </a:solidFill>
+            <a:prstDash val="solid"/>
+            <a:round/>
+            <a:headEnd type="none" w="sm" len="sm"/>
+            <a:tailEnd type="triangle"/>
+          </a:ln>
+          <a:effectLst/>
+          <a:extLst>
+            <a:ext uri="{AF507438-7753-43E0-B8FC-AC1667EBCBE1}">
+              <a14:hiddenEffects xmlns:a14="http://schemas.microsoft.com/office/drawing/2010/main">
+                <a:effectLst>
+                  <a:outerShdw dist="35921" dir="2700000" algn="ctr" rotWithShape="0">
+                    <a:schemeClr val="bg2"/>
+                  </a:outerShdw>
+                </a:effectLst>
+              </a14:hiddenEffects>
+            </a:ext>
+          </a:extLst>
+        </p:spPr>
+      </p:cxnSp>
+      <p:cxnSp>
+        <p:nvCxnSpPr>
+          <p:cNvPr id="16" name="Connettore 2 15">
+            <a:extLst>
+              <a:ext uri="{FF2B5EF4-FFF2-40B4-BE49-F238E27FC236}">
+                <a16:creationId xmlns:a16="http://schemas.microsoft.com/office/drawing/2014/main" id="{B2994B38-FE01-44D4-B0E4-050B1EBE01FE}"/>
+              </a:ext>
+            </a:extLst>
+          </p:cNvPr>
+          <p:cNvCxnSpPr>
+            <a:stCxn id="13" idx="3"/>
+            <a:endCxn id="14" idx="1"/>
+          </p:cNvCxnSpPr>
+          <p:nvPr/>
+        </p:nvCxnSpPr>
+        <p:spPr bwMode="auto">
+          <a:xfrm>
+            <a:off x="7084516" y="588436"/>
+            <a:ext cx="277373" cy="755"/>
+          </a:xfrm>
+          <a:prstGeom prst="straightConnector1">
+            <a:avLst/>
+          </a:prstGeom>
+          <a:solidFill>
+            <a:schemeClr val="accent1"/>
+          </a:solidFill>
+          <a:ln w="12700" cap="flat" cmpd="sng" algn="ctr">
+            <a:solidFill>
+              <a:schemeClr val="accent1"/>
+            </a:solidFill>
+            <a:prstDash val="solid"/>
+            <a:round/>
+            <a:headEnd type="none" w="sm" len="sm"/>
+            <a:tailEnd type="triangle"/>
+          </a:ln>
+          <a:effectLst/>
+          <a:extLst>
+            <a:ext uri="{AF507438-7753-43E0-B8FC-AC1667EBCBE1}">
+              <a14:hiddenEffects xmlns:a14="http://schemas.microsoft.com/office/drawing/2010/main">
+                <a:effectLst>
+                  <a:outerShdw dist="35921" dir="2700000" algn="ctr" rotWithShape="0">
+                    <a:schemeClr val="bg2"/>
+                  </a:outerShdw>
+                </a:effectLst>
+              </a14:hiddenEffects>
+            </a:ext>
+          </a:extLst>
+        </p:spPr>
+      </p:cxnSp>
     </p:spTree>
     <p:extLst>
       <p:ext uri="{BB962C8B-B14F-4D97-AF65-F5344CB8AC3E}">
@@ -26943,6 +31293,334 @@
           </a:graphicData>
         </a:graphic>
       </p:graphicFrame>
+      <p:sp>
+        <p:nvSpPr>
+          <p:cNvPr id="12" name="Rettangolo 11">
+            <a:extLst>
+              <a:ext uri="{FF2B5EF4-FFF2-40B4-BE49-F238E27FC236}">
+                <a16:creationId xmlns:a16="http://schemas.microsoft.com/office/drawing/2014/main" id="{5C187F86-18F1-4BF0-B529-5EF55C24279E}"/>
+              </a:ext>
+            </a:extLst>
+          </p:cNvPr>
+          <p:cNvSpPr/>
+          <p:nvPr/>
+        </p:nvSpPr>
+        <p:spPr>
+          <a:xfrm>
+            <a:off x="4251499" y="430168"/>
+            <a:ext cx="1277822" cy="320429"/>
+          </a:xfrm>
+          <a:prstGeom prst="rect">
+            <a:avLst/>
+          </a:prstGeom>
+          <a:solidFill>
+            <a:schemeClr val="accent1">
+              <a:lumMod val="40000"/>
+              <a:lumOff val="60000"/>
+            </a:schemeClr>
+          </a:solidFill>
+        </p:spPr>
+        <p:style>
+          <a:lnRef idx="2">
+            <a:schemeClr val="accent1">
+              <a:shade val="50000"/>
+            </a:schemeClr>
+          </a:lnRef>
+          <a:fillRef idx="1">
+            <a:schemeClr val="accent1"/>
+          </a:fillRef>
+          <a:effectRef idx="0">
+            <a:schemeClr val="accent1"/>
+          </a:effectRef>
+          <a:fontRef idx="minor">
+            <a:schemeClr val="lt1"/>
+          </a:fontRef>
+        </p:style>
+        <p:txBody>
+          <a:bodyPr rtlCol="0" anchor="ctr"/>
+          <a:lstStyle/>
+          <a:p>
+            <a:pPr algn="ctr"/>
+            <a:r>
+              <a:rPr lang="it-IT" sz="1000" b="1" dirty="0">
+                <a:solidFill>
+                  <a:srgbClr val="002060"/>
+                </a:solidFill>
+              </a:rPr>
+              <a:t>Introduzione</a:t>
+            </a:r>
+          </a:p>
+        </p:txBody>
+      </p:sp>
+      <p:sp>
+        <p:nvSpPr>
+          <p:cNvPr id="13" name="Rettangolo 12">
+            <a:extLst>
+              <a:ext uri="{FF2B5EF4-FFF2-40B4-BE49-F238E27FC236}">
+                <a16:creationId xmlns:a16="http://schemas.microsoft.com/office/drawing/2014/main" id="{1F949783-7EEC-4444-9925-22DDD5D6449D}"/>
+              </a:ext>
+            </a:extLst>
+          </p:cNvPr>
+          <p:cNvSpPr/>
+          <p:nvPr/>
+        </p:nvSpPr>
+        <p:spPr>
+          <a:xfrm>
+            <a:off x="5806694" y="426274"/>
+            <a:ext cx="1277822" cy="324323"/>
+          </a:xfrm>
+          <a:prstGeom prst="rect">
+            <a:avLst/>
+          </a:prstGeom>
+          <a:solidFill>
+            <a:schemeClr val="accent1">
+              <a:lumMod val="40000"/>
+              <a:lumOff val="60000"/>
+            </a:schemeClr>
+          </a:solidFill>
+        </p:spPr>
+        <p:style>
+          <a:lnRef idx="2">
+            <a:schemeClr val="accent1">
+              <a:shade val="50000"/>
+            </a:schemeClr>
+          </a:lnRef>
+          <a:fillRef idx="1">
+            <a:schemeClr val="accent1"/>
+          </a:fillRef>
+          <a:effectRef idx="0">
+            <a:schemeClr val="accent1"/>
+          </a:effectRef>
+          <a:fontRef idx="minor">
+            <a:schemeClr val="lt1"/>
+          </a:fontRef>
+        </p:style>
+        <p:txBody>
+          <a:bodyPr rtlCol="0" anchor="ctr"/>
+          <a:lstStyle/>
+          <a:p>
+            <a:pPr algn="ctr"/>
+            <a:endParaRPr lang="it-IT" b="1" dirty="0">
+              <a:solidFill>
+                <a:schemeClr val="tx1"/>
+              </a:solidFill>
+            </a:endParaRPr>
+          </a:p>
+          <a:p>
+            <a:pPr algn="ctr"/>
+            <a:endParaRPr lang="it-IT" b="1" dirty="0">
+              <a:solidFill>
+                <a:srgbClr val="002060"/>
+              </a:solidFill>
+            </a:endParaRPr>
+          </a:p>
+          <a:p>
+            <a:pPr algn="ctr"/>
+            <a:endParaRPr lang="it-IT" dirty="0">
+              <a:solidFill>
+                <a:srgbClr val="002060"/>
+              </a:solidFill>
+            </a:endParaRPr>
+          </a:p>
+          <a:p>
+            <a:pPr algn="ctr"/>
+            <a:r>
+              <a:rPr lang="it-IT" sz="1000" b="1" dirty="0">
+                <a:solidFill>
+                  <a:srgbClr val="002060"/>
+                </a:solidFill>
+              </a:rPr>
+              <a:t>Implementazione</a:t>
+            </a:r>
+          </a:p>
+          <a:p>
+            <a:pPr algn="ctr"/>
+            <a:endParaRPr lang="it-IT" b="1" dirty="0">
+              <a:solidFill>
+                <a:schemeClr val="bg1"/>
+              </a:solidFill>
+            </a:endParaRPr>
+          </a:p>
+          <a:p>
+            <a:pPr algn="ctr"/>
+            <a:endParaRPr lang="it-IT" b="1" dirty="0">
+              <a:solidFill>
+                <a:schemeClr val="bg1"/>
+              </a:solidFill>
+            </a:endParaRPr>
+          </a:p>
+          <a:p>
+            <a:pPr algn="ctr"/>
+            <a:endParaRPr lang="it-IT" b="1" dirty="0">
+              <a:solidFill>
+                <a:schemeClr val="bg1"/>
+              </a:solidFill>
+            </a:endParaRPr>
+          </a:p>
+        </p:txBody>
+      </p:sp>
+      <p:sp>
+        <p:nvSpPr>
+          <p:cNvPr id="14" name="Rettangolo 13">
+            <a:extLst>
+              <a:ext uri="{FF2B5EF4-FFF2-40B4-BE49-F238E27FC236}">
+                <a16:creationId xmlns:a16="http://schemas.microsoft.com/office/drawing/2014/main" id="{8E6244E6-B1BA-4FB1-9CCE-3893B01267E1}"/>
+              </a:ext>
+            </a:extLst>
+          </p:cNvPr>
+          <p:cNvSpPr/>
+          <p:nvPr/>
+        </p:nvSpPr>
+        <p:spPr>
+          <a:xfrm>
+            <a:off x="7361889" y="427784"/>
+            <a:ext cx="1277823" cy="322813"/>
+          </a:xfrm>
+          <a:prstGeom prst="rect">
+            <a:avLst/>
+          </a:prstGeom>
+          <a:solidFill>
+            <a:schemeClr val="accent1"/>
+          </a:solidFill>
+        </p:spPr>
+        <p:style>
+          <a:lnRef idx="2">
+            <a:schemeClr val="accent1">
+              <a:shade val="50000"/>
+            </a:schemeClr>
+          </a:lnRef>
+          <a:fillRef idx="1">
+            <a:schemeClr val="accent1"/>
+          </a:fillRef>
+          <a:effectRef idx="0">
+            <a:schemeClr val="accent1"/>
+          </a:effectRef>
+          <a:fontRef idx="minor">
+            <a:schemeClr val="lt1"/>
+          </a:fontRef>
+        </p:style>
+        <p:txBody>
+          <a:bodyPr rtlCol="0" anchor="ctr"/>
+          <a:lstStyle/>
+          <a:p>
+            <a:pPr algn="ctr"/>
+            <a:r>
+              <a:rPr lang="it-IT" sz="1000" b="1" dirty="0" err="1">
+                <a:solidFill>
+                  <a:srgbClr val="002060"/>
+                </a:solidFill>
+              </a:rPr>
+              <a:t>Cooling</a:t>
+            </a:r>
+            <a:r>
+              <a:rPr lang="it-IT" sz="1000" b="1" dirty="0">
+                <a:solidFill>
+                  <a:srgbClr val="002060"/>
+                </a:solidFill>
+              </a:rPr>
+              <a:t> e testing dei parametri</a:t>
+            </a:r>
+          </a:p>
+        </p:txBody>
+      </p:sp>
+      <p:cxnSp>
+        <p:nvCxnSpPr>
+          <p:cNvPr id="15" name="Connettore 2 14">
+            <a:extLst>
+              <a:ext uri="{FF2B5EF4-FFF2-40B4-BE49-F238E27FC236}">
+                <a16:creationId xmlns:a16="http://schemas.microsoft.com/office/drawing/2014/main" id="{7356DA97-FCFD-4A97-8E17-603B1002D8F0}"/>
+              </a:ext>
+            </a:extLst>
+          </p:cNvPr>
+          <p:cNvCxnSpPr>
+            <a:stCxn id="12" idx="3"/>
+            <a:endCxn id="13" idx="1"/>
+          </p:cNvCxnSpPr>
+          <p:nvPr/>
+        </p:nvCxnSpPr>
+        <p:spPr bwMode="auto">
+          <a:xfrm flipV="1">
+            <a:off x="5529321" y="588436"/>
+            <a:ext cx="277373" cy="1947"/>
+          </a:xfrm>
+          <a:prstGeom prst="straightConnector1">
+            <a:avLst/>
+          </a:prstGeom>
+          <a:solidFill>
+            <a:schemeClr val="accent1"/>
+          </a:solidFill>
+          <a:ln w="12700" cap="flat" cmpd="sng" algn="ctr">
+            <a:solidFill>
+              <a:schemeClr val="accent1"/>
+            </a:solidFill>
+            <a:prstDash val="solid"/>
+            <a:round/>
+            <a:headEnd type="none" w="sm" len="sm"/>
+            <a:tailEnd type="triangle"/>
+          </a:ln>
+          <a:effectLst/>
+          <a:extLst>
+            <a:ext uri="{AF507438-7753-43E0-B8FC-AC1667EBCBE1}">
+              <a14:hiddenEffects xmlns:a14="http://schemas.microsoft.com/office/drawing/2010/main">
+                <a:effectLst>
+                  <a:outerShdw dist="35921" dir="2700000" algn="ctr" rotWithShape="0">
+                    <a:schemeClr val="bg2"/>
+                  </a:outerShdw>
+                </a:effectLst>
+              </a14:hiddenEffects>
+            </a:ext>
+          </a:extLst>
+        </p:spPr>
+      </p:cxnSp>
+      <p:cxnSp>
+        <p:nvCxnSpPr>
+          <p:cNvPr id="16" name="Connettore 2 15">
+            <a:extLst>
+              <a:ext uri="{FF2B5EF4-FFF2-40B4-BE49-F238E27FC236}">
+                <a16:creationId xmlns:a16="http://schemas.microsoft.com/office/drawing/2014/main" id="{8628E7E7-3B4D-4680-BDE1-9C4446E369C8}"/>
+              </a:ext>
+            </a:extLst>
+          </p:cNvPr>
+          <p:cNvCxnSpPr>
+            <a:stCxn id="13" idx="3"/>
+            <a:endCxn id="14" idx="1"/>
+          </p:cNvCxnSpPr>
+          <p:nvPr/>
+        </p:nvCxnSpPr>
+        <p:spPr bwMode="auto">
+          <a:xfrm>
+            <a:off x="7084516" y="588436"/>
+            <a:ext cx="277373" cy="755"/>
+          </a:xfrm>
+          <a:prstGeom prst="straightConnector1">
+            <a:avLst/>
+          </a:prstGeom>
+          <a:solidFill>
+            <a:schemeClr val="accent1"/>
+          </a:solidFill>
+          <a:ln w="12700" cap="flat" cmpd="sng" algn="ctr">
+            <a:solidFill>
+              <a:schemeClr val="accent1"/>
+            </a:solidFill>
+            <a:prstDash val="solid"/>
+            <a:round/>
+            <a:headEnd type="none" w="sm" len="sm"/>
+            <a:tailEnd type="triangle"/>
+          </a:ln>
+          <a:effectLst/>
+          <a:extLst>
+            <a:ext uri="{AF507438-7753-43E0-B8FC-AC1667EBCBE1}">
+              <a14:hiddenEffects xmlns:a14="http://schemas.microsoft.com/office/drawing/2010/main">
+                <a:effectLst>
+                  <a:outerShdw dist="35921" dir="2700000" algn="ctr" rotWithShape="0">
+                    <a:schemeClr val="bg2"/>
+                  </a:outerShdw>
+                </a:effectLst>
+              </a14:hiddenEffects>
+            </a:ext>
+          </a:extLst>
+        </p:spPr>
+      </p:cxnSp>
     </p:spTree>
     <p:extLst>
       <p:ext uri="{BB962C8B-B14F-4D97-AF65-F5344CB8AC3E}">
@@ -27660,6 +32338,334 @@
           </a:p>
         </p:txBody>
       </p:sp>
+      <p:sp>
+        <p:nvSpPr>
+          <p:cNvPr id="13" name="Rettangolo 12">
+            <a:extLst>
+              <a:ext uri="{FF2B5EF4-FFF2-40B4-BE49-F238E27FC236}">
+                <a16:creationId xmlns:a16="http://schemas.microsoft.com/office/drawing/2014/main" id="{C920E05B-0099-46C8-9398-001DE91BC383}"/>
+              </a:ext>
+            </a:extLst>
+          </p:cNvPr>
+          <p:cNvSpPr/>
+          <p:nvPr/>
+        </p:nvSpPr>
+        <p:spPr>
+          <a:xfrm>
+            <a:off x="4251499" y="430168"/>
+            <a:ext cx="1277822" cy="320429"/>
+          </a:xfrm>
+          <a:prstGeom prst="rect">
+            <a:avLst/>
+          </a:prstGeom>
+          <a:solidFill>
+            <a:schemeClr val="accent1">
+              <a:lumMod val="40000"/>
+              <a:lumOff val="60000"/>
+            </a:schemeClr>
+          </a:solidFill>
+        </p:spPr>
+        <p:style>
+          <a:lnRef idx="2">
+            <a:schemeClr val="accent1">
+              <a:shade val="50000"/>
+            </a:schemeClr>
+          </a:lnRef>
+          <a:fillRef idx="1">
+            <a:schemeClr val="accent1"/>
+          </a:fillRef>
+          <a:effectRef idx="0">
+            <a:schemeClr val="accent1"/>
+          </a:effectRef>
+          <a:fontRef idx="minor">
+            <a:schemeClr val="lt1"/>
+          </a:fontRef>
+        </p:style>
+        <p:txBody>
+          <a:bodyPr rtlCol="0" anchor="ctr"/>
+          <a:lstStyle/>
+          <a:p>
+            <a:pPr algn="ctr"/>
+            <a:r>
+              <a:rPr lang="it-IT" sz="1000" b="1" dirty="0">
+                <a:solidFill>
+                  <a:srgbClr val="002060"/>
+                </a:solidFill>
+              </a:rPr>
+              <a:t>Introduzione</a:t>
+            </a:r>
+          </a:p>
+        </p:txBody>
+      </p:sp>
+      <p:sp>
+        <p:nvSpPr>
+          <p:cNvPr id="14" name="Rettangolo 13">
+            <a:extLst>
+              <a:ext uri="{FF2B5EF4-FFF2-40B4-BE49-F238E27FC236}">
+                <a16:creationId xmlns:a16="http://schemas.microsoft.com/office/drawing/2014/main" id="{8B338CD5-14C8-45C0-8368-5C09FE0EC26A}"/>
+              </a:ext>
+            </a:extLst>
+          </p:cNvPr>
+          <p:cNvSpPr/>
+          <p:nvPr/>
+        </p:nvSpPr>
+        <p:spPr>
+          <a:xfrm>
+            <a:off x="5806694" y="426274"/>
+            <a:ext cx="1277822" cy="324323"/>
+          </a:xfrm>
+          <a:prstGeom prst="rect">
+            <a:avLst/>
+          </a:prstGeom>
+          <a:solidFill>
+            <a:schemeClr val="accent1">
+              <a:lumMod val="40000"/>
+              <a:lumOff val="60000"/>
+            </a:schemeClr>
+          </a:solidFill>
+        </p:spPr>
+        <p:style>
+          <a:lnRef idx="2">
+            <a:schemeClr val="accent1">
+              <a:shade val="50000"/>
+            </a:schemeClr>
+          </a:lnRef>
+          <a:fillRef idx="1">
+            <a:schemeClr val="accent1"/>
+          </a:fillRef>
+          <a:effectRef idx="0">
+            <a:schemeClr val="accent1"/>
+          </a:effectRef>
+          <a:fontRef idx="minor">
+            <a:schemeClr val="lt1"/>
+          </a:fontRef>
+        </p:style>
+        <p:txBody>
+          <a:bodyPr rtlCol="0" anchor="ctr"/>
+          <a:lstStyle/>
+          <a:p>
+            <a:pPr algn="ctr"/>
+            <a:endParaRPr lang="it-IT" b="1" dirty="0">
+              <a:solidFill>
+                <a:schemeClr val="tx1"/>
+              </a:solidFill>
+            </a:endParaRPr>
+          </a:p>
+          <a:p>
+            <a:pPr algn="ctr"/>
+            <a:endParaRPr lang="it-IT" b="1" dirty="0">
+              <a:solidFill>
+                <a:srgbClr val="002060"/>
+              </a:solidFill>
+            </a:endParaRPr>
+          </a:p>
+          <a:p>
+            <a:pPr algn="ctr"/>
+            <a:endParaRPr lang="it-IT" dirty="0">
+              <a:solidFill>
+                <a:srgbClr val="002060"/>
+              </a:solidFill>
+            </a:endParaRPr>
+          </a:p>
+          <a:p>
+            <a:pPr algn="ctr"/>
+            <a:r>
+              <a:rPr lang="it-IT" sz="1000" b="1" dirty="0">
+                <a:solidFill>
+                  <a:srgbClr val="002060"/>
+                </a:solidFill>
+              </a:rPr>
+              <a:t>Implementazione</a:t>
+            </a:r>
+          </a:p>
+          <a:p>
+            <a:pPr algn="ctr"/>
+            <a:endParaRPr lang="it-IT" b="1" dirty="0">
+              <a:solidFill>
+                <a:schemeClr val="bg1"/>
+              </a:solidFill>
+            </a:endParaRPr>
+          </a:p>
+          <a:p>
+            <a:pPr algn="ctr"/>
+            <a:endParaRPr lang="it-IT" b="1" dirty="0">
+              <a:solidFill>
+                <a:schemeClr val="bg1"/>
+              </a:solidFill>
+            </a:endParaRPr>
+          </a:p>
+          <a:p>
+            <a:pPr algn="ctr"/>
+            <a:endParaRPr lang="it-IT" b="1" dirty="0">
+              <a:solidFill>
+                <a:schemeClr val="bg1"/>
+              </a:solidFill>
+            </a:endParaRPr>
+          </a:p>
+        </p:txBody>
+      </p:sp>
+      <p:sp>
+        <p:nvSpPr>
+          <p:cNvPr id="15" name="Rettangolo 14">
+            <a:extLst>
+              <a:ext uri="{FF2B5EF4-FFF2-40B4-BE49-F238E27FC236}">
+                <a16:creationId xmlns:a16="http://schemas.microsoft.com/office/drawing/2014/main" id="{66BC800F-4F34-46CB-9490-242F883ED822}"/>
+              </a:ext>
+            </a:extLst>
+          </p:cNvPr>
+          <p:cNvSpPr/>
+          <p:nvPr/>
+        </p:nvSpPr>
+        <p:spPr>
+          <a:xfrm>
+            <a:off x="7361889" y="427784"/>
+            <a:ext cx="1277823" cy="322813"/>
+          </a:xfrm>
+          <a:prstGeom prst="rect">
+            <a:avLst/>
+          </a:prstGeom>
+          <a:solidFill>
+            <a:schemeClr val="accent1"/>
+          </a:solidFill>
+        </p:spPr>
+        <p:style>
+          <a:lnRef idx="2">
+            <a:schemeClr val="accent1">
+              <a:shade val="50000"/>
+            </a:schemeClr>
+          </a:lnRef>
+          <a:fillRef idx="1">
+            <a:schemeClr val="accent1"/>
+          </a:fillRef>
+          <a:effectRef idx="0">
+            <a:schemeClr val="accent1"/>
+          </a:effectRef>
+          <a:fontRef idx="minor">
+            <a:schemeClr val="lt1"/>
+          </a:fontRef>
+        </p:style>
+        <p:txBody>
+          <a:bodyPr rtlCol="0" anchor="ctr"/>
+          <a:lstStyle/>
+          <a:p>
+            <a:pPr algn="ctr"/>
+            <a:r>
+              <a:rPr lang="it-IT" sz="1000" b="1" dirty="0" err="1">
+                <a:solidFill>
+                  <a:srgbClr val="002060"/>
+                </a:solidFill>
+              </a:rPr>
+              <a:t>Cooling</a:t>
+            </a:r>
+            <a:r>
+              <a:rPr lang="it-IT" sz="1000" b="1" dirty="0">
+                <a:solidFill>
+                  <a:srgbClr val="002060"/>
+                </a:solidFill>
+              </a:rPr>
+              <a:t> e testing dei parametri</a:t>
+            </a:r>
+          </a:p>
+        </p:txBody>
+      </p:sp>
+      <p:cxnSp>
+        <p:nvCxnSpPr>
+          <p:cNvPr id="16" name="Connettore 2 15">
+            <a:extLst>
+              <a:ext uri="{FF2B5EF4-FFF2-40B4-BE49-F238E27FC236}">
+                <a16:creationId xmlns:a16="http://schemas.microsoft.com/office/drawing/2014/main" id="{4284F230-24B9-48B1-A000-20497486BDC8}"/>
+              </a:ext>
+            </a:extLst>
+          </p:cNvPr>
+          <p:cNvCxnSpPr>
+            <a:stCxn id="13" idx="3"/>
+            <a:endCxn id="14" idx="1"/>
+          </p:cNvCxnSpPr>
+          <p:nvPr/>
+        </p:nvCxnSpPr>
+        <p:spPr bwMode="auto">
+          <a:xfrm flipV="1">
+            <a:off x="5529321" y="588436"/>
+            <a:ext cx="277373" cy="1947"/>
+          </a:xfrm>
+          <a:prstGeom prst="straightConnector1">
+            <a:avLst/>
+          </a:prstGeom>
+          <a:solidFill>
+            <a:schemeClr val="accent1"/>
+          </a:solidFill>
+          <a:ln w="12700" cap="flat" cmpd="sng" algn="ctr">
+            <a:solidFill>
+              <a:schemeClr val="accent1"/>
+            </a:solidFill>
+            <a:prstDash val="solid"/>
+            <a:round/>
+            <a:headEnd type="none" w="sm" len="sm"/>
+            <a:tailEnd type="triangle"/>
+          </a:ln>
+          <a:effectLst/>
+          <a:extLst>
+            <a:ext uri="{AF507438-7753-43E0-B8FC-AC1667EBCBE1}">
+              <a14:hiddenEffects xmlns:a14="http://schemas.microsoft.com/office/drawing/2010/main">
+                <a:effectLst>
+                  <a:outerShdw dist="35921" dir="2700000" algn="ctr" rotWithShape="0">
+                    <a:schemeClr val="bg2"/>
+                  </a:outerShdw>
+                </a:effectLst>
+              </a14:hiddenEffects>
+            </a:ext>
+          </a:extLst>
+        </p:spPr>
+      </p:cxnSp>
+      <p:cxnSp>
+        <p:nvCxnSpPr>
+          <p:cNvPr id="17" name="Connettore 2 16">
+            <a:extLst>
+              <a:ext uri="{FF2B5EF4-FFF2-40B4-BE49-F238E27FC236}">
+                <a16:creationId xmlns:a16="http://schemas.microsoft.com/office/drawing/2014/main" id="{7DA8F414-2906-4663-8D86-EB7D51B7413B}"/>
+              </a:ext>
+            </a:extLst>
+          </p:cNvPr>
+          <p:cNvCxnSpPr>
+            <a:stCxn id="14" idx="3"/>
+            <a:endCxn id="15" idx="1"/>
+          </p:cNvCxnSpPr>
+          <p:nvPr/>
+        </p:nvCxnSpPr>
+        <p:spPr bwMode="auto">
+          <a:xfrm>
+            <a:off x="7084516" y="588436"/>
+            <a:ext cx="277373" cy="755"/>
+          </a:xfrm>
+          <a:prstGeom prst="straightConnector1">
+            <a:avLst/>
+          </a:prstGeom>
+          <a:solidFill>
+            <a:schemeClr val="accent1"/>
+          </a:solidFill>
+          <a:ln w="12700" cap="flat" cmpd="sng" algn="ctr">
+            <a:solidFill>
+              <a:schemeClr val="accent1"/>
+            </a:solidFill>
+            <a:prstDash val="solid"/>
+            <a:round/>
+            <a:headEnd type="none" w="sm" len="sm"/>
+            <a:tailEnd type="triangle"/>
+          </a:ln>
+          <a:effectLst/>
+          <a:extLst>
+            <a:ext uri="{AF507438-7753-43E0-B8FC-AC1667EBCBE1}">
+              <a14:hiddenEffects xmlns:a14="http://schemas.microsoft.com/office/drawing/2010/main">
+                <a:effectLst>
+                  <a:outerShdw dist="35921" dir="2700000" algn="ctr" rotWithShape="0">
+                    <a:schemeClr val="bg2"/>
+                  </a:outerShdw>
+                </a:effectLst>
+              </a14:hiddenEffects>
+            </a:ext>
+          </a:extLst>
+        </p:spPr>
+      </p:cxnSp>
     </p:spTree>
     <p:extLst>
       <p:ext uri="{BB962C8B-B14F-4D97-AF65-F5344CB8AC3E}">
@@ -33622,6 +38628,334 @@
           </a:p>
         </p:txBody>
       </p:sp>
+      <p:sp>
+        <p:nvSpPr>
+          <p:cNvPr id="13" name="Rettangolo 12">
+            <a:extLst>
+              <a:ext uri="{FF2B5EF4-FFF2-40B4-BE49-F238E27FC236}">
+                <a16:creationId xmlns:a16="http://schemas.microsoft.com/office/drawing/2014/main" id="{A423DAE8-7D7D-434A-A8B6-FD44331ADECB}"/>
+              </a:ext>
+            </a:extLst>
+          </p:cNvPr>
+          <p:cNvSpPr/>
+          <p:nvPr/>
+        </p:nvSpPr>
+        <p:spPr>
+          <a:xfrm>
+            <a:off x="4251499" y="430168"/>
+            <a:ext cx="1277822" cy="320429"/>
+          </a:xfrm>
+          <a:prstGeom prst="rect">
+            <a:avLst/>
+          </a:prstGeom>
+          <a:solidFill>
+            <a:schemeClr val="accent1">
+              <a:lumMod val="40000"/>
+              <a:lumOff val="60000"/>
+            </a:schemeClr>
+          </a:solidFill>
+        </p:spPr>
+        <p:style>
+          <a:lnRef idx="2">
+            <a:schemeClr val="accent1">
+              <a:shade val="50000"/>
+            </a:schemeClr>
+          </a:lnRef>
+          <a:fillRef idx="1">
+            <a:schemeClr val="accent1"/>
+          </a:fillRef>
+          <a:effectRef idx="0">
+            <a:schemeClr val="accent1"/>
+          </a:effectRef>
+          <a:fontRef idx="minor">
+            <a:schemeClr val="lt1"/>
+          </a:fontRef>
+        </p:style>
+        <p:txBody>
+          <a:bodyPr rtlCol="0" anchor="ctr"/>
+          <a:lstStyle/>
+          <a:p>
+            <a:pPr algn="ctr"/>
+            <a:r>
+              <a:rPr lang="it-IT" sz="1000" b="1" dirty="0">
+                <a:solidFill>
+                  <a:srgbClr val="002060"/>
+                </a:solidFill>
+              </a:rPr>
+              <a:t>Introduzione</a:t>
+            </a:r>
+          </a:p>
+        </p:txBody>
+      </p:sp>
+      <p:sp>
+        <p:nvSpPr>
+          <p:cNvPr id="14" name="Rettangolo 13">
+            <a:extLst>
+              <a:ext uri="{FF2B5EF4-FFF2-40B4-BE49-F238E27FC236}">
+                <a16:creationId xmlns:a16="http://schemas.microsoft.com/office/drawing/2014/main" id="{1785D4AB-22FB-4688-BB6F-4697639A30BF}"/>
+              </a:ext>
+            </a:extLst>
+          </p:cNvPr>
+          <p:cNvSpPr/>
+          <p:nvPr/>
+        </p:nvSpPr>
+        <p:spPr>
+          <a:xfrm>
+            <a:off x="5806694" y="426274"/>
+            <a:ext cx="1277822" cy="324323"/>
+          </a:xfrm>
+          <a:prstGeom prst="rect">
+            <a:avLst/>
+          </a:prstGeom>
+          <a:solidFill>
+            <a:schemeClr val="accent1">
+              <a:lumMod val="40000"/>
+              <a:lumOff val="60000"/>
+            </a:schemeClr>
+          </a:solidFill>
+        </p:spPr>
+        <p:style>
+          <a:lnRef idx="2">
+            <a:schemeClr val="accent1">
+              <a:shade val="50000"/>
+            </a:schemeClr>
+          </a:lnRef>
+          <a:fillRef idx="1">
+            <a:schemeClr val="accent1"/>
+          </a:fillRef>
+          <a:effectRef idx="0">
+            <a:schemeClr val="accent1"/>
+          </a:effectRef>
+          <a:fontRef idx="minor">
+            <a:schemeClr val="lt1"/>
+          </a:fontRef>
+        </p:style>
+        <p:txBody>
+          <a:bodyPr rtlCol="0" anchor="ctr"/>
+          <a:lstStyle/>
+          <a:p>
+            <a:pPr algn="ctr"/>
+            <a:endParaRPr lang="it-IT" b="1" dirty="0">
+              <a:solidFill>
+                <a:schemeClr val="tx1"/>
+              </a:solidFill>
+            </a:endParaRPr>
+          </a:p>
+          <a:p>
+            <a:pPr algn="ctr"/>
+            <a:endParaRPr lang="it-IT" b="1" dirty="0">
+              <a:solidFill>
+                <a:srgbClr val="002060"/>
+              </a:solidFill>
+            </a:endParaRPr>
+          </a:p>
+          <a:p>
+            <a:pPr algn="ctr"/>
+            <a:endParaRPr lang="it-IT" dirty="0">
+              <a:solidFill>
+                <a:srgbClr val="002060"/>
+              </a:solidFill>
+            </a:endParaRPr>
+          </a:p>
+          <a:p>
+            <a:pPr algn="ctr"/>
+            <a:r>
+              <a:rPr lang="it-IT" sz="1000" b="1" dirty="0">
+                <a:solidFill>
+                  <a:srgbClr val="002060"/>
+                </a:solidFill>
+              </a:rPr>
+              <a:t>Implementazione</a:t>
+            </a:r>
+          </a:p>
+          <a:p>
+            <a:pPr algn="ctr"/>
+            <a:endParaRPr lang="it-IT" b="1" dirty="0">
+              <a:solidFill>
+                <a:schemeClr val="bg1"/>
+              </a:solidFill>
+            </a:endParaRPr>
+          </a:p>
+          <a:p>
+            <a:pPr algn="ctr"/>
+            <a:endParaRPr lang="it-IT" b="1" dirty="0">
+              <a:solidFill>
+                <a:schemeClr val="bg1"/>
+              </a:solidFill>
+            </a:endParaRPr>
+          </a:p>
+          <a:p>
+            <a:pPr algn="ctr"/>
+            <a:endParaRPr lang="it-IT" b="1" dirty="0">
+              <a:solidFill>
+                <a:schemeClr val="bg1"/>
+              </a:solidFill>
+            </a:endParaRPr>
+          </a:p>
+        </p:txBody>
+      </p:sp>
+      <p:sp>
+        <p:nvSpPr>
+          <p:cNvPr id="15" name="Rettangolo 14">
+            <a:extLst>
+              <a:ext uri="{FF2B5EF4-FFF2-40B4-BE49-F238E27FC236}">
+                <a16:creationId xmlns:a16="http://schemas.microsoft.com/office/drawing/2014/main" id="{FBDC3734-DBC4-4616-860C-980263701C0C}"/>
+              </a:ext>
+            </a:extLst>
+          </p:cNvPr>
+          <p:cNvSpPr/>
+          <p:nvPr/>
+        </p:nvSpPr>
+        <p:spPr>
+          <a:xfrm>
+            <a:off x="7361889" y="427784"/>
+            <a:ext cx="1277823" cy="322813"/>
+          </a:xfrm>
+          <a:prstGeom prst="rect">
+            <a:avLst/>
+          </a:prstGeom>
+          <a:solidFill>
+            <a:schemeClr val="accent1"/>
+          </a:solidFill>
+        </p:spPr>
+        <p:style>
+          <a:lnRef idx="2">
+            <a:schemeClr val="accent1">
+              <a:shade val="50000"/>
+            </a:schemeClr>
+          </a:lnRef>
+          <a:fillRef idx="1">
+            <a:schemeClr val="accent1"/>
+          </a:fillRef>
+          <a:effectRef idx="0">
+            <a:schemeClr val="accent1"/>
+          </a:effectRef>
+          <a:fontRef idx="minor">
+            <a:schemeClr val="lt1"/>
+          </a:fontRef>
+        </p:style>
+        <p:txBody>
+          <a:bodyPr rtlCol="0" anchor="ctr"/>
+          <a:lstStyle/>
+          <a:p>
+            <a:pPr algn="ctr"/>
+            <a:r>
+              <a:rPr lang="it-IT" sz="1000" b="1" dirty="0" err="1">
+                <a:solidFill>
+                  <a:srgbClr val="002060"/>
+                </a:solidFill>
+              </a:rPr>
+              <a:t>Cooling</a:t>
+            </a:r>
+            <a:r>
+              <a:rPr lang="it-IT" sz="1000" b="1" dirty="0">
+                <a:solidFill>
+                  <a:srgbClr val="002060"/>
+                </a:solidFill>
+              </a:rPr>
+              <a:t> e testing dei parametri</a:t>
+            </a:r>
+          </a:p>
+        </p:txBody>
+      </p:sp>
+      <p:cxnSp>
+        <p:nvCxnSpPr>
+          <p:cNvPr id="16" name="Connettore 2 15">
+            <a:extLst>
+              <a:ext uri="{FF2B5EF4-FFF2-40B4-BE49-F238E27FC236}">
+                <a16:creationId xmlns:a16="http://schemas.microsoft.com/office/drawing/2014/main" id="{E17C4999-DA23-44F3-A97C-709DAB46D319}"/>
+              </a:ext>
+            </a:extLst>
+          </p:cNvPr>
+          <p:cNvCxnSpPr>
+            <a:stCxn id="13" idx="3"/>
+            <a:endCxn id="14" idx="1"/>
+          </p:cNvCxnSpPr>
+          <p:nvPr/>
+        </p:nvCxnSpPr>
+        <p:spPr bwMode="auto">
+          <a:xfrm flipV="1">
+            <a:off x="5529321" y="588436"/>
+            <a:ext cx="277373" cy="1947"/>
+          </a:xfrm>
+          <a:prstGeom prst="straightConnector1">
+            <a:avLst/>
+          </a:prstGeom>
+          <a:solidFill>
+            <a:schemeClr val="accent1"/>
+          </a:solidFill>
+          <a:ln w="12700" cap="flat" cmpd="sng" algn="ctr">
+            <a:solidFill>
+              <a:schemeClr val="accent1"/>
+            </a:solidFill>
+            <a:prstDash val="solid"/>
+            <a:round/>
+            <a:headEnd type="none" w="sm" len="sm"/>
+            <a:tailEnd type="triangle"/>
+          </a:ln>
+          <a:effectLst/>
+          <a:extLst>
+            <a:ext uri="{AF507438-7753-43E0-B8FC-AC1667EBCBE1}">
+              <a14:hiddenEffects xmlns:a14="http://schemas.microsoft.com/office/drawing/2010/main">
+                <a:effectLst>
+                  <a:outerShdw dist="35921" dir="2700000" algn="ctr" rotWithShape="0">
+                    <a:schemeClr val="bg2"/>
+                  </a:outerShdw>
+                </a:effectLst>
+              </a14:hiddenEffects>
+            </a:ext>
+          </a:extLst>
+        </p:spPr>
+      </p:cxnSp>
+      <p:cxnSp>
+        <p:nvCxnSpPr>
+          <p:cNvPr id="17" name="Connettore 2 16">
+            <a:extLst>
+              <a:ext uri="{FF2B5EF4-FFF2-40B4-BE49-F238E27FC236}">
+                <a16:creationId xmlns:a16="http://schemas.microsoft.com/office/drawing/2014/main" id="{6994E74F-FC6A-43ED-86BE-F0D80DF50331}"/>
+              </a:ext>
+            </a:extLst>
+          </p:cNvPr>
+          <p:cNvCxnSpPr>
+            <a:stCxn id="14" idx="3"/>
+            <a:endCxn id="15" idx="1"/>
+          </p:cNvCxnSpPr>
+          <p:nvPr/>
+        </p:nvCxnSpPr>
+        <p:spPr bwMode="auto">
+          <a:xfrm>
+            <a:off x="7084516" y="588436"/>
+            <a:ext cx="277373" cy="755"/>
+          </a:xfrm>
+          <a:prstGeom prst="straightConnector1">
+            <a:avLst/>
+          </a:prstGeom>
+          <a:solidFill>
+            <a:schemeClr val="accent1"/>
+          </a:solidFill>
+          <a:ln w="12700" cap="flat" cmpd="sng" algn="ctr">
+            <a:solidFill>
+              <a:schemeClr val="accent1"/>
+            </a:solidFill>
+            <a:prstDash val="solid"/>
+            <a:round/>
+            <a:headEnd type="none" w="sm" len="sm"/>
+            <a:tailEnd type="triangle"/>
+          </a:ln>
+          <a:effectLst/>
+          <a:extLst>
+            <a:ext uri="{AF507438-7753-43E0-B8FC-AC1667EBCBE1}">
+              <a14:hiddenEffects xmlns:a14="http://schemas.microsoft.com/office/drawing/2010/main">
+                <a:effectLst>
+                  <a:outerShdw dist="35921" dir="2700000" algn="ctr" rotWithShape="0">
+                    <a:schemeClr val="bg2"/>
+                  </a:outerShdw>
+                </a:effectLst>
+              </a14:hiddenEffects>
+            </a:ext>
+          </a:extLst>
+        </p:spPr>
+      </p:cxnSp>
     </p:spTree>
     <p:extLst>
       <p:ext uri="{BB962C8B-B14F-4D97-AF65-F5344CB8AC3E}">
@@ -34338,6 +39672,334 @@
           </a:p>
         </p:txBody>
       </p:sp>
+      <p:sp>
+        <p:nvSpPr>
+          <p:cNvPr id="13" name="Rettangolo 12">
+            <a:extLst>
+              <a:ext uri="{FF2B5EF4-FFF2-40B4-BE49-F238E27FC236}">
+                <a16:creationId xmlns:a16="http://schemas.microsoft.com/office/drawing/2014/main" id="{565933D3-0BDA-43D1-B1F4-31334C23B0F6}"/>
+              </a:ext>
+            </a:extLst>
+          </p:cNvPr>
+          <p:cNvSpPr/>
+          <p:nvPr/>
+        </p:nvSpPr>
+        <p:spPr>
+          <a:xfrm>
+            <a:off x="4251499" y="430168"/>
+            <a:ext cx="1277822" cy="320429"/>
+          </a:xfrm>
+          <a:prstGeom prst="rect">
+            <a:avLst/>
+          </a:prstGeom>
+          <a:solidFill>
+            <a:schemeClr val="accent1">
+              <a:lumMod val="40000"/>
+              <a:lumOff val="60000"/>
+            </a:schemeClr>
+          </a:solidFill>
+        </p:spPr>
+        <p:style>
+          <a:lnRef idx="2">
+            <a:schemeClr val="accent1">
+              <a:shade val="50000"/>
+            </a:schemeClr>
+          </a:lnRef>
+          <a:fillRef idx="1">
+            <a:schemeClr val="accent1"/>
+          </a:fillRef>
+          <a:effectRef idx="0">
+            <a:schemeClr val="accent1"/>
+          </a:effectRef>
+          <a:fontRef idx="minor">
+            <a:schemeClr val="lt1"/>
+          </a:fontRef>
+        </p:style>
+        <p:txBody>
+          <a:bodyPr rtlCol="0" anchor="ctr"/>
+          <a:lstStyle/>
+          <a:p>
+            <a:pPr algn="ctr"/>
+            <a:r>
+              <a:rPr lang="it-IT" sz="1000" b="1" dirty="0">
+                <a:solidFill>
+                  <a:srgbClr val="002060"/>
+                </a:solidFill>
+              </a:rPr>
+              <a:t>Introduzione</a:t>
+            </a:r>
+          </a:p>
+        </p:txBody>
+      </p:sp>
+      <p:sp>
+        <p:nvSpPr>
+          <p:cNvPr id="14" name="Rettangolo 13">
+            <a:extLst>
+              <a:ext uri="{FF2B5EF4-FFF2-40B4-BE49-F238E27FC236}">
+                <a16:creationId xmlns:a16="http://schemas.microsoft.com/office/drawing/2014/main" id="{C47537C4-A863-4ECC-A268-0705F43340F7}"/>
+              </a:ext>
+            </a:extLst>
+          </p:cNvPr>
+          <p:cNvSpPr/>
+          <p:nvPr/>
+        </p:nvSpPr>
+        <p:spPr>
+          <a:xfrm>
+            <a:off x="5806694" y="426274"/>
+            <a:ext cx="1277822" cy="324323"/>
+          </a:xfrm>
+          <a:prstGeom prst="rect">
+            <a:avLst/>
+          </a:prstGeom>
+          <a:solidFill>
+            <a:schemeClr val="accent1">
+              <a:lumMod val="40000"/>
+              <a:lumOff val="60000"/>
+            </a:schemeClr>
+          </a:solidFill>
+        </p:spPr>
+        <p:style>
+          <a:lnRef idx="2">
+            <a:schemeClr val="accent1">
+              <a:shade val="50000"/>
+            </a:schemeClr>
+          </a:lnRef>
+          <a:fillRef idx="1">
+            <a:schemeClr val="accent1"/>
+          </a:fillRef>
+          <a:effectRef idx="0">
+            <a:schemeClr val="accent1"/>
+          </a:effectRef>
+          <a:fontRef idx="minor">
+            <a:schemeClr val="lt1"/>
+          </a:fontRef>
+        </p:style>
+        <p:txBody>
+          <a:bodyPr rtlCol="0" anchor="ctr"/>
+          <a:lstStyle/>
+          <a:p>
+            <a:pPr algn="ctr"/>
+            <a:endParaRPr lang="it-IT" b="1" dirty="0">
+              <a:solidFill>
+                <a:schemeClr val="tx1"/>
+              </a:solidFill>
+            </a:endParaRPr>
+          </a:p>
+          <a:p>
+            <a:pPr algn="ctr"/>
+            <a:endParaRPr lang="it-IT" b="1" dirty="0">
+              <a:solidFill>
+                <a:srgbClr val="002060"/>
+              </a:solidFill>
+            </a:endParaRPr>
+          </a:p>
+          <a:p>
+            <a:pPr algn="ctr"/>
+            <a:endParaRPr lang="it-IT" dirty="0">
+              <a:solidFill>
+                <a:srgbClr val="002060"/>
+              </a:solidFill>
+            </a:endParaRPr>
+          </a:p>
+          <a:p>
+            <a:pPr algn="ctr"/>
+            <a:r>
+              <a:rPr lang="it-IT" sz="1000" b="1" dirty="0">
+                <a:solidFill>
+                  <a:srgbClr val="002060"/>
+                </a:solidFill>
+              </a:rPr>
+              <a:t>Implementazione</a:t>
+            </a:r>
+          </a:p>
+          <a:p>
+            <a:pPr algn="ctr"/>
+            <a:endParaRPr lang="it-IT" b="1" dirty="0">
+              <a:solidFill>
+                <a:schemeClr val="bg1"/>
+              </a:solidFill>
+            </a:endParaRPr>
+          </a:p>
+          <a:p>
+            <a:pPr algn="ctr"/>
+            <a:endParaRPr lang="it-IT" b="1" dirty="0">
+              <a:solidFill>
+                <a:schemeClr val="bg1"/>
+              </a:solidFill>
+            </a:endParaRPr>
+          </a:p>
+          <a:p>
+            <a:pPr algn="ctr"/>
+            <a:endParaRPr lang="it-IT" b="1" dirty="0">
+              <a:solidFill>
+                <a:schemeClr val="bg1"/>
+              </a:solidFill>
+            </a:endParaRPr>
+          </a:p>
+        </p:txBody>
+      </p:sp>
+      <p:sp>
+        <p:nvSpPr>
+          <p:cNvPr id="15" name="Rettangolo 14">
+            <a:extLst>
+              <a:ext uri="{FF2B5EF4-FFF2-40B4-BE49-F238E27FC236}">
+                <a16:creationId xmlns:a16="http://schemas.microsoft.com/office/drawing/2014/main" id="{2B390DC2-12F4-4939-ACF9-D10C6BC4384D}"/>
+              </a:ext>
+            </a:extLst>
+          </p:cNvPr>
+          <p:cNvSpPr/>
+          <p:nvPr/>
+        </p:nvSpPr>
+        <p:spPr>
+          <a:xfrm>
+            <a:off x="7361889" y="427784"/>
+            <a:ext cx="1277823" cy="322813"/>
+          </a:xfrm>
+          <a:prstGeom prst="rect">
+            <a:avLst/>
+          </a:prstGeom>
+          <a:solidFill>
+            <a:schemeClr val="accent1"/>
+          </a:solidFill>
+        </p:spPr>
+        <p:style>
+          <a:lnRef idx="2">
+            <a:schemeClr val="accent1">
+              <a:shade val="50000"/>
+            </a:schemeClr>
+          </a:lnRef>
+          <a:fillRef idx="1">
+            <a:schemeClr val="accent1"/>
+          </a:fillRef>
+          <a:effectRef idx="0">
+            <a:schemeClr val="accent1"/>
+          </a:effectRef>
+          <a:fontRef idx="minor">
+            <a:schemeClr val="lt1"/>
+          </a:fontRef>
+        </p:style>
+        <p:txBody>
+          <a:bodyPr rtlCol="0" anchor="ctr"/>
+          <a:lstStyle/>
+          <a:p>
+            <a:pPr algn="ctr"/>
+            <a:r>
+              <a:rPr lang="it-IT" sz="1000" b="1" dirty="0" err="1">
+                <a:solidFill>
+                  <a:srgbClr val="002060"/>
+                </a:solidFill>
+              </a:rPr>
+              <a:t>Cooling</a:t>
+            </a:r>
+            <a:r>
+              <a:rPr lang="it-IT" sz="1000" b="1" dirty="0">
+                <a:solidFill>
+                  <a:srgbClr val="002060"/>
+                </a:solidFill>
+              </a:rPr>
+              <a:t> e testing dei parametri</a:t>
+            </a:r>
+          </a:p>
+        </p:txBody>
+      </p:sp>
+      <p:cxnSp>
+        <p:nvCxnSpPr>
+          <p:cNvPr id="16" name="Connettore 2 15">
+            <a:extLst>
+              <a:ext uri="{FF2B5EF4-FFF2-40B4-BE49-F238E27FC236}">
+                <a16:creationId xmlns:a16="http://schemas.microsoft.com/office/drawing/2014/main" id="{E15EC0B3-69A8-4897-B27D-229415B5EA6D}"/>
+              </a:ext>
+            </a:extLst>
+          </p:cNvPr>
+          <p:cNvCxnSpPr>
+            <a:stCxn id="13" idx="3"/>
+            <a:endCxn id="14" idx="1"/>
+          </p:cNvCxnSpPr>
+          <p:nvPr/>
+        </p:nvCxnSpPr>
+        <p:spPr bwMode="auto">
+          <a:xfrm flipV="1">
+            <a:off x="5529321" y="588436"/>
+            <a:ext cx="277373" cy="1947"/>
+          </a:xfrm>
+          <a:prstGeom prst="straightConnector1">
+            <a:avLst/>
+          </a:prstGeom>
+          <a:solidFill>
+            <a:schemeClr val="accent1"/>
+          </a:solidFill>
+          <a:ln w="12700" cap="flat" cmpd="sng" algn="ctr">
+            <a:solidFill>
+              <a:schemeClr val="accent1"/>
+            </a:solidFill>
+            <a:prstDash val="solid"/>
+            <a:round/>
+            <a:headEnd type="none" w="sm" len="sm"/>
+            <a:tailEnd type="triangle"/>
+          </a:ln>
+          <a:effectLst/>
+          <a:extLst>
+            <a:ext uri="{AF507438-7753-43E0-B8FC-AC1667EBCBE1}">
+              <a14:hiddenEffects xmlns:a14="http://schemas.microsoft.com/office/drawing/2010/main">
+                <a:effectLst>
+                  <a:outerShdw dist="35921" dir="2700000" algn="ctr" rotWithShape="0">
+                    <a:schemeClr val="bg2"/>
+                  </a:outerShdw>
+                </a:effectLst>
+              </a14:hiddenEffects>
+            </a:ext>
+          </a:extLst>
+        </p:spPr>
+      </p:cxnSp>
+      <p:cxnSp>
+        <p:nvCxnSpPr>
+          <p:cNvPr id="17" name="Connettore 2 16">
+            <a:extLst>
+              <a:ext uri="{FF2B5EF4-FFF2-40B4-BE49-F238E27FC236}">
+                <a16:creationId xmlns:a16="http://schemas.microsoft.com/office/drawing/2014/main" id="{F97F9D44-98D6-4F7E-BC45-75C7C7720764}"/>
+              </a:ext>
+            </a:extLst>
+          </p:cNvPr>
+          <p:cNvCxnSpPr>
+            <a:stCxn id="14" idx="3"/>
+            <a:endCxn id="15" idx="1"/>
+          </p:cNvCxnSpPr>
+          <p:nvPr/>
+        </p:nvCxnSpPr>
+        <p:spPr bwMode="auto">
+          <a:xfrm>
+            <a:off x="7084516" y="588436"/>
+            <a:ext cx="277373" cy="755"/>
+          </a:xfrm>
+          <a:prstGeom prst="straightConnector1">
+            <a:avLst/>
+          </a:prstGeom>
+          <a:solidFill>
+            <a:schemeClr val="accent1"/>
+          </a:solidFill>
+          <a:ln w="12700" cap="flat" cmpd="sng" algn="ctr">
+            <a:solidFill>
+              <a:schemeClr val="accent1"/>
+            </a:solidFill>
+            <a:prstDash val="solid"/>
+            <a:round/>
+            <a:headEnd type="none" w="sm" len="sm"/>
+            <a:tailEnd type="triangle"/>
+          </a:ln>
+          <a:effectLst/>
+          <a:extLst>
+            <a:ext uri="{AF507438-7753-43E0-B8FC-AC1667EBCBE1}">
+              <a14:hiddenEffects xmlns:a14="http://schemas.microsoft.com/office/drawing/2010/main">
+                <a:effectLst>
+                  <a:outerShdw dist="35921" dir="2700000" algn="ctr" rotWithShape="0">
+                    <a:schemeClr val="bg2"/>
+                  </a:outerShdw>
+                </a:effectLst>
+              </a14:hiddenEffects>
+            </a:ext>
+          </a:extLst>
+        </p:spPr>
+      </p:cxnSp>
     </p:spTree>
     <p:extLst>
       <p:ext uri="{BB962C8B-B14F-4D97-AF65-F5344CB8AC3E}">
@@ -35367,6 +41029,334 @@
           </a:p>
         </p:txBody>
       </p:sp>
+      <p:sp>
+        <p:nvSpPr>
+          <p:cNvPr id="11" name="Rettangolo 10">
+            <a:extLst>
+              <a:ext uri="{FF2B5EF4-FFF2-40B4-BE49-F238E27FC236}">
+                <a16:creationId xmlns:a16="http://schemas.microsoft.com/office/drawing/2014/main" id="{0AD8878E-EB8B-42DD-AD07-1F7A438C4FC7}"/>
+              </a:ext>
+            </a:extLst>
+          </p:cNvPr>
+          <p:cNvSpPr/>
+          <p:nvPr/>
+        </p:nvSpPr>
+        <p:spPr>
+          <a:xfrm>
+            <a:off x="4251499" y="430168"/>
+            <a:ext cx="1277822" cy="320429"/>
+          </a:xfrm>
+          <a:prstGeom prst="rect">
+            <a:avLst/>
+          </a:prstGeom>
+          <a:solidFill>
+            <a:schemeClr val="accent1">
+              <a:lumMod val="40000"/>
+              <a:lumOff val="60000"/>
+            </a:schemeClr>
+          </a:solidFill>
+        </p:spPr>
+        <p:style>
+          <a:lnRef idx="2">
+            <a:schemeClr val="accent1">
+              <a:shade val="50000"/>
+            </a:schemeClr>
+          </a:lnRef>
+          <a:fillRef idx="1">
+            <a:schemeClr val="accent1"/>
+          </a:fillRef>
+          <a:effectRef idx="0">
+            <a:schemeClr val="accent1"/>
+          </a:effectRef>
+          <a:fontRef idx="minor">
+            <a:schemeClr val="lt1"/>
+          </a:fontRef>
+        </p:style>
+        <p:txBody>
+          <a:bodyPr rtlCol="0" anchor="ctr"/>
+          <a:lstStyle/>
+          <a:p>
+            <a:pPr algn="ctr"/>
+            <a:r>
+              <a:rPr lang="it-IT" sz="1000" b="1" dirty="0">
+                <a:solidFill>
+                  <a:srgbClr val="002060"/>
+                </a:solidFill>
+              </a:rPr>
+              <a:t>Introduzione</a:t>
+            </a:r>
+          </a:p>
+        </p:txBody>
+      </p:sp>
+      <p:sp>
+        <p:nvSpPr>
+          <p:cNvPr id="12" name="Rettangolo 11">
+            <a:extLst>
+              <a:ext uri="{FF2B5EF4-FFF2-40B4-BE49-F238E27FC236}">
+                <a16:creationId xmlns:a16="http://schemas.microsoft.com/office/drawing/2014/main" id="{0B966000-CAF5-431C-BBF6-E1B965440D99}"/>
+              </a:ext>
+            </a:extLst>
+          </p:cNvPr>
+          <p:cNvSpPr/>
+          <p:nvPr/>
+        </p:nvSpPr>
+        <p:spPr>
+          <a:xfrm>
+            <a:off x="5806694" y="426274"/>
+            <a:ext cx="1277822" cy="324323"/>
+          </a:xfrm>
+          <a:prstGeom prst="rect">
+            <a:avLst/>
+          </a:prstGeom>
+          <a:solidFill>
+            <a:schemeClr val="accent1">
+              <a:lumMod val="40000"/>
+              <a:lumOff val="60000"/>
+            </a:schemeClr>
+          </a:solidFill>
+        </p:spPr>
+        <p:style>
+          <a:lnRef idx="2">
+            <a:schemeClr val="accent1">
+              <a:shade val="50000"/>
+            </a:schemeClr>
+          </a:lnRef>
+          <a:fillRef idx="1">
+            <a:schemeClr val="accent1"/>
+          </a:fillRef>
+          <a:effectRef idx="0">
+            <a:schemeClr val="accent1"/>
+          </a:effectRef>
+          <a:fontRef idx="minor">
+            <a:schemeClr val="lt1"/>
+          </a:fontRef>
+        </p:style>
+        <p:txBody>
+          <a:bodyPr rtlCol="0" anchor="ctr"/>
+          <a:lstStyle/>
+          <a:p>
+            <a:pPr algn="ctr"/>
+            <a:endParaRPr lang="it-IT" b="1" dirty="0">
+              <a:solidFill>
+                <a:schemeClr val="tx1"/>
+              </a:solidFill>
+            </a:endParaRPr>
+          </a:p>
+          <a:p>
+            <a:pPr algn="ctr"/>
+            <a:endParaRPr lang="it-IT" b="1" dirty="0">
+              <a:solidFill>
+                <a:srgbClr val="002060"/>
+              </a:solidFill>
+            </a:endParaRPr>
+          </a:p>
+          <a:p>
+            <a:pPr algn="ctr"/>
+            <a:endParaRPr lang="it-IT" dirty="0">
+              <a:solidFill>
+                <a:srgbClr val="002060"/>
+              </a:solidFill>
+            </a:endParaRPr>
+          </a:p>
+          <a:p>
+            <a:pPr algn="ctr"/>
+            <a:r>
+              <a:rPr lang="it-IT" sz="1000" b="1" dirty="0">
+                <a:solidFill>
+                  <a:srgbClr val="002060"/>
+                </a:solidFill>
+              </a:rPr>
+              <a:t>Implementazione</a:t>
+            </a:r>
+          </a:p>
+          <a:p>
+            <a:pPr algn="ctr"/>
+            <a:endParaRPr lang="it-IT" b="1" dirty="0">
+              <a:solidFill>
+                <a:schemeClr val="bg1"/>
+              </a:solidFill>
+            </a:endParaRPr>
+          </a:p>
+          <a:p>
+            <a:pPr algn="ctr"/>
+            <a:endParaRPr lang="it-IT" b="1" dirty="0">
+              <a:solidFill>
+                <a:schemeClr val="bg1"/>
+              </a:solidFill>
+            </a:endParaRPr>
+          </a:p>
+          <a:p>
+            <a:pPr algn="ctr"/>
+            <a:endParaRPr lang="it-IT" b="1" dirty="0">
+              <a:solidFill>
+                <a:schemeClr val="bg1"/>
+              </a:solidFill>
+            </a:endParaRPr>
+          </a:p>
+        </p:txBody>
+      </p:sp>
+      <p:sp>
+        <p:nvSpPr>
+          <p:cNvPr id="13" name="Rettangolo 12">
+            <a:extLst>
+              <a:ext uri="{FF2B5EF4-FFF2-40B4-BE49-F238E27FC236}">
+                <a16:creationId xmlns:a16="http://schemas.microsoft.com/office/drawing/2014/main" id="{1D42F58A-809D-4EF8-9454-F9FE1F7CEB6C}"/>
+              </a:ext>
+            </a:extLst>
+          </p:cNvPr>
+          <p:cNvSpPr/>
+          <p:nvPr/>
+        </p:nvSpPr>
+        <p:spPr>
+          <a:xfrm>
+            <a:off x="7361889" y="427784"/>
+            <a:ext cx="1277823" cy="322813"/>
+          </a:xfrm>
+          <a:prstGeom prst="rect">
+            <a:avLst/>
+          </a:prstGeom>
+          <a:solidFill>
+            <a:schemeClr val="accent1"/>
+          </a:solidFill>
+        </p:spPr>
+        <p:style>
+          <a:lnRef idx="2">
+            <a:schemeClr val="accent1">
+              <a:shade val="50000"/>
+            </a:schemeClr>
+          </a:lnRef>
+          <a:fillRef idx="1">
+            <a:schemeClr val="accent1"/>
+          </a:fillRef>
+          <a:effectRef idx="0">
+            <a:schemeClr val="accent1"/>
+          </a:effectRef>
+          <a:fontRef idx="minor">
+            <a:schemeClr val="lt1"/>
+          </a:fontRef>
+        </p:style>
+        <p:txBody>
+          <a:bodyPr rtlCol="0" anchor="ctr"/>
+          <a:lstStyle/>
+          <a:p>
+            <a:pPr algn="ctr"/>
+            <a:r>
+              <a:rPr lang="it-IT" sz="1000" b="1" dirty="0" err="1">
+                <a:solidFill>
+                  <a:srgbClr val="002060"/>
+                </a:solidFill>
+              </a:rPr>
+              <a:t>Cooling</a:t>
+            </a:r>
+            <a:r>
+              <a:rPr lang="it-IT" sz="1000" b="1" dirty="0">
+                <a:solidFill>
+                  <a:srgbClr val="002060"/>
+                </a:solidFill>
+              </a:rPr>
+              <a:t> e testing dei parametri</a:t>
+            </a:r>
+          </a:p>
+        </p:txBody>
+      </p:sp>
+      <p:cxnSp>
+        <p:nvCxnSpPr>
+          <p:cNvPr id="14" name="Connettore 2 13">
+            <a:extLst>
+              <a:ext uri="{FF2B5EF4-FFF2-40B4-BE49-F238E27FC236}">
+                <a16:creationId xmlns:a16="http://schemas.microsoft.com/office/drawing/2014/main" id="{C8E004E3-3C8E-44F8-B91B-AED92D5E5D3D}"/>
+              </a:ext>
+            </a:extLst>
+          </p:cNvPr>
+          <p:cNvCxnSpPr>
+            <a:stCxn id="11" idx="3"/>
+            <a:endCxn id="12" idx="1"/>
+          </p:cNvCxnSpPr>
+          <p:nvPr/>
+        </p:nvCxnSpPr>
+        <p:spPr bwMode="auto">
+          <a:xfrm flipV="1">
+            <a:off x="5529321" y="588436"/>
+            <a:ext cx="277373" cy="1947"/>
+          </a:xfrm>
+          <a:prstGeom prst="straightConnector1">
+            <a:avLst/>
+          </a:prstGeom>
+          <a:solidFill>
+            <a:schemeClr val="accent1"/>
+          </a:solidFill>
+          <a:ln w="12700" cap="flat" cmpd="sng" algn="ctr">
+            <a:solidFill>
+              <a:schemeClr val="accent1"/>
+            </a:solidFill>
+            <a:prstDash val="solid"/>
+            <a:round/>
+            <a:headEnd type="none" w="sm" len="sm"/>
+            <a:tailEnd type="triangle"/>
+          </a:ln>
+          <a:effectLst/>
+          <a:extLst>
+            <a:ext uri="{AF507438-7753-43E0-B8FC-AC1667EBCBE1}">
+              <a14:hiddenEffects xmlns:a14="http://schemas.microsoft.com/office/drawing/2010/main">
+                <a:effectLst>
+                  <a:outerShdw dist="35921" dir="2700000" algn="ctr" rotWithShape="0">
+                    <a:schemeClr val="bg2"/>
+                  </a:outerShdw>
+                </a:effectLst>
+              </a14:hiddenEffects>
+            </a:ext>
+          </a:extLst>
+        </p:spPr>
+      </p:cxnSp>
+      <p:cxnSp>
+        <p:nvCxnSpPr>
+          <p:cNvPr id="15" name="Connettore 2 14">
+            <a:extLst>
+              <a:ext uri="{FF2B5EF4-FFF2-40B4-BE49-F238E27FC236}">
+                <a16:creationId xmlns:a16="http://schemas.microsoft.com/office/drawing/2014/main" id="{EF031C54-9908-42DC-8DF2-D61DFB7CF047}"/>
+              </a:ext>
+            </a:extLst>
+          </p:cNvPr>
+          <p:cNvCxnSpPr>
+            <a:stCxn id="12" idx="3"/>
+            <a:endCxn id="13" idx="1"/>
+          </p:cNvCxnSpPr>
+          <p:nvPr/>
+        </p:nvCxnSpPr>
+        <p:spPr bwMode="auto">
+          <a:xfrm>
+            <a:off x="7084516" y="588436"/>
+            <a:ext cx="277373" cy="755"/>
+          </a:xfrm>
+          <a:prstGeom prst="straightConnector1">
+            <a:avLst/>
+          </a:prstGeom>
+          <a:solidFill>
+            <a:schemeClr val="accent1"/>
+          </a:solidFill>
+          <a:ln w="12700" cap="flat" cmpd="sng" algn="ctr">
+            <a:solidFill>
+              <a:schemeClr val="accent1"/>
+            </a:solidFill>
+            <a:prstDash val="solid"/>
+            <a:round/>
+            <a:headEnd type="none" w="sm" len="sm"/>
+            <a:tailEnd type="triangle"/>
+          </a:ln>
+          <a:effectLst/>
+          <a:extLst>
+            <a:ext uri="{AF507438-7753-43E0-B8FC-AC1667EBCBE1}">
+              <a14:hiddenEffects xmlns:a14="http://schemas.microsoft.com/office/drawing/2010/main">
+                <a:effectLst>
+                  <a:outerShdw dist="35921" dir="2700000" algn="ctr" rotWithShape="0">
+                    <a:schemeClr val="bg2"/>
+                  </a:outerShdw>
+                </a:effectLst>
+              </a14:hiddenEffects>
+            </a:ext>
+          </a:extLst>
+        </p:spPr>
+      </p:cxnSp>
     </p:spTree>
     <p:extLst>
       <p:ext uri="{BB962C8B-B14F-4D97-AF65-F5344CB8AC3E}">
@@ -36157,6 +42147,334 @@
           </a:p>
         </p:txBody>
       </p:sp>
+      <p:sp>
+        <p:nvSpPr>
+          <p:cNvPr id="18" name="Rettangolo 17">
+            <a:extLst>
+              <a:ext uri="{FF2B5EF4-FFF2-40B4-BE49-F238E27FC236}">
+                <a16:creationId xmlns:a16="http://schemas.microsoft.com/office/drawing/2014/main" id="{8F42FB29-7749-420C-B15E-BA37B78AA42C}"/>
+              </a:ext>
+            </a:extLst>
+          </p:cNvPr>
+          <p:cNvSpPr/>
+          <p:nvPr/>
+        </p:nvSpPr>
+        <p:spPr>
+          <a:xfrm>
+            <a:off x="4251499" y="430168"/>
+            <a:ext cx="1277822" cy="320429"/>
+          </a:xfrm>
+          <a:prstGeom prst="rect">
+            <a:avLst/>
+          </a:prstGeom>
+          <a:solidFill>
+            <a:schemeClr val="accent1">
+              <a:lumMod val="40000"/>
+              <a:lumOff val="60000"/>
+            </a:schemeClr>
+          </a:solidFill>
+        </p:spPr>
+        <p:style>
+          <a:lnRef idx="2">
+            <a:schemeClr val="accent1">
+              <a:shade val="50000"/>
+            </a:schemeClr>
+          </a:lnRef>
+          <a:fillRef idx="1">
+            <a:schemeClr val="accent1"/>
+          </a:fillRef>
+          <a:effectRef idx="0">
+            <a:schemeClr val="accent1"/>
+          </a:effectRef>
+          <a:fontRef idx="minor">
+            <a:schemeClr val="lt1"/>
+          </a:fontRef>
+        </p:style>
+        <p:txBody>
+          <a:bodyPr rtlCol="0" anchor="ctr"/>
+          <a:lstStyle/>
+          <a:p>
+            <a:pPr algn="ctr"/>
+            <a:r>
+              <a:rPr lang="it-IT" sz="1000" b="1" dirty="0">
+                <a:solidFill>
+                  <a:srgbClr val="002060"/>
+                </a:solidFill>
+              </a:rPr>
+              <a:t>Introduzione</a:t>
+            </a:r>
+          </a:p>
+        </p:txBody>
+      </p:sp>
+      <p:sp>
+        <p:nvSpPr>
+          <p:cNvPr id="19" name="Rettangolo 18">
+            <a:extLst>
+              <a:ext uri="{FF2B5EF4-FFF2-40B4-BE49-F238E27FC236}">
+                <a16:creationId xmlns:a16="http://schemas.microsoft.com/office/drawing/2014/main" id="{7F804C41-EF9E-4E10-825E-4675740B7422}"/>
+              </a:ext>
+            </a:extLst>
+          </p:cNvPr>
+          <p:cNvSpPr/>
+          <p:nvPr/>
+        </p:nvSpPr>
+        <p:spPr>
+          <a:xfrm>
+            <a:off x="5806694" y="426274"/>
+            <a:ext cx="1277822" cy="324323"/>
+          </a:xfrm>
+          <a:prstGeom prst="rect">
+            <a:avLst/>
+          </a:prstGeom>
+          <a:solidFill>
+            <a:schemeClr val="accent1">
+              <a:lumMod val="40000"/>
+              <a:lumOff val="60000"/>
+            </a:schemeClr>
+          </a:solidFill>
+        </p:spPr>
+        <p:style>
+          <a:lnRef idx="2">
+            <a:schemeClr val="accent1">
+              <a:shade val="50000"/>
+            </a:schemeClr>
+          </a:lnRef>
+          <a:fillRef idx="1">
+            <a:schemeClr val="accent1"/>
+          </a:fillRef>
+          <a:effectRef idx="0">
+            <a:schemeClr val="accent1"/>
+          </a:effectRef>
+          <a:fontRef idx="minor">
+            <a:schemeClr val="lt1"/>
+          </a:fontRef>
+        </p:style>
+        <p:txBody>
+          <a:bodyPr rtlCol="0" anchor="ctr"/>
+          <a:lstStyle/>
+          <a:p>
+            <a:pPr algn="ctr"/>
+            <a:endParaRPr lang="it-IT" b="1" dirty="0">
+              <a:solidFill>
+                <a:schemeClr val="tx1"/>
+              </a:solidFill>
+            </a:endParaRPr>
+          </a:p>
+          <a:p>
+            <a:pPr algn="ctr"/>
+            <a:endParaRPr lang="it-IT" b="1" dirty="0">
+              <a:solidFill>
+                <a:srgbClr val="002060"/>
+              </a:solidFill>
+            </a:endParaRPr>
+          </a:p>
+          <a:p>
+            <a:pPr algn="ctr"/>
+            <a:endParaRPr lang="it-IT" dirty="0">
+              <a:solidFill>
+                <a:srgbClr val="002060"/>
+              </a:solidFill>
+            </a:endParaRPr>
+          </a:p>
+          <a:p>
+            <a:pPr algn="ctr"/>
+            <a:r>
+              <a:rPr lang="it-IT" sz="1000" b="1" dirty="0">
+                <a:solidFill>
+                  <a:srgbClr val="002060"/>
+                </a:solidFill>
+              </a:rPr>
+              <a:t>Implementazione</a:t>
+            </a:r>
+          </a:p>
+          <a:p>
+            <a:pPr algn="ctr"/>
+            <a:endParaRPr lang="it-IT" b="1" dirty="0">
+              <a:solidFill>
+                <a:schemeClr val="bg1"/>
+              </a:solidFill>
+            </a:endParaRPr>
+          </a:p>
+          <a:p>
+            <a:pPr algn="ctr"/>
+            <a:endParaRPr lang="it-IT" b="1" dirty="0">
+              <a:solidFill>
+                <a:schemeClr val="bg1"/>
+              </a:solidFill>
+            </a:endParaRPr>
+          </a:p>
+          <a:p>
+            <a:pPr algn="ctr"/>
+            <a:endParaRPr lang="it-IT" b="1" dirty="0">
+              <a:solidFill>
+                <a:schemeClr val="bg1"/>
+              </a:solidFill>
+            </a:endParaRPr>
+          </a:p>
+        </p:txBody>
+      </p:sp>
+      <p:sp>
+        <p:nvSpPr>
+          <p:cNvPr id="20" name="Rettangolo 19">
+            <a:extLst>
+              <a:ext uri="{FF2B5EF4-FFF2-40B4-BE49-F238E27FC236}">
+                <a16:creationId xmlns:a16="http://schemas.microsoft.com/office/drawing/2014/main" id="{1C354D75-525C-488F-9513-DDD9AE21D858}"/>
+              </a:ext>
+            </a:extLst>
+          </p:cNvPr>
+          <p:cNvSpPr/>
+          <p:nvPr/>
+        </p:nvSpPr>
+        <p:spPr>
+          <a:xfrm>
+            <a:off x="7361889" y="427784"/>
+            <a:ext cx="1277823" cy="322813"/>
+          </a:xfrm>
+          <a:prstGeom prst="rect">
+            <a:avLst/>
+          </a:prstGeom>
+          <a:solidFill>
+            <a:schemeClr val="accent1"/>
+          </a:solidFill>
+        </p:spPr>
+        <p:style>
+          <a:lnRef idx="2">
+            <a:schemeClr val="accent1">
+              <a:shade val="50000"/>
+            </a:schemeClr>
+          </a:lnRef>
+          <a:fillRef idx="1">
+            <a:schemeClr val="accent1"/>
+          </a:fillRef>
+          <a:effectRef idx="0">
+            <a:schemeClr val="accent1"/>
+          </a:effectRef>
+          <a:fontRef idx="minor">
+            <a:schemeClr val="lt1"/>
+          </a:fontRef>
+        </p:style>
+        <p:txBody>
+          <a:bodyPr rtlCol="0" anchor="ctr"/>
+          <a:lstStyle/>
+          <a:p>
+            <a:pPr algn="ctr"/>
+            <a:r>
+              <a:rPr lang="it-IT" sz="1000" b="1" dirty="0" err="1">
+                <a:solidFill>
+                  <a:srgbClr val="002060"/>
+                </a:solidFill>
+              </a:rPr>
+              <a:t>Cooling</a:t>
+            </a:r>
+            <a:r>
+              <a:rPr lang="it-IT" sz="1000" b="1" dirty="0">
+                <a:solidFill>
+                  <a:srgbClr val="002060"/>
+                </a:solidFill>
+              </a:rPr>
+              <a:t> e testing dei parametri</a:t>
+            </a:r>
+          </a:p>
+        </p:txBody>
+      </p:sp>
+      <p:cxnSp>
+        <p:nvCxnSpPr>
+          <p:cNvPr id="21" name="Connettore 2 20">
+            <a:extLst>
+              <a:ext uri="{FF2B5EF4-FFF2-40B4-BE49-F238E27FC236}">
+                <a16:creationId xmlns:a16="http://schemas.microsoft.com/office/drawing/2014/main" id="{CFF50DD2-BDDF-41B4-957F-136606A250A7}"/>
+              </a:ext>
+            </a:extLst>
+          </p:cNvPr>
+          <p:cNvCxnSpPr>
+            <a:stCxn id="18" idx="3"/>
+            <a:endCxn id="19" idx="1"/>
+          </p:cNvCxnSpPr>
+          <p:nvPr/>
+        </p:nvCxnSpPr>
+        <p:spPr bwMode="auto">
+          <a:xfrm flipV="1">
+            <a:off x="5529321" y="588436"/>
+            <a:ext cx="277373" cy="1947"/>
+          </a:xfrm>
+          <a:prstGeom prst="straightConnector1">
+            <a:avLst/>
+          </a:prstGeom>
+          <a:solidFill>
+            <a:schemeClr val="accent1"/>
+          </a:solidFill>
+          <a:ln w="12700" cap="flat" cmpd="sng" algn="ctr">
+            <a:solidFill>
+              <a:schemeClr val="accent1"/>
+            </a:solidFill>
+            <a:prstDash val="solid"/>
+            <a:round/>
+            <a:headEnd type="none" w="sm" len="sm"/>
+            <a:tailEnd type="triangle"/>
+          </a:ln>
+          <a:effectLst/>
+          <a:extLst>
+            <a:ext uri="{AF507438-7753-43E0-B8FC-AC1667EBCBE1}">
+              <a14:hiddenEffects xmlns:a14="http://schemas.microsoft.com/office/drawing/2010/main">
+                <a:effectLst>
+                  <a:outerShdw dist="35921" dir="2700000" algn="ctr" rotWithShape="0">
+                    <a:schemeClr val="bg2"/>
+                  </a:outerShdw>
+                </a:effectLst>
+              </a14:hiddenEffects>
+            </a:ext>
+          </a:extLst>
+        </p:spPr>
+      </p:cxnSp>
+      <p:cxnSp>
+        <p:nvCxnSpPr>
+          <p:cNvPr id="22" name="Connettore 2 21">
+            <a:extLst>
+              <a:ext uri="{FF2B5EF4-FFF2-40B4-BE49-F238E27FC236}">
+                <a16:creationId xmlns:a16="http://schemas.microsoft.com/office/drawing/2014/main" id="{B4259197-11DD-4208-A0F8-B0A561BD5BF6}"/>
+              </a:ext>
+            </a:extLst>
+          </p:cNvPr>
+          <p:cNvCxnSpPr>
+            <a:stCxn id="19" idx="3"/>
+            <a:endCxn id="20" idx="1"/>
+          </p:cNvCxnSpPr>
+          <p:nvPr/>
+        </p:nvCxnSpPr>
+        <p:spPr bwMode="auto">
+          <a:xfrm>
+            <a:off x="7084516" y="588436"/>
+            <a:ext cx="277373" cy="755"/>
+          </a:xfrm>
+          <a:prstGeom prst="straightConnector1">
+            <a:avLst/>
+          </a:prstGeom>
+          <a:solidFill>
+            <a:schemeClr val="accent1"/>
+          </a:solidFill>
+          <a:ln w="12700" cap="flat" cmpd="sng" algn="ctr">
+            <a:solidFill>
+              <a:schemeClr val="accent1"/>
+            </a:solidFill>
+            <a:prstDash val="solid"/>
+            <a:round/>
+            <a:headEnd type="none" w="sm" len="sm"/>
+            <a:tailEnd type="triangle"/>
+          </a:ln>
+          <a:effectLst/>
+          <a:extLst>
+            <a:ext uri="{AF507438-7753-43E0-B8FC-AC1667EBCBE1}">
+              <a14:hiddenEffects xmlns:a14="http://schemas.microsoft.com/office/drawing/2010/main">
+                <a:effectLst>
+                  <a:outerShdw dist="35921" dir="2700000" algn="ctr" rotWithShape="0">
+                    <a:schemeClr val="bg2"/>
+                  </a:outerShdw>
+                </a:effectLst>
+              </a14:hiddenEffects>
+            </a:ext>
+          </a:extLst>
+        </p:spPr>
+      </p:cxnSp>
     </p:spTree>
     <p:extLst>
       <p:ext uri="{BB962C8B-B14F-4D97-AF65-F5344CB8AC3E}">
@@ -36988,12 +43306,20 @@
           <a:p>
             <a:pPr algn="ctr"/>
             <a:r>
+              <a:rPr lang="it-IT" sz="1000" b="1" dirty="0" err="1">
+                <a:solidFill>
+                  <a:srgbClr val="002060"/>
+                </a:solidFill>
+              </a:rPr>
+              <a:t>Cooling</a:t>
+            </a:r>
+            <a:r>
               <a:rPr lang="it-IT" sz="1000" b="1" dirty="0">
                 <a:solidFill>
                   <a:srgbClr val="002060"/>
                 </a:solidFill>
               </a:rPr>
-              <a:t>Analisi temporale</a:t>
+              <a:t> e testing dei parametri</a:t>
             </a:r>
           </a:p>
         </p:txBody>
@@ -38025,12 +44351,20 @@
           <a:p>
             <a:pPr algn="ctr"/>
             <a:r>
+              <a:rPr lang="it-IT" sz="1000" b="1" dirty="0" err="1">
+                <a:solidFill>
+                  <a:srgbClr val="002060"/>
+                </a:solidFill>
+              </a:rPr>
+              <a:t>Cooling</a:t>
+            </a:r>
+            <a:r>
               <a:rPr lang="it-IT" sz="1000" b="1" dirty="0">
                 <a:solidFill>
                   <a:srgbClr val="002060"/>
                 </a:solidFill>
               </a:rPr>
-              <a:t>Analisi temporale</a:t>
+              <a:t> e testing dei parametri</a:t>
             </a:r>
           </a:p>
         </p:txBody>
@@ -38961,12 +45295,20 @@
           <a:p>
             <a:pPr algn="ctr"/>
             <a:r>
+              <a:rPr lang="it-IT" sz="1000" b="1" dirty="0" err="1">
+                <a:solidFill>
+                  <a:srgbClr val="002060"/>
+                </a:solidFill>
+              </a:rPr>
+              <a:t>Cooling</a:t>
+            </a:r>
+            <a:r>
               <a:rPr lang="it-IT" sz="1000" b="1" dirty="0">
                 <a:solidFill>
                   <a:srgbClr val="002060"/>
                 </a:solidFill>
               </a:rPr>
-              <a:t>Analisi temporale</a:t>
+              <a:t> e testing dei parametri</a:t>
             </a:r>
           </a:p>
         </p:txBody>
@@ -39596,6 +45938,334 @@
           </a:prstGeom>
         </p:spPr>
       </p:pic>
+      <p:sp>
+        <p:nvSpPr>
+          <p:cNvPr id="5" name="Rettangolo 4">
+            <a:extLst>
+              <a:ext uri="{FF2B5EF4-FFF2-40B4-BE49-F238E27FC236}">
+                <a16:creationId xmlns:a16="http://schemas.microsoft.com/office/drawing/2014/main" id="{5E0D4BD4-FDC3-402C-AF11-6B94A0721EEB}"/>
+              </a:ext>
+            </a:extLst>
+          </p:cNvPr>
+          <p:cNvSpPr/>
+          <p:nvPr/>
+        </p:nvSpPr>
+        <p:spPr>
+          <a:xfrm>
+            <a:off x="4251499" y="430168"/>
+            <a:ext cx="1277822" cy="320429"/>
+          </a:xfrm>
+          <a:prstGeom prst="rect">
+            <a:avLst/>
+          </a:prstGeom>
+          <a:solidFill>
+            <a:schemeClr val="accent1"/>
+          </a:solidFill>
+        </p:spPr>
+        <p:style>
+          <a:lnRef idx="2">
+            <a:schemeClr val="accent1">
+              <a:shade val="50000"/>
+            </a:schemeClr>
+          </a:lnRef>
+          <a:fillRef idx="1">
+            <a:schemeClr val="accent1"/>
+          </a:fillRef>
+          <a:effectRef idx="0">
+            <a:schemeClr val="accent1"/>
+          </a:effectRef>
+          <a:fontRef idx="minor">
+            <a:schemeClr val="lt1"/>
+          </a:fontRef>
+        </p:style>
+        <p:txBody>
+          <a:bodyPr rtlCol="0" anchor="ctr"/>
+          <a:lstStyle/>
+          <a:p>
+            <a:pPr algn="ctr"/>
+            <a:r>
+              <a:rPr lang="it-IT" sz="1000" b="1" dirty="0">
+                <a:solidFill>
+                  <a:srgbClr val="002060"/>
+                </a:solidFill>
+              </a:rPr>
+              <a:t>Introduzione</a:t>
+            </a:r>
+          </a:p>
+        </p:txBody>
+      </p:sp>
+      <p:sp>
+        <p:nvSpPr>
+          <p:cNvPr id="7" name="Rettangolo 6">
+            <a:extLst>
+              <a:ext uri="{FF2B5EF4-FFF2-40B4-BE49-F238E27FC236}">
+                <a16:creationId xmlns:a16="http://schemas.microsoft.com/office/drawing/2014/main" id="{DADA2683-651C-4581-85CB-45E4B5397715}"/>
+              </a:ext>
+            </a:extLst>
+          </p:cNvPr>
+          <p:cNvSpPr/>
+          <p:nvPr/>
+        </p:nvSpPr>
+        <p:spPr>
+          <a:xfrm>
+            <a:off x="5806694" y="426274"/>
+            <a:ext cx="1277822" cy="324323"/>
+          </a:xfrm>
+          <a:prstGeom prst="rect">
+            <a:avLst/>
+          </a:prstGeom>
+          <a:solidFill>
+            <a:schemeClr val="accent1">
+              <a:lumMod val="40000"/>
+              <a:lumOff val="60000"/>
+            </a:schemeClr>
+          </a:solidFill>
+        </p:spPr>
+        <p:style>
+          <a:lnRef idx="2">
+            <a:schemeClr val="accent1">
+              <a:shade val="50000"/>
+            </a:schemeClr>
+          </a:lnRef>
+          <a:fillRef idx="1">
+            <a:schemeClr val="accent1"/>
+          </a:fillRef>
+          <a:effectRef idx="0">
+            <a:schemeClr val="accent1"/>
+          </a:effectRef>
+          <a:fontRef idx="minor">
+            <a:schemeClr val="lt1"/>
+          </a:fontRef>
+        </p:style>
+        <p:txBody>
+          <a:bodyPr rtlCol="0" anchor="ctr"/>
+          <a:lstStyle/>
+          <a:p>
+            <a:pPr algn="ctr"/>
+            <a:endParaRPr lang="it-IT" b="1" dirty="0">
+              <a:solidFill>
+                <a:schemeClr val="tx1"/>
+              </a:solidFill>
+            </a:endParaRPr>
+          </a:p>
+          <a:p>
+            <a:pPr algn="ctr"/>
+            <a:endParaRPr lang="it-IT" b="1" dirty="0">
+              <a:solidFill>
+                <a:srgbClr val="002060"/>
+              </a:solidFill>
+            </a:endParaRPr>
+          </a:p>
+          <a:p>
+            <a:pPr algn="ctr"/>
+            <a:endParaRPr lang="it-IT" dirty="0">
+              <a:solidFill>
+                <a:srgbClr val="002060"/>
+              </a:solidFill>
+            </a:endParaRPr>
+          </a:p>
+          <a:p>
+            <a:pPr algn="ctr"/>
+            <a:r>
+              <a:rPr lang="it-IT" sz="1000" b="1" dirty="0">
+                <a:solidFill>
+                  <a:srgbClr val="002060"/>
+                </a:solidFill>
+              </a:rPr>
+              <a:t>Implementazione</a:t>
+            </a:r>
+          </a:p>
+          <a:p>
+            <a:pPr algn="ctr"/>
+            <a:endParaRPr lang="it-IT" b="1" dirty="0">
+              <a:solidFill>
+                <a:schemeClr val="bg1"/>
+              </a:solidFill>
+            </a:endParaRPr>
+          </a:p>
+          <a:p>
+            <a:pPr algn="ctr"/>
+            <a:endParaRPr lang="it-IT" b="1" dirty="0">
+              <a:solidFill>
+                <a:schemeClr val="bg1"/>
+              </a:solidFill>
+            </a:endParaRPr>
+          </a:p>
+          <a:p>
+            <a:pPr algn="ctr"/>
+            <a:endParaRPr lang="it-IT" b="1" dirty="0">
+              <a:solidFill>
+                <a:schemeClr val="bg1"/>
+              </a:solidFill>
+            </a:endParaRPr>
+          </a:p>
+        </p:txBody>
+      </p:sp>
+      <p:sp>
+        <p:nvSpPr>
+          <p:cNvPr id="8" name="Rettangolo 7">
+            <a:extLst>
+              <a:ext uri="{FF2B5EF4-FFF2-40B4-BE49-F238E27FC236}">
+                <a16:creationId xmlns:a16="http://schemas.microsoft.com/office/drawing/2014/main" id="{08921A07-61C1-4316-9A33-AB9E1B63903D}"/>
+              </a:ext>
+            </a:extLst>
+          </p:cNvPr>
+          <p:cNvSpPr/>
+          <p:nvPr/>
+        </p:nvSpPr>
+        <p:spPr>
+          <a:xfrm>
+            <a:off x="7361889" y="427784"/>
+            <a:ext cx="1277823" cy="322813"/>
+          </a:xfrm>
+          <a:prstGeom prst="rect">
+            <a:avLst/>
+          </a:prstGeom>
+          <a:solidFill>
+            <a:schemeClr val="accent1">
+              <a:lumMod val="40000"/>
+              <a:lumOff val="60000"/>
+            </a:schemeClr>
+          </a:solidFill>
+        </p:spPr>
+        <p:style>
+          <a:lnRef idx="2">
+            <a:schemeClr val="accent1">
+              <a:shade val="50000"/>
+            </a:schemeClr>
+          </a:lnRef>
+          <a:fillRef idx="1">
+            <a:schemeClr val="accent1"/>
+          </a:fillRef>
+          <a:effectRef idx="0">
+            <a:schemeClr val="accent1"/>
+          </a:effectRef>
+          <a:fontRef idx="minor">
+            <a:schemeClr val="lt1"/>
+          </a:fontRef>
+        </p:style>
+        <p:txBody>
+          <a:bodyPr rtlCol="0" anchor="ctr"/>
+          <a:lstStyle/>
+          <a:p>
+            <a:pPr algn="ctr"/>
+            <a:r>
+              <a:rPr lang="it-IT" sz="1000" b="1" dirty="0" err="1">
+                <a:solidFill>
+                  <a:srgbClr val="002060"/>
+                </a:solidFill>
+              </a:rPr>
+              <a:t>Cooling</a:t>
+            </a:r>
+            <a:r>
+              <a:rPr lang="it-IT" sz="1000" b="1" dirty="0">
+                <a:solidFill>
+                  <a:srgbClr val="002060"/>
+                </a:solidFill>
+              </a:rPr>
+              <a:t> e testing dei parametri</a:t>
+            </a:r>
+          </a:p>
+        </p:txBody>
+      </p:sp>
+      <p:cxnSp>
+        <p:nvCxnSpPr>
+          <p:cNvPr id="9" name="Connettore 2 8">
+            <a:extLst>
+              <a:ext uri="{FF2B5EF4-FFF2-40B4-BE49-F238E27FC236}">
+                <a16:creationId xmlns:a16="http://schemas.microsoft.com/office/drawing/2014/main" id="{7A5AB725-62F7-473D-86DA-BB6EC9EB62B2}"/>
+              </a:ext>
+            </a:extLst>
+          </p:cNvPr>
+          <p:cNvCxnSpPr>
+            <a:stCxn id="5" idx="3"/>
+            <a:endCxn id="7" idx="1"/>
+          </p:cNvCxnSpPr>
+          <p:nvPr/>
+        </p:nvCxnSpPr>
+        <p:spPr bwMode="auto">
+          <a:xfrm flipV="1">
+            <a:off x="5529321" y="588436"/>
+            <a:ext cx="277373" cy="1947"/>
+          </a:xfrm>
+          <a:prstGeom prst="straightConnector1">
+            <a:avLst/>
+          </a:prstGeom>
+          <a:solidFill>
+            <a:schemeClr val="accent1"/>
+          </a:solidFill>
+          <a:ln w="12700" cap="flat" cmpd="sng" algn="ctr">
+            <a:solidFill>
+              <a:schemeClr val="accent1"/>
+            </a:solidFill>
+            <a:prstDash val="solid"/>
+            <a:round/>
+            <a:headEnd type="none" w="sm" len="sm"/>
+            <a:tailEnd type="triangle"/>
+          </a:ln>
+          <a:effectLst/>
+          <a:extLst>
+            <a:ext uri="{AF507438-7753-43E0-B8FC-AC1667EBCBE1}">
+              <a14:hiddenEffects xmlns:a14="http://schemas.microsoft.com/office/drawing/2010/main">
+                <a:effectLst>
+                  <a:outerShdw dist="35921" dir="2700000" algn="ctr" rotWithShape="0">
+                    <a:schemeClr val="bg2"/>
+                  </a:outerShdw>
+                </a:effectLst>
+              </a14:hiddenEffects>
+            </a:ext>
+          </a:extLst>
+        </p:spPr>
+      </p:cxnSp>
+      <p:cxnSp>
+        <p:nvCxnSpPr>
+          <p:cNvPr id="10" name="Connettore 2 9">
+            <a:extLst>
+              <a:ext uri="{FF2B5EF4-FFF2-40B4-BE49-F238E27FC236}">
+                <a16:creationId xmlns:a16="http://schemas.microsoft.com/office/drawing/2014/main" id="{6D0F27AD-0225-4442-8B9B-2FCB52B3DC64}"/>
+              </a:ext>
+            </a:extLst>
+          </p:cNvPr>
+          <p:cNvCxnSpPr>
+            <a:stCxn id="7" idx="3"/>
+            <a:endCxn id="8" idx="1"/>
+          </p:cNvCxnSpPr>
+          <p:nvPr/>
+        </p:nvCxnSpPr>
+        <p:spPr bwMode="auto">
+          <a:xfrm>
+            <a:off x="7084516" y="588436"/>
+            <a:ext cx="277373" cy="755"/>
+          </a:xfrm>
+          <a:prstGeom prst="straightConnector1">
+            <a:avLst/>
+          </a:prstGeom>
+          <a:solidFill>
+            <a:schemeClr val="accent1"/>
+          </a:solidFill>
+          <a:ln w="12700" cap="flat" cmpd="sng" algn="ctr">
+            <a:solidFill>
+              <a:schemeClr val="accent1"/>
+            </a:solidFill>
+            <a:prstDash val="solid"/>
+            <a:round/>
+            <a:headEnd type="none" w="sm" len="sm"/>
+            <a:tailEnd type="triangle"/>
+          </a:ln>
+          <a:effectLst/>
+          <a:extLst>
+            <a:ext uri="{AF507438-7753-43E0-B8FC-AC1667EBCBE1}">
+              <a14:hiddenEffects xmlns:a14="http://schemas.microsoft.com/office/drawing/2010/main">
+                <a:effectLst>
+                  <a:outerShdw dist="35921" dir="2700000" algn="ctr" rotWithShape="0">
+                    <a:schemeClr val="bg2"/>
+                  </a:outerShdw>
+                </a:effectLst>
+              </a14:hiddenEffects>
+            </a:ext>
+          </a:extLst>
+        </p:spPr>
+      </p:cxnSp>
     </p:spTree>
     <p:extLst>
       <p:ext uri="{BB962C8B-B14F-4D97-AF65-F5344CB8AC3E}">
@@ -39918,6 +46588,334 @@
           </a:xfrm>
         </p:spPr>
       </p:pic>
+      <p:sp>
+        <p:nvSpPr>
+          <p:cNvPr id="7" name="Rettangolo 6">
+            <a:extLst>
+              <a:ext uri="{FF2B5EF4-FFF2-40B4-BE49-F238E27FC236}">
+                <a16:creationId xmlns:a16="http://schemas.microsoft.com/office/drawing/2014/main" id="{46132D33-C22C-430E-8251-79387096E1FF}"/>
+              </a:ext>
+            </a:extLst>
+          </p:cNvPr>
+          <p:cNvSpPr/>
+          <p:nvPr/>
+        </p:nvSpPr>
+        <p:spPr>
+          <a:xfrm>
+            <a:off x="4251499" y="430168"/>
+            <a:ext cx="1277822" cy="320429"/>
+          </a:xfrm>
+          <a:prstGeom prst="rect">
+            <a:avLst/>
+          </a:prstGeom>
+          <a:solidFill>
+            <a:schemeClr val="accent1">
+              <a:lumMod val="40000"/>
+              <a:lumOff val="60000"/>
+            </a:schemeClr>
+          </a:solidFill>
+        </p:spPr>
+        <p:style>
+          <a:lnRef idx="2">
+            <a:schemeClr val="accent1">
+              <a:shade val="50000"/>
+            </a:schemeClr>
+          </a:lnRef>
+          <a:fillRef idx="1">
+            <a:schemeClr val="accent1"/>
+          </a:fillRef>
+          <a:effectRef idx="0">
+            <a:schemeClr val="accent1"/>
+          </a:effectRef>
+          <a:fontRef idx="minor">
+            <a:schemeClr val="lt1"/>
+          </a:fontRef>
+        </p:style>
+        <p:txBody>
+          <a:bodyPr rtlCol="0" anchor="ctr"/>
+          <a:lstStyle/>
+          <a:p>
+            <a:pPr algn="ctr"/>
+            <a:r>
+              <a:rPr lang="it-IT" sz="1000" b="1" dirty="0">
+                <a:solidFill>
+                  <a:srgbClr val="002060"/>
+                </a:solidFill>
+              </a:rPr>
+              <a:t>Introduzione</a:t>
+            </a:r>
+          </a:p>
+        </p:txBody>
+      </p:sp>
+      <p:sp>
+        <p:nvSpPr>
+          <p:cNvPr id="8" name="Rettangolo 7">
+            <a:extLst>
+              <a:ext uri="{FF2B5EF4-FFF2-40B4-BE49-F238E27FC236}">
+                <a16:creationId xmlns:a16="http://schemas.microsoft.com/office/drawing/2014/main" id="{B8B4A292-57DF-4F1A-ADCB-348BD8B16092}"/>
+              </a:ext>
+            </a:extLst>
+          </p:cNvPr>
+          <p:cNvSpPr/>
+          <p:nvPr/>
+        </p:nvSpPr>
+        <p:spPr>
+          <a:xfrm>
+            <a:off x="5806694" y="426274"/>
+            <a:ext cx="1277822" cy="324323"/>
+          </a:xfrm>
+          <a:prstGeom prst="rect">
+            <a:avLst/>
+          </a:prstGeom>
+          <a:solidFill>
+            <a:schemeClr val="accent1"/>
+          </a:solidFill>
+        </p:spPr>
+        <p:style>
+          <a:lnRef idx="2">
+            <a:schemeClr val="accent1">
+              <a:shade val="50000"/>
+            </a:schemeClr>
+          </a:lnRef>
+          <a:fillRef idx="1">
+            <a:schemeClr val="accent1"/>
+          </a:fillRef>
+          <a:effectRef idx="0">
+            <a:schemeClr val="accent1"/>
+          </a:effectRef>
+          <a:fontRef idx="minor">
+            <a:schemeClr val="lt1"/>
+          </a:fontRef>
+        </p:style>
+        <p:txBody>
+          <a:bodyPr rtlCol="0" anchor="ctr"/>
+          <a:lstStyle/>
+          <a:p>
+            <a:pPr algn="ctr"/>
+            <a:endParaRPr lang="it-IT" b="1" dirty="0">
+              <a:solidFill>
+                <a:schemeClr val="tx1"/>
+              </a:solidFill>
+            </a:endParaRPr>
+          </a:p>
+          <a:p>
+            <a:pPr algn="ctr"/>
+            <a:endParaRPr lang="it-IT" b="1" dirty="0">
+              <a:solidFill>
+                <a:srgbClr val="002060"/>
+              </a:solidFill>
+            </a:endParaRPr>
+          </a:p>
+          <a:p>
+            <a:pPr algn="ctr"/>
+            <a:endParaRPr lang="it-IT" dirty="0">
+              <a:solidFill>
+                <a:srgbClr val="002060"/>
+              </a:solidFill>
+            </a:endParaRPr>
+          </a:p>
+          <a:p>
+            <a:pPr algn="ctr"/>
+            <a:r>
+              <a:rPr lang="it-IT" sz="1000" b="1" dirty="0">
+                <a:solidFill>
+                  <a:srgbClr val="002060"/>
+                </a:solidFill>
+              </a:rPr>
+              <a:t>Implementazione</a:t>
+            </a:r>
+          </a:p>
+          <a:p>
+            <a:pPr algn="ctr"/>
+            <a:endParaRPr lang="it-IT" b="1" dirty="0">
+              <a:solidFill>
+                <a:schemeClr val="bg1"/>
+              </a:solidFill>
+            </a:endParaRPr>
+          </a:p>
+          <a:p>
+            <a:pPr algn="ctr"/>
+            <a:endParaRPr lang="it-IT" b="1" dirty="0">
+              <a:solidFill>
+                <a:schemeClr val="bg1"/>
+              </a:solidFill>
+            </a:endParaRPr>
+          </a:p>
+          <a:p>
+            <a:pPr algn="ctr"/>
+            <a:endParaRPr lang="it-IT" b="1" dirty="0">
+              <a:solidFill>
+                <a:schemeClr val="bg1"/>
+              </a:solidFill>
+            </a:endParaRPr>
+          </a:p>
+        </p:txBody>
+      </p:sp>
+      <p:sp>
+        <p:nvSpPr>
+          <p:cNvPr id="9" name="Rettangolo 8">
+            <a:extLst>
+              <a:ext uri="{FF2B5EF4-FFF2-40B4-BE49-F238E27FC236}">
+                <a16:creationId xmlns:a16="http://schemas.microsoft.com/office/drawing/2014/main" id="{48EC0E0E-477C-4A97-B6F7-7228E13DA220}"/>
+              </a:ext>
+            </a:extLst>
+          </p:cNvPr>
+          <p:cNvSpPr/>
+          <p:nvPr/>
+        </p:nvSpPr>
+        <p:spPr>
+          <a:xfrm>
+            <a:off x="7361889" y="427784"/>
+            <a:ext cx="1277823" cy="322813"/>
+          </a:xfrm>
+          <a:prstGeom prst="rect">
+            <a:avLst/>
+          </a:prstGeom>
+          <a:solidFill>
+            <a:schemeClr val="accent1">
+              <a:lumMod val="40000"/>
+              <a:lumOff val="60000"/>
+            </a:schemeClr>
+          </a:solidFill>
+        </p:spPr>
+        <p:style>
+          <a:lnRef idx="2">
+            <a:schemeClr val="accent1">
+              <a:shade val="50000"/>
+            </a:schemeClr>
+          </a:lnRef>
+          <a:fillRef idx="1">
+            <a:schemeClr val="accent1"/>
+          </a:fillRef>
+          <a:effectRef idx="0">
+            <a:schemeClr val="accent1"/>
+          </a:effectRef>
+          <a:fontRef idx="minor">
+            <a:schemeClr val="lt1"/>
+          </a:fontRef>
+        </p:style>
+        <p:txBody>
+          <a:bodyPr rtlCol="0" anchor="ctr"/>
+          <a:lstStyle/>
+          <a:p>
+            <a:pPr algn="ctr"/>
+            <a:r>
+              <a:rPr lang="it-IT" sz="1000" b="1" dirty="0" err="1">
+                <a:solidFill>
+                  <a:srgbClr val="002060"/>
+                </a:solidFill>
+              </a:rPr>
+              <a:t>Cooling</a:t>
+            </a:r>
+            <a:r>
+              <a:rPr lang="it-IT" sz="1000" b="1" dirty="0">
+                <a:solidFill>
+                  <a:srgbClr val="002060"/>
+                </a:solidFill>
+              </a:rPr>
+              <a:t> e testing dei parametri</a:t>
+            </a:r>
+          </a:p>
+        </p:txBody>
+      </p:sp>
+      <p:cxnSp>
+        <p:nvCxnSpPr>
+          <p:cNvPr id="11" name="Connettore 2 10">
+            <a:extLst>
+              <a:ext uri="{FF2B5EF4-FFF2-40B4-BE49-F238E27FC236}">
+                <a16:creationId xmlns:a16="http://schemas.microsoft.com/office/drawing/2014/main" id="{1F6E79F1-53A1-4C29-8332-69973E60CA7F}"/>
+              </a:ext>
+            </a:extLst>
+          </p:cNvPr>
+          <p:cNvCxnSpPr>
+            <a:stCxn id="7" idx="3"/>
+            <a:endCxn id="8" idx="1"/>
+          </p:cNvCxnSpPr>
+          <p:nvPr/>
+        </p:nvCxnSpPr>
+        <p:spPr bwMode="auto">
+          <a:xfrm flipV="1">
+            <a:off x="5529321" y="588436"/>
+            <a:ext cx="277373" cy="1947"/>
+          </a:xfrm>
+          <a:prstGeom prst="straightConnector1">
+            <a:avLst/>
+          </a:prstGeom>
+          <a:solidFill>
+            <a:schemeClr val="accent1"/>
+          </a:solidFill>
+          <a:ln w="12700" cap="flat" cmpd="sng" algn="ctr">
+            <a:solidFill>
+              <a:schemeClr val="accent1"/>
+            </a:solidFill>
+            <a:prstDash val="solid"/>
+            <a:round/>
+            <a:headEnd type="none" w="sm" len="sm"/>
+            <a:tailEnd type="triangle"/>
+          </a:ln>
+          <a:effectLst/>
+          <a:extLst>
+            <a:ext uri="{AF507438-7753-43E0-B8FC-AC1667EBCBE1}">
+              <a14:hiddenEffects xmlns:a14="http://schemas.microsoft.com/office/drawing/2010/main">
+                <a:effectLst>
+                  <a:outerShdw dist="35921" dir="2700000" algn="ctr" rotWithShape="0">
+                    <a:schemeClr val="bg2"/>
+                  </a:outerShdw>
+                </a:effectLst>
+              </a14:hiddenEffects>
+            </a:ext>
+          </a:extLst>
+        </p:spPr>
+      </p:cxnSp>
+      <p:cxnSp>
+        <p:nvCxnSpPr>
+          <p:cNvPr id="12" name="Connettore 2 11">
+            <a:extLst>
+              <a:ext uri="{FF2B5EF4-FFF2-40B4-BE49-F238E27FC236}">
+                <a16:creationId xmlns:a16="http://schemas.microsoft.com/office/drawing/2014/main" id="{154B5E3D-FD26-4357-A8F9-8BC469A296B9}"/>
+              </a:ext>
+            </a:extLst>
+          </p:cNvPr>
+          <p:cNvCxnSpPr>
+            <a:stCxn id="8" idx="3"/>
+            <a:endCxn id="9" idx="1"/>
+          </p:cNvCxnSpPr>
+          <p:nvPr/>
+        </p:nvCxnSpPr>
+        <p:spPr bwMode="auto">
+          <a:xfrm>
+            <a:off x="7084516" y="588436"/>
+            <a:ext cx="277373" cy="755"/>
+          </a:xfrm>
+          <a:prstGeom prst="straightConnector1">
+            <a:avLst/>
+          </a:prstGeom>
+          <a:solidFill>
+            <a:schemeClr val="accent1"/>
+          </a:solidFill>
+          <a:ln w="12700" cap="flat" cmpd="sng" algn="ctr">
+            <a:solidFill>
+              <a:schemeClr val="accent1"/>
+            </a:solidFill>
+            <a:prstDash val="solid"/>
+            <a:round/>
+            <a:headEnd type="none" w="sm" len="sm"/>
+            <a:tailEnd type="triangle"/>
+          </a:ln>
+          <a:effectLst/>
+          <a:extLst>
+            <a:ext uri="{AF507438-7753-43E0-B8FC-AC1667EBCBE1}">
+              <a14:hiddenEffects xmlns:a14="http://schemas.microsoft.com/office/drawing/2010/main">
+                <a:effectLst>
+                  <a:outerShdw dist="35921" dir="2700000" algn="ctr" rotWithShape="0">
+                    <a:schemeClr val="bg2"/>
+                  </a:outerShdw>
+                </a:effectLst>
+              </a14:hiddenEffects>
+            </a:ext>
+          </a:extLst>
+        </p:spPr>
+      </p:cxnSp>
     </p:spTree>
     <p:extLst>
       <p:ext uri="{BB962C8B-B14F-4D97-AF65-F5344CB8AC3E}">
@@ -40254,8 +47252,8 @@
           </p:sp>
         </mc:Fallback>
       </mc:AlternateContent>
-      <mc:AlternateContent xmlns:mc="http://schemas.openxmlformats.org/markup-compatibility/2006">
-        <mc:Choice xmlns:a14="http://schemas.microsoft.com/office/drawing/2010/main" Requires="a14">
+      <mc:AlternateContent xmlns:mc="http://schemas.openxmlformats.org/markup-compatibility/2006" xmlns:a14="http://schemas.microsoft.com/office/drawing/2010/main">
+        <mc:Choice Requires="a14">
           <p:sp>
             <p:nvSpPr>
               <p:cNvPr id="6" name="CasellaDiTesto 5">
@@ -40523,7 +47521,7 @@
             </p:txBody>
           </p:sp>
         </mc:Choice>
-        <mc:Fallback>
+        <mc:Fallback xmlns="">
           <p:sp>
             <p:nvSpPr>
               <p:cNvPr id="6" name="CasellaDiTesto 5">
@@ -40831,6 +47829,334 @@
           </a:p>
         </p:txBody>
       </p:sp>
+      <p:sp>
+        <p:nvSpPr>
+          <p:cNvPr id="15" name="Rettangolo 14">
+            <a:extLst>
+              <a:ext uri="{FF2B5EF4-FFF2-40B4-BE49-F238E27FC236}">
+                <a16:creationId xmlns:a16="http://schemas.microsoft.com/office/drawing/2014/main" id="{E7F7178B-039A-48CB-8495-C0871E715BEC}"/>
+              </a:ext>
+            </a:extLst>
+          </p:cNvPr>
+          <p:cNvSpPr/>
+          <p:nvPr/>
+        </p:nvSpPr>
+        <p:spPr>
+          <a:xfrm>
+            <a:off x="4251499" y="430168"/>
+            <a:ext cx="1277822" cy="320429"/>
+          </a:xfrm>
+          <a:prstGeom prst="rect">
+            <a:avLst/>
+          </a:prstGeom>
+          <a:solidFill>
+            <a:schemeClr val="accent1">
+              <a:lumMod val="40000"/>
+              <a:lumOff val="60000"/>
+            </a:schemeClr>
+          </a:solidFill>
+        </p:spPr>
+        <p:style>
+          <a:lnRef idx="2">
+            <a:schemeClr val="accent1">
+              <a:shade val="50000"/>
+            </a:schemeClr>
+          </a:lnRef>
+          <a:fillRef idx="1">
+            <a:schemeClr val="accent1"/>
+          </a:fillRef>
+          <a:effectRef idx="0">
+            <a:schemeClr val="accent1"/>
+          </a:effectRef>
+          <a:fontRef idx="minor">
+            <a:schemeClr val="lt1"/>
+          </a:fontRef>
+        </p:style>
+        <p:txBody>
+          <a:bodyPr rtlCol="0" anchor="ctr"/>
+          <a:lstStyle/>
+          <a:p>
+            <a:pPr algn="ctr"/>
+            <a:r>
+              <a:rPr lang="it-IT" sz="1000" b="1" dirty="0">
+                <a:solidFill>
+                  <a:srgbClr val="002060"/>
+                </a:solidFill>
+              </a:rPr>
+              <a:t>Introduzione</a:t>
+            </a:r>
+          </a:p>
+        </p:txBody>
+      </p:sp>
+      <p:sp>
+        <p:nvSpPr>
+          <p:cNvPr id="16" name="Rettangolo 15">
+            <a:extLst>
+              <a:ext uri="{FF2B5EF4-FFF2-40B4-BE49-F238E27FC236}">
+                <a16:creationId xmlns:a16="http://schemas.microsoft.com/office/drawing/2014/main" id="{1D00C170-E482-43CB-89E1-6BA16835BCC9}"/>
+              </a:ext>
+            </a:extLst>
+          </p:cNvPr>
+          <p:cNvSpPr/>
+          <p:nvPr/>
+        </p:nvSpPr>
+        <p:spPr>
+          <a:xfrm>
+            <a:off x="5806694" y="426274"/>
+            <a:ext cx="1277822" cy="324323"/>
+          </a:xfrm>
+          <a:prstGeom prst="rect">
+            <a:avLst/>
+          </a:prstGeom>
+          <a:solidFill>
+            <a:schemeClr val="accent1"/>
+          </a:solidFill>
+        </p:spPr>
+        <p:style>
+          <a:lnRef idx="2">
+            <a:schemeClr val="accent1">
+              <a:shade val="50000"/>
+            </a:schemeClr>
+          </a:lnRef>
+          <a:fillRef idx="1">
+            <a:schemeClr val="accent1"/>
+          </a:fillRef>
+          <a:effectRef idx="0">
+            <a:schemeClr val="accent1"/>
+          </a:effectRef>
+          <a:fontRef idx="minor">
+            <a:schemeClr val="lt1"/>
+          </a:fontRef>
+        </p:style>
+        <p:txBody>
+          <a:bodyPr rtlCol="0" anchor="ctr"/>
+          <a:lstStyle/>
+          <a:p>
+            <a:pPr algn="ctr"/>
+            <a:endParaRPr lang="it-IT" b="1" dirty="0">
+              <a:solidFill>
+                <a:schemeClr val="tx1"/>
+              </a:solidFill>
+            </a:endParaRPr>
+          </a:p>
+          <a:p>
+            <a:pPr algn="ctr"/>
+            <a:endParaRPr lang="it-IT" b="1" dirty="0">
+              <a:solidFill>
+                <a:srgbClr val="002060"/>
+              </a:solidFill>
+            </a:endParaRPr>
+          </a:p>
+          <a:p>
+            <a:pPr algn="ctr"/>
+            <a:endParaRPr lang="it-IT" dirty="0">
+              <a:solidFill>
+                <a:srgbClr val="002060"/>
+              </a:solidFill>
+            </a:endParaRPr>
+          </a:p>
+          <a:p>
+            <a:pPr algn="ctr"/>
+            <a:r>
+              <a:rPr lang="it-IT" sz="1000" b="1" dirty="0">
+                <a:solidFill>
+                  <a:srgbClr val="002060"/>
+                </a:solidFill>
+              </a:rPr>
+              <a:t>Implementazione</a:t>
+            </a:r>
+          </a:p>
+          <a:p>
+            <a:pPr algn="ctr"/>
+            <a:endParaRPr lang="it-IT" b="1" dirty="0">
+              <a:solidFill>
+                <a:schemeClr val="bg1"/>
+              </a:solidFill>
+            </a:endParaRPr>
+          </a:p>
+          <a:p>
+            <a:pPr algn="ctr"/>
+            <a:endParaRPr lang="it-IT" b="1" dirty="0">
+              <a:solidFill>
+                <a:schemeClr val="bg1"/>
+              </a:solidFill>
+            </a:endParaRPr>
+          </a:p>
+          <a:p>
+            <a:pPr algn="ctr"/>
+            <a:endParaRPr lang="it-IT" b="1" dirty="0">
+              <a:solidFill>
+                <a:schemeClr val="bg1"/>
+              </a:solidFill>
+            </a:endParaRPr>
+          </a:p>
+        </p:txBody>
+      </p:sp>
+      <p:sp>
+        <p:nvSpPr>
+          <p:cNvPr id="17" name="Rettangolo 16">
+            <a:extLst>
+              <a:ext uri="{FF2B5EF4-FFF2-40B4-BE49-F238E27FC236}">
+                <a16:creationId xmlns:a16="http://schemas.microsoft.com/office/drawing/2014/main" id="{22962501-961C-4859-93C1-CCC58E76B386}"/>
+              </a:ext>
+            </a:extLst>
+          </p:cNvPr>
+          <p:cNvSpPr/>
+          <p:nvPr/>
+        </p:nvSpPr>
+        <p:spPr>
+          <a:xfrm>
+            <a:off x="7361889" y="427784"/>
+            <a:ext cx="1277823" cy="322813"/>
+          </a:xfrm>
+          <a:prstGeom prst="rect">
+            <a:avLst/>
+          </a:prstGeom>
+          <a:solidFill>
+            <a:schemeClr val="accent1">
+              <a:lumMod val="40000"/>
+              <a:lumOff val="60000"/>
+            </a:schemeClr>
+          </a:solidFill>
+        </p:spPr>
+        <p:style>
+          <a:lnRef idx="2">
+            <a:schemeClr val="accent1">
+              <a:shade val="50000"/>
+            </a:schemeClr>
+          </a:lnRef>
+          <a:fillRef idx="1">
+            <a:schemeClr val="accent1"/>
+          </a:fillRef>
+          <a:effectRef idx="0">
+            <a:schemeClr val="accent1"/>
+          </a:effectRef>
+          <a:fontRef idx="minor">
+            <a:schemeClr val="lt1"/>
+          </a:fontRef>
+        </p:style>
+        <p:txBody>
+          <a:bodyPr rtlCol="0" anchor="ctr"/>
+          <a:lstStyle/>
+          <a:p>
+            <a:pPr algn="ctr"/>
+            <a:r>
+              <a:rPr lang="it-IT" sz="1000" b="1" dirty="0" err="1">
+                <a:solidFill>
+                  <a:srgbClr val="002060"/>
+                </a:solidFill>
+              </a:rPr>
+              <a:t>Cooling</a:t>
+            </a:r>
+            <a:r>
+              <a:rPr lang="it-IT" sz="1000" b="1" dirty="0">
+                <a:solidFill>
+                  <a:srgbClr val="002060"/>
+                </a:solidFill>
+              </a:rPr>
+              <a:t> e testing dei parametri</a:t>
+            </a:r>
+          </a:p>
+        </p:txBody>
+      </p:sp>
+      <p:cxnSp>
+        <p:nvCxnSpPr>
+          <p:cNvPr id="18" name="Connettore 2 17">
+            <a:extLst>
+              <a:ext uri="{FF2B5EF4-FFF2-40B4-BE49-F238E27FC236}">
+                <a16:creationId xmlns:a16="http://schemas.microsoft.com/office/drawing/2014/main" id="{0AB4D8D3-6737-41D0-A793-CC95CF946F66}"/>
+              </a:ext>
+            </a:extLst>
+          </p:cNvPr>
+          <p:cNvCxnSpPr>
+            <a:stCxn id="15" idx="3"/>
+            <a:endCxn id="16" idx="1"/>
+          </p:cNvCxnSpPr>
+          <p:nvPr/>
+        </p:nvCxnSpPr>
+        <p:spPr bwMode="auto">
+          <a:xfrm flipV="1">
+            <a:off x="5529321" y="588436"/>
+            <a:ext cx="277373" cy="1947"/>
+          </a:xfrm>
+          <a:prstGeom prst="straightConnector1">
+            <a:avLst/>
+          </a:prstGeom>
+          <a:solidFill>
+            <a:schemeClr val="accent1"/>
+          </a:solidFill>
+          <a:ln w="12700" cap="flat" cmpd="sng" algn="ctr">
+            <a:solidFill>
+              <a:schemeClr val="accent1"/>
+            </a:solidFill>
+            <a:prstDash val="solid"/>
+            <a:round/>
+            <a:headEnd type="none" w="sm" len="sm"/>
+            <a:tailEnd type="triangle"/>
+          </a:ln>
+          <a:effectLst/>
+          <a:extLst>
+            <a:ext uri="{AF507438-7753-43E0-B8FC-AC1667EBCBE1}">
+              <a14:hiddenEffects xmlns:a14="http://schemas.microsoft.com/office/drawing/2010/main">
+                <a:effectLst>
+                  <a:outerShdw dist="35921" dir="2700000" algn="ctr" rotWithShape="0">
+                    <a:schemeClr val="bg2"/>
+                  </a:outerShdw>
+                </a:effectLst>
+              </a14:hiddenEffects>
+            </a:ext>
+          </a:extLst>
+        </p:spPr>
+      </p:cxnSp>
+      <p:cxnSp>
+        <p:nvCxnSpPr>
+          <p:cNvPr id="19" name="Connettore 2 18">
+            <a:extLst>
+              <a:ext uri="{FF2B5EF4-FFF2-40B4-BE49-F238E27FC236}">
+                <a16:creationId xmlns:a16="http://schemas.microsoft.com/office/drawing/2014/main" id="{6C109D34-12EE-4AED-8CF2-9BCC16FD6D1D}"/>
+              </a:ext>
+            </a:extLst>
+          </p:cNvPr>
+          <p:cNvCxnSpPr>
+            <a:stCxn id="16" idx="3"/>
+            <a:endCxn id="17" idx="1"/>
+          </p:cNvCxnSpPr>
+          <p:nvPr/>
+        </p:nvCxnSpPr>
+        <p:spPr bwMode="auto">
+          <a:xfrm>
+            <a:off x="7084516" y="588436"/>
+            <a:ext cx="277373" cy="755"/>
+          </a:xfrm>
+          <a:prstGeom prst="straightConnector1">
+            <a:avLst/>
+          </a:prstGeom>
+          <a:solidFill>
+            <a:schemeClr val="accent1"/>
+          </a:solidFill>
+          <a:ln w="12700" cap="flat" cmpd="sng" algn="ctr">
+            <a:solidFill>
+              <a:schemeClr val="accent1"/>
+            </a:solidFill>
+            <a:prstDash val="solid"/>
+            <a:round/>
+            <a:headEnd type="none" w="sm" len="sm"/>
+            <a:tailEnd type="triangle"/>
+          </a:ln>
+          <a:effectLst/>
+          <a:extLst>
+            <a:ext uri="{AF507438-7753-43E0-B8FC-AC1667EBCBE1}">
+              <a14:hiddenEffects xmlns:a14="http://schemas.microsoft.com/office/drawing/2010/main">
+                <a:effectLst>
+                  <a:outerShdw dist="35921" dir="2700000" algn="ctr" rotWithShape="0">
+                    <a:schemeClr val="bg2"/>
+                  </a:outerShdw>
+                </a:effectLst>
+              </a14:hiddenEffects>
+            </a:ext>
+          </a:extLst>
+        </p:spPr>
+      </p:cxnSp>
     </p:spTree>
     <p:extLst>
       <p:ext uri="{BB962C8B-B14F-4D97-AF65-F5344CB8AC3E}">
@@ -41253,6 +48579,334 @@
           </a:extLst>
         </p:spPr>
       </p:pic>
+      <p:sp>
+        <p:nvSpPr>
+          <p:cNvPr id="12" name="Rettangolo 11">
+            <a:extLst>
+              <a:ext uri="{FF2B5EF4-FFF2-40B4-BE49-F238E27FC236}">
+                <a16:creationId xmlns:a16="http://schemas.microsoft.com/office/drawing/2014/main" id="{F849F379-5143-4F41-BE7E-EBB5C5DDC299}"/>
+              </a:ext>
+            </a:extLst>
+          </p:cNvPr>
+          <p:cNvSpPr/>
+          <p:nvPr/>
+        </p:nvSpPr>
+        <p:spPr>
+          <a:xfrm>
+            <a:off x="4251499" y="430168"/>
+            <a:ext cx="1277822" cy="320429"/>
+          </a:xfrm>
+          <a:prstGeom prst="rect">
+            <a:avLst/>
+          </a:prstGeom>
+          <a:solidFill>
+            <a:schemeClr val="accent1">
+              <a:lumMod val="40000"/>
+              <a:lumOff val="60000"/>
+            </a:schemeClr>
+          </a:solidFill>
+        </p:spPr>
+        <p:style>
+          <a:lnRef idx="2">
+            <a:schemeClr val="accent1">
+              <a:shade val="50000"/>
+            </a:schemeClr>
+          </a:lnRef>
+          <a:fillRef idx="1">
+            <a:schemeClr val="accent1"/>
+          </a:fillRef>
+          <a:effectRef idx="0">
+            <a:schemeClr val="accent1"/>
+          </a:effectRef>
+          <a:fontRef idx="minor">
+            <a:schemeClr val="lt1"/>
+          </a:fontRef>
+        </p:style>
+        <p:txBody>
+          <a:bodyPr rtlCol="0" anchor="ctr"/>
+          <a:lstStyle/>
+          <a:p>
+            <a:pPr algn="ctr"/>
+            <a:r>
+              <a:rPr lang="it-IT" sz="1000" b="1" dirty="0">
+                <a:solidFill>
+                  <a:srgbClr val="002060"/>
+                </a:solidFill>
+              </a:rPr>
+              <a:t>Introduzione</a:t>
+            </a:r>
+          </a:p>
+        </p:txBody>
+      </p:sp>
+      <p:sp>
+        <p:nvSpPr>
+          <p:cNvPr id="13" name="Rettangolo 12">
+            <a:extLst>
+              <a:ext uri="{FF2B5EF4-FFF2-40B4-BE49-F238E27FC236}">
+                <a16:creationId xmlns:a16="http://schemas.microsoft.com/office/drawing/2014/main" id="{1B309490-BEDD-4D15-8D69-DBF22471BAF2}"/>
+              </a:ext>
+            </a:extLst>
+          </p:cNvPr>
+          <p:cNvSpPr/>
+          <p:nvPr/>
+        </p:nvSpPr>
+        <p:spPr>
+          <a:xfrm>
+            <a:off x="5806694" y="426274"/>
+            <a:ext cx="1277822" cy="324323"/>
+          </a:xfrm>
+          <a:prstGeom prst="rect">
+            <a:avLst/>
+          </a:prstGeom>
+          <a:solidFill>
+            <a:schemeClr val="accent1"/>
+          </a:solidFill>
+        </p:spPr>
+        <p:style>
+          <a:lnRef idx="2">
+            <a:schemeClr val="accent1">
+              <a:shade val="50000"/>
+            </a:schemeClr>
+          </a:lnRef>
+          <a:fillRef idx="1">
+            <a:schemeClr val="accent1"/>
+          </a:fillRef>
+          <a:effectRef idx="0">
+            <a:schemeClr val="accent1"/>
+          </a:effectRef>
+          <a:fontRef idx="minor">
+            <a:schemeClr val="lt1"/>
+          </a:fontRef>
+        </p:style>
+        <p:txBody>
+          <a:bodyPr rtlCol="0" anchor="ctr"/>
+          <a:lstStyle/>
+          <a:p>
+            <a:pPr algn="ctr"/>
+            <a:endParaRPr lang="it-IT" b="1" dirty="0">
+              <a:solidFill>
+                <a:schemeClr val="tx1"/>
+              </a:solidFill>
+            </a:endParaRPr>
+          </a:p>
+          <a:p>
+            <a:pPr algn="ctr"/>
+            <a:endParaRPr lang="it-IT" b="1" dirty="0">
+              <a:solidFill>
+                <a:srgbClr val="002060"/>
+              </a:solidFill>
+            </a:endParaRPr>
+          </a:p>
+          <a:p>
+            <a:pPr algn="ctr"/>
+            <a:endParaRPr lang="it-IT" dirty="0">
+              <a:solidFill>
+                <a:srgbClr val="002060"/>
+              </a:solidFill>
+            </a:endParaRPr>
+          </a:p>
+          <a:p>
+            <a:pPr algn="ctr"/>
+            <a:r>
+              <a:rPr lang="it-IT" sz="1000" b="1" dirty="0">
+                <a:solidFill>
+                  <a:srgbClr val="002060"/>
+                </a:solidFill>
+              </a:rPr>
+              <a:t>Implementazione</a:t>
+            </a:r>
+          </a:p>
+          <a:p>
+            <a:pPr algn="ctr"/>
+            <a:endParaRPr lang="it-IT" b="1" dirty="0">
+              <a:solidFill>
+                <a:schemeClr val="bg1"/>
+              </a:solidFill>
+            </a:endParaRPr>
+          </a:p>
+          <a:p>
+            <a:pPr algn="ctr"/>
+            <a:endParaRPr lang="it-IT" b="1" dirty="0">
+              <a:solidFill>
+                <a:schemeClr val="bg1"/>
+              </a:solidFill>
+            </a:endParaRPr>
+          </a:p>
+          <a:p>
+            <a:pPr algn="ctr"/>
+            <a:endParaRPr lang="it-IT" b="1" dirty="0">
+              <a:solidFill>
+                <a:schemeClr val="bg1"/>
+              </a:solidFill>
+            </a:endParaRPr>
+          </a:p>
+        </p:txBody>
+      </p:sp>
+      <p:sp>
+        <p:nvSpPr>
+          <p:cNvPr id="14" name="Rettangolo 13">
+            <a:extLst>
+              <a:ext uri="{FF2B5EF4-FFF2-40B4-BE49-F238E27FC236}">
+                <a16:creationId xmlns:a16="http://schemas.microsoft.com/office/drawing/2014/main" id="{6B22AEA1-5EC9-4D35-8B60-0B3E2EEC5524}"/>
+              </a:ext>
+            </a:extLst>
+          </p:cNvPr>
+          <p:cNvSpPr/>
+          <p:nvPr/>
+        </p:nvSpPr>
+        <p:spPr>
+          <a:xfrm>
+            <a:off x="7361889" y="427784"/>
+            <a:ext cx="1277823" cy="322813"/>
+          </a:xfrm>
+          <a:prstGeom prst="rect">
+            <a:avLst/>
+          </a:prstGeom>
+          <a:solidFill>
+            <a:schemeClr val="accent1">
+              <a:lumMod val="40000"/>
+              <a:lumOff val="60000"/>
+            </a:schemeClr>
+          </a:solidFill>
+        </p:spPr>
+        <p:style>
+          <a:lnRef idx="2">
+            <a:schemeClr val="accent1">
+              <a:shade val="50000"/>
+            </a:schemeClr>
+          </a:lnRef>
+          <a:fillRef idx="1">
+            <a:schemeClr val="accent1"/>
+          </a:fillRef>
+          <a:effectRef idx="0">
+            <a:schemeClr val="accent1"/>
+          </a:effectRef>
+          <a:fontRef idx="minor">
+            <a:schemeClr val="lt1"/>
+          </a:fontRef>
+        </p:style>
+        <p:txBody>
+          <a:bodyPr rtlCol="0" anchor="ctr"/>
+          <a:lstStyle/>
+          <a:p>
+            <a:pPr algn="ctr"/>
+            <a:r>
+              <a:rPr lang="it-IT" sz="1000" b="1" dirty="0" err="1">
+                <a:solidFill>
+                  <a:srgbClr val="002060"/>
+                </a:solidFill>
+              </a:rPr>
+              <a:t>Cooling</a:t>
+            </a:r>
+            <a:r>
+              <a:rPr lang="it-IT" sz="1000" b="1" dirty="0">
+                <a:solidFill>
+                  <a:srgbClr val="002060"/>
+                </a:solidFill>
+              </a:rPr>
+              <a:t> e testing dei parametri</a:t>
+            </a:r>
+          </a:p>
+        </p:txBody>
+      </p:sp>
+      <p:cxnSp>
+        <p:nvCxnSpPr>
+          <p:cNvPr id="15" name="Connettore 2 14">
+            <a:extLst>
+              <a:ext uri="{FF2B5EF4-FFF2-40B4-BE49-F238E27FC236}">
+                <a16:creationId xmlns:a16="http://schemas.microsoft.com/office/drawing/2014/main" id="{F47CC154-ECD3-4854-941A-0F2CFDD1B854}"/>
+              </a:ext>
+            </a:extLst>
+          </p:cNvPr>
+          <p:cNvCxnSpPr>
+            <a:stCxn id="12" idx="3"/>
+            <a:endCxn id="13" idx="1"/>
+          </p:cNvCxnSpPr>
+          <p:nvPr/>
+        </p:nvCxnSpPr>
+        <p:spPr bwMode="auto">
+          <a:xfrm flipV="1">
+            <a:off x="5529321" y="588436"/>
+            <a:ext cx="277373" cy="1947"/>
+          </a:xfrm>
+          <a:prstGeom prst="straightConnector1">
+            <a:avLst/>
+          </a:prstGeom>
+          <a:solidFill>
+            <a:schemeClr val="accent1"/>
+          </a:solidFill>
+          <a:ln w="12700" cap="flat" cmpd="sng" algn="ctr">
+            <a:solidFill>
+              <a:schemeClr val="accent1"/>
+            </a:solidFill>
+            <a:prstDash val="solid"/>
+            <a:round/>
+            <a:headEnd type="none" w="sm" len="sm"/>
+            <a:tailEnd type="triangle"/>
+          </a:ln>
+          <a:effectLst/>
+          <a:extLst>
+            <a:ext uri="{AF507438-7753-43E0-B8FC-AC1667EBCBE1}">
+              <a14:hiddenEffects xmlns:a14="http://schemas.microsoft.com/office/drawing/2010/main">
+                <a:effectLst>
+                  <a:outerShdw dist="35921" dir="2700000" algn="ctr" rotWithShape="0">
+                    <a:schemeClr val="bg2"/>
+                  </a:outerShdw>
+                </a:effectLst>
+              </a14:hiddenEffects>
+            </a:ext>
+          </a:extLst>
+        </p:spPr>
+      </p:cxnSp>
+      <p:cxnSp>
+        <p:nvCxnSpPr>
+          <p:cNvPr id="16" name="Connettore 2 15">
+            <a:extLst>
+              <a:ext uri="{FF2B5EF4-FFF2-40B4-BE49-F238E27FC236}">
+                <a16:creationId xmlns:a16="http://schemas.microsoft.com/office/drawing/2014/main" id="{FB08B1D2-DB31-48C9-82CE-0F548CE544B2}"/>
+              </a:ext>
+            </a:extLst>
+          </p:cNvPr>
+          <p:cNvCxnSpPr>
+            <a:stCxn id="13" idx="3"/>
+            <a:endCxn id="14" idx="1"/>
+          </p:cNvCxnSpPr>
+          <p:nvPr/>
+        </p:nvCxnSpPr>
+        <p:spPr bwMode="auto">
+          <a:xfrm>
+            <a:off x="7084516" y="588436"/>
+            <a:ext cx="277373" cy="755"/>
+          </a:xfrm>
+          <a:prstGeom prst="straightConnector1">
+            <a:avLst/>
+          </a:prstGeom>
+          <a:solidFill>
+            <a:schemeClr val="accent1"/>
+          </a:solidFill>
+          <a:ln w="12700" cap="flat" cmpd="sng" algn="ctr">
+            <a:solidFill>
+              <a:schemeClr val="accent1"/>
+            </a:solidFill>
+            <a:prstDash val="solid"/>
+            <a:round/>
+            <a:headEnd type="none" w="sm" len="sm"/>
+            <a:tailEnd type="triangle"/>
+          </a:ln>
+          <a:effectLst/>
+          <a:extLst>
+            <a:ext uri="{AF507438-7753-43E0-B8FC-AC1667EBCBE1}">
+              <a14:hiddenEffects xmlns:a14="http://schemas.microsoft.com/office/drawing/2010/main">
+                <a:effectLst>
+                  <a:outerShdw dist="35921" dir="2700000" algn="ctr" rotWithShape="0">
+                    <a:schemeClr val="bg2"/>
+                  </a:outerShdw>
+                </a:effectLst>
+              </a14:hiddenEffects>
+            </a:ext>
+          </a:extLst>
+        </p:spPr>
+      </p:cxnSp>
     </p:spTree>
     <p:extLst>
       <p:ext uri="{BB962C8B-B14F-4D97-AF65-F5344CB8AC3E}">
